--- a/01-LED/01_Pro_ucitele/Prezentace/12-cykly.pptx
+++ b/01-LED/01_Pro_ucitele/Prezentace/12-cykly.pptx
@@ -69,8 +69,8 @@
         </p:nvSpPr>
         <p:spPr>
           <a:xfrm>
-            <a:off x="504000" y="72000"/>
-            <a:ext cx="9070920" cy="863280"/>
+            <a:off x="504000" y="301320"/>
+            <a:ext cx="9072000" cy="1261800"/>
           </a:xfrm>
           <a:prstGeom prst="rect">
             <a:avLst/>
@@ -98,8 +98,8 @@
         </p:nvSpPr>
         <p:spPr>
           <a:xfrm>
-            <a:off x="504000" y="1769040"/>
-            <a:ext cx="9070920" cy="2090880"/>
+            <a:off x="504000" y="1768680"/>
+            <a:ext cx="9072000" cy="2090880"/>
           </a:xfrm>
           <a:prstGeom prst="rect">
             <a:avLst/>
@@ -128,8 +128,8 @@
         </p:nvSpPr>
         <p:spPr>
           <a:xfrm>
-            <a:off x="504000" y="4059000"/>
-            <a:ext cx="9070920" cy="2090880"/>
+            <a:off x="504000" y="4058640"/>
+            <a:ext cx="9072000" cy="2090880"/>
           </a:xfrm>
           <a:prstGeom prst="rect">
             <a:avLst/>
@@ -180,8 +180,8 @@
         </p:nvSpPr>
         <p:spPr>
           <a:xfrm>
-            <a:off x="504000" y="72000"/>
-            <a:ext cx="9070920" cy="863280"/>
+            <a:off x="504000" y="301320"/>
+            <a:ext cx="9072000" cy="1261800"/>
           </a:xfrm>
           <a:prstGeom prst="rect">
             <a:avLst/>
@@ -209,8 +209,8 @@
         </p:nvSpPr>
         <p:spPr>
           <a:xfrm>
-            <a:off x="504000" y="1769040"/>
-            <a:ext cx="4426560" cy="2090880"/>
+            <a:off x="504000" y="1768680"/>
+            <a:ext cx="4426920" cy="2090880"/>
           </a:xfrm>
           <a:prstGeom prst="rect">
             <a:avLst/>
@@ -239,8 +239,8 @@
         </p:nvSpPr>
         <p:spPr>
           <a:xfrm>
-            <a:off x="5152320" y="1769040"/>
-            <a:ext cx="4426560" cy="2090880"/>
+            <a:off x="5152680" y="1768680"/>
+            <a:ext cx="4426920" cy="2090880"/>
           </a:xfrm>
           <a:prstGeom prst="rect">
             <a:avLst/>
@@ -269,8 +269,8 @@
         </p:nvSpPr>
         <p:spPr>
           <a:xfrm>
-            <a:off x="504000" y="4059000"/>
-            <a:ext cx="4426560" cy="2090880"/>
+            <a:off x="504000" y="4058640"/>
+            <a:ext cx="4426920" cy="2090880"/>
           </a:xfrm>
           <a:prstGeom prst="rect">
             <a:avLst/>
@@ -299,8 +299,8 @@
         </p:nvSpPr>
         <p:spPr>
           <a:xfrm>
-            <a:off x="5152320" y="4059000"/>
-            <a:ext cx="4426560" cy="2090880"/>
+            <a:off x="5152680" y="4058640"/>
+            <a:ext cx="4426920" cy="2090880"/>
           </a:xfrm>
           <a:prstGeom prst="rect">
             <a:avLst/>
@@ -351,8 +351,8 @@
         </p:nvSpPr>
         <p:spPr>
           <a:xfrm>
-            <a:off x="504000" y="72000"/>
-            <a:ext cx="9070920" cy="863280"/>
+            <a:off x="504000" y="301320"/>
+            <a:ext cx="9072000" cy="1261800"/>
           </a:xfrm>
           <a:prstGeom prst="rect">
             <a:avLst/>
@@ -380,8 +380,8 @@
         </p:nvSpPr>
         <p:spPr>
           <a:xfrm>
-            <a:off x="504000" y="1769040"/>
-            <a:ext cx="2920680" cy="2090880"/>
+            <a:off x="504000" y="1768680"/>
+            <a:ext cx="2921040" cy="2090880"/>
           </a:xfrm>
           <a:prstGeom prst="rect">
             <a:avLst/>
@@ -410,8 +410,8 @@
         </p:nvSpPr>
         <p:spPr>
           <a:xfrm>
-            <a:off x="3571200" y="1769040"/>
-            <a:ext cx="2920680" cy="2090880"/>
+            <a:off x="3571560" y="1768680"/>
+            <a:ext cx="2921040" cy="2090880"/>
           </a:xfrm>
           <a:prstGeom prst="rect">
             <a:avLst/>
@@ -440,8 +440,8 @@
         </p:nvSpPr>
         <p:spPr>
           <a:xfrm>
-            <a:off x="6638040" y="1769040"/>
-            <a:ext cx="2920680" cy="2090880"/>
+            <a:off x="6639120" y="1768680"/>
+            <a:ext cx="2921040" cy="2090880"/>
           </a:xfrm>
           <a:prstGeom prst="rect">
             <a:avLst/>
@@ -470,8 +470,8 @@
         </p:nvSpPr>
         <p:spPr>
           <a:xfrm>
-            <a:off x="504000" y="4059000"/>
-            <a:ext cx="2920680" cy="2090880"/>
+            <a:off x="504000" y="4058640"/>
+            <a:ext cx="2921040" cy="2090880"/>
           </a:xfrm>
           <a:prstGeom prst="rect">
             <a:avLst/>
@@ -500,8 +500,8 @@
         </p:nvSpPr>
         <p:spPr>
           <a:xfrm>
-            <a:off x="3571200" y="4059000"/>
-            <a:ext cx="2920680" cy="2090880"/>
+            <a:off x="3571560" y="4058640"/>
+            <a:ext cx="2921040" cy="2090880"/>
           </a:xfrm>
           <a:prstGeom prst="rect">
             <a:avLst/>
@@ -530,8 +530,8 @@
         </p:nvSpPr>
         <p:spPr>
           <a:xfrm>
-            <a:off x="6638040" y="4059000"/>
-            <a:ext cx="2920680" cy="2090880"/>
+            <a:off x="6639120" y="4058640"/>
+            <a:ext cx="2921040" cy="2090880"/>
           </a:xfrm>
           <a:prstGeom prst="rect">
             <a:avLst/>
@@ -604,8 +604,8 @@
         </p:nvSpPr>
         <p:spPr>
           <a:xfrm>
-            <a:off x="504000" y="72000"/>
-            <a:ext cx="9070920" cy="863280"/>
+            <a:off x="504000" y="301320"/>
+            <a:ext cx="9072000" cy="1261800"/>
           </a:xfrm>
           <a:prstGeom prst="rect">
             <a:avLst/>
@@ -633,8 +633,8 @@
         </p:nvSpPr>
         <p:spPr>
           <a:xfrm>
-            <a:off x="504000" y="1769040"/>
-            <a:ext cx="9070920" cy="4384080"/>
+            <a:off x="504000" y="1768680"/>
+            <a:ext cx="9072000" cy="4384080"/>
           </a:xfrm>
           <a:prstGeom prst="rect">
             <a:avLst/>
@@ -684,8 +684,8 @@
         </p:nvSpPr>
         <p:spPr>
           <a:xfrm>
-            <a:off x="504000" y="72000"/>
-            <a:ext cx="9070920" cy="863280"/>
+            <a:off x="504000" y="301320"/>
+            <a:ext cx="9072000" cy="1261800"/>
           </a:xfrm>
           <a:prstGeom prst="rect">
             <a:avLst/>
@@ -713,8 +713,8 @@
         </p:nvSpPr>
         <p:spPr>
           <a:xfrm>
-            <a:off x="504000" y="1769040"/>
-            <a:ext cx="9070920" cy="4384080"/>
+            <a:off x="504000" y="1768680"/>
+            <a:ext cx="9072000" cy="4384080"/>
           </a:xfrm>
           <a:prstGeom prst="rect">
             <a:avLst/>
@@ -765,8 +765,8 @@
         </p:nvSpPr>
         <p:spPr>
           <a:xfrm>
-            <a:off x="504000" y="72000"/>
-            <a:ext cx="9070920" cy="863280"/>
+            <a:off x="504000" y="301320"/>
+            <a:ext cx="9072000" cy="1261800"/>
           </a:xfrm>
           <a:prstGeom prst="rect">
             <a:avLst/>
@@ -794,8 +794,8 @@
         </p:nvSpPr>
         <p:spPr>
           <a:xfrm>
-            <a:off x="504000" y="1769040"/>
-            <a:ext cx="4426560" cy="4384080"/>
+            <a:off x="504000" y="1768680"/>
+            <a:ext cx="4426920" cy="4384080"/>
           </a:xfrm>
           <a:prstGeom prst="rect">
             <a:avLst/>
@@ -824,8 +824,8 @@
         </p:nvSpPr>
         <p:spPr>
           <a:xfrm>
-            <a:off x="5152320" y="1769040"/>
-            <a:ext cx="4426560" cy="4384080"/>
+            <a:off x="5152680" y="1768680"/>
+            <a:ext cx="4426920" cy="4384080"/>
           </a:xfrm>
           <a:prstGeom prst="rect">
             <a:avLst/>
@@ -876,8 +876,8 @@
         </p:nvSpPr>
         <p:spPr>
           <a:xfrm>
-            <a:off x="504000" y="72000"/>
-            <a:ext cx="9070920" cy="863280"/>
+            <a:off x="504000" y="301320"/>
+            <a:ext cx="9072000" cy="1261800"/>
           </a:xfrm>
           <a:prstGeom prst="rect">
             <a:avLst/>
@@ -927,8 +927,8 @@
         </p:nvSpPr>
         <p:spPr>
           <a:xfrm>
-            <a:off x="504000" y="72000"/>
-            <a:ext cx="9070920" cy="4002840"/>
+            <a:off x="504000" y="301320"/>
+            <a:ext cx="9072000" cy="5850360"/>
           </a:xfrm>
           <a:prstGeom prst="rect">
             <a:avLst/>
@@ -978,8 +978,8 @@
         </p:nvSpPr>
         <p:spPr>
           <a:xfrm>
-            <a:off x="504000" y="72000"/>
-            <a:ext cx="9070920" cy="863280"/>
+            <a:off x="504000" y="301320"/>
+            <a:ext cx="9072000" cy="1261800"/>
           </a:xfrm>
           <a:prstGeom prst="rect">
             <a:avLst/>
@@ -1007,8 +1007,8 @@
         </p:nvSpPr>
         <p:spPr>
           <a:xfrm>
-            <a:off x="504000" y="1769040"/>
-            <a:ext cx="4426560" cy="2090880"/>
+            <a:off x="504000" y="1768680"/>
+            <a:ext cx="4426920" cy="2090880"/>
           </a:xfrm>
           <a:prstGeom prst="rect">
             <a:avLst/>
@@ -1037,8 +1037,8 @@
         </p:nvSpPr>
         <p:spPr>
           <a:xfrm>
-            <a:off x="5152320" y="1769040"/>
-            <a:ext cx="4426560" cy="4384080"/>
+            <a:off x="5152680" y="1768680"/>
+            <a:ext cx="4426920" cy="4384080"/>
           </a:xfrm>
           <a:prstGeom prst="rect">
             <a:avLst/>
@@ -1067,8 +1067,8 @@
         </p:nvSpPr>
         <p:spPr>
           <a:xfrm>
-            <a:off x="504000" y="4059000"/>
-            <a:ext cx="4426560" cy="2090880"/>
+            <a:off x="504000" y="4058640"/>
+            <a:ext cx="4426920" cy="2090880"/>
           </a:xfrm>
           <a:prstGeom prst="rect">
             <a:avLst/>
@@ -1119,8 +1119,8 @@
         </p:nvSpPr>
         <p:spPr>
           <a:xfrm>
-            <a:off x="504000" y="72000"/>
-            <a:ext cx="9070920" cy="863280"/>
+            <a:off x="504000" y="301320"/>
+            <a:ext cx="9072000" cy="1261800"/>
           </a:xfrm>
           <a:prstGeom prst="rect">
             <a:avLst/>
@@ -1148,8 +1148,8 @@
         </p:nvSpPr>
         <p:spPr>
           <a:xfrm>
-            <a:off x="504000" y="1769040"/>
-            <a:ext cx="9070920" cy="4384080"/>
+            <a:off x="504000" y="1768680"/>
+            <a:ext cx="9072000" cy="4384080"/>
           </a:xfrm>
           <a:prstGeom prst="rect">
             <a:avLst/>
@@ -1199,8 +1199,8 @@
         </p:nvSpPr>
         <p:spPr>
           <a:xfrm>
-            <a:off x="504000" y="72000"/>
-            <a:ext cx="9070920" cy="863280"/>
+            <a:off x="504000" y="301320"/>
+            <a:ext cx="9072000" cy="1261800"/>
           </a:xfrm>
           <a:prstGeom prst="rect">
             <a:avLst/>
@@ -1228,8 +1228,8 @@
         </p:nvSpPr>
         <p:spPr>
           <a:xfrm>
-            <a:off x="504000" y="1769040"/>
-            <a:ext cx="4426560" cy="4384080"/>
+            <a:off x="504000" y="1768680"/>
+            <a:ext cx="4426920" cy="4384080"/>
           </a:xfrm>
           <a:prstGeom prst="rect">
             <a:avLst/>
@@ -1258,8 +1258,8 @@
         </p:nvSpPr>
         <p:spPr>
           <a:xfrm>
-            <a:off x="5152320" y="1769040"/>
-            <a:ext cx="4426560" cy="2090880"/>
+            <a:off x="5152680" y="1768680"/>
+            <a:ext cx="4426920" cy="2090880"/>
           </a:xfrm>
           <a:prstGeom prst="rect">
             <a:avLst/>
@@ -1288,8 +1288,8 @@
         </p:nvSpPr>
         <p:spPr>
           <a:xfrm>
-            <a:off x="5152320" y="4059000"/>
-            <a:ext cx="4426560" cy="2090880"/>
+            <a:off x="5152680" y="4058640"/>
+            <a:ext cx="4426920" cy="2090880"/>
           </a:xfrm>
           <a:prstGeom prst="rect">
             <a:avLst/>
@@ -1340,8 +1340,8 @@
         </p:nvSpPr>
         <p:spPr>
           <a:xfrm>
-            <a:off x="504000" y="72000"/>
-            <a:ext cx="9070920" cy="863280"/>
+            <a:off x="504000" y="301320"/>
+            <a:ext cx="9072000" cy="1261800"/>
           </a:xfrm>
           <a:prstGeom prst="rect">
             <a:avLst/>
@@ -1369,8 +1369,8 @@
         </p:nvSpPr>
         <p:spPr>
           <a:xfrm>
-            <a:off x="504000" y="1769040"/>
-            <a:ext cx="4426560" cy="2090880"/>
+            <a:off x="504000" y="1768680"/>
+            <a:ext cx="4426920" cy="2090880"/>
           </a:xfrm>
           <a:prstGeom prst="rect">
             <a:avLst/>
@@ -1399,8 +1399,8 @@
         </p:nvSpPr>
         <p:spPr>
           <a:xfrm>
-            <a:off x="5152320" y="1769040"/>
-            <a:ext cx="4426560" cy="2090880"/>
+            <a:off x="5152680" y="1768680"/>
+            <a:ext cx="4426920" cy="2090880"/>
           </a:xfrm>
           <a:prstGeom prst="rect">
             <a:avLst/>
@@ -1429,8 +1429,8 @@
         </p:nvSpPr>
         <p:spPr>
           <a:xfrm>
-            <a:off x="504000" y="4059000"/>
-            <a:ext cx="9070920" cy="2090880"/>
+            <a:off x="504000" y="4058640"/>
+            <a:ext cx="9072000" cy="2090880"/>
           </a:xfrm>
           <a:prstGeom prst="rect">
             <a:avLst/>
@@ -1481,8 +1481,8 @@
         </p:nvSpPr>
         <p:spPr>
           <a:xfrm>
-            <a:off x="504000" y="72000"/>
-            <a:ext cx="9070920" cy="863280"/>
+            <a:off x="504000" y="301320"/>
+            <a:ext cx="9072000" cy="1261800"/>
           </a:xfrm>
           <a:prstGeom prst="rect">
             <a:avLst/>
@@ -1510,8 +1510,8 @@
         </p:nvSpPr>
         <p:spPr>
           <a:xfrm>
-            <a:off x="504000" y="1769040"/>
-            <a:ext cx="9070920" cy="2090880"/>
+            <a:off x="504000" y="1768680"/>
+            <a:ext cx="9072000" cy="2090880"/>
           </a:xfrm>
           <a:prstGeom prst="rect">
             <a:avLst/>
@@ -1540,8 +1540,8 @@
         </p:nvSpPr>
         <p:spPr>
           <a:xfrm>
-            <a:off x="504000" y="4059000"/>
-            <a:ext cx="9070920" cy="2090880"/>
+            <a:off x="504000" y="4058640"/>
+            <a:ext cx="9072000" cy="2090880"/>
           </a:xfrm>
           <a:prstGeom prst="rect">
             <a:avLst/>
@@ -1592,8 +1592,8 @@
         </p:nvSpPr>
         <p:spPr>
           <a:xfrm>
-            <a:off x="504000" y="72000"/>
-            <a:ext cx="9070920" cy="863280"/>
+            <a:off x="504000" y="301320"/>
+            <a:ext cx="9072000" cy="1261800"/>
           </a:xfrm>
           <a:prstGeom prst="rect">
             <a:avLst/>
@@ -1621,8 +1621,8 @@
         </p:nvSpPr>
         <p:spPr>
           <a:xfrm>
-            <a:off x="504000" y="1769040"/>
-            <a:ext cx="4426560" cy="2090880"/>
+            <a:off x="504000" y="1768680"/>
+            <a:ext cx="4426920" cy="2090880"/>
           </a:xfrm>
           <a:prstGeom prst="rect">
             <a:avLst/>
@@ -1651,8 +1651,8 @@
         </p:nvSpPr>
         <p:spPr>
           <a:xfrm>
-            <a:off x="5152320" y="1769040"/>
-            <a:ext cx="4426560" cy="2090880"/>
+            <a:off x="5152680" y="1768680"/>
+            <a:ext cx="4426920" cy="2090880"/>
           </a:xfrm>
           <a:prstGeom prst="rect">
             <a:avLst/>
@@ -1681,8 +1681,8 @@
         </p:nvSpPr>
         <p:spPr>
           <a:xfrm>
-            <a:off x="504000" y="4059000"/>
-            <a:ext cx="4426560" cy="2090880"/>
+            <a:off x="504000" y="4058640"/>
+            <a:ext cx="4426920" cy="2090880"/>
           </a:xfrm>
           <a:prstGeom prst="rect">
             <a:avLst/>
@@ -1711,8 +1711,8 @@
         </p:nvSpPr>
         <p:spPr>
           <a:xfrm>
-            <a:off x="5152320" y="4059000"/>
-            <a:ext cx="4426560" cy="2090880"/>
+            <a:off x="5152680" y="4058640"/>
+            <a:ext cx="4426920" cy="2090880"/>
           </a:xfrm>
           <a:prstGeom prst="rect">
             <a:avLst/>
@@ -1763,8 +1763,8 @@
         </p:nvSpPr>
         <p:spPr>
           <a:xfrm>
-            <a:off x="504000" y="72000"/>
-            <a:ext cx="9070920" cy="863280"/>
+            <a:off x="504000" y="301320"/>
+            <a:ext cx="9072000" cy="1261800"/>
           </a:xfrm>
           <a:prstGeom prst="rect">
             <a:avLst/>
@@ -1792,8 +1792,8 @@
         </p:nvSpPr>
         <p:spPr>
           <a:xfrm>
-            <a:off x="504000" y="1769040"/>
-            <a:ext cx="2920680" cy="2090880"/>
+            <a:off x="504000" y="1768680"/>
+            <a:ext cx="2921040" cy="2090880"/>
           </a:xfrm>
           <a:prstGeom prst="rect">
             <a:avLst/>
@@ -1822,8 +1822,8 @@
         </p:nvSpPr>
         <p:spPr>
           <a:xfrm>
-            <a:off x="3571200" y="1769040"/>
-            <a:ext cx="2920680" cy="2090880"/>
+            <a:off x="3571560" y="1768680"/>
+            <a:ext cx="2921040" cy="2090880"/>
           </a:xfrm>
           <a:prstGeom prst="rect">
             <a:avLst/>
@@ -1852,8 +1852,8 @@
         </p:nvSpPr>
         <p:spPr>
           <a:xfrm>
-            <a:off x="6638040" y="1769040"/>
-            <a:ext cx="2920680" cy="2090880"/>
+            <a:off x="6639120" y="1768680"/>
+            <a:ext cx="2921040" cy="2090880"/>
           </a:xfrm>
           <a:prstGeom prst="rect">
             <a:avLst/>
@@ -1882,8 +1882,8 @@
         </p:nvSpPr>
         <p:spPr>
           <a:xfrm>
-            <a:off x="504000" y="4059000"/>
-            <a:ext cx="2920680" cy="2090880"/>
+            <a:off x="504000" y="4058640"/>
+            <a:ext cx="2921040" cy="2090880"/>
           </a:xfrm>
           <a:prstGeom prst="rect">
             <a:avLst/>
@@ -1912,8 +1912,8 @@
         </p:nvSpPr>
         <p:spPr>
           <a:xfrm>
-            <a:off x="3571200" y="4059000"/>
-            <a:ext cx="2920680" cy="2090880"/>
+            <a:off x="3571560" y="4058640"/>
+            <a:ext cx="2921040" cy="2090880"/>
           </a:xfrm>
           <a:prstGeom prst="rect">
             <a:avLst/>
@@ -1942,8 +1942,8 @@
         </p:nvSpPr>
         <p:spPr>
           <a:xfrm>
-            <a:off x="6638040" y="4059000"/>
-            <a:ext cx="2920680" cy="2090880"/>
+            <a:off x="6639120" y="4058640"/>
+            <a:ext cx="2921040" cy="2090880"/>
           </a:xfrm>
           <a:prstGeom prst="rect">
             <a:avLst/>
@@ -2016,8 +2016,8 @@
         </p:nvSpPr>
         <p:spPr>
           <a:xfrm>
-            <a:off x="504000" y="72000"/>
-            <a:ext cx="9070920" cy="863280"/>
+            <a:off x="504000" y="301320"/>
+            <a:ext cx="9072000" cy="1261800"/>
           </a:xfrm>
           <a:prstGeom prst="rect">
             <a:avLst/>
@@ -2045,8 +2045,8 @@
         </p:nvSpPr>
         <p:spPr>
           <a:xfrm>
-            <a:off x="504000" y="1769040"/>
-            <a:ext cx="9070920" cy="4384080"/>
+            <a:off x="504000" y="1768680"/>
+            <a:ext cx="9072000" cy="4384080"/>
           </a:xfrm>
           <a:prstGeom prst="rect">
             <a:avLst/>
@@ -2096,8 +2096,8 @@
         </p:nvSpPr>
         <p:spPr>
           <a:xfrm>
-            <a:off x="504000" y="72000"/>
-            <a:ext cx="9070920" cy="863280"/>
+            <a:off x="504000" y="301320"/>
+            <a:ext cx="9072000" cy="1261800"/>
           </a:xfrm>
           <a:prstGeom prst="rect">
             <a:avLst/>
@@ -2125,8 +2125,8 @@
         </p:nvSpPr>
         <p:spPr>
           <a:xfrm>
-            <a:off x="504000" y="1769040"/>
-            <a:ext cx="9070920" cy="4384080"/>
+            <a:off x="504000" y="1768680"/>
+            <a:ext cx="9072000" cy="4384080"/>
           </a:xfrm>
           <a:prstGeom prst="rect">
             <a:avLst/>
@@ -2177,8 +2177,8 @@
         </p:nvSpPr>
         <p:spPr>
           <a:xfrm>
-            <a:off x="504000" y="72000"/>
-            <a:ext cx="9070920" cy="863280"/>
+            <a:off x="504000" y="301320"/>
+            <a:ext cx="9072000" cy="1261800"/>
           </a:xfrm>
           <a:prstGeom prst="rect">
             <a:avLst/>
@@ -2206,8 +2206,8 @@
         </p:nvSpPr>
         <p:spPr>
           <a:xfrm>
-            <a:off x="504000" y="1769040"/>
-            <a:ext cx="4426560" cy="4384080"/>
+            <a:off x="504000" y="1768680"/>
+            <a:ext cx="4426920" cy="4384080"/>
           </a:xfrm>
           <a:prstGeom prst="rect">
             <a:avLst/>
@@ -2236,8 +2236,8 @@
         </p:nvSpPr>
         <p:spPr>
           <a:xfrm>
-            <a:off x="5152320" y="1769040"/>
-            <a:ext cx="4426560" cy="4384080"/>
+            <a:off x="5152680" y="1768680"/>
+            <a:ext cx="4426920" cy="4384080"/>
           </a:xfrm>
           <a:prstGeom prst="rect">
             <a:avLst/>
@@ -2288,8 +2288,8 @@
         </p:nvSpPr>
         <p:spPr>
           <a:xfrm>
-            <a:off x="504000" y="72000"/>
-            <a:ext cx="9070920" cy="863280"/>
+            <a:off x="504000" y="301320"/>
+            <a:ext cx="9072000" cy="1261800"/>
           </a:xfrm>
           <a:prstGeom prst="rect">
             <a:avLst/>
@@ -2339,8 +2339,8 @@
         </p:nvSpPr>
         <p:spPr>
           <a:xfrm>
-            <a:off x="504000" y="72000"/>
-            <a:ext cx="9070920" cy="863280"/>
+            <a:off x="504000" y="301320"/>
+            <a:ext cx="9072000" cy="1261800"/>
           </a:xfrm>
           <a:prstGeom prst="rect">
             <a:avLst/>
@@ -2368,8 +2368,8 @@
         </p:nvSpPr>
         <p:spPr>
           <a:xfrm>
-            <a:off x="504000" y="1769040"/>
-            <a:ext cx="9070920" cy="4384080"/>
+            <a:off x="504000" y="1768680"/>
+            <a:ext cx="9072000" cy="4384080"/>
           </a:xfrm>
           <a:prstGeom prst="rect">
             <a:avLst/>
@@ -2420,8 +2420,8 @@
         </p:nvSpPr>
         <p:spPr>
           <a:xfrm>
-            <a:off x="504000" y="72000"/>
-            <a:ext cx="9070920" cy="4002840"/>
+            <a:off x="504000" y="301320"/>
+            <a:ext cx="9072000" cy="5850360"/>
           </a:xfrm>
           <a:prstGeom prst="rect">
             <a:avLst/>
@@ -2471,8 +2471,8 @@
         </p:nvSpPr>
         <p:spPr>
           <a:xfrm>
-            <a:off x="504000" y="72000"/>
-            <a:ext cx="9070920" cy="863280"/>
+            <a:off x="504000" y="301320"/>
+            <a:ext cx="9072000" cy="1261800"/>
           </a:xfrm>
           <a:prstGeom prst="rect">
             <a:avLst/>
@@ -2500,8 +2500,8 @@
         </p:nvSpPr>
         <p:spPr>
           <a:xfrm>
-            <a:off x="504000" y="1769040"/>
-            <a:ext cx="4426560" cy="2090880"/>
+            <a:off x="504000" y="1768680"/>
+            <a:ext cx="4426920" cy="2090880"/>
           </a:xfrm>
           <a:prstGeom prst="rect">
             <a:avLst/>
@@ -2530,8 +2530,8 @@
         </p:nvSpPr>
         <p:spPr>
           <a:xfrm>
-            <a:off x="5152320" y="1769040"/>
-            <a:ext cx="4426560" cy="4384080"/>
+            <a:off x="5152680" y="1768680"/>
+            <a:ext cx="4426920" cy="4384080"/>
           </a:xfrm>
           <a:prstGeom prst="rect">
             <a:avLst/>
@@ -2560,8 +2560,8 @@
         </p:nvSpPr>
         <p:spPr>
           <a:xfrm>
-            <a:off x="504000" y="4059000"/>
-            <a:ext cx="4426560" cy="2090880"/>
+            <a:off x="504000" y="4058640"/>
+            <a:ext cx="4426920" cy="2090880"/>
           </a:xfrm>
           <a:prstGeom prst="rect">
             <a:avLst/>
@@ -2612,8 +2612,8 @@
         </p:nvSpPr>
         <p:spPr>
           <a:xfrm>
-            <a:off x="504000" y="72000"/>
-            <a:ext cx="9070920" cy="863280"/>
+            <a:off x="504000" y="301320"/>
+            <a:ext cx="9072000" cy="1261800"/>
           </a:xfrm>
           <a:prstGeom prst="rect">
             <a:avLst/>
@@ -2641,8 +2641,8 @@
         </p:nvSpPr>
         <p:spPr>
           <a:xfrm>
-            <a:off x="504000" y="1769040"/>
-            <a:ext cx="4426560" cy="4384080"/>
+            <a:off x="504000" y="1768680"/>
+            <a:ext cx="4426920" cy="4384080"/>
           </a:xfrm>
           <a:prstGeom prst="rect">
             <a:avLst/>
@@ -2671,8 +2671,8 @@
         </p:nvSpPr>
         <p:spPr>
           <a:xfrm>
-            <a:off x="5152320" y="1769040"/>
-            <a:ext cx="4426560" cy="2090880"/>
+            <a:off x="5152680" y="1768680"/>
+            <a:ext cx="4426920" cy="2090880"/>
           </a:xfrm>
           <a:prstGeom prst="rect">
             <a:avLst/>
@@ -2701,8 +2701,8 @@
         </p:nvSpPr>
         <p:spPr>
           <a:xfrm>
-            <a:off x="5152320" y="4059000"/>
-            <a:ext cx="4426560" cy="2090880"/>
+            <a:off x="5152680" y="4058640"/>
+            <a:ext cx="4426920" cy="2090880"/>
           </a:xfrm>
           <a:prstGeom prst="rect">
             <a:avLst/>
@@ -2753,8 +2753,8 @@
         </p:nvSpPr>
         <p:spPr>
           <a:xfrm>
-            <a:off x="504000" y="72000"/>
-            <a:ext cx="9070920" cy="863280"/>
+            <a:off x="504000" y="301320"/>
+            <a:ext cx="9072000" cy="1261800"/>
           </a:xfrm>
           <a:prstGeom prst="rect">
             <a:avLst/>
@@ -2782,8 +2782,8 @@
         </p:nvSpPr>
         <p:spPr>
           <a:xfrm>
-            <a:off x="504000" y="1769040"/>
-            <a:ext cx="4426560" cy="2090880"/>
+            <a:off x="504000" y="1768680"/>
+            <a:ext cx="4426920" cy="2090880"/>
           </a:xfrm>
           <a:prstGeom prst="rect">
             <a:avLst/>
@@ -2812,8 +2812,8 @@
         </p:nvSpPr>
         <p:spPr>
           <a:xfrm>
-            <a:off x="5152320" y="1769040"/>
-            <a:ext cx="4426560" cy="2090880"/>
+            <a:off x="5152680" y="1768680"/>
+            <a:ext cx="4426920" cy="2090880"/>
           </a:xfrm>
           <a:prstGeom prst="rect">
             <a:avLst/>
@@ -2842,8 +2842,8 @@
         </p:nvSpPr>
         <p:spPr>
           <a:xfrm>
-            <a:off x="504000" y="4059000"/>
-            <a:ext cx="9070920" cy="2090880"/>
+            <a:off x="504000" y="4058640"/>
+            <a:ext cx="9072000" cy="2090880"/>
           </a:xfrm>
           <a:prstGeom prst="rect">
             <a:avLst/>
@@ -2894,8 +2894,8 @@
         </p:nvSpPr>
         <p:spPr>
           <a:xfrm>
-            <a:off x="504000" y="72000"/>
-            <a:ext cx="9070920" cy="863280"/>
+            <a:off x="504000" y="301320"/>
+            <a:ext cx="9072000" cy="1261800"/>
           </a:xfrm>
           <a:prstGeom prst="rect">
             <a:avLst/>
@@ -2923,8 +2923,8 @@
         </p:nvSpPr>
         <p:spPr>
           <a:xfrm>
-            <a:off x="504000" y="1769040"/>
-            <a:ext cx="9070920" cy="2090880"/>
+            <a:off x="504000" y="1768680"/>
+            <a:ext cx="9072000" cy="2090880"/>
           </a:xfrm>
           <a:prstGeom prst="rect">
             <a:avLst/>
@@ -2953,8 +2953,8 @@
         </p:nvSpPr>
         <p:spPr>
           <a:xfrm>
-            <a:off x="504000" y="4059000"/>
-            <a:ext cx="9070920" cy="2090880"/>
+            <a:off x="504000" y="4058640"/>
+            <a:ext cx="9072000" cy="2090880"/>
           </a:xfrm>
           <a:prstGeom prst="rect">
             <a:avLst/>
@@ -3005,8 +3005,8 @@
         </p:nvSpPr>
         <p:spPr>
           <a:xfrm>
-            <a:off x="504000" y="72000"/>
-            <a:ext cx="9070920" cy="863280"/>
+            <a:off x="504000" y="301320"/>
+            <a:ext cx="9072000" cy="1261800"/>
           </a:xfrm>
           <a:prstGeom prst="rect">
             <a:avLst/>
@@ -3034,8 +3034,8 @@
         </p:nvSpPr>
         <p:spPr>
           <a:xfrm>
-            <a:off x="504000" y="1769040"/>
-            <a:ext cx="4426560" cy="2090880"/>
+            <a:off x="504000" y="1768680"/>
+            <a:ext cx="4426920" cy="2090880"/>
           </a:xfrm>
           <a:prstGeom prst="rect">
             <a:avLst/>
@@ -3064,8 +3064,8 @@
         </p:nvSpPr>
         <p:spPr>
           <a:xfrm>
-            <a:off x="5152320" y="1769040"/>
-            <a:ext cx="4426560" cy="2090880"/>
+            <a:off x="5152680" y="1768680"/>
+            <a:ext cx="4426920" cy="2090880"/>
           </a:xfrm>
           <a:prstGeom prst="rect">
             <a:avLst/>
@@ -3094,8 +3094,8 @@
         </p:nvSpPr>
         <p:spPr>
           <a:xfrm>
-            <a:off x="504000" y="4059000"/>
-            <a:ext cx="4426560" cy="2090880"/>
+            <a:off x="504000" y="4058640"/>
+            <a:ext cx="4426920" cy="2090880"/>
           </a:xfrm>
           <a:prstGeom prst="rect">
             <a:avLst/>
@@ -3124,8 +3124,8 @@
         </p:nvSpPr>
         <p:spPr>
           <a:xfrm>
-            <a:off x="5152320" y="4059000"/>
-            <a:ext cx="4426560" cy="2090880"/>
+            <a:off x="5152680" y="4058640"/>
+            <a:ext cx="4426920" cy="2090880"/>
           </a:xfrm>
           <a:prstGeom prst="rect">
             <a:avLst/>
@@ -3176,8 +3176,8 @@
         </p:nvSpPr>
         <p:spPr>
           <a:xfrm>
-            <a:off x="504000" y="72000"/>
-            <a:ext cx="9070920" cy="863280"/>
+            <a:off x="504000" y="301320"/>
+            <a:ext cx="9072000" cy="1261800"/>
           </a:xfrm>
           <a:prstGeom prst="rect">
             <a:avLst/>
@@ -3205,8 +3205,8 @@
         </p:nvSpPr>
         <p:spPr>
           <a:xfrm>
-            <a:off x="504000" y="1769040"/>
-            <a:ext cx="2920680" cy="2090880"/>
+            <a:off x="504000" y="1768680"/>
+            <a:ext cx="2921040" cy="2090880"/>
           </a:xfrm>
           <a:prstGeom prst="rect">
             <a:avLst/>
@@ -3235,8 +3235,8 @@
         </p:nvSpPr>
         <p:spPr>
           <a:xfrm>
-            <a:off x="3571200" y="1769040"/>
-            <a:ext cx="2920680" cy="2090880"/>
+            <a:off x="3571560" y="1768680"/>
+            <a:ext cx="2921040" cy="2090880"/>
           </a:xfrm>
           <a:prstGeom prst="rect">
             <a:avLst/>
@@ -3265,8 +3265,8 @@
         </p:nvSpPr>
         <p:spPr>
           <a:xfrm>
-            <a:off x="6638040" y="1769040"/>
-            <a:ext cx="2920680" cy="2090880"/>
+            <a:off x="6639120" y="1768680"/>
+            <a:ext cx="2921040" cy="2090880"/>
           </a:xfrm>
           <a:prstGeom prst="rect">
             <a:avLst/>
@@ -3295,8 +3295,8 @@
         </p:nvSpPr>
         <p:spPr>
           <a:xfrm>
-            <a:off x="504000" y="4059000"/>
-            <a:ext cx="2920680" cy="2090880"/>
+            <a:off x="504000" y="4058640"/>
+            <a:ext cx="2921040" cy="2090880"/>
           </a:xfrm>
           <a:prstGeom prst="rect">
             <a:avLst/>
@@ -3325,8 +3325,8 @@
         </p:nvSpPr>
         <p:spPr>
           <a:xfrm>
-            <a:off x="3571200" y="4059000"/>
-            <a:ext cx="2920680" cy="2090880"/>
+            <a:off x="3571560" y="4058640"/>
+            <a:ext cx="2921040" cy="2090880"/>
           </a:xfrm>
           <a:prstGeom prst="rect">
             <a:avLst/>
@@ -3355,8 +3355,8 @@
         </p:nvSpPr>
         <p:spPr>
           <a:xfrm>
-            <a:off x="6638040" y="4059000"/>
-            <a:ext cx="2920680" cy="2090880"/>
+            <a:off x="6639120" y="4058640"/>
+            <a:ext cx="2921040" cy="2090880"/>
           </a:xfrm>
           <a:prstGeom prst="rect">
             <a:avLst/>
@@ -3407,8 +3407,8 @@
         </p:nvSpPr>
         <p:spPr>
           <a:xfrm>
-            <a:off x="504000" y="72000"/>
-            <a:ext cx="9070920" cy="863280"/>
+            <a:off x="504000" y="301320"/>
+            <a:ext cx="9072000" cy="1261800"/>
           </a:xfrm>
           <a:prstGeom prst="rect">
             <a:avLst/>
@@ -3436,8 +3436,8 @@
         </p:nvSpPr>
         <p:spPr>
           <a:xfrm>
-            <a:off x="504000" y="1769040"/>
-            <a:ext cx="4426560" cy="4384080"/>
+            <a:off x="504000" y="1768680"/>
+            <a:ext cx="4426920" cy="4384080"/>
           </a:xfrm>
           <a:prstGeom prst="rect">
             <a:avLst/>
@@ -3466,8 +3466,8 @@
         </p:nvSpPr>
         <p:spPr>
           <a:xfrm>
-            <a:off x="5152320" y="1769040"/>
-            <a:ext cx="4426560" cy="4384080"/>
+            <a:off x="5152680" y="1768680"/>
+            <a:ext cx="4426920" cy="4384080"/>
           </a:xfrm>
           <a:prstGeom prst="rect">
             <a:avLst/>
@@ -3518,8 +3518,8 @@
         </p:nvSpPr>
         <p:spPr>
           <a:xfrm>
-            <a:off x="504000" y="72000"/>
-            <a:ext cx="9070920" cy="863280"/>
+            <a:off x="504000" y="301320"/>
+            <a:ext cx="9072000" cy="1261800"/>
           </a:xfrm>
           <a:prstGeom prst="rect">
             <a:avLst/>
@@ -3569,8 +3569,8 @@
         </p:nvSpPr>
         <p:spPr>
           <a:xfrm>
-            <a:off x="504000" y="72000"/>
-            <a:ext cx="9070920" cy="4002840"/>
+            <a:off x="504000" y="301320"/>
+            <a:ext cx="9072000" cy="5850360"/>
           </a:xfrm>
           <a:prstGeom prst="rect">
             <a:avLst/>
@@ -3620,8 +3620,8 @@
         </p:nvSpPr>
         <p:spPr>
           <a:xfrm>
-            <a:off x="504000" y="72000"/>
-            <a:ext cx="9070920" cy="863280"/>
+            <a:off x="504000" y="301320"/>
+            <a:ext cx="9072000" cy="1261800"/>
           </a:xfrm>
           <a:prstGeom prst="rect">
             <a:avLst/>
@@ -3649,8 +3649,8 @@
         </p:nvSpPr>
         <p:spPr>
           <a:xfrm>
-            <a:off x="504000" y="1769040"/>
-            <a:ext cx="4426560" cy="2090880"/>
+            <a:off x="504000" y="1768680"/>
+            <a:ext cx="4426920" cy="2090880"/>
           </a:xfrm>
           <a:prstGeom prst="rect">
             <a:avLst/>
@@ -3679,8 +3679,8 @@
         </p:nvSpPr>
         <p:spPr>
           <a:xfrm>
-            <a:off x="5152320" y="1769040"/>
-            <a:ext cx="4426560" cy="4384080"/>
+            <a:off x="5152680" y="1768680"/>
+            <a:ext cx="4426920" cy="4384080"/>
           </a:xfrm>
           <a:prstGeom prst="rect">
             <a:avLst/>
@@ -3709,8 +3709,8 @@
         </p:nvSpPr>
         <p:spPr>
           <a:xfrm>
-            <a:off x="504000" y="4059000"/>
-            <a:ext cx="4426560" cy="2090880"/>
+            <a:off x="504000" y="4058640"/>
+            <a:ext cx="4426920" cy="2090880"/>
           </a:xfrm>
           <a:prstGeom prst="rect">
             <a:avLst/>
@@ -3761,8 +3761,8 @@
         </p:nvSpPr>
         <p:spPr>
           <a:xfrm>
-            <a:off x="504000" y="72000"/>
-            <a:ext cx="9070920" cy="863280"/>
+            <a:off x="504000" y="301320"/>
+            <a:ext cx="9072000" cy="1261800"/>
           </a:xfrm>
           <a:prstGeom prst="rect">
             <a:avLst/>
@@ -3790,8 +3790,8 @@
         </p:nvSpPr>
         <p:spPr>
           <a:xfrm>
-            <a:off x="504000" y="1769040"/>
-            <a:ext cx="4426560" cy="4384080"/>
+            <a:off x="504000" y="1768680"/>
+            <a:ext cx="4426920" cy="4384080"/>
           </a:xfrm>
           <a:prstGeom prst="rect">
             <a:avLst/>
@@ -3820,8 +3820,8 @@
         </p:nvSpPr>
         <p:spPr>
           <a:xfrm>
-            <a:off x="5152320" y="1769040"/>
-            <a:ext cx="4426560" cy="2090880"/>
+            <a:off x="5152680" y="1768680"/>
+            <a:ext cx="4426920" cy="2090880"/>
           </a:xfrm>
           <a:prstGeom prst="rect">
             <a:avLst/>
@@ -3850,8 +3850,8 @@
         </p:nvSpPr>
         <p:spPr>
           <a:xfrm>
-            <a:off x="5152320" y="4059000"/>
-            <a:ext cx="4426560" cy="2090880"/>
+            <a:off x="5152680" y="4058640"/>
+            <a:ext cx="4426920" cy="2090880"/>
           </a:xfrm>
           <a:prstGeom prst="rect">
             <a:avLst/>
@@ -3902,8 +3902,8 @@
         </p:nvSpPr>
         <p:spPr>
           <a:xfrm>
-            <a:off x="504000" y="72000"/>
-            <a:ext cx="9070920" cy="863280"/>
+            <a:off x="504000" y="301320"/>
+            <a:ext cx="9072000" cy="1261800"/>
           </a:xfrm>
           <a:prstGeom prst="rect">
             <a:avLst/>
@@ -3931,8 +3931,8 @@
         </p:nvSpPr>
         <p:spPr>
           <a:xfrm>
-            <a:off x="504000" y="1769040"/>
-            <a:ext cx="4426560" cy="2090880"/>
+            <a:off x="504000" y="1768680"/>
+            <a:ext cx="4426920" cy="2090880"/>
           </a:xfrm>
           <a:prstGeom prst="rect">
             <a:avLst/>
@@ -3961,8 +3961,8 @@
         </p:nvSpPr>
         <p:spPr>
           <a:xfrm>
-            <a:off x="5152320" y="1769040"/>
-            <a:ext cx="4426560" cy="2090880"/>
+            <a:off x="5152680" y="1768680"/>
+            <a:ext cx="4426920" cy="2090880"/>
           </a:xfrm>
           <a:prstGeom prst="rect">
             <a:avLst/>
@@ -3991,8 +3991,8 @@
         </p:nvSpPr>
         <p:spPr>
           <a:xfrm>
-            <a:off x="504000" y="4059000"/>
-            <a:ext cx="9070920" cy="2090880"/>
+            <a:off x="504000" y="4058640"/>
+            <a:ext cx="9072000" cy="2090880"/>
           </a:xfrm>
           <a:prstGeom prst="rect">
             <a:avLst/>
@@ -4053,8 +4053,8 @@
         </p:nvSpPr>
         <p:spPr>
           <a:xfrm>
-            <a:off x="504000" y="72000"/>
-            <a:ext cx="9070920" cy="863280"/>
+            <a:off x="504000" y="301320"/>
+            <a:ext cx="9071640" cy="1261440"/>
           </a:xfrm>
           <a:prstGeom prst="rect">
             <a:avLst/>
@@ -4574,8 +4574,8 @@
         </p:nvSpPr>
         <p:spPr>
           <a:xfrm>
-            <a:off x="504000" y="72000"/>
-            <a:ext cx="9070920" cy="863280"/>
+            <a:off x="504000" y="301320"/>
+            <a:ext cx="9072000" cy="1261800"/>
           </a:xfrm>
           <a:prstGeom prst="rect">
             <a:avLst/>
@@ -4584,13 +4584,14 @@
         <p:txBody>
           <a:bodyPr lIns="0" rIns="0" tIns="0" bIns="0" anchor="ctr"/>
           <a:p>
-            <a:r>
-              <a:rPr b="0" lang="cs-CZ" sz="1800" spc="-1" strike="noStrike">
+            <a:pPr algn="ctr"/>
+            <a:r>
+              <a:rPr b="0" lang="cs-CZ" sz="4400" spc="-1" strike="noStrike">
                 <a:latin typeface="Arial"/>
               </a:rPr>
               <a:t>Klikněte pro úpravu formátu textu nadpisu</a:t>
             </a:r>
-            <a:endParaRPr b="0" lang="cs-CZ" sz="1800" spc="-1" strike="noStrike">
+            <a:endParaRPr b="0" lang="cs-CZ" sz="4400" spc="-1" strike="noStrike">
               <a:latin typeface="Arial"/>
             </a:endParaRPr>
           </a:p>
@@ -4608,8 +4609,8 @@
         </p:nvSpPr>
         <p:spPr>
           <a:xfrm>
-            <a:off x="504000" y="1769040"/>
-            <a:ext cx="9070920" cy="4384080"/>
+            <a:off x="504000" y="1768680"/>
+            <a:ext cx="9072000" cy="4384080"/>
           </a:xfrm>
           <a:prstGeom prst="rect">
             <a:avLst/>
@@ -4632,12 +4633,12 @@
               <a:buChar char=""/>
             </a:pPr>
             <a:r>
-              <a:rPr b="0" lang="cs-CZ" sz="1800" spc="-1" strike="noStrike">
+              <a:rPr b="0" lang="cs-CZ" sz="3200" spc="-1" strike="noStrike">
                 <a:latin typeface="Arial"/>
               </a:rPr>
               <a:t>Klikněte pro úpravu formátu textu osnovy</a:t>
             </a:r>
-            <a:endParaRPr b="0" lang="cs-CZ" sz="1800" spc="-1" strike="noStrike">
+            <a:endParaRPr b="0" lang="cs-CZ" sz="3200" spc="-1" strike="noStrike">
               <a:latin typeface="Arial"/>
             </a:endParaRPr>
           </a:p>
@@ -4654,12 +4655,12 @@
               <a:buChar char=""/>
             </a:pPr>
             <a:r>
-              <a:rPr b="0" lang="cs-CZ" sz="1800" spc="-1" strike="noStrike">
+              <a:rPr b="0" lang="cs-CZ" sz="2800" spc="-1" strike="noStrike">
                 <a:latin typeface="Arial"/>
               </a:rPr>
               <a:t>Druhá úroveň</a:t>
             </a:r>
-            <a:endParaRPr b="0" lang="cs-CZ" sz="1800" spc="-1" strike="noStrike">
+            <a:endParaRPr b="0" lang="cs-CZ" sz="2800" spc="-1" strike="noStrike">
               <a:latin typeface="Arial"/>
             </a:endParaRPr>
           </a:p>
@@ -4676,12 +4677,12 @@
               <a:buChar char=""/>
             </a:pPr>
             <a:r>
-              <a:rPr b="0" lang="cs-CZ" sz="1800" spc="-1" strike="noStrike">
+              <a:rPr b="0" lang="cs-CZ" sz="2400" spc="-1" strike="noStrike">
                 <a:latin typeface="Arial"/>
               </a:rPr>
               <a:t>Třetí úroveň</a:t>
             </a:r>
-            <a:endParaRPr b="0" lang="cs-CZ" sz="1800" spc="-1" strike="noStrike">
+            <a:endParaRPr b="0" lang="cs-CZ" sz="2400" spc="-1" strike="noStrike">
               <a:latin typeface="Arial"/>
             </a:endParaRPr>
           </a:p>
@@ -4698,12 +4699,12 @@
               <a:buChar char=""/>
             </a:pPr>
             <a:r>
-              <a:rPr b="0" lang="cs-CZ" sz="1800" spc="-1" strike="noStrike">
+              <a:rPr b="0" lang="cs-CZ" sz="2000" spc="-1" strike="noStrike">
                 <a:latin typeface="Arial"/>
               </a:rPr>
               <a:t>Čtvrtá úroveň osnovy</a:t>
             </a:r>
-            <a:endParaRPr b="0" lang="cs-CZ" sz="1800" spc="-1" strike="noStrike">
+            <a:endParaRPr b="0" lang="cs-CZ" sz="2000" spc="-1" strike="noStrike">
               <a:latin typeface="Arial"/>
             </a:endParaRPr>
           </a:p>
@@ -4720,12 +4721,12 @@
               <a:buChar char=""/>
             </a:pPr>
             <a:r>
-              <a:rPr b="0" lang="cs-CZ" sz="1800" spc="-1" strike="noStrike">
+              <a:rPr b="0" lang="cs-CZ" sz="2000" spc="-1" strike="noStrike">
                 <a:latin typeface="Arial"/>
               </a:rPr>
               <a:t>Pátá úroveň osnovy</a:t>
             </a:r>
-            <a:endParaRPr b="0" lang="cs-CZ" sz="1800" spc="-1" strike="noStrike">
+            <a:endParaRPr b="0" lang="cs-CZ" sz="2000" spc="-1" strike="noStrike">
               <a:latin typeface="Arial"/>
             </a:endParaRPr>
           </a:p>
@@ -4742,12 +4743,12 @@
               <a:buChar char=""/>
             </a:pPr>
             <a:r>
-              <a:rPr b="0" lang="cs-CZ" sz="1800" spc="-1" strike="noStrike">
+              <a:rPr b="0" lang="cs-CZ" sz="2000" spc="-1" strike="noStrike">
                 <a:latin typeface="Arial"/>
               </a:rPr>
               <a:t>Šestá úroveň</a:t>
             </a:r>
-            <a:endParaRPr b="0" lang="cs-CZ" sz="1800" spc="-1" strike="noStrike">
+            <a:endParaRPr b="0" lang="cs-CZ" sz="2000" spc="-1" strike="noStrike">
               <a:latin typeface="Arial"/>
             </a:endParaRPr>
           </a:p>
@@ -4764,12 +4765,12 @@
               <a:buChar char=""/>
             </a:pPr>
             <a:r>
-              <a:rPr b="0" lang="cs-CZ" sz="1800" spc="-1" strike="noStrike">
+              <a:rPr b="0" lang="cs-CZ" sz="2000" spc="-1" strike="noStrike">
                 <a:latin typeface="Arial"/>
               </a:rPr>
               <a:t>Sedmá úroveň</a:t>
             </a:r>
-            <a:endParaRPr b="0" lang="cs-CZ" sz="1800" spc="-1" strike="noStrike">
+            <a:endParaRPr b="0" lang="cs-CZ" sz="2000" spc="-1" strike="noStrike">
               <a:latin typeface="Arial"/>
             </a:endParaRPr>
           </a:p>
@@ -4821,7 +4822,7 @@
         <p:spPr>
           <a:xfrm>
             <a:off x="504360" y="3528000"/>
-            <a:ext cx="9070920" cy="829440"/>
+            <a:ext cx="9070200" cy="828720"/>
           </a:xfrm>
           <a:prstGeom prst="rect">
             <a:avLst/>
@@ -4872,7 +4873,7 @@
         <p:spPr>
           <a:xfrm>
             <a:off x="1728000" y="1080000"/>
-            <a:ext cx="6119280" cy="941760"/>
+            <a:ext cx="6118560" cy="941040"/>
           </a:xfrm>
           <a:prstGeom prst="rect">
             <a:avLst/>
@@ -4970,7 +4971,7 @@
         <p:spPr>
           <a:xfrm>
             <a:off x="504000" y="72000"/>
-            <a:ext cx="9070920" cy="863280"/>
+            <a:ext cx="9070200" cy="862560"/>
           </a:xfrm>
           <a:prstGeom prst="rect">
             <a:avLst/>
@@ -5021,7 +5022,7 @@
         <p:spPr>
           <a:xfrm>
             <a:off x="504000" y="1769040"/>
-            <a:ext cx="9070920" cy="4384080"/>
+            <a:ext cx="9070200" cy="4383360"/>
           </a:xfrm>
           <a:prstGeom prst="rect">
             <a:avLst/>
@@ -5042,15 +5043,10 @@
             <a:normAutofit/>
           </a:bodyPr>
           <a:p>
-            <a:pPr marL="432000" indent="-323280">
+            <a:pPr>
               <a:lnSpc>
                 <a:spcPct val="100000"/>
               </a:lnSpc>
-              <a:buClr>
-                <a:srgbClr val="000000"/>
-              </a:buClr>
-              <a:buFont typeface="StarSymbol"/>
-              <a:buAutoNum type="arabicPeriod"/>
             </a:pPr>
             <a:r>
               <a:rPr b="0" lang="cs-CZ" sz="3200" spc="-1" strike="noStrike">
@@ -5065,27 +5061,82 @@
             <a:r>
               <a:rPr b="0" lang="cs-CZ" sz="3200" spc="-1" strike="noStrike">
                 <a:solidFill>
+                  <a:srgbClr val="008000"/>
+                </a:solidFill>
+                <a:latin typeface="Courier New"/>
+                <a:ea typeface="DejaVu Sans"/>
+              </a:rPr>
+              <a:t>from</a:t>
+            </a:r>
+            <a:r>
+              <a:rPr b="0" lang="cs-CZ" sz="3200" spc="-1" strike="noStrike">
+                <a:solidFill>
                   <a:srgbClr val="000000"/>
                 </a:solidFill>
                 <a:latin typeface="Courier New"/>
                 <a:ea typeface="DejaVu Sans"/>
               </a:rPr>
-              <a:t>from microbit import *</a:t>
-            </a:r>
-            <a:endParaRPr b="0" lang="cs-CZ" sz="3200" spc="-1" strike="noStrike">
-              <a:latin typeface="Arial"/>
-            </a:endParaRPr>
-          </a:p>
-          <a:p>
-            <a:pPr marL="36000" indent="36000">
+              <a:t> </a:t>
+            </a:r>
+            <a:r>
+              <a:rPr b="0" lang="cs-CZ" sz="3200" spc="-1" strike="noStrike">
+                <a:solidFill>
+                  <a:srgbClr val="0000ff"/>
+                </a:solidFill>
+                <a:latin typeface="Courier New"/>
+                <a:ea typeface="DejaVu Sans"/>
+              </a:rPr>
+              <a:t>microbit</a:t>
+            </a:r>
+            <a:r>
+              <a:rPr b="0" lang="cs-CZ" sz="3200" spc="-1" strike="noStrike">
+                <a:solidFill>
+                  <a:srgbClr val="000000"/>
+                </a:solidFill>
+                <a:latin typeface="Courier New"/>
+                <a:ea typeface="DejaVu Sans"/>
+              </a:rPr>
+              <a:t> </a:t>
+            </a:r>
+            <a:r>
+              <a:rPr b="0" lang="cs-CZ" sz="3200" spc="-1" strike="noStrike">
+                <a:solidFill>
+                  <a:srgbClr val="008000"/>
+                </a:solidFill>
+                <a:latin typeface="Courier New"/>
+                <a:ea typeface="DejaVu Sans"/>
+              </a:rPr>
+              <a:t>import</a:t>
+            </a:r>
+            <a:r>
+              <a:rPr b="0" lang="cs-CZ" sz="3200" spc="-1" strike="noStrike">
+                <a:solidFill>
+                  <a:srgbClr val="000000"/>
+                </a:solidFill>
+                <a:latin typeface="Courier New"/>
+                <a:ea typeface="DejaVu Sans"/>
+              </a:rPr>
+              <a:t> </a:t>
+            </a:r>
+            <a:r>
+              <a:rPr b="0" lang="cs-CZ" sz="3200" spc="-1" strike="noStrike">
+                <a:solidFill>
+                  <a:srgbClr val="666666"/>
+                </a:solidFill>
+                <a:latin typeface="Courier New"/>
+                <a:ea typeface="DejaVu Sans"/>
+              </a:rPr>
+              <a:t>*</a:t>
+            </a:r>
+            <a:endParaRPr b="0" lang="cs-CZ" sz="3200" spc="-1" strike="noStrike">
+              <a:latin typeface="Arial"/>
+            </a:endParaRPr>
+          </a:p>
+          <a:p>
+            <a:pPr>
               <a:lnSpc>
                 <a:spcPct val="100000"/>
               </a:lnSpc>
-              <a:buClr>
-                <a:srgbClr val="000000"/>
-              </a:buClr>
-              <a:buFont typeface="StarSymbol"/>
-              <a:buAutoNum type="arabicPeriod"/>
             </a:pPr>
             <a:r>
               <a:rPr b="0" lang="cs-CZ" sz="3200" spc="-1" strike="noStrike">
@@ -5097,20 +5148,55 @@
               </a:rPr>
               <a:t> </a:t>
             </a:r>
-            <a:endParaRPr b="0" lang="cs-CZ" sz="3200" spc="-1" strike="noStrike">
-              <a:latin typeface="Arial"/>
-            </a:endParaRPr>
-          </a:p>
-          <a:p>
-            <a:pPr marL="36000" indent="36000">
+            <a:r>
+              <a:rPr b="0" lang="cs-CZ" sz="3200" spc="-1" strike="noStrike">
+                <a:solidFill>
+                  <a:srgbClr val="008000"/>
+                </a:solidFill>
+                <a:latin typeface="Courier New"/>
+                <a:ea typeface="DejaVu Sans"/>
+              </a:rPr>
+              <a:t>while</a:t>
+            </a:r>
+            <a:r>
+              <a:rPr b="0" lang="cs-CZ" sz="3200" spc="-1" strike="noStrike">
+                <a:solidFill>
+                  <a:srgbClr val="000000"/>
+                </a:solidFill>
+                <a:latin typeface="Courier New"/>
+                <a:ea typeface="DejaVu Sans"/>
+              </a:rPr>
+              <a:t> </a:t>
+            </a:r>
+            <a:r>
+              <a:rPr b="0" lang="cs-CZ" sz="3200" spc="-1" strike="noStrike">
+                <a:solidFill>
+                  <a:srgbClr val="008000"/>
+                </a:solidFill>
+                <a:latin typeface="Courier New"/>
+                <a:ea typeface="DejaVu Sans"/>
+              </a:rPr>
+              <a:t>True</a:t>
+            </a:r>
+            <a:r>
+              <a:rPr b="0" lang="cs-CZ" sz="3200" spc="-1" strike="noStrike">
+                <a:solidFill>
+                  <a:srgbClr val="000000"/>
+                </a:solidFill>
+                <a:latin typeface="Courier New"/>
+                <a:ea typeface="DejaVu Sans"/>
+              </a:rPr>
+              <a:t>:</a:t>
+            </a:r>
+            <a:endParaRPr b="0" lang="cs-CZ" sz="3200" spc="-1" strike="noStrike">
+              <a:latin typeface="Arial"/>
+            </a:endParaRPr>
+          </a:p>
+          <a:p>
+            <a:pPr>
               <a:lnSpc>
                 <a:spcPct val="100000"/>
               </a:lnSpc>
-              <a:buClr>
-                <a:srgbClr val="000000"/>
-              </a:buClr>
-              <a:buFont typeface="StarSymbol"/>
-              <a:buAutoNum type="arabicPeriod"/>
             </a:pPr>
             <a:r>
               <a:rPr b="0" lang="cs-CZ" sz="3200" spc="-1" strike="noStrike">
@@ -5120,7 +5206,7 @@
                 <a:latin typeface="Courier New"/>
                 <a:ea typeface="DejaVu Sans"/>
               </a:rPr>
-              <a:t> </a:t>
+              <a:t>     </a:t>
             </a:r>
             <a:r>
               <a:rPr b="0" lang="cs-CZ" sz="3200" spc="-1" strike="noStrike">
@@ -5130,22 +5216,57 @@
                 <a:latin typeface="Courier New"/>
                 <a:ea typeface="DejaVu Sans"/>
               </a:rPr>
-              <a:t>while True:</a:t>
-            </a:r>
-            <a:endParaRPr b="0" lang="cs-CZ" sz="3200" spc="-1" strike="noStrike">
-              <a:latin typeface="Arial"/>
-            </a:endParaRPr>
-          </a:p>
-          <a:p>
-            <a:pPr marL="36000" indent="36000">
+              <a:t>display</a:t>
+            </a:r>
+            <a:r>
+              <a:rPr b="0" lang="cs-CZ" sz="3200" spc="-1" strike="noStrike">
+                <a:solidFill>
+                  <a:srgbClr val="666666"/>
+                </a:solidFill>
+                <a:latin typeface="Courier New"/>
+                <a:ea typeface="DejaVu Sans"/>
+              </a:rPr>
+              <a:t>.</a:t>
+            </a:r>
+            <a:r>
+              <a:rPr b="0" lang="cs-CZ" sz="3200" spc="-1" strike="noStrike">
+                <a:solidFill>
+                  <a:srgbClr val="000000"/>
+                </a:solidFill>
+                <a:latin typeface="Courier New"/>
+                <a:ea typeface="DejaVu Sans"/>
+              </a:rPr>
+              <a:t>scroll(</a:t>
+            </a:r>
+            <a:r>
+              <a:rPr b="0" lang="cs-CZ" sz="3200" spc="-1" strike="noStrike">
+                <a:solidFill>
+                  <a:srgbClr val="ba2121"/>
+                </a:solidFill>
+                <a:latin typeface="Courier New"/>
+                <a:ea typeface="DejaVu Sans"/>
+              </a:rPr>
+              <a:t>"Ahoj svete"</a:t>
+            </a:r>
+            <a:r>
+              <a:rPr b="0" lang="cs-CZ" sz="3200" spc="-1" strike="noStrike">
+                <a:solidFill>
+                  <a:srgbClr val="000000"/>
+                </a:solidFill>
+                <a:latin typeface="Courier New"/>
+                <a:ea typeface="DejaVu Sans"/>
+              </a:rPr>
+              <a:t>)</a:t>
+            </a:r>
+            <a:endParaRPr b="0" lang="cs-CZ" sz="3200" spc="-1" strike="noStrike">
+              <a:latin typeface="Arial"/>
+            </a:endParaRPr>
+          </a:p>
+          <a:p>
+            <a:pPr>
               <a:lnSpc>
                 <a:spcPct val="100000"/>
               </a:lnSpc>
-              <a:buClr>
-                <a:srgbClr val="000000"/>
-              </a:buClr>
-              <a:buFont typeface="StarSymbol"/>
-              <a:buAutoNum type="arabicPeriod"/>
             </a:pPr>
             <a:r>
               <a:rPr b="0" lang="cs-CZ" sz="3200" spc="-1" strike="noStrike">
@@ -5165,23 +5286,18 @@
                 <a:latin typeface="Courier New"/>
                 <a:ea typeface="DejaVu Sans"/>
               </a:rPr>
-              <a:t>display.scroll("Ahoj svete")</a:t>
-            </a:r>
-            <a:endParaRPr b="0" lang="cs-CZ" sz="3200" spc="-1" strike="noStrike">
-              <a:latin typeface="Arial"/>
-            </a:endParaRPr>
-          </a:p>
-          <a:p>
-            <a:pPr marL="36000" indent="36000">
-              <a:lnSpc>
-                <a:spcPct val="100000"/>
-              </a:lnSpc>
-              <a:buClr>
-                <a:srgbClr val="000000"/>
-              </a:buClr>
-              <a:buFont typeface="StarSymbol"/>
-              <a:buAutoNum type="arabicPeriod"/>
-            </a:pPr>
+              <a:t>sleep(</a:t>
+            </a:r>
+            <a:r>
+              <a:rPr b="0" lang="cs-CZ" sz="3200" spc="-1" strike="noStrike">
+                <a:solidFill>
+                  <a:srgbClr val="666666"/>
+                </a:solidFill>
+                <a:latin typeface="Courier New"/>
+                <a:ea typeface="DejaVu Sans"/>
+              </a:rPr>
+              <a:t>1000</a:t>
+            </a:r>
             <a:r>
               <a:rPr b="0" lang="cs-CZ" sz="3200" spc="-1" strike="noStrike">
                 <a:solidFill>
@@ -5190,17 +5306,7 @@
                 <a:latin typeface="Courier New"/>
                 <a:ea typeface="DejaVu Sans"/>
               </a:rPr>
-              <a:t>     </a:t>
-            </a:r>
-            <a:r>
-              <a:rPr b="0" lang="cs-CZ" sz="3200" spc="-1" strike="noStrike">
-                <a:solidFill>
-                  <a:srgbClr val="000000"/>
-                </a:solidFill>
-                <a:latin typeface="Courier New"/>
-                <a:ea typeface="DejaVu Sans"/>
-              </a:rPr>
-              <a:t>sleep(1000)</a:t>
+              <a:t>)</a:t>
             </a:r>
             <a:endParaRPr b="0" lang="cs-CZ" sz="3200" spc="-1" strike="noStrike">
               <a:latin typeface="Arial"/>
@@ -5266,7 +5372,7 @@
         <p:spPr>
           <a:xfrm>
             <a:off x="504000" y="72000"/>
-            <a:ext cx="9070920" cy="863280"/>
+            <a:ext cx="9070200" cy="862560"/>
           </a:xfrm>
           <a:prstGeom prst="rect">
             <a:avLst/>
@@ -5292,7 +5398,11 @@
             </a:pPr>
             <a:r>
               <a:rPr b="0" lang="cs-CZ" sz="4400" spc="-1" strike="noStrike">
+                <a:solidFill>
+                  <a:srgbClr val="000000"/>
+                </a:solidFill>
                 <a:latin typeface="Arial"/>
+                <a:ea typeface="DejaVu Sans"/>
               </a:rPr>
               <a:t>Výpis čísel od 1 do 10</a:t>
             </a:r>
@@ -5311,7 +5421,7 @@
         <p:spPr>
           <a:xfrm>
             <a:off x="504000" y="1769040"/>
-            <a:ext cx="9070920" cy="4384080"/>
+            <a:ext cx="9070200" cy="4383360"/>
           </a:xfrm>
           <a:prstGeom prst="rect">
             <a:avLst/>
@@ -5337,13 +5447,7 @@
                 <a:spcPct val="100000"/>
               </a:lnSpc>
             </a:pPr>
-            <a:r>
-              <a:rPr b="0" lang="cs-CZ" sz="3200" spc="-1" strike="noStrike">
-                <a:latin typeface="Courier New"/>
-              </a:rPr>
-              <a:t>from microbit import *</a:t>
-            </a:r>
-            <a:endParaRPr b="0" lang="cs-CZ" sz="3200" spc="-1" strike="noStrike">
+            <a:endParaRPr b="0" lang="cs-CZ" sz="1800" spc="-1" strike="noStrike">
               <a:latin typeface="Arial"/>
             </a:endParaRPr>
           </a:p>
@@ -5353,13 +5457,7 @@
                 <a:spcPct val="100000"/>
               </a:lnSpc>
             </a:pPr>
-            <a:r>
-              <a:rPr b="0" lang="cs-CZ" sz="3200" spc="-1" strike="noStrike">
-                <a:latin typeface="Courier New"/>
-              </a:rPr>
-              <a:t>for i in range(1, 11):</a:t>
-            </a:r>
-            <a:endParaRPr b="0" lang="cs-CZ" sz="3200" spc="-1" strike="noStrike">
+            <a:endParaRPr b="0" lang="cs-CZ" sz="1800" spc="-1" strike="noStrike">
               <a:latin typeface="Arial"/>
             </a:endParaRPr>
           </a:p>
@@ -5369,19 +5467,7 @@
                 <a:spcPct val="100000"/>
               </a:lnSpc>
             </a:pPr>
-            <a:r>
-              <a:rPr b="0" lang="cs-CZ" sz="3200" spc="-1" strike="noStrike">
-                <a:latin typeface="Courier New"/>
-              </a:rPr>
-              <a:t>    </a:t>
-            </a:r>
-            <a:r>
-              <a:rPr b="0" lang="cs-CZ" sz="3200" spc="-1" strike="noStrike">
-                <a:latin typeface="Courier New"/>
-              </a:rPr>
-              <a:t>display.scroll(str(i))</a:t>
-            </a:r>
-            <a:endParaRPr b="0" lang="cs-CZ" sz="3200" spc="-1" strike="noStrike">
+            <a:endParaRPr b="0" lang="cs-CZ" sz="1800" spc="-1" strike="noStrike">
               <a:latin typeface="Arial"/>
             </a:endParaRPr>
           </a:p>
@@ -5391,29 +5477,13 @@
                 <a:spcPct val="100000"/>
               </a:lnSpc>
             </a:pPr>
-            <a:endParaRPr b="0" lang="cs-CZ" sz="3200" spc="-1" strike="noStrike">
-              <a:latin typeface="Arial"/>
-            </a:endParaRPr>
-          </a:p>
-          <a:p>
-            <a:pPr>
-              <a:lnSpc>
-                <a:spcPct val="100000"/>
-              </a:lnSpc>
-            </a:pPr>
-            <a:endParaRPr b="0" lang="cs-CZ" sz="3200" spc="-1" strike="noStrike">
-              <a:latin typeface="Arial"/>
-            </a:endParaRPr>
-          </a:p>
-          <a:p>
-            <a:pPr>
-              <a:lnSpc>
-                <a:spcPct val="100000"/>
-              </a:lnSpc>
-            </a:pPr>
             <a:r>
               <a:rPr b="0" lang="cs-CZ" sz="2200" spc="-1" strike="noStrike">
+                <a:solidFill>
+                  <a:srgbClr val="000000"/>
+                </a:solidFill>
                 <a:latin typeface="Times New Roman"/>
+                <a:ea typeface="DejaVu Sans"/>
               </a:rPr>
               <a:t>Pozor – cyklus se provádí od 1 do 10. </a:t>
             </a:r>
@@ -5439,7 +5509,11 @@
             </a:pPr>
             <a:r>
               <a:rPr b="0" lang="cs-CZ" sz="2200" spc="-1" strike="noStrike">
+                <a:solidFill>
+                  <a:srgbClr val="000000"/>
+                </a:solidFill>
                 <a:latin typeface="Times New Roman"/>
+                <a:ea typeface="DejaVu Sans"/>
               </a:rPr>
               <a:t>Ukázky použití range:</a:t>
             </a:r>
@@ -5455,13 +5529,21 @@
             </a:pPr>
             <a:r>
               <a:rPr b="0" lang="cs-CZ" sz="2200" spc="-1" strike="noStrike">
-                <a:latin typeface="Courier New"/>
+                <a:solidFill>
+                  <a:srgbClr val="000000"/>
+                </a:solidFill>
+                <a:latin typeface="Courier New"/>
+                <a:ea typeface="DejaVu Sans"/>
               </a:rPr>
               <a:t>range(3, 1) – </a:t>
             </a:r>
             <a:r>
               <a:rPr b="0" lang="cs-CZ" sz="2200" spc="-1" strike="noStrike">
+                <a:solidFill>
+                  <a:srgbClr val="000000"/>
+                </a:solidFill>
                 <a:latin typeface="Times New Roman"/>
+                <a:ea typeface="DejaVu Sans"/>
               </a:rPr>
               <a:t>cyklus se neprovede (3 je větší než 1)</a:t>
             </a:r>
@@ -5477,13 +5559,21 @@
             </a:pPr>
             <a:r>
               <a:rPr b="0" lang="cs-CZ" sz="2200" spc="-1" strike="noStrike">
-                <a:latin typeface="Courier New"/>
+                <a:solidFill>
+                  <a:srgbClr val="000000"/>
+                </a:solidFill>
+                <a:latin typeface="Courier New"/>
+                <a:ea typeface="DejaVu Sans"/>
               </a:rPr>
               <a:t>range(1, 4, 2) – </a:t>
             </a:r>
             <a:r>
               <a:rPr b="0" lang="cs-CZ" sz="2200" spc="-1" strike="noStrike">
+                <a:solidFill>
+                  <a:srgbClr val="000000"/>
+                </a:solidFill>
                 <a:latin typeface="Times New Roman"/>
+                <a:ea typeface="DejaVu Sans"/>
               </a:rPr>
               <a:t>cyklus se provede pro 1 a 3, iterace je po dvou</a:t>
             </a:r>
@@ -5499,17 +5589,283 @@
             </a:pPr>
             <a:r>
               <a:rPr b="0" lang="cs-CZ" sz="2200" spc="-1" strike="noStrike">
-                <a:latin typeface="Courier New"/>
+                <a:solidFill>
+                  <a:srgbClr val="000000"/>
+                </a:solidFill>
+                <a:latin typeface="Courier New"/>
+                <a:ea typeface="DejaVu Sans"/>
               </a:rPr>
               <a:t>range(3, 1, -1) – </a:t>
             </a:r>
             <a:r>
               <a:rPr b="0" lang="cs-CZ" sz="2200" spc="-1" strike="noStrike">
+                <a:solidFill>
+                  <a:srgbClr val="000000"/>
+                </a:solidFill>
                 <a:latin typeface="Times New Roman"/>
+                <a:ea typeface="DejaVu Sans"/>
               </a:rPr>
               <a:t>cyklus se provede pro 3 a 2</a:t>
             </a:r>
             <a:endParaRPr b="0" lang="cs-CZ" sz="2200" spc="-1" strike="noStrike">
+              <a:latin typeface="Arial"/>
+            </a:endParaRPr>
+          </a:p>
+        </p:txBody>
+      </p:sp>
+      <p:sp>
+        <p:nvSpPr>
+          <p:cNvPr id="120" name="TextShape 3"/>
+          <p:cNvSpPr txBox="1"/>
+          <p:nvPr/>
+        </p:nvSpPr>
+        <p:spPr>
+          <a:xfrm>
+            <a:off x="504000" y="1296000"/>
+            <a:ext cx="7992000" cy="1471680"/>
+          </a:xfrm>
+          <a:prstGeom prst="rect">
+            <a:avLst/>
+          </a:prstGeom>
+          <a:noFill/>
+          <a:ln>
+            <a:noFill/>
+          </a:ln>
+        </p:spPr>
+        <p:txBody>
+          <a:bodyPr lIns="90000" rIns="90000" tIns="45000" bIns="45000"/>
+          <a:p>
+            <a:pPr>
+              <a:lnSpc>
+                <a:spcPct val="100000"/>
+              </a:lnSpc>
+            </a:pPr>
+            <a:r>
+              <a:rPr b="0" lang="cs-CZ" sz="3200" spc="-1" strike="noStrike">
+                <a:solidFill>
+                  <a:srgbClr val="008000"/>
+                </a:solidFill>
+                <a:latin typeface="Courier New"/>
+                <a:ea typeface="DejaVu Sans"/>
+              </a:rPr>
+              <a:t>from</a:t>
+            </a:r>
+            <a:r>
+              <a:rPr b="0" lang="cs-CZ" sz="3200" spc="-1" strike="noStrike">
+                <a:solidFill>
+                  <a:srgbClr val="000000"/>
+                </a:solidFill>
+                <a:latin typeface="Courier New"/>
+                <a:ea typeface="DejaVu Sans"/>
+              </a:rPr>
+              <a:t> </a:t>
+            </a:r>
+            <a:r>
+              <a:rPr b="0" lang="cs-CZ" sz="3200" spc="-1" strike="noStrike">
+                <a:solidFill>
+                  <a:srgbClr val="0000ff"/>
+                </a:solidFill>
+                <a:latin typeface="Courier New"/>
+                <a:ea typeface="DejaVu Sans"/>
+              </a:rPr>
+              <a:t>microbit</a:t>
+            </a:r>
+            <a:r>
+              <a:rPr b="0" lang="cs-CZ" sz="3200" spc="-1" strike="noStrike">
+                <a:solidFill>
+                  <a:srgbClr val="000000"/>
+                </a:solidFill>
+                <a:latin typeface="Courier New"/>
+                <a:ea typeface="DejaVu Sans"/>
+              </a:rPr>
+              <a:t> </a:t>
+            </a:r>
+            <a:r>
+              <a:rPr b="0" lang="cs-CZ" sz="3200" spc="-1" strike="noStrike">
+                <a:solidFill>
+                  <a:srgbClr val="008000"/>
+                </a:solidFill>
+                <a:latin typeface="Courier New"/>
+                <a:ea typeface="DejaVu Sans"/>
+              </a:rPr>
+              <a:t>import</a:t>
+            </a:r>
+            <a:r>
+              <a:rPr b="0" lang="cs-CZ" sz="3200" spc="-1" strike="noStrike">
+                <a:solidFill>
+                  <a:srgbClr val="000000"/>
+                </a:solidFill>
+                <a:latin typeface="Courier New"/>
+                <a:ea typeface="DejaVu Sans"/>
+              </a:rPr>
+              <a:t> </a:t>
+            </a:r>
+            <a:r>
+              <a:rPr b="0" lang="cs-CZ" sz="3200" spc="-1" strike="noStrike">
+                <a:solidFill>
+                  <a:srgbClr val="666666"/>
+                </a:solidFill>
+                <a:latin typeface="Courier New"/>
+                <a:ea typeface="DejaVu Sans"/>
+              </a:rPr>
+              <a:t>*</a:t>
+            </a:r>
+            <a:endParaRPr b="0" lang="cs-CZ" sz="3200" spc="-1" strike="noStrike">
+              <a:latin typeface="Arial"/>
+            </a:endParaRPr>
+          </a:p>
+          <a:p>
+            <a:pPr>
+              <a:lnSpc>
+                <a:spcPct val="100000"/>
+              </a:lnSpc>
+            </a:pPr>
+            <a:r>
+              <a:rPr b="0" lang="cs-CZ" sz="3200" spc="-1" strike="noStrike">
+                <a:solidFill>
+                  <a:srgbClr val="008000"/>
+                </a:solidFill>
+                <a:latin typeface="Courier New"/>
+                <a:ea typeface="DejaVu Sans"/>
+              </a:rPr>
+              <a:t>for</a:t>
+            </a:r>
+            <a:r>
+              <a:rPr b="0" lang="cs-CZ" sz="3200" spc="-1" strike="noStrike">
+                <a:solidFill>
+                  <a:srgbClr val="000000"/>
+                </a:solidFill>
+                <a:latin typeface="Courier New"/>
+                <a:ea typeface="DejaVu Sans"/>
+              </a:rPr>
+              <a:t> i </a:t>
+            </a:r>
+            <a:r>
+              <a:rPr b="0" lang="cs-CZ" sz="3200" spc="-1" strike="noStrike">
+                <a:solidFill>
+                  <a:srgbClr val="aa22ff"/>
+                </a:solidFill>
+                <a:latin typeface="Courier New"/>
+                <a:ea typeface="DejaVu Sans"/>
+              </a:rPr>
+              <a:t>in</a:t>
+            </a:r>
+            <a:r>
+              <a:rPr b="0" lang="cs-CZ" sz="3200" spc="-1" strike="noStrike">
+                <a:solidFill>
+                  <a:srgbClr val="000000"/>
+                </a:solidFill>
+                <a:latin typeface="Courier New"/>
+                <a:ea typeface="DejaVu Sans"/>
+              </a:rPr>
+              <a:t> </a:t>
+            </a:r>
+            <a:r>
+              <a:rPr b="0" lang="cs-CZ" sz="3200" spc="-1" strike="noStrike">
+                <a:solidFill>
+                  <a:srgbClr val="008000"/>
+                </a:solidFill>
+                <a:latin typeface="Courier New"/>
+                <a:ea typeface="DejaVu Sans"/>
+              </a:rPr>
+              <a:t>range</a:t>
+            </a:r>
+            <a:r>
+              <a:rPr b="0" lang="cs-CZ" sz="3200" spc="-1" strike="noStrike">
+                <a:solidFill>
+                  <a:srgbClr val="000000"/>
+                </a:solidFill>
+                <a:latin typeface="Courier New"/>
+                <a:ea typeface="DejaVu Sans"/>
+              </a:rPr>
+              <a:t>(</a:t>
+            </a:r>
+            <a:r>
+              <a:rPr b="0" lang="cs-CZ" sz="3200" spc="-1" strike="noStrike">
+                <a:solidFill>
+                  <a:srgbClr val="666666"/>
+                </a:solidFill>
+                <a:latin typeface="Courier New"/>
+                <a:ea typeface="DejaVu Sans"/>
+              </a:rPr>
+              <a:t>1</a:t>
+            </a:r>
+            <a:r>
+              <a:rPr b="0" lang="cs-CZ" sz="3200" spc="-1" strike="noStrike">
+                <a:solidFill>
+                  <a:srgbClr val="000000"/>
+                </a:solidFill>
+                <a:latin typeface="Courier New"/>
+                <a:ea typeface="DejaVu Sans"/>
+              </a:rPr>
+              <a:t>, </a:t>
+            </a:r>
+            <a:r>
+              <a:rPr b="0" lang="cs-CZ" sz="3200" spc="-1" strike="noStrike">
+                <a:solidFill>
+                  <a:srgbClr val="666666"/>
+                </a:solidFill>
+                <a:latin typeface="Courier New"/>
+                <a:ea typeface="DejaVu Sans"/>
+              </a:rPr>
+              <a:t>11</a:t>
+            </a:r>
+            <a:r>
+              <a:rPr b="0" lang="cs-CZ" sz="3200" spc="-1" strike="noStrike">
+                <a:solidFill>
+                  <a:srgbClr val="000000"/>
+                </a:solidFill>
+                <a:latin typeface="Courier New"/>
+                <a:ea typeface="DejaVu Sans"/>
+              </a:rPr>
+              <a:t>):</a:t>
+            </a:r>
+            <a:endParaRPr b="0" lang="cs-CZ" sz="3200" spc="-1" strike="noStrike">
+              <a:latin typeface="Arial"/>
+            </a:endParaRPr>
+          </a:p>
+          <a:p>
+            <a:r>
+              <a:rPr b="0" lang="cs-CZ" sz="3200" spc="-1" strike="noStrike">
+                <a:solidFill>
+                  <a:srgbClr val="000000"/>
+                </a:solidFill>
+                <a:latin typeface="Courier New"/>
+                <a:ea typeface="DejaVu Sans"/>
+              </a:rPr>
+              <a:t>    </a:t>
+            </a:r>
+            <a:r>
+              <a:rPr b="0" lang="cs-CZ" sz="3200" spc="-1" strike="noStrike">
+                <a:solidFill>
+                  <a:srgbClr val="000000"/>
+                </a:solidFill>
+                <a:latin typeface="Courier New"/>
+                <a:ea typeface="DejaVu Sans"/>
+              </a:rPr>
+              <a:t>display</a:t>
+            </a:r>
+            <a:r>
+              <a:rPr b="0" lang="cs-CZ" sz="3200" spc="-1" strike="noStrike">
+                <a:solidFill>
+                  <a:srgbClr val="666666"/>
+                </a:solidFill>
+                <a:latin typeface="Courier New"/>
+                <a:ea typeface="DejaVu Sans"/>
+              </a:rPr>
+              <a:t>.</a:t>
+            </a:r>
+            <a:r>
+              <a:rPr b="0" lang="cs-CZ" sz="3200" spc="-1" strike="noStrike">
+                <a:solidFill>
+                  <a:srgbClr val="000000"/>
+                </a:solidFill>
+                <a:latin typeface="Courier New"/>
+                <a:ea typeface="DejaVu Sans"/>
+              </a:rPr>
+              <a:t>scroll(i)</a:t>
+            </a:r>
+            <a:endParaRPr b="0" lang="cs-CZ" sz="3200" spc="-1" strike="noStrike">
               <a:latin typeface="Arial"/>
             </a:endParaRPr>
           </a:p>
@@ -5566,14 +5922,14 @@
       </p:grpSpPr>
       <p:sp>
         <p:nvSpPr>
-          <p:cNvPr id="120" name="CustomShape 1"/>
+          <p:cNvPr id="121" name="CustomShape 1"/>
           <p:cNvSpPr/>
           <p:nvPr/>
         </p:nvSpPr>
         <p:spPr>
           <a:xfrm>
             <a:off x="504000" y="72000"/>
-            <a:ext cx="9070920" cy="863280"/>
+            <a:ext cx="9070200" cy="862560"/>
           </a:xfrm>
           <a:prstGeom prst="rect">
             <a:avLst/>
@@ -5599,13 +5955,21 @@
             </a:pPr>
             <a:r>
               <a:rPr b="0" lang="cs-CZ" sz="4400" spc="-1" strike="noStrike">
+                <a:solidFill>
+                  <a:srgbClr val="000000"/>
+                </a:solidFill>
                 <a:latin typeface="Arial"/>
+                <a:ea typeface="DejaVu Sans"/>
               </a:rPr>
               <a:t>Výpis čísel od 1 do 10</a:t>
             </a:r>
             <a:r>
               <a:rPr b="0" lang="cs-CZ" sz="4400" spc="-1" strike="noStrike">
+                <a:solidFill>
+                  <a:srgbClr val="000000"/>
+                </a:solidFill>
                 <a:latin typeface="Arial"/>
+                <a:ea typeface="DejaVu Sans"/>
               </a:rPr>
               <a:t>	</a:t>
             </a:r>
@@ -5617,14 +5981,14 @@
       </p:sp>
       <p:sp>
         <p:nvSpPr>
-          <p:cNvPr id="121" name="CustomShape 2"/>
+          <p:cNvPr id="122" name="CustomShape 2"/>
           <p:cNvSpPr/>
           <p:nvPr/>
         </p:nvSpPr>
         <p:spPr>
           <a:xfrm>
             <a:off x="504000" y="1769040"/>
-            <a:ext cx="9070920" cy="4384080"/>
+            <a:ext cx="9070200" cy="4383360"/>
           </a:xfrm>
           <a:prstGeom prst="rect">
             <a:avLst/>
@@ -5645,7 +6009,7 @@
             <a:normAutofit/>
           </a:bodyPr>
           <a:p>
-            <a:pPr marL="432000" indent="-323640">
+            <a:pPr marL="432000" indent="-322920">
               <a:lnSpc>
                 <a:spcPct val="100000"/>
               </a:lnSpc>
@@ -5661,14 +6025,22 @@
             </a:pPr>
             <a:r>
               <a:rPr b="0" lang="cs-CZ" sz="3200" spc="-1" strike="noStrike">
+                <a:solidFill>
+                  <a:srgbClr val="000000"/>
+                </a:solidFill>
                 <a:latin typeface="Arial"/>
+                <a:ea typeface="DejaVu Sans"/>
               </a:rPr>
               <a:t>Alternativní řešení, při použití cyklu while:</a:t>
             </a:r>
             <a:br/>
             <a:r>
               <a:rPr b="0" lang="cs-CZ" sz="3200" spc="-1" strike="noStrike">
+                <a:solidFill>
+                  <a:srgbClr val="000000"/>
+                </a:solidFill>
                 <a:latin typeface="Arial"/>
+                <a:ea typeface="DejaVu Sans"/>
               </a:rPr>
               <a:t> </a:t>
             </a:r>
@@ -5682,16 +6054,33 @@
                 <a:spcPct val="100000"/>
               </a:lnSpc>
             </a:pPr>
-            <a:r>
-              <a:rPr b="0" lang="cs-CZ" sz="3200" spc="-1" strike="noStrike">
-                <a:latin typeface="Courier New"/>
-              </a:rPr>
-              <a:t>from microbit import *</a:t>
-            </a:r>
-            <a:endParaRPr b="0" lang="cs-CZ" sz="3200" spc="-1" strike="noStrike">
-              <a:latin typeface="Arial"/>
-            </a:endParaRPr>
-          </a:p>
+            <a:endParaRPr b="0" lang="cs-CZ" sz="3200" spc="-1" strike="noStrike">
+              <a:latin typeface="Arial"/>
+            </a:endParaRPr>
+          </a:p>
+        </p:txBody>
+      </p:sp>
+      <p:sp>
+        <p:nvSpPr>
+          <p:cNvPr id="123" name="TextShape 3"/>
+          <p:cNvSpPr txBox="1"/>
+          <p:nvPr/>
+        </p:nvSpPr>
+        <p:spPr>
+          <a:xfrm>
+            <a:off x="1008000" y="2935440"/>
+            <a:ext cx="7128000" cy="2392560"/>
+          </a:xfrm>
+          <a:prstGeom prst="rect">
+            <a:avLst/>
+          </a:prstGeom>
+          <a:noFill/>
+          <a:ln>
+            <a:noFill/>
+          </a:ln>
+        </p:spPr>
+        <p:txBody>
+          <a:bodyPr lIns="90000" rIns="90000" tIns="45000" bIns="45000"/>
           <a:p>
             <a:pPr>
               <a:lnSpc>
@@ -5700,9 +6089,73 @@
             </a:pPr>
             <a:r>
               <a:rPr b="0" lang="cs-CZ" sz="3200" spc="-1" strike="noStrike">
-                <a:latin typeface="Courier New"/>
-              </a:rPr>
-              <a:t>i = 1</a:t>
+                <a:solidFill>
+                  <a:srgbClr val="008000"/>
+                </a:solidFill>
+                <a:latin typeface="Courier New"/>
+                <a:ea typeface="DejaVu Sans"/>
+              </a:rPr>
+              <a:t>from</a:t>
+            </a:r>
+            <a:r>
+              <a:rPr b="0" lang="cs-CZ" sz="3200" spc="-1" strike="noStrike">
+                <a:solidFill>
+                  <a:srgbClr val="000000"/>
+                </a:solidFill>
+                <a:latin typeface="Courier New"/>
+                <a:ea typeface="DejaVu Sans"/>
+              </a:rPr>
+              <a:t> </a:t>
+            </a:r>
+            <a:r>
+              <a:rPr b="0" lang="cs-CZ" sz="3200" spc="-1" strike="noStrike">
+                <a:solidFill>
+                  <a:srgbClr val="0000ff"/>
+                </a:solidFill>
+                <a:latin typeface="Courier New"/>
+                <a:ea typeface="DejaVu Sans"/>
+              </a:rPr>
+              <a:t>microbit</a:t>
+            </a:r>
+            <a:r>
+              <a:rPr b="0" lang="cs-CZ" sz="3200" spc="-1" strike="noStrike">
+                <a:solidFill>
+                  <a:srgbClr val="000000"/>
+                </a:solidFill>
+                <a:latin typeface="Courier New"/>
+                <a:ea typeface="DejaVu Sans"/>
+              </a:rPr>
+              <a:t> </a:t>
+            </a:r>
+            <a:r>
+              <a:rPr b="0" lang="cs-CZ" sz="3200" spc="-1" strike="noStrike">
+                <a:solidFill>
+                  <a:srgbClr val="008000"/>
+                </a:solidFill>
+                <a:latin typeface="Courier New"/>
+                <a:ea typeface="DejaVu Sans"/>
+              </a:rPr>
+              <a:t>import</a:t>
+            </a:r>
+            <a:r>
+              <a:rPr b="0" lang="cs-CZ" sz="3200" spc="-1" strike="noStrike">
+                <a:solidFill>
+                  <a:srgbClr val="000000"/>
+                </a:solidFill>
+                <a:latin typeface="Courier New"/>
+                <a:ea typeface="DejaVu Sans"/>
+              </a:rPr>
+              <a:t> </a:t>
+            </a:r>
+            <a:r>
+              <a:rPr b="0" lang="cs-CZ" sz="3200" spc="-1" strike="noStrike">
+                <a:solidFill>
+                  <a:srgbClr val="666666"/>
+                </a:solidFill>
+                <a:latin typeface="Courier New"/>
+                <a:ea typeface="DejaVu Sans"/>
+              </a:rPr>
+              <a:t>*</a:t>
             </a:r>
             <a:endParaRPr b="0" lang="cs-CZ" sz="3200" spc="-1" strike="noStrike">
               <a:latin typeface="Arial"/>
@@ -5716,9 +6169,43 @@
             </a:pPr>
             <a:r>
               <a:rPr b="0" lang="cs-CZ" sz="3200" spc="-1" strike="noStrike">
-                <a:latin typeface="Courier New"/>
-              </a:rPr>
-              <a:t>while (i &lt; 11):</a:t>
+                <a:solidFill>
+                  <a:srgbClr val="000000"/>
+                </a:solidFill>
+                <a:latin typeface="Courier New"/>
+                <a:ea typeface="DejaVu Sans"/>
+              </a:rPr>
+              <a:t>i </a:t>
+            </a:r>
+            <a:r>
+              <a:rPr b="0" lang="cs-CZ" sz="3200" spc="-1" strike="noStrike">
+                <a:solidFill>
+                  <a:srgbClr val="666666"/>
+                </a:solidFill>
+                <a:latin typeface="Courier New"/>
+                <a:ea typeface="DejaVu Sans"/>
+              </a:rPr>
+              <a:t>=</a:t>
+            </a:r>
+            <a:r>
+              <a:rPr b="0" lang="cs-CZ" sz="3200" spc="-1" strike="noStrike">
+                <a:solidFill>
+                  <a:srgbClr val="000000"/>
+                </a:solidFill>
+                <a:latin typeface="Courier New"/>
+                <a:ea typeface="DejaVu Sans"/>
+              </a:rPr>
+              <a:t> </a:t>
+            </a:r>
+            <a:r>
+              <a:rPr b="0" lang="cs-CZ" sz="3200" spc="-1" strike="noStrike">
+                <a:solidFill>
+                  <a:srgbClr val="666666"/>
+                </a:solidFill>
+                <a:latin typeface="Courier New"/>
+                <a:ea typeface="DejaVu Sans"/>
+              </a:rPr>
+              <a:t>1</a:t>
             </a:r>
             <a:endParaRPr b="0" lang="cs-CZ" sz="3200" spc="-1" strike="noStrike">
               <a:latin typeface="Arial"/>
@@ -5732,15 +6219,63 @@
             </a:pPr>
             <a:r>
               <a:rPr b="0" lang="cs-CZ" sz="3200" spc="-1" strike="noStrike">
-                <a:latin typeface="Courier New"/>
-              </a:rPr>
-              <a:t>    </a:t>
-            </a:r>
-            <a:r>
-              <a:rPr b="0" lang="cs-CZ" sz="3200" spc="-1" strike="noStrike">
-                <a:latin typeface="Courier New"/>
-              </a:rPr>
-              <a:t>display.scroll(str(i))</a:t>
+                <a:solidFill>
+                  <a:srgbClr val="008000"/>
+                </a:solidFill>
+                <a:latin typeface="Courier New"/>
+                <a:ea typeface="DejaVu Sans"/>
+              </a:rPr>
+              <a:t>while</a:t>
+            </a:r>
+            <a:r>
+              <a:rPr b="0" lang="cs-CZ" sz="3200" spc="-1" strike="noStrike">
+                <a:solidFill>
+                  <a:srgbClr val="000000"/>
+                </a:solidFill>
+                <a:latin typeface="Courier New"/>
+                <a:ea typeface="DejaVu Sans"/>
+              </a:rPr>
+              <a:t> (i </a:t>
+            </a:r>
+            <a:r>
+              <a:rPr b="0" lang="cs-CZ" sz="3200" spc="-1" strike="noStrike">
+                <a:solidFill>
+                  <a:srgbClr val="666666"/>
+                </a:solidFill>
+                <a:latin typeface="Courier New"/>
+                <a:ea typeface="DejaVu Sans"/>
+              </a:rPr>
+              <a:t>&lt;</a:t>
+            </a:r>
+            <a:r>
+              <a:rPr b="0" lang="cs-CZ" sz="3200" spc="-1" strike="noStrike">
+                <a:solidFill>
+                  <a:srgbClr val="000000"/>
+                </a:solidFill>
+                <a:latin typeface="Courier New"/>
+                <a:ea typeface="DejaVu Sans"/>
+              </a:rPr>
+              <a:t> </a:t>
+            </a:r>
+            <a:r>
+              <a:rPr b="0" lang="cs-CZ" sz="3200" spc="-1" strike="noStrike">
+                <a:solidFill>
+                  <a:srgbClr val="666666"/>
+                </a:solidFill>
+                <a:latin typeface="Courier New"/>
+                <a:ea typeface="DejaVu Sans"/>
+              </a:rPr>
+              <a:t>11</a:t>
+            </a:r>
+            <a:r>
+              <a:rPr b="0" lang="cs-CZ" sz="3200" spc="-1" strike="noStrike">
+                <a:solidFill>
+                  <a:srgbClr val="000000"/>
+                </a:solidFill>
+                <a:latin typeface="Courier New"/>
+                <a:ea typeface="DejaVu Sans"/>
+              </a:rPr>
+              <a:t>):</a:t>
             </a:r>
             <a:endParaRPr b="0" lang="cs-CZ" sz="3200" spc="-1" strike="noStrike">
               <a:latin typeface="Arial"/>
@@ -5753,22 +6288,129 @@
               </a:lnSpc>
             </a:pPr>
             <a:r>
+              <a:rPr b="0" lang="cs-CZ" sz="3200" spc="-1" strike="noStrike">
+                <a:solidFill>
+                  <a:srgbClr val="000000"/>
+                </a:solidFill>
+                <a:latin typeface="Courier New"/>
+                <a:ea typeface="DejaVu Sans"/>
+              </a:rPr>
+              <a:t>    </a:t>
+            </a:r>
+            <a:r>
+              <a:rPr b="0" lang="cs-CZ" sz="3200" spc="-1" strike="noStrike">
+                <a:solidFill>
+                  <a:srgbClr val="000000"/>
+                </a:solidFill>
+                <a:latin typeface="Courier New"/>
+                <a:ea typeface="DejaVu Sans"/>
+              </a:rPr>
+              <a:t>display</a:t>
+            </a:r>
+            <a:r>
+              <a:rPr b="0" lang="cs-CZ" sz="3200" spc="-1" strike="noStrike">
+                <a:solidFill>
+                  <a:srgbClr val="666666"/>
+                </a:solidFill>
+                <a:latin typeface="Courier New"/>
+                <a:ea typeface="DejaVu Sans"/>
+              </a:rPr>
+              <a:t>.</a:t>
+            </a:r>
+            <a:r>
+              <a:rPr b="0" lang="cs-CZ" sz="3200" spc="-1" strike="noStrike">
+                <a:solidFill>
+                  <a:srgbClr val="000000"/>
+                </a:solidFill>
+                <a:latin typeface="Courier New"/>
+                <a:ea typeface="DejaVu Sans"/>
+              </a:rPr>
+              <a:t>scroll(i)</a:t>
+            </a:r>
+            <a:endParaRPr b="0" lang="cs-CZ" sz="3200" spc="-1" strike="noStrike">
+              <a:latin typeface="Arial"/>
+            </a:endParaRPr>
+          </a:p>
+          <a:p>
+            <a:r>
               <a:rPr b="1" lang="cs-CZ" sz="3200" spc="-1" strike="noStrike">
-                <a:latin typeface="Courier New"/>
+                <a:solidFill>
+                  <a:srgbClr val="000000"/>
+                </a:solidFill>
+                <a:latin typeface="Courier New"/>
+                <a:ea typeface="DejaVu Sans"/>
               </a:rPr>
               <a:t>   </a:t>
             </a:r>
             <a:r>
               <a:rPr b="0" lang="cs-CZ" sz="3200" spc="-1" strike="noStrike">
-                <a:latin typeface="Courier New"/>
+                <a:solidFill>
+                  <a:srgbClr val="000000"/>
+                </a:solidFill>
+                <a:latin typeface="Courier New"/>
+                <a:ea typeface="DejaVu Sans"/>
               </a:rPr>
               <a:t> </a:t>
             </a:r>
             <a:r>
               <a:rPr b="0" lang="cs-CZ" sz="3200" spc="-1" strike="noStrike">
-                <a:latin typeface="Courier New"/>
-              </a:rPr>
-              <a:t>i = i + 1</a:t>
+                <a:solidFill>
+                  <a:srgbClr val="000000"/>
+                </a:solidFill>
+                <a:latin typeface="Courier New"/>
+                <a:ea typeface="DejaVu Sans"/>
+              </a:rPr>
+              <a:t>i </a:t>
+            </a:r>
+            <a:r>
+              <a:rPr b="0" lang="cs-CZ" sz="3200" spc="-1" strike="noStrike">
+                <a:solidFill>
+                  <a:srgbClr val="666666"/>
+                </a:solidFill>
+                <a:latin typeface="Courier New"/>
+                <a:ea typeface="DejaVu Sans"/>
+              </a:rPr>
+              <a:t>=</a:t>
+            </a:r>
+            <a:r>
+              <a:rPr b="0" lang="cs-CZ" sz="3200" spc="-1" strike="noStrike">
+                <a:solidFill>
+                  <a:srgbClr val="000000"/>
+                </a:solidFill>
+                <a:latin typeface="Courier New"/>
+                <a:ea typeface="DejaVu Sans"/>
+              </a:rPr>
+              <a:t> i </a:t>
+            </a:r>
+            <a:r>
+              <a:rPr b="0" lang="cs-CZ" sz="3200" spc="-1" strike="noStrike">
+                <a:solidFill>
+                  <a:srgbClr val="666666"/>
+                </a:solidFill>
+                <a:latin typeface="Courier New"/>
+                <a:ea typeface="DejaVu Sans"/>
+              </a:rPr>
+              <a:t>+</a:t>
+            </a:r>
+            <a:r>
+              <a:rPr b="0" lang="cs-CZ" sz="3200" spc="-1" strike="noStrike">
+                <a:solidFill>
+                  <a:srgbClr val="000000"/>
+                </a:solidFill>
+                <a:latin typeface="Courier New"/>
+                <a:ea typeface="DejaVu Sans"/>
+              </a:rPr>
+              <a:t> </a:t>
+            </a:r>
+            <a:r>
+              <a:rPr b="0" lang="cs-CZ" sz="3200" spc="-1" strike="noStrike">
+                <a:solidFill>
+                  <a:srgbClr val="666666"/>
+                </a:solidFill>
+                <a:latin typeface="Courier New"/>
+                <a:ea typeface="DejaVu Sans"/>
+              </a:rPr>
+              <a:t>1</a:t>
             </a:r>
             <a:endParaRPr b="0" lang="cs-CZ" sz="3200" spc="-1" strike="noStrike">
               <a:latin typeface="Arial"/>
@@ -5827,14 +6469,14 @@
       </p:grpSpPr>
       <p:sp>
         <p:nvSpPr>
-          <p:cNvPr id="122" name="CustomShape 1"/>
+          <p:cNvPr id="124" name="CustomShape 1"/>
           <p:cNvSpPr/>
           <p:nvPr/>
         </p:nvSpPr>
         <p:spPr>
           <a:xfrm>
             <a:off x="504000" y="72000"/>
-            <a:ext cx="9070920" cy="863280"/>
+            <a:ext cx="9070200" cy="862560"/>
           </a:xfrm>
           <a:prstGeom prst="rect">
             <a:avLst/>
@@ -5860,7 +6502,11 @@
             </a:pPr>
             <a:r>
               <a:rPr b="0" lang="cs-CZ" sz="4400" spc="-1" strike="noStrike">
+                <a:solidFill>
+                  <a:srgbClr val="000000"/>
+                </a:solidFill>
                 <a:latin typeface="Arial"/>
+                <a:ea typeface="DejaVu Sans"/>
               </a:rPr>
               <a:t>Další funkce pro display</a:t>
             </a:r>
@@ -5872,14 +6518,14 @@
       </p:sp>
       <p:sp>
         <p:nvSpPr>
-          <p:cNvPr id="123" name="CustomShape 2"/>
+          <p:cNvPr id="125" name="CustomShape 2"/>
           <p:cNvSpPr/>
           <p:nvPr/>
         </p:nvSpPr>
         <p:spPr>
           <a:xfrm>
             <a:off x="504000" y="1769040"/>
-            <a:ext cx="9070920" cy="4384080"/>
+            <a:ext cx="9070200" cy="4383360"/>
           </a:xfrm>
           <a:prstGeom prst="rect">
             <a:avLst/>
@@ -5907,9 +6553,73 @@
             </a:pPr>
             <a:r>
               <a:rPr b="0" lang="cs-CZ" sz="3200" spc="-1" strike="noStrike">
-                <a:latin typeface="Courier New"/>
-              </a:rPr>
-              <a:t>from microbit import *</a:t>
+                <a:solidFill>
+                  <a:srgbClr val="008000"/>
+                </a:solidFill>
+                <a:latin typeface="Courier New"/>
+                <a:ea typeface="DejaVu Sans"/>
+              </a:rPr>
+              <a:t>from</a:t>
+            </a:r>
+            <a:r>
+              <a:rPr b="0" lang="cs-CZ" sz="3200" spc="-1" strike="noStrike">
+                <a:solidFill>
+                  <a:srgbClr val="000000"/>
+                </a:solidFill>
+                <a:latin typeface="Courier New"/>
+                <a:ea typeface="DejaVu Sans"/>
+              </a:rPr>
+              <a:t> </a:t>
+            </a:r>
+            <a:r>
+              <a:rPr b="0" lang="cs-CZ" sz="3200" spc="-1" strike="noStrike">
+                <a:solidFill>
+                  <a:srgbClr val="0000ff"/>
+                </a:solidFill>
+                <a:latin typeface="Courier New"/>
+                <a:ea typeface="DejaVu Sans"/>
+              </a:rPr>
+              <a:t>microbit</a:t>
+            </a:r>
+            <a:r>
+              <a:rPr b="0" lang="cs-CZ" sz="3200" spc="-1" strike="noStrike">
+                <a:solidFill>
+                  <a:srgbClr val="000000"/>
+                </a:solidFill>
+                <a:latin typeface="Courier New"/>
+                <a:ea typeface="DejaVu Sans"/>
+              </a:rPr>
+              <a:t> </a:t>
+            </a:r>
+            <a:r>
+              <a:rPr b="0" lang="cs-CZ" sz="3200" spc="-1" strike="noStrike">
+                <a:solidFill>
+                  <a:srgbClr val="008000"/>
+                </a:solidFill>
+                <a:latin typeface="Courier New"/>
+                <a:ea typeface="DejaVu Sans"/>
+              </a:rPr>
+              <a:t>import</a:t>
+            </a:r>
+            <a:r>
+              <a:rPr b="0" lang="cs-CZ" sz="3200" spc="-1" strike="noStrike">
+                <a:solidFill>
+                  <a:srgbClr val="000000"/>
+                </a:solidFill>
+                <a:latin typeface="Courier New"/>
+                <a:ea typeface="DejaVu Sans"/>
+              </a:rPr>
+              <a:t> </a:t>
+            </a:r>
+            <a:r>
+              <a:rPr b="0" lang="cs-CZ" sz="3200" spc="-1" strike="noStrike">
+                <a:solidFill>
+                  <a:srgbClr val="666666"/>
+                </a:solidFill>
+                <a:latin typeface="Courier New"/>
+                <a:ea typeface="DejaVu Sans"/>
+              </a:rPr>
+              <a:t>*</a:t>
             </a:r>
             <a:endParaRPr b="0" lang="cs-CZ" sz="3200" spc="-1" strike="noStrike">
               <a:latin typeface="Arial"/>
@@ -5923,9 +6633,53 @@
             </a:pPr>
             <a:r>
               <a:rPr b="0" lang="cs-CZ" sz="3200" spc="-1" strike="noStrike">
-                <a:latin typeface="Courier New"/>
-              </a:rPr>
-              <a:t>display.show("X")</a:t>
+                <a:solidFill>
+                  <a:srgbClr val="000000"/>
+                </a:solidFill>
+                <a:latin typeface="Courier New"/>
+                <a:ea typeface="DejaVu Sans"/>
+              </a:rPr>
+              <a:t>display</a:t>
+            </a:r>
+            <a:r>
+              <a:rPr b="0" lang="cs-CZ" sz="3200" spc="-1" strike="noStrike">
+                <a:solidFill>
+                  <a:srgbClr val="666666"/>
+                </a:solidFill>
+                <a:latin typeface="Courier New"/>
+                <a:ea typeface="DejaVu Sans"/>
+              </a:rPr>
+              <a:t>.</a:t>
+            </a:r>
+            <a:r>
+              <a:rPr b="0" lang="cs-CZ" sz="3200" spc="-1" strike="noStrike">
+                <a:solidFill>
+                  <a:srgbClr val="000000"/>
+                </a:solidFill>
+                <a:latin typeface="Courier New"/>
+                <a:ea typeface="DejaVu Sans"/>
+              </a:rPr>
+              <a:t>show(</a:t>
+            </a:r>
+            <a:r>
+              <a:rPr b="0" lang="cs-CZ" sz="3200" spc="-1" strike="noStrike">
+                <a:solidFill>
+                  <a:srgbClr val="ba2121"/>
+                </a:solidFill>
+                <a:latin typeface="Courier New"/>
+                <a:ea typeface="DejaVu Sans"/>
+              </a:rPr>
+              <a:t>"X"</a:t>
+            </a:r>
+            <a:r>
+              <a:rPr b="0" lang="cs-CZ" sz="3200" spc="-1" strike="noStrike">
+                <a:solidFill>
+                  <a:srgbClr val="000000"/>
+                </a:solidFill>
+                <a:latin typeface="Courier New"/>
+                <a:ea typeface="DejaVu Sans"/>
+              </a:rPr>
+              <a:t>)</a:t>
             </a:r>
             <a:endParaRPr b="0" lang="cs-CZ" sz="3200" spc="-1" strike="noStrike">
               <a:latin typeface="Arial"/>
@@ -5939,9 +6693,33 @@
             </a:pPr>
             <a:r>
               <a:rPr b="0" lang="cs-CZ" sz="3200" spc="-1" strike="noStrike">
-                <a:latin typeface="Courier New"/>
-              </a:rPr>
-              <a:t>sleep(1000)</a:t>
+                <a:solidFill>
+                  <a:srgbClr val="000000"/>
+                </a:solidFill>
+                <a:latin typeface="Courier New"/>
+                <a:ea typeface="DejaVu Sans"/>
+              </a:rPr>
+              <a:t>sleep(</a:t>
+            </a:r>
+            <a:r>
+              <a:rPr b="0" lang="cs-CZ" sz="3200" spc="-1" strike="noStrike">
+                <a:solidFill>
+                  <a:srgbClr val="666666"/>
+                </a:solidFill>
+                <a:latin typeface="Courier New"/>
+                <a:ea typeface="DejaVu Sans"/>
+              </a:rPr>
+              <a:t>1000</a:t>
+            </a:r>
+            <a:r>
+              <a:rPr b="0" lang="cs-CZ" sz="3200" spc="-1" strike="noStrike">
+                <a:solidFill>
+                  <a:srgbClr val="000000"/>
+                </a:solidFill>
+                <a:latin typeface="Courier New"/>
+                <a:ea typeface="DejaVu Sans"/>
+              </a:rPr>
+              <a:t>)</a:t>
             </a:r>
             <a:endParaRPr b="0" lang="cs-CZ" sz="3200" spc="-1" strike="noStrike">
               <a:latin typeface="Arial"/>
@@ -5955,9 +6733,33 @@
             </a:pPr>
             <a:r>
               <a:rPr b="0" lang="cs-CZ" sz="3200" spc="-1" strike="noStrike">
-                <a:latin typeface="Courier New"/>
-              </a:rPr>
-              <a:t>display.clear()</a:t>
+                <a:solidFill>
+                  <a:srgbClr val="000000"/>
+                </a:solidFill>
+                <a:latin typeface="Courier New"/>
+                <a:ea typeface="DejaVu Sans"/>
+              </a:rPr>
+              <a:t>display</a:t>
+            </a:r>
+            <a:r>
+              <a:rPr b="0" lang="cs-CZ" sz="3200" spc="-1" strike="noStrike">
+                <a:solidFill>
+                  <a:srgbClr val="666666"/>
+                </a:solidFill>
+                <a:latin typeface="Courier New"/>
+                <a:ea typeface="DejaVu Sans"/>
+              </a:rPr>
+              <a:t>.</a:t>
+            </a:r>
+            <a:r>
+              <a:rPr b="0" lang="cs-CZ" sz="3200" spc="-1" strike="noStrike">
+                <a:solidFill>
+                  <a:srgbClr val="000000"/>
+                </a:solidFill>
+                <a:latin typeface="Courier New"/>
+                <a:ea typeface="DejaVu Sans"/>
+              </a:rPr>
+              <a:t>clear()</a:t>
             </a:r>
             <a:endParaRPr b="0" lang="cs-CZ" sz="3200" spc="-1" strike="noStrike">
               <a:latin typeface="Arial"/>

--- a/01-LED/01_Pro_ucitele/Prezentace/12-cykly.pptx
+++ b/01-LED/01_Pro_ucitele/Prezentace/12-cykly.pptx
@@ -1,25 +1,120 @@
 
 <file path=ppt/presentation.xml><?xml version="1.0" encoding="utf-8"?>
-<p:presentation xmlns:a="http://schemas.openxmlformats.org/drawingml/2006/main" xmlns:p="http://schemas.openxmlformats.org/presentationml/2006/main" xmlns:r="http://schemas.openxmlformats.org/officeDocument/2006/relationships" xmlns:p14="http://schemas.microsoft.com/office/powerpoint/2010/main" xmlns:p15="http://schemas.microsoft.com/office/powerpoint/2012/main" xmlns:mc="http://schemas.openxmlformats.org/markup-compatibility/2006">
+<p:presentation xmlns:a="http://schemas.openxmlformats.org/drawingml/2006/main" xmlns:r="http://schemas.openxmlformats.org/officeDocument/2006/relationships" xmlns:p="http://schemas.openxmlformats.org/presentationml/2006/main">
   <p:sldMasterIdLst>
-    <p:sldMasterId id="2147483648" r:id="rId2"/>
-    <p:sldMasterId id="2147483661" r:id="rId3"/>
-    <p:sldMasterId id="2147483674" r:id="rId4"/>
+    <p:sldMasterId id="2147483648" r:id="rId1"/>
+    <p:sldMasterId id="2147483661" r:id="rId2"/>
+    <p:sldMasterId id="2147483674" r:id="rId3"/>
   </p:sldMasterIdLst>
   <p:sldIdLst>
-    <p:sldId id="256" r:id="rId5"/>
-    <p:sldId id="257" r:id="rId6"/>
-    <p:sldId id="258" r:id="rId7"/>
-    <p:sldId id="259" r:id="rId8"/>
-    <p:sldId id="260" r:id="rId9"/>
+    <p:sldId id="256" r:id="rId4"/>
+    <p:sldId id="257" r:id="rId5"/>
+    <p:sldId id="258" r:id="rId6"/>
+    <p:sldId id="259" r:id="rId7"/>
+    <p:sldId id="260" r:id="rId8"/>
   </p:sldIdLst>
   <p:sldSz cx="10080625" cy="7559675"/>
-  <p:notesSz cx="7559675" cy="10691812"/>
+  <p:notesSz cx="7559675" cy="10691813"/>
+  <p:defaultTextStyle>
+    <a:defPPr>
+      <a:defRPr lang="cs-CZ"/>
+    </a:defPPr>
+    <a:lvl1pPr marL="0" algn="l" defTabSz="914400" rtl="0" eaLnBrk="1" latinLnBrk="0" hangingPunct="1">
+      <a:defRPr sz="1800" kern="1200">
+        <a:solidFill>
+          <a:schemeClr val="tx1"/>
+        </a:solidFill>
+        <a:latin typeface="+mn-lt"/>
+        <a:ea typeface="+mn-ea"/>
+        <a:cs typeface="+mn-cs"/>
+      </a:defRPr>
+    </a:lvl1pPr>
+    <a:lvl2pPr marL="457200" algn="l" defTabSz="914400" rtl="0" eaLnBrk="1" latinLnBrk="0" hangingPunct="1">
+      <a:defRPr sz="1800" kern="1200">
+        <a:solidFill>
+          <a:schemeClr val="tx1"/>
+        </a:solidFill>
+        <a:latin typeface="+mn-lt"/>
+        <a:ea typeface="+mn-ea"/>
+        <a:cs typeface="+mn-cs"/>
+      </a:defRPr>
+    </a:lvl2pPr>
+    <a:lvl3pPr marL="914400" algn="l" defTabSz="914400" rtl="0" eaLnBrk="1" latinLnBrk="0" hangingPunct="1">
+      <a:defRPr sz="1800" kern="1200">
+        <a:solidFill>
+          <a:schemeClr val="tx1"/>
+        </a:solidFill>
+        <a:latin typeface="+mn-lt"/>
+        <a:ea typeface="+mn-ea"/>
+        <a:cs typeface="+mn-cs"/>
+      </a:defRPr>
+    </a:lvl3pPr>
+    <a:lvl4pPr marL="1371600" algn="l" defTabSz="914400" rtl="0" eaLnBrk="1" latinLnBrk="0" hangingPunct="1">
+      <a:defRPr sz="1800" kern="1200">
+        <a:solidFill>
+          <a:schemeClr val="tx1"/>
+        </a:solidFill>
+        <a:latin typeface="+mn-lt"/>
+        <a:ea typeface="+mn-ea"/>
+        <a:cs typeface="+mn-cs"/>
+      </a:defRPr>
+    </a:lvl4pPr>
+    <a:lvl5pPr marL="1828800" algn="l" defTabSz="914400" rtl="0" eaLnBrk="1" latinLnBrk="0" hangingPunct="1">
+      <a:defRPr sz="1800" kern="1200">
+        <a:solidFill>
+          <a:schemeClr val="tx1"/>
+        </a:solidFill>
+        <a:latin typeface="+mn-lt"/>
+        <a:ea typeface="+mn-ea"/>
+        <a:cs typeface="+mn-cs"/>
+      </a:defRPr>
+    </a:lvl5pPr>
+    <a:lvl6pPr marL="2286000" algn="l" defTabSz="914400" rtl="0" eaLnBrk="1" latinLnBrk="0" hangingPunct="1">
+      <a:defRPr sz="1800" kern="1200">
+        <a:solidFill>
+          <a:schemeClr val="tx1"/>
+        </a:solidFill>
+        <a:latin typeface="+mn-lt"/>
+        <a:ea typeface="+mn-ea"/>
+        <a:cs typeface="+mn-cs"/>
+      </a:defRPr>
+    </a:lvl6pPr>
+    <a:lvl7pPr marL="2743200" algn="l" defTabSz="914400" rtl="0" eaLnBrk="1" latinLnBrk="0" hangingPunct="1">
+      <a:defRPr sz="1800" kern="1200">
+        <a:solidFill>
+          <a:schemeClr val="tx1"/>
+        </a:solidFill>
+        <a:latin typeface="+mn-lt"/>
+        <a:ea typeface="+mn-ea"/>
+        <a:cs typeface="+mn-cs"/>
+      </a:defRPr>
+    </a:lvl7pPr>
+    <a:lvl8pPr marL="3200400" algn="l" defTabSz="914400" rtl="0" eaLnBrk="1" latinLnBrk="0" hangingPunct="1">
+      <a:defRPr sz="1800" kern="1200">
+        <a:solidFill>
+          <a:schemeClr val="tx1"/>
+        </a:solidFill>
+        <a:latin typeface="+mn-lt"/>
+        <a:ea typeface="+mn-ea"/>
+        <a:cs typeface="+mn-cs"/>
+      </a:defRPr>
+    </a:lvl8pPr>
+    <a:lvl9pPr marL="3657600" algn="l" defTabSz="914400" rtl="0" eaLnBrk="1" latinLnBrk="0" hangingPunct="1">
+      <a:defRPr sz="1800" kern="1200">
+        <a:solidFill>
+          <a:schemeClr val="tx1"/>
+        </a:solidFill>
+        <a:latin typeface="+mn-lt"/>
+        <a:ea typeface="+mn-ea"/>
+        <a:cs typeface="+mn-cs"/>
+      </a:defRPr>
+    </a:lvl9pPr>
+  </p:defaultTextStyle>
 </p:presentation>
 </file>
 
 <file path=ppt/slideLayouts/slideLayout1.xml><?xml version="1.0" encoding="utf-8"?>
-<p:sldLayout xmlns:a="http://schemas.openxmlformats.org/drawingml/2006/main" xmlns:p="http://schemas.openxmlformats.org/presentationml/2006/main" xmlns:r="http://schemas.openxmlformats.org/officeDocument/2006/relationships" xmlns:p14="http://schemas.microsoft.com/office/powerpoint/2010/main" xmlns:p15="http://schemas.microsoft.com/office/powerpoint/2012/main" xmlns:mc="http://schemas.openxmlformats.org/markup-compatibility/2006" type="blank" preserve="1">
+<p:sldLayout xmlns:a="http://schemas.openxmlformats.org/drawingml/2006/main" xmlns:r="http://schemas.openxmlformats.org/officeDocument/2006/relationships" xmlns:p="http://schemas.openxmlformats.org/presentationml/2006/main" type="blank" preserve="1">
   <p:cSld name="Blank Slide">
     <p:spTree>
       <p:nvGrpSpPr>
@@ -37,11 +132,14 @@
       </p:grpSpPr>
     </p:spTree>
   </p:cSld>
+  <p:clrMapOvr>
+    <a:masterClrMapping/>
+  </p:clrMapOvr>
 </p:sldLayout>
 </file>
 
 <file path=ppt/slideLayouts/slideLayout10.xml><?xml version="1.0" encoding="utf-8"?>
-<p:sldLayout xmlns:a="http://schemas.openxmlformats.org/drawingml/2006/main" xmlns:p="http://schemas.openxmlformats.org/presentationml/2006/main" xmlns:r="http://schemas.openxmlformats.org/officeDocument/2006/relationships" xmlns:p14="http://schemas.microsoft.com/office/powerpoint/2010/main" xmlns:p15="http://schemas.microsoft.com/office/powerpoint/2012/main" xmlns:mc="http://schemas.openxmlformats.org/markup-compatibility/2006" type="objOverTx" preserve="1">
+<p:sldLayout xmlns:a="http://schemas.openxmlformats.org/drawingml/2006/main" xmlns:r="http://schemas.openxmlformats.org/officeDocument/2006/relationships" xmlns:p="http://schemas.openxmlformats.org/presentationml/2006/main" type="objOverTx" preserve="1">
   <p:cSld name="Title, Content over Content">
     <p:spTree>
       <p:nvGrpSpPr>
@@ -77,10 +175,11 @@
           </a:prstGeom>
         </p:spPr>
         <p:txBody>
-          <a:bodyPr lIns="0" rIns="0" tIns="0" bIns="0" anchor="ctr"/>
+          <a:bodyPr lIns="0" tIns="0" rIns="0" bIns="0" anchor="ctr"/>
+          <a:lstStyle/>
           <a:p>
             <a:pPr algn="ctr"/>
-            <a:endParaRPr b="0" lang="cs-CZ" sz="4400" spc="-1" strike="noStrike">
+            <a:endParaRPr lang="cs-CZ" sz="4400" b="0" strike="noStrike" spc="-1">
               <a:latin typeface="Arial"/>
             </a:endParaRPr>
           </a:p>
@@ -106,11 +205,12 @@
           </a:prstGeom>
         </p:spPr>
         <p:txBody>
-          <a:bodyPr lIns="0" rIns="0" tIns="0" bIns="0">
+          <a:bodyPr lIns="0" tIns="0" rIns="0" bIns="0">
             <a:normAutofit/>
           </a:bodyPr>
-          <a:p>
-            <a:endParaRPr b="0" lang="cs-CZ" sz="3200" spc="-1" strike="noStrike">
+          <a:lstStyle/>
+          <a:p>
+            <a:endParaRPr lang="cs-CZ" sz="3200" b="0" strike="noStrike" spc="-1">
               <a:latin typeface="Arial"/>
             </a:endParaRPr>
           </a:p>
@@ -136,11 +236,12 @@
           </a:prstGeom>
         </p:spPr>
         <p:txBody>
-          <a:bodyPr lIns="0" rIns="0" tIns="0" bIns="0">
+          <a:bodyPr lIns="0" tIns="0" rIns="0" bIns="0">
             <a:normAutofit/>
           </a:bodyPr>
-          <a:p>
-            <a:endParaRPr b="0" lang="cs-CZ" sz="3200" spc="-1" strike="noStrike">
+          <a:lstStyle/>
+          <a:p>
+            <a:endParaRPr lang="cs-CZ" sz="3200" b="0" strike="noStrike" spc="-1">
               <a:latin typeface="Arial"/>
             </a:endParaRPr>
           </a:p>
@@ -148,11 +249,14 @@
       </p:sp>
     </p:spTree>
   </p:cSld>
+  <p:clrMapOvr>
+    <a:masterClrMapping/>
+  </p:clrMapOvr>
 </p:sldLayout>
 </file>
 
 <file path=ppt/slideLayouts/slideLayout11.xml><?xml version="1.0" encoding="utf-8"?>
-<p:sldLayout xmlns:a="http://schemas.openxmlformats.org/drawingml/2006/main" xmlns:p="http://schemas.openxmlformats.org/presentationml/2006/main" xmlns:r="http://schemas.openxmlformats.org/officeDocument/2006/relationships" xmlns:p14="http://schemas.microsoft.com/office/powerpoint/2010/main" xmlns:p15="http://schemas.microsoft.com/office/powerpoint/2012/main" xmlns:mc="http://schemas.openxmlformats.org/markup-compatibility/2006" type="fourObj" preserve="1">
+<p:sldLayout xmlns:a="http://schemas.openxmlformats.org/drawingml/2006/main" xmlns:r="http://schemas.openxmlformats.org/officeDocument/2006/relationships" xmlns:p="http://schemas.openxmlformats.org/presentationml/2006/main" type="fourObj" preserve="1">
   <p:cSld name="Title, 4 Content">
     <p:spTree>
       <p:nvGrpSpPr>
@@ -188,10 +292,11 @@
           </a:prstGeom>
         </p:spPr>
         <p:txBody>
-          <a:bodyPr lIns="0" rIns="0" tIns="0" bIns="0" anchor="ctr"/>
+          <a:bodyPr lIns="0" tIns="0" rIns="0" bIns="0" anchor="ctr"/>
+          <a:lstStyle/>
           <a:p>
             <a:pPr algn="ctr"/>
-            <a:endParaRPr b="0" lang="cs-CZ" sz="4400" spc="-1" strike="noStrike">
+            <a:endParaRPr lang="cs-CZ" sz="4400" b="0" strike="noStrike" spc="-1">
               <a:latin typeface="Arial"/>
             </a:endParaRPr>
           </a:p>
@@ -217,11 +322,12 @@
           </a:prstGeom>
         </p:spPr>
         <p:txBody>
-          <a:bodyPr lIns="0" rIns="0" tIns="0" bIns="0">
+          <a:bodyPr lIns="0" tIns="0" rIns="0" bIns="0">
             <a:normAutofit/>
           </a:bodyPr>
-          <a:p>
-            <a:endParaRPr b="0" lang="cs-CZ" sz="3200" spc="-1" strike="noStrike">
+          <a:lstStyle/>
+          <a:p>
+            <a:endParaRPr lang="cs-CZ" sz="3200" b="0" strike="noStrike" spc="-1">
               <a:latin typeface="Arial"/>
             </a:endParaRPr>
           </a:p>
@@ -247,11 +353,12 @@
           </a:prstGeom>
         </p:spPr>
         <p:txBody>
-          <a:bodyPr lIns="0" rIns="0" tIns="0" bIns="0">
+          <a:bodyPr lIns="0" tIns="0" rIns="0" bIns="0">
             <a:normAutofit/>
           </a:bodyPr>
-          <a:p>
-            <a:endParaRPr b="0" lang="cs-CZ" sz="3200" spc="-1" strike="noStrike">
+          <a:lstStyle/>
+          <a:p>
+            <a:endParaRPr lang="cs-CZ" sz="3200" b="0" strike="noStrike" spc="-1">
               <a:latin typeface="Arial"/>
             </a:endParaRPr>
           </a:p>
@@ -277,11 +384,12 @@
           </a:prstGeom>
         </p:spPr>
         <p:txBody>
-          <a:bodyPr lIns="0" rIns="0" tIns="0" bIns="0">
+          <a:bodyPr lIns="0" tIns="0" rIns="0" bIns="0">
             <a:normAutofit/>
           </a:bodyPr>
-          <a:p>
-            <a:endParaRPr b="0" lang="cs-CZ" sz="3200" spc="-1" strike="noStrike">
+          <a:lstStyle/>
+          <a:p>
+            <a:endParaRPr lang="cs-CZ" sz="3200" b="0" strike="noStrike" spc="-1">
               <a:latin typeface="Arial"/>
             </a:endParaRPr>
           </a:p>
@@ -307,11 +415,12 @@
           </a:prstGeom>
         </p:spPr>
         <p:txBody>
-          <a:bodyPr lIns="0" rIns="0" tIns="0" bIns="0">
+          <a:bodyPr lIns="0" tIns="0" rIns="0" bIns="0">
             <a:normAutofit/>
           </a:bodyPr>
-          <a:p>
-            <a:endParaRPr b="0" lang="cs-CZ" sz="3200" spc="-1" strike="noStrike">
+          <a:lstStyle/>
+          <a:p>
+            <a:endParaRPr lang="cs-CZ" sz="3200" b="0" strike="noStrike" spc="-1">
               <a:latin typeface="Arial"/>
             </a:endParaRPr>
           </a:p>
@@ -319,11 +428,14 @@
       </p:sp>
     </p:spTree>
   </p:cSld>
+  <p:clrMapOvr>
+    <a:masterClrMapping/>
+  </p:clrMapOvr>
 </p:sldLayout>
 </file>
 
 <file path=ppt/slideLayouts/slideLayout12.xml><?xml version="1.0" encoding="utf-8"?>
-<p:sldLayout xmlns:a="http://schemas.openxmlformats.org/drawingml/2006/main" xmlns:p="http://schemas.openxmlformats.org/presentationml/2006/main" xmlns:r="http://schemas.openxmlformats.org/officeDocument/2006/relationships" xmlns:p14="http://schemas.microsoft.com/office/powerpoint/2010/main" xmlns:p15="http://schemas.microsoft.com/office/powerpoint/2012/main" xmlns:mc="http://schemas.openxmlformats.org/markup-compatibility/2006" type="blank" preserve="1">
+<p:sldLayout xmlns:a="http://schemas.openxmlformats.org/drawingml/2006/main" xmlns:r="http://schemas.openxmlformats.org/officeDocument/2006/relationships" xmlns:p="http://schemas.openxmlformats.org/presentationml/2006/main" type="blank" preserve="1">
   <p:cSld name="Title, 6 Content">
     <p:spTree>
       <p:nvGrpSpPr>
@@ -359,10 +471,11 @@
           </a:prstGeom>
         </p:spPr>
         <p:txBody>
-          <a:bodyPr lIns="0" rIns="0" tIns="0" bIns="0" anchor="ctr"/>
+          <a:bodyPr lIns="0" tIns="0" rIns="0" bIns="0" anchor="ctr"/>
+          <a:lstStyle/>
           <a:p>
             <a:pPr algn="ctr"/>
-            <a:endParaRPr b="0" lang="cs-CZ" sz="4400" spc="-1" strike="noStrike">
+            <a:endParaRPr lang="cs-CZ" sz="4400" b="0" strike="noStrike" spc="-1">
               <a:latin typeface="Arial"/>
             </a:endParaRPr>
           </a:p>
@@ -388,11 +501,12 @@
           </a:prstGeom>
         </p:spPr>
         <p:txBody>
-          <a:bodyPr lIns="0" rIns="0" tIns="0" bIns="0">
+          <a:bodyPr lIns="0" tIns="0" rIns="0" bIns="0">
             <a:normAutofit/>
           </a:bodyPr>
-          <a:p>
-            <a:endParaRPr b="0" lang="cs-CZ" sz="3200" spc="-1" strike="noStrike">
+          <a:lstStyle/>
+          <a:p>
+            <a:endParaRPr lang="cs-CZ" sz="3200" b="0" strike="noStrike" spc="-1">
               <a:latin typeface="Arial"/>
             </a:endParaRPr>
           </a:p>
@@ -418,11 +532,12 @@
           </a:prstGeom>
         </p:spPr>
         <p:txBody>
-          <a:bodyPr lIns="0" rIns="0" tIns="0" bIns="0">
+          <a:bodyPr lIns="0" tIns="0" rIns="0" bIns="0">
             <a:normAutofit/>
           </a:bodyPr>
-          <a:p>
-            <a:endParaRPr b="0" lang="cs-CZ" sz="3200" spc="-1" strike="noStrike">
+          <a:lstStyle/>
+          <a:p>
+            <a:endParaRPr lang="cs-CZ" sz="3200" b="0" strike="noStrike" spc="-1">
               <a:latin typeface="Arial"/>
             </a:endParaRPr>
           </a:p>
@@ -448,11 +563,12 @@
           </a:prstGeom>
         </p:spPr>
         <p:txBody>
-          <a:bodyPr lIns="0" rIns="0" tIns="0" bIns="0">
+          <a:bodyPr lIns="0" tIns="0" rIns="0" bIns="0">
             <a:normAutofit/>
           </a:bodyPr>
-          <a:p>
-            <a:endParaRPr b="0" lang="cs-CZ" sz="3200" spc="-1" strike="noStrike">
+          <a:lstStyle/>
+          <a:p>
+            <a:endParaRPr lang="cs-CZ" sz="3200" b="0" strike="noStrike" spc="-1">
               <a:latin typeface="Arial"/>
             </a:endParaRPr>
           </a:p>
@@ -478,11 +594,12 @@
           </a:prstGeom>
         </p:spPr>
         <p:txBody>
-          <a:bodyPr lIns="0" rIns="0" tIns="0" bIns="0">
+          <a:bodyPr lIns="0" tIns="0" rIns="0" bIns="0">
             <a:normAutofit/>
           </a:bodyPr>
-          <a:p>
-            <a:endParaRPr b="0" lang="cs-CZ" sz="3200" spc="-1" strike="noStrike">
+          <a:lstStyle/>
+          <a:p>
+            <a:endParaRPr lang="cs-CZ" sz="3200" b="0" strike="noStrike" spc="-1">
               <a:latin typeface="Arial"/>
             </a:endParaRPr>
           </a:p>
@@ -508,11 +625,12 @@
           </a:prstGeom>
         </p:spPr>
         <p:txBody>
-          <a:bodyPr lIns="0" rIns="0" tIns="0" bIns="0">
+          <a:bodyPr lIns="0" tIns="0" rIns="0" bIns="0">
             <a:normAutofit/>
           </a:bodyPr>
-          <a:p>
-            <a:endParaRPr b="0" lang="cs-CZ" sz="3200" spc="-1" strike="noStrike">
+          <a:lstStyle/>
+          <a:p>
+            <a:endParaRPr lang="cs-CZ" sz="3200" b="0" strike="noStrike" spc="-1">
               <a:latin typeface="Arial"/>
             </a:endParaRPr>
           </a:p>
@@ -538,11 +656,12 @@
           </a:prstGeom>
         </p:spPr>
         <p:txBody>
-          <a:bodyPr lIns="0" rIns="0" tIns="0" bIns="0">
+          <a:bodyPr lIns="0" tIns="0" rIns="0" bIns="0">
             <a:normAutofit/>
           </a:bodyPr>
-          <a:p>
-            <a:endParaRPr b="0" lang="cs-CZ" sz="3200" spc="-1" strike="noStrike">
+          <a:lstStyle/>
+          <a:p>
+            <a:endParaRPr lang="cs-CZ" sz="3200" b="0" strike="noStrike" spc="-1">
               <a:latin typeface="Arial"/>
             </a:endParaRPr>
           </a:p>
@@ -550,11 +669,14 @@
       </p:sp>
     </p:spTree>
   </p:cSld>
+  <p:clrMapOvr>
+    <a:masterClrMapping/>
+  </p:clrMapOvr>
 </p:sldLayout>
 </file>
 
 <file path=ppt/slideLayouts/slideLayout13.xml><?xml version="1.0" encoding="utf-8"?>
-<p:sldLayout xmlns:a="http://schemas.openxmlformats.org/drawingml/2006/main" xmlns:p="http://schemas.openxmlformats.org/presentationml/2006/main" xmlns:r="http://schemas.openxmlformats.org/officeDocument/2006/relationships" xmlns:p14="http://schemas.microsoft.com/office/powerpoint/2010/main" xmlns:p15="http://schemas.microsoft.com/office/powerpoint/2012/main" xmlns:mc="http://schemas.openxmlformats.org/markup-compatibility/2006" type="blank" preserve="1">
+<p:sldLayout xmlns:a="http://schemas.openxmlformats.org/drawingml/2006/main" xmlns:r="http://schemas.openxmlformats.org/officeDocument/2006/relationships" xmlns:p="http://schemas.openxmlformats.org/presentationml/2006/main" type="blank" preserve="1">
   <p:cSld name="Blank Slide">
     <p:spTree>
       <p:nvGrpSpPr>
@@ -572,11 +694,14 @@
       </p:grpSpPr>
     </p:spTree>
   </p:cSld>
+  <p:clrMapOvr>
+    <a:masterClrMapping/>
+  </p:clrMapOvr>
 </p:sldLayout>
 </file>
 
 <file path=ppt/slideLayouts/slideLayout14.xml><?xml version="1.0" encoding="utf-8"?>
-<p:sldLayout xmlns:a="http://schemas.openxmlformats.org/drawingml/2006/main" xmlns:p="http://schemas.openxmlformats.org/presentationml/2006/main" xmlns:r="http://schemas.openxmlformats.org/officeDocument/2006/relationships" xmlns:p14="http://schemas.microsoft.com/office/powerpoint/2010/main" xmlns:p15="http://schemas.microsoft.com/office/powerpoint/2012/main" xmlns:mc="http://schemas.openxmlformats.org/markup-compatibility/2006" type="tx" preserve="1">
+<p:sldLayout xmlns:a="http://schemas.openxmlformats.org/drawingml/2006/main" xmlns:r="http://schemas.openxmlformats.org/officeDocument/2006/relationships" xmlns:p="http://schemas.openxmlformats.org/presentationml/2006/main" type="tx" preserve="1">
   <p:cSld name="Title Slide">
     <p:spTree>
       <p:nvGrpSpPr>
@@ -612,10 +737,11 @@
           </a:prstGeom>
         </p:spPr>
         <p:txBody>
-          <a:bodyPr lIns="0" rIns="0" tIns="0" bIns="0" anchor="ctr"/>
+          <a:bodyPr lIns="0" tIns="0" rIns="0" bIns="0" anchor="ctr"/>
+          <a:lstStyle/>
           <a:p>
             <a:pPr algn="ctr"/>
-            <a:endParaRPr b="0" lang="cs-CZ" sz="4400" spc="-1" strike="noStrike">
+            <a:endParaRPr lang="cs-CZ" sz="4400" b="0" strike="noStrike" spc="-1">
               <a:latin typeface="Arial"/>
             </a:endParaRPr>
           </a:p>
@@ -641,10 +767,11 @@
           </a:prstGeom>
         </p:spPr>
         <p:txBody>
-          <a:bodyPr lIns="0" rIns="0" tIns="0" bIns="0" anchor="ctr"/>
+          <a:bodyPr lIns="0" tIns="0" rIns="0" bIns="0" anchor="ctr"/>
+          <a:lstStyle/>
           <a:p>
             <a:pPr algn="ctr"/>
-            <a:endParaRPr b="0" lang="cs-CZ" sz="3200" spc="-1" strike="noStrike">
+            <a:endParaRPr lang="cs-CZ" sz="3200" b="0" strike="noStrike" spc="-1">
               <a:latin typeface="Arial"/>
             </a:endParaRPr>
           </a:p>
@@ -652,11 +779,14 @@
       </p:sp>
     </p:spTree>
   </p:cSld>
+  <p:clrMapOvr>
+    <a:masterClrMapping/>
+  </p:clrMapOvr>
 </p:sldLayout>
 </file>
 
 <file path=ppt/slideLayouts/slideLayout15.xml><?xml version="1.0" encoding="utf-8"?>
-<p:sldLayout xmlns:a="http://schemas.openxmlformats.org/drawingml/2006/main" xmlns:p="http://schemas.openxmlformats.org/presentationml/2006/main" xmlns:r="http://schemas.openxmlformats.org/officeDocument/2006/relationships" xmlns:p14="http://schemas.microsoft.com/office/powerpoint/2010/main" xmlns:p15="http://schemas.microsoft.com/office/powerpoint/2012/main" xmlns:mc="http://schemas.openxmlformats.org/markup-compatibility/2006" type="obj" preserve="1">
+<p:sldLayout xmlns:a="http://schemas.openxmlformats.org/drawingml/2006/main" xmlns:r="http://schemas.openxmlformats.org/officeDocument/2006/relationships" xmlns:p="http://schemas.openxmlformats.org/presentationml/2006/main" type="obj" preserve="1">
   <p:cSld name="Title, Content">
     <p:spTree>
       <p:nvGrpSpPr>
@@ -692,10 +822,11 @@
           </a:prstGeom>
         </p:spPr>
         <p:txBody>
-          <a:bodyPr lIns="0" rIns="0" tIns="0" bIns="0" anchor="ctr"/>
+          <a:bodyPr lIns="0" tIns="0" rIns="0" bIns="0" anchor="ctr"/>
+          <a:lstStyle/>
           <a:p>
             <a:pPr algn="ctr"/>
-            <a:endParaRPr b="0" lang="cs-CZ" sz="4400" spc="-1" strike="noStrike">
+            <a:endParaRPr lang="cs-CZ" sz="4400" b="0" strike="noStrike" spc="-1">
               <a:latin typeface="Arial"/>
             </a:endParaRPr>
           </a:p>
@@ -721,11 +852,12 @@
           </a:prstGeom>
         </p:spPr>
         <p:txBody>
-          <a:bodyPr lIns="0" rIns="0" tIns="0" bIns="0">
+          <a:bodyPr lIns="0" tIns="0" rIns="0" bIns="0">
             <a:normAutofit/>
           </a:bodyPr>
-          <a:p>
-            <a:endParaRPr b="0" lang="cs-CZ" sz="3200" spc="-1" strike="noStrike">
+          <a:lstStyle/>
+          <a:p>
+            <a:endParaRPr lang="cs-CZ" sz="3200" b="0" strike="noStrike" spc="-1">
               <a:latin typeface="Arial"/>
             </a:endParaRPr>
           </a:p>
@@ -733,11 +865,14 @@
       </p:sp>
     </p:spTree>
   </p:cSld>
+  <p:clrMapOvr>
+    <a:masterClrMapping/>
+  </p:clrMapOvr>
 </p:sldLayout>
 </file>
 
 <file path=ppt/slideLayouts/slideLayout16.xml><?xml version="1.0" encoding="utf-8"?>
-<p:sldLayout xmlns:a="http://schemas.openxmlformats.org/drawingml/2006/main" xmlns:p="http://schemas.openxmlformats.org/presentationml/2006/main" xmlns:r="http://schemas.openxmlformats.org/officeDocument/2006/relationships" xmlns:p14="http://schemas.microsoft.com/office/powerpoint/2010/main" xmlns:p15="http://schemas.microsoft.com/office/powerpoint/2012/main" xmlns:mc="http://schemas.openxmlformats.org/markup-compatibility/2006" type="twoObj" preserve="1">
+<p:sldLayout xmlns:a="http://schemas.openxmlformats.org/drawingml/2006/main" xmlns:r="http://schemas.openxmlformats.org/officeDocument/2006/relationships" xmlns:p="http://schemas.openxmlformats.org/presentationml/2006/main" type="twoObj" preserve="1">
   <p:cSld name="Title, 2 Content">
     <p:spTree>
       <p:nvGrpSpPr>
@@ -773,10 +908,11 @@
           </a:prstGeom>
         </p:spPr>
         <p:txBody>
-          <a:bodyPr lIns="0" rIns="0" tIns="0" bIns="0" anchor="ctr"/>
+          <a:bodyPr lIns="0" tIns="0" rIns="0" bIns="0" anchor="ctr"/>
+          <a:lstStyle/>
           <a:p>
             <a:pPr algn="ctr"/>
-            <a:endParaRPr b="0" lang="cs-CZ" sz="4400" spc="-1" strike="noStrike">
+            <a:endParaRPr lang="cs-CZ" sz="4400" b="0" strike="noStrike" spc="-1">
               <a:latin typeface="Arial"/>
             </a:endParaRPr>
           </a:p>
@@ -802,11 +938,12 @@
           </a:prstGeom>
         </p:spPr>
         <p:txBody>
-          <a:bodyPr lIns="0" rIns="0" tIns="0" bIns="0">
+          <a:bodyPr lIns="0" tIns="0" rIns="0" bIns="0">
             <a:normAutofit/>
           </a:bodyPr>
-          <a:p>
-            <a:endParaRPr b="0" lang="cs-CZ" sz="3200" spc="-1" strike="noStrike">
+          <a:lstStyle/>
+          <a:p>
+            <a:endParaRPr lang="cs-CZ" sz="3200" b="0" strike="noStrike" spc="-1">
               <a:latin typeface="Arial"/>
             </a:endParaRPr>
           </a:p>
@@ -832,11 +969,12 @@
           </a:prstGeom>
         </p:spPr>
         <p:txBody>
-          <a:bodyPr lIns="0" rIns="0" tIns="0" bIns="0">
+          <a:bodyPr lIns="0" tIns="0" rIns="0" bIns="0">
             <a:normAutofit/>
           </a:bodyPr>
-          <a:p>
-            <a:endParaRPr b="0" lang="cs-CZ" sz="3200" spc="-1" strike="noStrike">
+          <a:lstStyle/>
+          <a:p>
+            <a:endParaRPr lang="cs-CZ" sz="3200" b="0" strike="noStrike" spc="-1">
               <a:latin typeface="Arial"/>
             </a:endParaRPr>
           </a:p>
@@ -844,11 +982,14 @@
       </p:sp>
     </p:spTree>
   </p:cSld>
+  <p:clrMapOvr>
+    <a:masterClrMapping/>
+  </p:clrMapOvr>
 </p:sldLayout>
 </file>
 
 <file path=ppt/slideLayouts/slideLayout17.xml><?xml version="1.0" encoding="utf-8"?>
-<p:sldLayout xmlns:a="http://schemas.openxmlformats.org/drawingml/2006/main" xmlns:p="http://schemas.openxmlformats.org/presentationml/2006/main" xmlns:r="http://schemas.openxmlformats.org/officeDocument/2006/relationships" xmlns:p14="http://schemas.microsoft.com/office/powerpoint/2010/main" xmlns:p15="http://schemas.microsoft.com/office/powerpoint/2012/main" xmlns:mc="http://schemas.openxmlformats.org/markup-compatibility/2006" type="titleOnly" preserve="1">
+<p:sldLayout xmlns:a="http://schemas.openxmlformats.org/drawingml/2006/main" xmlns:r="http://schemas.openxmlformats.org/officeDocument/2006/relationships" xmlns:p="http://schemas.openxmlformats.org/presentationml/2006/main" type="titleOnly" preserve="1">
   <p:cSld name="Title Only">
     <p:spTree>
       <p:nvGrpSpPr>
@@ -884,10 +1025,11 @@
           </a:prstGeom>
         </p:spPr>
         <p:txBody>
-          <a:bodyPr lIns="0" rIns="0" tIns="0" bIns="0" anchor="ctr"/>
+          <a:bodyPr lIns="0" tIns="0" rIns="0" bIns="0" anchor="ctr"/>
+          <a:lstStyle/>
           <a:p>
             <a:pPr algn="ctr"/>
-            <a:endParaRPr b="0" lang="cs-CZ" sz="4400" spc="-1" strike="noStrike">
+            <a:endParaRPr lang="cs-CZ" sz="4400" b="0" strike="noStrike" spc="-1">
               <a:latin typeface="Arial"/>
             </a:endParaRPr>
           </a:p>
@@ -895,11 +1037,14 @@
       </p:sp>
     </p:spTree>
   </p:cSld>
+  <p:clrMapOvr>
+    <a:masterClrMapping/>
+  </p:clrMapOvr>
 </p:sldLayout>
 </file>
 
 <file path=ppt/slideLayouts/slideLayout18.xml><?xml version="1.0" encoding="utf-8"?>
-<p:sldLayout xmlns:a="http://schemas.openxmlformats.org/drawingml/2006/main" xmlns:p="http://schemas.openxmlformats.org/presentationml/2006/main" xmlns:r="http://schemas.openxmlformats.org/officeDocument/2006/relationships" xmlns:p14="http://schemas.microsoft.com/office/powerpoint/2010/main" xmlns:p15="http://schemas.microsoft.com/office/powerpoint/2012/main" xmlns:mc="http://schemas.openxmlformats.org/markup-compatibility/2006" type="objOnly" preserve="1">
+<p:sldLayout xmlns:a="http://schemas.openxmlformats.org/drawingml/2006/main" xmlns:r="http://schemas.openxmlformats.org/officeDocument/2006/relationships" xmlns:p="http://schemas.openxmlformats.org/presentationml/2006/main" type="objOnly" preserve="1">
   <p:cSld name="Centered Text">
     <p:spTree>
       <p:nvGrpSpPr>
@@ -935,10 +1080,11 @@
           </a:prstGeom>
         </p:spPr>
         <p:txBody>
-          <a:bodyPr lIns="0" rIns="0" tIns="0" bIns="0" anchor="ctr"/>
+          <a:bodyPr lIns="0" tIns="0" rIns="0" bIns="0" anchor="ctr"/>
+          <a:lstStyle/>
           <a:p>
             <a:pPr algn="ctr"/>
-            <a:endParaRPr b="0" lang="cs-CZ" sz="3200" spc="-1" strike="noStrike">
+            <a:endParaRPr lang="cs-CZ" sz="3200" b="0" strike="noStrike" spc="-1">
               <a:latin typeface="Arial"/>
             </a:endParaRPr>
           </a:p>
@@ -946,11 +1092,14 @@
       </p:sp>
     </p:spTree>
   </p:cSld>
+  <p:clrMapOvr>
+    <a:masterClrMapping/>
+  </p:clrMapOvr>
 </p:sldLayout>
 </file>
 
 <file path=ppt/slideLayouts/slideLayout19.xml><?xml version="1.0" encoding="utf-8"?>
-<p:sldLayout xmlns:a="http://schemas.openxmlformats.org/drawingml/2006/main" xmlns:p="http://schemas.openxmlformats.org/presentationml/2006/main" xmlns:r="http://schemas.openxmlformats.org/officeDocument/2006/relationships" xmlns:p14="http://schemas.microsoft.com/office/powerpoint/2010/main" xmlns:p15="http://schemas.microsoft.com/office/powerpoint/2012/main" xmlns:mc="http://schemas.openxmlformats.org/markup-compatibility/2006" type="twoObjAndObj" preserve="1">
+<p:sldLayout xmlns:a="http://schemas.openxmlformats.org/drawingml/2006/main" xmlns:r="http://schemas.openxmlformats.org/officeDocument/2006/relationships" xmlns:p="http://schemas.openxmlformats.org/presentationml/2006/main" type="twoObjAndObj" preserve="1">
   <p:cSld name="Title, 2 Content and Content">
     <p:spTree>
       <p:nvGrpSpPr>
@@ -986,10 +1135,11 @@
           </a:prstGeom>
         </p:spPr>
         <p:txBody>
-          <a:bodyPr lIns="0" rIns="0" tIns="0" bIns="0" anchor="ctr"/>
+          <a:bodyPr lIns="0" tIns="0" rIns="0" bIns="0" anchor="ctr"/>
+          <a:lstStyle/>
           <a:p>
             <a:pPr algn="ctr"/>
-            <a:endParaRPr b="0" lang="cs-CZ" sz="4400" spc="-1" strike="noStrike">
+            <a:endParaRPr lang="cs-CZ" sz="4400" b="0" strike="noStrike" spc="-1">
               <a:latin typeface="Arial"/>
             </a:endParaRPr>
           </a:p>
@@ -1015,11 +1165,12 @@
           </a:prstGeom>
         </p:spPr>
         <p:txBody>
-          <a:bodyPr lIns="0" rIns="0" tIns="0" bIns="0">
+          <a:bodyPr lIns="0" tIns="0" rIns="0" bIns="0">
             <a:normAutofit/>
           </a:bodyPr>
-          <a:p>
-            <a:endParaRPr b="0" lang="cs-CZ" sz="3200" spc="-1" strike="noStrike">
+          <a:lstStyle/>
+          <a:p>
+            <a:endParaRPr lang="cs-CZ" sz="3200" b="0" strike="noStrike" spc="-1">
               <a:latin typeface="Arial"/>
             </a:endParaRPr>
           </a:p>
@@ -1045,11 +1196,12 @@
           </a:prstGeom>
         </p:spPr>
         <p:txBody>
-          <a:bodyPr lIns="0" rIns="0" tIns="0" bIns="0">
+          <a:bodyPr lIns="0" tIns="0" rIns="0" bIns="0">
             <a:normAutofit/>
           </a:bodyPr>
-          <a:p>
-            <a:endParaRPr b="0" lang="cs-CZ" sz="3200" spc="-1" strike="noStrike">
+          <a:lstStyle/>
+          <a:p>
+            <a:endParaRPr lang="cs-CZ" sz="3200" b="0" strike="noStrike" spc="-1">
               <a:latin typeface="Arial"/>
             </a:endParaRPr>
           </a:p>
@@ -1075,11 +1227,12 @@
           </a:prstGeom>
         </p:spPr>
         <p:txBody>
-          <a:bodyPr lIns="0" rIns="0" tIns="0" bIns="0">
+          <a:bodyPr lIns="0" tIns="0" rIns="0" bIns="0">
             <a:normAutofit/>
           </a:bodyPr>
-          <a:p>
-            <a:endParaRPr b="0" lang="cs-CZ" sz="3200" spc="-1" strike="noStrike">
+          <a:lstStyle/>
+          <a:p>
+            <a:endParaRPr lang="cs-CZ" sz="3200" b="0" strike="noStrike" spc="-1">
               <a:latin typeface="Arial"/>
             </a:endParaRPr>
           </a:p>
@@ -1087,11 +1240,14 @@
       </p:sp>
     </p:spTree>
   </p:cSld>
+  <p:clrMapOvr>
+    <a:masterClrMapping/>
+  </p:clrMapOvr>
 </p:sldLayout>
 </file>
 
 <file path=ppt/slideLayouts/slideLayout2.xml><?xml version="1.0" encoding="utf-8"?>
-<p:sldLayout xmlns:a="http://schemas.openxmlformats.org/drawingml/2006/main" xmlns:p="http://schemas.openxmlformats.org/presentationml/2006/main" xmlns:r="http://schemas.openxmlformats.org/officeDocument/2006/relationships" xmlns:p14="http://schemas.microsoft.com/office/powerpoint/2010/main" xmlns:p15="http://schemas.microsoft.com/office/powerpoint/2012/main" xmlns:mc="http://schemas.openxmlformats.org/markup-compatibility/2006" type="tx" preserve="1">
+<p:sldLayout xmlns:a="http://schemas.openxmlformats.org/drawingml/2006/main" xmlns:r="http://schemas.openxmlformats.org/officeDocument/2006/relationships" xmlns:p="http://schemas.openxmlformats.org/presentationml/2006/main" type="tx" preserve="1">
   <p:cSld name="Title Slide">
     <p:spTree>
       <p:nvGrpSpPr>
@@ -1127,10 +1283,11 @@
           </a:prstGeom>
         </p:spPr>
         <p:txBody>
-          <a:bodyPr lIns="0" rIns="0" tIns="0" bIns="0" anchor="ctr"/>
+          <a:bodyPr lIns="0" tIns="0" rIns="0" bIns="0" anchor="ctr"/>
+          <a:lstStyle/>
           <a:p>
             <a:pPr algn="ctr"/>
-            <a:endParaRPr b="0" lang="cs-CZ" sz="4400" spc="-1" strike="noStrike">
+            <a:endParaRPr lang="cs-CZ" sz="4400" b="0" strike="noStrike" spc="-1">
               <a:latin typeface="Arial"/>
             </a:endParaRPr>
           </a:p>
@@ -1156,10 +1313,11 @@
           </a:prstGeom>
         </p:spPr>
         <p:txBody>
-          <a:bodyPr lIns="0" rIns="0" tIns="0" bIns="0" anchor="ctr"/>
+          <a:bodyPr lIns="0" tIns="0" rIns="0" bIns="0" anchor="ctr"/>
+          <a:lstStyle/>
           <a:p>
             <a:pPr algn="ctr"/>
-            <a:endParaRPr b="0" lang="cs-CZ" sz="3200" spc="-1" strike="noStrike">
+            <a:endParaRPr lang="cs-CZ" sz="3200" b="0" strike="noStrike" spc="-1">
               <a:latin typeface="Arial"/>
             </a:endParaRPr>
           </a:p>
@@ -1167,11 +1325,14 @@
       </p:sp>
     </p:spTree>
   </p:cSld>
+  <p:clrMapOvr>
+    <a:masterClrMapping/>
+  </p:clrMapOvr>
 </p:sldLayout>
 </file>
 
 <file path=ppt/slideLayouts/slideLayout20.xml><?xml version="1.0" encoding="utf-8"?>
-<p:sldLayout xmlns:a="http://schemas.openxmlformats.org/drawingml/2006/main" xmlns:p="http://schemas.openxmlformats.org/presentationml/2006/main" xmlns:r="http://schemas.openxmlformats.org/officeDocument/2006/relationships" xmlns:p14="http://schemas.microsoft.com/office/powerpoint/2010/main" xmlns:p15="http://schemas.microsoft.com/office/powerpoint/2012/main" xmlns:mc="http://schemas.openxmlformats.org/markup-compatibility/2006" type="objAndTwoObj" preserve="1">
+<p:sldLayout xmlns:a="http://schemas.openxmlformats.org/drawingml/2006/main" xmlns:r="http://schemas.openxmlformats.org/officeDocument/2006/relationships" xmlns:p="http://schemas.openxmlformats.org/presentationml/2006/main" type="objAndTwoObj" preserve="1">
   <p:cSld name="Title Content and 2 Content">
     <p:spTree>
       <p:nvGrpSpPr>
@@ -1207,10 +1368,11 @@
           </a:prstGeom>
         </p:spPr>
         <p:txBody>
-          <a:bodyPr lIns="0" rIns="0" tIns="0" bIns="0" anchor="ctr"/>
+          <a:bodyPr lIns="0" tIns="0" rIns="0" bIns="0" anchor="ctr"/>
+          <a:lstStyle/>
           <a:p>
             <a:pPr algn="ctr"/>
-            <a:endParaRPr b="0" lang="cs-CZ" sz="4400" spc="-1" strike="noStrike">
+            <a:endParaRPr lang="cs-CZ" sz="4400" b="0" strike="noStrike" spc="-1">
               <a:latin typeface="Arial"/>
             </a:endParaRPr>
           </a:p>
@@ -1236,11 +1398,12 @@
           </a:prstGeom>
         </p:spPr>
         <p:txBody>
-          <a:bodyPr lIns="0" rIns="0" tIns="0" bIns="0">
+          <a:bodyPr lIns="0" tIns="0" rIns="0" bIns="0">
             <a:normAutofit/>
           </a:bodyPr>
-          <a:p>
-            <a:endParaRPr b="0" lang="cs-CZ" sz="3200" spc="-1" strike="noStrike">
+          <a:lstStyle/>
+          <a:p>
+            <a:endParaRPr lang="cs-CZ" sz="3200" b="0" strike="noStrike" spc="-1">
               <a:latin typeface="Arial"/>
             </a:endParaRPr>
           </a:p>
@@ -1266,11 +1429,12 @@
           </a:prstGeom>
         </p:spPr>
         <p:txBody>
-          <a:bodyPr lIns="0" rIns="0" tIns="0" bIns="0">
+          <a:bodyPr lIns="0" tIns="0" rIns="0" bIns="0">
             <a:normAutofit/>
           </a:bodyPr>
-          <a:p>
-            <a:endParaRPr b="0" lang="cs-CZ" sz="3200" spc="-1" strike="noStrike">
+          <a:lstStyle/>
+          <a:p>
+            <a:endParaRPr lang="cs-CZ" sz="3200" b="0" strike="noStrike" spc="-1">
               <a:latin typeface="Arial"/>
             </a:endParaRPr>
           </a:p>
@@ -1296,11 +1460,12 @@
           </a:prstGeom>
         </p:spPr>
         <p:txBody>
-          <a:bodyPr lIns="0" rIns="0" tIns="0" bIns="0">
+          <a:bodyPr lIns="0" tIns="0" rIns="0" bIns="0">
             <a:normAutofit/>
           </a:bodyPr>
-          <a:p>
-            <a:endParaRPr b="0" lang="cs-CZ" sz="3200" spc="-1" strike="noStrike">
+          <a:lstStyle/>
+          <a:p>
+            <a:endParaRPr lang="cs-CZ" sz="3200" b="0" strike="noStrike" spc="-1">
               <a:latin typeface="Arial"/>
             </a:endParaRPr>
           </a:p>
@@ -1308,11 +1473,14 @@
       </p:sp>
     </p:spTree>
   </p:cSld>
+  <p:clrMapOvr>
+    <a:masterClrMapping/>
+  </p:clrMapOvr>
 </p:sldLayout>
 </file>
 
 <file path=ppt/slideLayouts/slideLayout21.xml><?xml version="1.0" encoding="utf-8"?>
-<p:sldLayout xmlns:a="http://schemas.openxmlformats.org/drawingml/2006/main" xmlns:p="http://schemas.openxmlformats.org/presentationml/2006/main" xmlns:r="http://schemas.openxmlformats.org/officeDocument/2006/relationships" xmlns:p14="http://schemas.microsoft.com/office/powerpoint/2010/main" xmlns:p15="http://schemas.microsoft.com/office/powerpoint/2012/main" xmlns:mc="http://schemas.openxmlformats.org/markup-compatibility/2006" type="twoObjOverTx" preserve="1">
+<p:sldLayout xmlns:a="http://schemas.openxmlformats.org/drawingml/2006/main" xmlns:r="http://schemas.openxmlformats.org/officeDocument/2006/relationships" xmlns:p="http://schemas.openxmlformats.org/presentationml/2006/main" type="twoObjOverTx" preserve="1">
   <p:cSld name="Title, 2 Content over Content">
     <p:spTree>
       <p:nvGrpSpPr>
@@ -1348,10 +1516,11 @@
           </a:prstGeom>
         </p:spPr>
         <p:txBody>
-          <a:bodyPr lIns="0" rIns="0" tIns="0" bIns="0" anchor="ctr"/>
+          <a:bodyPr lIns="0" tIns="0" rIns="0" bIns="0" anchor="ctr"/>
+          <a:lstStyle/>
           <a:p>
             <a:pPr algn="ctr"/>
-            <a:endParaRPr b="0" lang="cs-CZ" sz="4400" spc="-1" strike="noStrike">
+            <a:endParaRPr lang="cs-CZ" sz="4400" b="0" strike="noStrike" spc="-1">
               <a:latin typeface="Arial"/>
             </a:endParaRPr>
           </a:p>
@@ -1377,11 +1546,12 @@
           </a:prstGeom>
         </p:spPr>
         <p:txBody>
-          <a:bodyPr lIns="0" rIns="0" tIns="0" bIns="0">
+          <a:bodyPr lIns="0" tIns="0" rIns="0" bIns="0">
             <a:normAutofit/>
           </a:bodyPr>
-          <a:p>
-            <a:endParaRPr b="0" lang="cs-CZ" sz="3200" spc="-1" strike="noStrike">
+          <a:lstStyle/>
+          <a:p>
+            <a:endParaRPr lang="cs-CZ" sz="3200" b="0" strike="noStrike" spc="-1">
               <a:latin typeface="Arial"/>
             </a:endParaRPr>
           </a:p>
@@ -1407,11 +1577,12 @@
           </a:prstGeom>
         </p:spPr>
         <p:txBody>
-          <a:bodyPr lIns="0" rIns="0" tIns="0" bIns="0">
+          <a:bodyPr lIns="0" tIns="0" rIns="0" bIns="0">
             <a:normAutofit/>
           </a:bodyPr>
-          <a:p>
-            <a:endParaRPr b="0" lang="cs-CZ" sz="3200" spc="-1" strike="noStrike">
+          <a:lstStyle/>
+          <a:p>
+            <a:endParaRPr lang="cs-CZ" sz="3200" b="0" strike="noStrike" spc="-1">
               <a:latin typeface="Arial"/>
             </a:endParaRPr>
           </a:p>
@@ -1437,11 +1608,12 @@
           </a:prstGeom>
         </p:spPr>
         <p:txBody>
-          <a:bodyPr lIns="0" rIns="0" tIns="0" bIns="0">
+          <a:bodyPr lIns="0" tIns="0" rIns="0" bIns="0">
             <a:normAutofit/>
           </a:bodyPr>
-          <a:p>
-            <a:endParaRPr b="0" lang="cs-CZ" sz="3200" spc="-1" strike="noStrike">
+          <a:lstStyle/>
+          <a:p>
+            <a:endParaRPr lang="cs-CZ" sz="3200" b="0" strike="noStrike" spc="-1">
               <a:latin typeface="Arial"/>
             </a:endParaRPr>
           </a:p>
@@ -1449,11 +1621,14 @@
       </p:sp>
     </p:spTree>
   </p:cSld>
+  <p:clrMapOvr>
+    <a:masterClrMapping/>
+  </p:clrMapOvr>
 </p:sldLayout>
 </file>
 
 <file path=ppt/slideLayouts/slideLayout22.xml><?xml version="1.0" encoding="utf-8"?>
-<p:sldLayout xmlns:a="http://schemas.openxmlformats.org/drawingml/2006/main" xmlns:p="http://schemas.openxmlformats.org/presentationml/2006/main" xmlns:r="http://schemas.openxmlformats.org/officeDocument/2006/relationships" xmlns:p14="http://schemas.microsoft.com/office/powerpoint/2010/main" xmlns:p15="http://schemas.microsoft.com/office/powerpoint/2012/main" xmlns:mc="http://schemas.openxmlformats.org/markup-compatibility/2006" type="objOverTx" preserve="1">
+<p:sldLayout xmlns:a="http://schemas.openxmlformats.org/drawingml/2006/main" xmlns:r="http://schemas.openxmlformats.org/officeDocument/2006/relationships" xmlns:p="http://schemas.openxmlformats.org/presentationml/2006/main" type="objOverTx" preserve="1">
   <p:cSld name="Title, Content over Content">
     <p:spTree>
       <p:nvGrpSpPr>
@@ -1489,10 +1664,11 @@
           </a:prstGeom>
         </p:spPr>
         <p:txBody>
-          <a:bodyPr lIns="0" rIns="0" tIns="0" bIns="0" anchor="ctr"/>
+          <a:bodyPr lIns="0" tIns="0" rIns="0" bIns="0" anchor="ctr"/>
+          <a:lstStyle/>
           <a:p>
             <a:pPr algn="ctr"/>
-            <a:endParaRPr b="0" lang="cs-CZ" sz="4400" spc="-1" strike="noStrike">
+            <a:endParaRPr lang="cs-CZ" sz="4400" b="0" strike="noStrike" spc="-1">
               <a:latin typeface="Arial"/>
             </a:endParaRPr>
           </a:p>
@@ -1518,11 +1694,12 @@
           </a:prstGeom>
         </p:spPr>
         <p:txBody>
-          <a:bodyPr lIns="0" rIns="0" tIns="0" bIns="0">
+          <a:bodyPr lIns="0" tIns="0" rIns="0" bIns="0">
             <a:normAutofit/>
           </a:bodyPr>
-          <a:p>
-            <a:endParaRPr b="0" lang="cs-CZ" sz="3200" spc="-1" strike="noStrike">
+          <a:lstStyle/>
+          <a:p>
+            <a:endParaRPr lang="cs-CZ" sz="3200" b="0" strike="noStrike" spc="-1">
               <a:latin typeface="Arial"/>
             </a:endParaRPr>
           </a:p>
@@ -1548,11 +1725,12 @@
           </a:prstGeom>
         </p:spPr>
         <p:txBody>
-          <a:bodyPr lIns="0" rIns="0" tIns="0" bIns="0">
+          <a:bodyPr lIns="0" tIns="0" rIns="0" bIns="0">
             <a:normAutofit/>
           </a:bodyPr>
-          <a:p>
-            <a:endParaRPr b="0" lang="cs-CZ" sz="3200" spc="-1" strike="noStrike">
+          <a:lstStyle/>
+          <a:p>
+            <a:endParaRPr lang="cs-CZ" sz="3200" b="0" strike="noStrike" spc="-1">
               <a:latin typeface="Arial"/>
             </a:endParaRPr>
           </a:p>
@@ -1560,11 +1738,14 @@
       </p:sp>
     </p:spTree>
   </p:cSld>
+  <p:clrMapOvr>
+    <a:masterClrMapping/>
+  </p:clrMapOvr>
 </p:sldLayout>
 </file>
 
 <file path=ppt/slideLayouts/slideLayout23.xml><?xml version="1.0" encoding="utf-8"?>
-<p:sldLayout xmlns:a="http://schemas.openxmlformats.org/drawingml/2006/main" xmlns:p="http://schemas.openxmlformats.org/presentationml/2006/main" xmlns:r="http://schemas.openxmlformats.org/officeDocument/2006/relationships" xmlns:p14="http://schemas.microsoft.com/office/powerpoint/2010/main" xmlns:p15="http://schemas.microsoft.com/office/powerpoint/2012/main" xmlns:mc="http://schemas.openxmlformats.org/markup-compatibility/2006" type="fourObj" preserve="1">
+<p:sldLayout xmlns:a="http://schemas.openxmlformats.org/drawingml/2006/main" xmlns:r="http://schemas.openxmlformats.org/officeDocument/2006/relationships" xmlns:p="http://schemas.openxmlformats.org/presentationml/2006/main" type="fourObj" preserve="1">
   <p:cSld name="Title, 4 Content">
     <p:spTree>
       <p:nvGrpSpPr>
@@ -1600,10 +1781,11 @@
           </a:prstGeom>
         </p:spPr>
         <p:txBody>
-          <a:bodyPr lIns="0" rIns="0" tIns="0" bIns="0" anchor="ctr"/>
+          <a:bodyPr lIns="0" tIns="0" rIns="0" bIns="0" anchor="ctr"/>
+          <a:lstStyle/>
           <a:p>
             <a:pPr algn="ctr"/>
-            <a:endParaRPr b="0" lang="cs-CZ" sz="4400" spc="-1" strike="noStrike">
+            <a:endParaRPr lang="cs-CZ" sz="4400" b="0" strike="noStrike" spc="-1">
               <a:latin typeface="Arial"/>
             </a:endParaRPr>
           </a:p>
@@ -1629,11 +1811,12 @@
           </a:prstGeom>
         </p:spPr>
         <p:txBody>
-          <a:bodyPr lIns="0" rIns="0" tIns="0" bIns="0">
+          <a:bodyPr lIns="0" tIns="0" rIns="0" bIns="0">
             <a:normAutofit/>
           </a:bodyPr>
-          <a:p>
-            <a:endParaRPr b="0" lang="cs-CZ" sz="3200" spc="-1" strike="noStrike">
+          <a:lstStyle/>
+          <a:p>
+            <a:endParaRPr lang="cs-CZ" sz="3200" b="0" strike="noStrike" spc="-1">
               <a:latin typeface="Arial"/>
             </a:endParaRPr>
           </a:p>
@@ -1659,11 +1842,12 @@
           </a:prstGeom>
         </p:spPr>
         <p:txBody>
-          <a:bodyPr lIns="0" rIns="0" tIns="0" bIns="0">
+          <a:bodyPr lIns="0" tIns="0" rIns="0" bIns="0">
             <a:normAutofit/>
           </a:bodyPr>
-          <a:p>
-            <a:endParaRPr b="0" lang="cs-CZ" sz="3200" spc="-1" strike="noStrike">
+          <a:lstStyle/>
+          <a:p>
+            <a:endParaRPr lang="cs-CZ" sz="3200" b="0" strike="noStrike" spc="-1">
               <a:latin typeface="Arial"/>
             </a:endParaRPr>
           </a:p>
@@ -1689,11 +1873,12 @@
           </a:prstGeom>
         </p:spPr>
         <p:txBody>
-          <a:bodyPr lIns="0" rIns="0" tIns="0" bIns="0">
+          <a:bodyPr lIns="0" tIns="0" rIns="0" bIns="0">
             <a:normAutofit/>
           </a:bodyPr>
-          <a:p>
-            <a:endParaRPr b="0" lang="cs-CZ" sz="3200" spc="-1" strike="noStrike">
+          <a:lstStyle/>
+          <a:p>
+            <a:endParaRPr lang="cs-CZ" sz="3200" b="0" strike="noStrike" spc="-1">
               <a:latin typeface="Arial"/>
             </a:endParaRPr>
           </a:p>
@@ -1719,11 +1904,12 @@
           </a:prstGeom>
         </p:spPr>
         <p:txBody>
-          <a:bodyPr lIns="0" rIns="0" tIns="0" bIns="0">
+          <a:bodyPr lIns="0" tIns="0" rIns="0" bIns="0">
             <a:normAutofit/>
           </a:bodyPr>
-          <a:p>
-            <a:endParaRPr b="0" lang="cs-CZ" sz="3200" spc="-1" strike="noStrike">
+          <a:lstStyle/>
+          <a:p>
+            <a:endParaRPr lang="cs-CZ" sz="3200" b="0" strike="noStrike" spc="-1">
               <a:latin typeface="Arial"/>
             </a:endParaRPr>
           </a:p>
@@ -1731,11 +1917,14 @@
       </p:sp>
     </p:spTree>
   </p:cSld>
+  <p:clrMapOvr>
+    <a:masterClrMapping/>
+  </p:clrMapOvr>
 </p:sldLayout>
 </file>
 
 <file path=ppt/slideLayouts/slideLayout24.xml><?xml version="1.0" encoding="utf-8"?>
-<p:sldLayout xmlns:a="http://schemas.openxmlformats.org/drawingml/2006/main" xmlns:p="http://schemas.openxmlformats.org/presentationml/2006/main" xmlns:r="http://schemas.openxmlformats.org/officeDocument/2006/relationships" xmlns:p14="http://schemas.microsoft.com/office/powerpoint/2010/main" xmlns:p15="http://schemas.microsoft.com/office/powerpoint/2012/main" xmlns:mc="http://schemas.openxmlformats.org/markup-compatibility/2006" type="blank" preserve="1">
+<p:sldLayout xmlns:a="http://schemas.openxmlformats.org/drawingml/2006/main" xmlns:r="http://schemas.openxmlformats.org/officeDocument/2006/relationships" xmlns:p="http://schemas.openxmlformats.org/presentationml/2006/main" type="blank" preserve="1">
   <p:cSld name="Title, 6 Content">
     <p:spTree>
       <p:nvGrpSpPr>
@@ -1771,10 +1960,11 @@
           </a:prstGeom>
         </p:spPr>
         <p:txBody>
-          <a:bodyPr lIns="0" rIns="0" tIns="0" bIns="0" anchor="ctr"/>
+          <a:bodyPr lIns="0" tIns="0" rIns="0" bIns="0" anchor="ctr"/>
+          <a:lstStyle/>
           <a:p>
             <a:pPr algn="ctr"/>
-            <a:endParaRPr b="0" lang="cs-CZ" sz="4400" spc="-1" strike="noStrike">
+            <a:endParaRPr lang="cs-CZ" sz="4400" b="0" strike="noStrike" spc="-1">
               <a:latin typeface="Arial"/>
             </a:endParaRPr>
           </a:p>
@@ -1800,11 +1990,12 @@
           </a:prstGeom>
         </p:spPr>
         <p:txBody>
-          <a:bodyPr lIns="0" rIns="0" tIns="0" bIns="0">
+          <a:bodyPr lIns="0" tIns="0" rIns="0" bIns="0">
             <a:normAutofit/>
           </a:bodyPr>
-          <a:p>
-            <a:endParaRPr b="0" lang="cs-CZ" sz="3200" spc="-1" strike="noStrike">
+          <a:lstStyle/>
+          <a:p>
+            <a:endParaRPr lang="cs-CZ" sz="3200" b="0" strike="noStrike" spc="-1">
               <a:latin typeface="Arial"/>
             </a:endParaRPr>
           </a:p>
@@ -1830,11 +2021,12 @@
           </a:prstGeom>
         </p:spPr>
         <p:txBody>
-          <a:bodyPr lIns="0" rIns="0" tIns="0" bIns="0">
+          <a:bodyPr lIns="0" tIns="0" rIns="0" bIns="0">
             <a:normAutofit/>
           </a:bodyPr>
-          <a:p>
-            <a:endParaRPr b="0" lang="cs-CZ" sz="3200" spc="-1" strike="noStrike">
+          <a:lstStyle/>
+          <a:p>
+            <a:endParaRPr lang="cs-CZ" sz="3200" b="0" strike="noStrike" spc="-1">
               <a:latin typeface="Arial"/>
             </a:endParaRPr>
           </a:p>
@@ -1860,11 +2052,12 @@
           </a:prstGeom>
         </p:spPr>
         <p:txBody>
-          <a:bodyPr lIns="0" rIns="0" tIns="0" bIns="0">
+          <a:bodyPr lIns="0" tIns="0" rIns="0" bIns="0">
             <a:normAutofit/>
           </a:bodyPr>
-          <a:p>
-            <a:endParaRPr b="0" lang="cs-CZ" sz="3200" spc="-1" strike="noStrike">
+          <a:lstStyle/>
+          <a:p>
+            <a:endParaRPr lang="cs-CZ" sz="3200" b="0" strike="noStrike" spc="-1">
               <a:latin typeface="Arial"/>
             </a:endParaRPr>
           </a:p>
@@ -1890,11 +2083,12 @@
           </a:prstGeom>
         </p:spPr>
         <p:txBody>
-          <a:bodyPr lIns="0" rIns="0" tIns="0" bIns="0">
+          <a:bodyPr lIns="0" tIns="0" rIns="0" bIns="0">
             <a:normAutofit/>
           </a:bodyPr>
-          <a:p>
-            <a:endParaRPr b="0" lang="cs-CZ" sz="3200" spc="-1" strike="noStrike">
+          <a:lstStyle/>
+          <a:p>
+            <a:endParaRPr lang="cs-CZ" sz="3200" b="0" strike="noStrike" spc="-1">
               <a:latin typeface="Arial"/>
             </a:endParaRPr>
           </a:p>
@@ -1920,11 +2114,12 @@
           </a:prstGeom>
         </p:spPr>
         <p:txBody>
-          <a:bodyPr lIns="0" rIns="0" tIns="0" bIns="0">
+          <a:bodyPr lIns="0" tIns="0" rIns="0" bIns="0">
             <a:normAutofit/>
           </a:bodyPr>
-          <a:p>
-            <a:endParaRPr b="0" lang="cs-CZ" sz="3200" spc="-1" strike="noStrike">
+          <a:lstStyle/>
+          <a:p>
+            <a:endParaRPr lang="cs-CZ" sz="3200" b="0" strike="noStrike" spc="-1">
               <a:latin typeface="Arial"/>
             </a:endParaRPr>
           </a:p>
@@ -1950,11 +2145,12 @@
           </a:prstGeom>
         </p:spPr>
         <p:txBody>
-          <a:bodyPr lIns="0" rIns="0" tIns="0" bIns="0">
+          <a:bodyPr lIns="0" tIns="0" rIns="0" bIns="0">
             <a:normAutofit/>
           </a:bodyPr>
-          <a:p>
-            <a:endParaRPr b="0" lang="cs-CZ" sz="3200" spc="-1" strike="noStrike">
+          <a:lstStyle/>
+          <a:p>
+            <a:endParaRPr lang="cs-CZ" sz="3200" b="0" strike="noStrike" spc="-1">
               <a:latin typeface="Arial"/>
             </a:endParaRPr>
           </a:p>
@@ -1962,11 +2158,14 @@
       </p:sp>
     </p:spTree>
   </p:cSld>
+  <p:clrMapOvr>
+    <a:masterClrMapping/>
+  </p:clrMapOvr>
 </p:sldLayout>
 </file>
 
 <file path=ppt/slideLayouts/slideLayout25.xml><?xml version="1.0" encoding="utf-8"?>
-<p:sldLayout xmlns:a="http://schemas.openxmlformats.org/drawingml/2006/main" xmlns:p="http://schemas.openxmlformats.org/presentationml/2006/main" xmlns:r="http://schemas.openxmlformats.org/officeDocument/2006/relationships" xmlns:p14="http://schemas.microsoft.com/office/powerpoint/2010/main" xmlns:p15="http://schemas.microsoft.com/office/powerpoint/2012/main" xmlns:mc="http://schemas.openxmlformats.org/markup-compatibility/2006" type="blank" preserve="1">
+<p:sldLayout xmlns:a="http://schemas.openxmlformats.org/drawingml/2006/main" xmlns:r="http://schemas.openxmlformats.org/officeDocument/2006/relationships" xmlns:p="http://schemas.openxmlformats.org/presentationml/2006/main" type="blank" preserve="1">
   <p:cSld name="Blank Slide">
     <p:spTree>
       <p:nvGrpSpPr>
@@ -1984,11 +2183,14 @@
       </p:grpSpPr>
     </p:spTree>
   </p:cSld>
+  <p:clrMapOvr>
+    <a:masterClrMapping/>
+  </p:clrMapOvr>
 </p:sldLayout>
 </file>
 
 <file path=ppt/slideLayouts/slideLayout26.xml><?xml version="1.0" encoding="utf-8"?>
-<p:sldLayout xmlns:a="http://schemas.openxmlformats.org/drawingml/2006/main" xmlns:p="http://schemas.openxmlformats.org/presentationml/2006/main" xmlns:r="http://schemas.openxmlformats.org/officeDocument/2006/relationships" xmlns:p14="http://schemas.microsoft.com/office/powerpoint/2010/main" xmlns:p15="http://schemas.microsoft.com/office/powerpoint/2012/main" xmlns:mc="http://schemas.openxmlformats.org/markup-compatibility/2006" type="tx" preserve="1">
+<p:sldLayout xmlns:a="http://schemas.openxmlformats.org/drawingml/2006/main" xmlns:r="http://schemas.openxmlformats.org/officeDocument/2006/relationships" xmlns:p="http://schemas.openxmlformats.org/presentationml/2006/main" type="tx" preserve="1">
   <p:cSld name="Title Slide">
     <p:spTree>
       <p:nvGrpSpPr>
@@ -2024,10 +2226,11 @@
           </a:prstGeom>
         </p:spPr>
         <p:txBody>
-          <a:bodyPr lIns="0" rIns="0" tIns="0" bIns="0" anchor="ctr"/>
+          <a:bodyPr lIns="0" tIns="0" rIns="0" bIns="0" anchor="ctr"/>
+          <a:lstStyle/>
           <a:p>
             <a:pPr algn="ctr"/>
-            <a:endParaRPr b="0" lang="cs-CZ" sz="4400" spc="-1" strike="noStrike">
+            <a:endParaRPr lang="cs-CZ" sz="4400" b="0" strike="noStrike" spc="-1">
               <a:latin typeface="Arial"/>
             </a:endParaRPr>
           </a:p>
@@ -2053,10 +2256,11 @@
           </a:prstGeom>
         </p:spPr>
         <p:txBody>
-          <a:bodyPr lIns="0" rIns="0" tIns="0" bIns="0" anchor="ctr"/>
+          <a:bodyPr lIns="0" tIns="0" rIns="0" bIns="0" anchor="ctr"/>
+          <a:lstStyle/>
           <a:p>
             <a:pPr algn="ctr"/>
-            <a:endParaRPr b="0" lang="cs-CZ" sz="3200" spc="-1" strike="noStrike">
+            <a:endParaRPr lang="cs-CZ" sz="3200" b="0" strike="noStrike" spc="-1">
               <a:latin typeface="Arial"/>
             </a:endParaRPr>
           </a:p>
@@ -2064,11 +2268,14 @@
       </p:sp>
     </p:spTree>
   </p:cSld>
+  <p:clrMapOvr>
+    <a:masterClrMapping/>
+  </p:clrMapOvr>
 </p:sldLayout>
 </file>
 
 <file path=ppt/slideLayouts/slideLayout27.xml><?xml version="1.0" encoding="utf-8"?>
-<p:sldLayout xmlns:a="http://schemas.openxmlformats.org/drawingml/2006/main" xmlns:p="http://schemas.openxmlformats.org/presentationml/2006/main" xmlns:r="http://schemas.openxmlformats.org/officeDocument/2006/relationships" xmlns:p14="http://schemas.microsoft.com/office/powerpoint/2010/main" xmlns:p15="http://schemas.microsoft.com/office/powerpoint/2012/main" xmlns:mc="http://schemas.openxmlformats.org/markup-compatibility/2006" type="obj" preserve="1">
+<p:sldLayout xmlns:a="http://schemas.openxmlformats.org/drawingml/2006/main" xmlns:r="http://schemas.openxmlformats.org/officeDocument/2006/relationships" xmlns:p="http://schemas.openxmlformats.org/presentationml/2006/main" type="obj" preserve="1">
   <p:cSld name="Title, Content">
     <p:spTree>
       <p:nvGrpSpPr>
@@ -2104,10 +2311,11 @@
           </a:prstGeom>
         </p:spPr>
         <p:txBody>
-          <a:bodyPr lIns="0" rIns="0" tIns="0" bIns="0" anchor="ctr"/>
+          <a:bodyPr lIns="0" tIns="0" rIns="0" bIns="0" anchor="ctr"/>
+          <a:lstStyle/>
           <a:p>
             <a:pPr algn="ctr"/>
-            <a:endParaRPr b="0" lang="cs-CZ" sz="4400" spc="-1" strike="noStrike">
+            <a:endParaRPr lang="cs-CZ" sz="4400" b="0" strike="noStrike" spc="-1">
               <a:latin typeface="Arial"/>
             </a:endParaRPr>
           </a:p>
@@ -2133,11 +2341,12 @@
           </a:prstGeom>
         </p:spPr>
         <p:txBody>
-          <a:bodyPr lIns="0" rIns="0" tIns="0" bIns="0">
+          <a:bodyPr lIns="0" tIns="0" rIns="0" bIns="0">
             <a:normAutofit/>
           </a:bodyPr>
-          <a:p>
-            <a:endParaRPr b="0" lang="cs-CZ" sz="3200" spc="-1" strike="noStrike">
+          <a:lstStyle/>
+          <a:p>
+            <a:endParaRPr lang="cs-CZ" sz="3200" b="0" strike="noStrike" spc="-1">
               <a:latin typeface="Arial"/>
             </a:endParaRPr>
           </a:p>
@@ -2145,11 +2354,14 @@
       </p:sp>
     </p:spTree>
   </p:cSld>
+  <p:clrMapOvr>
+    <a:masterClrMapping/>
+  </p:clrMapOvr>
 </p:sldLayout>
 </file>
 
 <file path=ppt/slideLayouts/slideLayout28.xml><?xml version="1.0" encoding="utf-8"?>
-<p:sldLayout xmlns:a="http://schemas.openxmlformats.org/drawingml/2006/main" xmlns:p="http://schemas.openxmlformats.org/presentationml/2006/main" xmlns:r="http://schemas.openxmlformats.org/officeDocument/2006/relationships" xmlns:p14="http://schemas.microsoft.com/office/powerpoint/2010/main" xmlns:p15="http://schemas.microsoft.com/office/powerpoint/2012/main" xmlns:mc="http://schemas.openxmlformats.org/markup-compatibility/2006" type="twoObj" preserve="1">
+<p:sldLayout xmlns:a="http://schemas.openxmlformats.org/drawingml/2006/main" xmlns:r="http://schemas.openxmlformats.org/officeDocument/2006/relationships" xmlns:p="http://schemas.openxmlformats.org/presentationml/2006/main" type="twoObj" preserve="1">
   <p:cSld name="Title, 2 Content">
     <p:spTree>
       <p:nvGrpSpPr>
@@ -2185,10 +2397,11 @@
           </a:prstGeom>
         </p:spPr>
         <p:txBody>
-          <a:bodyPr lIns="0" rIns="0" tIns="0" bIns="0" anchor="ctr"/>
+          <a:bodyPr lIns="0" tIns="0" rIns="0" bIns="0" anchor="ctr"/>
+          <a:lstStyle/>
           <a:p>
             <a:pPr algn="ctr"/>
-            <a:endParaRPr b="0" lang="cs-CZ" sz="4400" spc="-1" strike="noStrike">
+            <a:endParaRPr lang="cs-CZ" sz="4400" b="0" strike="noStrike" spc="-1">
               <a:latin typeface="Arial"/>
             </a:endParaRPr>
           </a:p>
@@ -2214,11 +2427,12 @@
           </a:prstGeom>
         </p:spPr>
         <p:txBody>
-          <a:bodyPr lIns="0" rIns="0" tIns="0" bIns="0">
+          <a:bodyPr lIns="0" tIns="0" rIns="0" bIns="0">
             <a:normAutofit/>
           </a:bodyPr>
-          <a:p>
-            <a:endParaRPr b="0" lang="cs-CZ" sz="3200" spc="-1" strike="noStrike">
+          <a:lstStyle/>
+          <a:p>
+            <a:endParaRPr lang="cs-CZ" sz="3200" b="0" strike="noStrike" spc="-1">
               <a:latin typeface="Arial"/>
             </a:endParaRPr>
           </a:p>
@@ -2244,11 +2458,12 @@
           </a:prstGeom>
         </p:spPr>
         <p:txBody>
-          <a:bodyPr lIns="0" rIns="0" tIns="0" bIns="0">
+          <a:bodyPr lIns="0" tIns="0" rIns="0" bIns="0">
             <a:normAutofit/>
           </a:bodyPr>
-          <a:p>
-            <a:endParaRPr b="0" lang="cs-CZ" sz="3200" spc="-1" strike="noStrike">
+          <a:lstStyle/>
+          <a:p>
+            <a:endParaRPr lang="cs-CZ" sz="3200" b="0" strike="noStrike" spc="-1">
               <a:latin typeface="Arial"/>
             </a:endParaRPr>
           </a:p>
@@ -2256,11 +2471,14 @@
       </p:sp>
     </p:spTree>
   </p:cSld>
+  <p:clrMapOvr>
+    <a:masterClrMapping/>
+  </p:clrMapOvr>
 </p:sldLayout>
 </file>
 
 <file path=ppt/slideLayouts/slideLayout29.xml><?xml version="1.0" encoding="utf-8"?>
-<p:sldLayout xmlns:a="http://schemas.openxmlformats.org/drawingml/2006/main" xmlns:p="http://schemas.openxmlformats.org/presentationml/2006/main" xmlns:r="http://schemas.openxmlformats.org/officeDocument/2006/relationships" xmlns:p14="http://schemas.microsoft.com/office/powerpoint/2010/main" xmlns:p15="http://schemas.microsoft.com/office/powerpoint/2012/main" xmlns:mc="http://schemas.openxmlformats.org/markup-compatibility/2006" type="titleOnly" preserve="1">
+<p:sldLayout xmlns:a="http://schemas.openxmlformats.org/drawingml/2006/main" xmlns:r="http://schemas.openxmlformats.org/officeDocument/2006/relationships" xmlns:p="http://schemas.openxmlformats.org/presentationml/2006/main" type="titleOnly" preserve="1">
   <p:cSld name="Title Only">
     <p:spTree>
       <p:nvGrpSpPr>
@@ -2296,10 +2514,11 @@
           </a:prstGeom>
         </p:spPr>
         <p:txBody>
-          <a:bodyPr lIns="0" rIns="0" tIns="0" bIns="0" anchor="ctr"/>
+          <a:bodyPr lIns="0" tIns="0" rIns="0" bIns="0" anchor="ctr"/>
+          <a:lstStyle/>
           <a:p>
             <a:pPr algn="ctr"/>
-            <a:endParaRPr b="0" lang="cs-CZ" sz="4400" spc="-1" strike="noStrike">
+            <a:endParaRPr lang="cs-CZ" sz="4400" b="0" strike="noStrike" spc="-1">
               <a:latin typeface="Arial"/>
             </a:endParaRPr>
           </a:p>
@@ -2307,11 +2526,14 @@
       </p:sp>
     </p:spTree>
   </p:cSld>
+  <p:clrMapOvr>
+    <a:masterClrMapping/>
+  </p:clrMapOvr>
 </p:sldLayout>
 </file>
 
 <file path=ppt/slideLayouts/slideLayout3.xml><?xml version="1.0" encoding="utf-8"?>
-<p:sldLayout xmlns:a="http://schemas.openxmlformats.org/drawingml/2006/main" xmlns:p="http://schemas.openxmlformats.org/presentationml/2006/main" xmlns:r="http://schemas.openxmlformats.org/officeDocument/2006/relationships" xmlns:p14="http://schemas.microsoft.com/office/powerpoint/2010/main" xmlns:p15="http://schemas.microsoft.com/office/powerpoint/2012/main" xmlns:mc="http://schemas.openxmlformats.org/markup-compatibility/2006" type="obj" preserve="1">
+<p:sldLayout xmlns:a="http://schemas.openxmlformats.org/drawingml/2006/main" xmlns:r="http://schemas.openxmlformats.org/officeDocument/2006/relationships" xmlns:p="http://schemas.openxmlformats.org/presentationml/2006/main" type="obj" preserve="1">
   <p:cSld name="Title, Content">
     <p:spTree>
       <p:nvGrpSpPr>
@@ -2347,10 +2569,11 @@
           </a:prstGeom>
         </p:spPr>
         <p:txBody>
-          <a:bodyPr lIns="0" rIns="0" tIns="0" bIns="0" anchor="ctr"/>
+          <a:bodyPr lIns="0" tIns="0" rIns="0" bIns="0" anchor="ctr"/>
+          <a:lstStyle/>
           <a:p>
             <a:pPr algn="ctr"/>
-            <a:endParaRPr b="0" lang="cs-CZ" sz="4400" spc="-1" strike="noStrike">
+            <a:endParaRPr lang="cs-CZ" sz="4400" b="0" strike="noStrike" spc="-1">
               <a:latin typeface="Arial"/>
             </a:endParaRPr>
           </a:p>
@@ -2376,11 +2599,12 @@
           </a:prstGeom>
         </p:spPr>
         <p:txBody>
-          <a:bodyPr lIns="0" rIns="0" tIns="0" bIns="0">
+          <a:bodyPr lIns="0" tIns="0" rIns="0" bIns="0">
             <a:normAutofit/>
           </a:bodyPr>
-          <a:p>
-            <a:endParaRPr b="0" lang="cs-CZ" sz="3200" spc="-1" strike="noStrike">
+          <a:lstStyle/>
+          <a:p>
+            <a:endParaRPr lang="cs-CZ" sz="3200" b="0" strike="noStrike" spc="-1">
               <a:latin typeface="Arial"/>
             </a:endParaRPr>
           </a:p>
@@ -2388,11 +2612,14 @@
       </p:sp>
     </p:spTree>
   </p:cSld>
+  <p:clrMapOvr>
+    <a:masterClrMapping/>
+  </p:clrMapOvr>
 </p:sldLayout>
 </file>
 
 <file path=ppt/slideLayouts/slideLayout30.xml><?xml version="1.0" encoding="utf-8"?>
-<p:sldLayout xmlns:a="http://schemas.openxmlformats.org/drawingml/2006/main" xmlns:p="http://schemas.openxmlformats.org/presentationml/2006/main" xmlns:r="http://schemas.openxmlformats.org/officeDocument/2006/relationships" xmlns:p14="http://schemas.microsoft.com/office/powerpoint/2010/main" xmlns:p15="http://schemas.microsoft.com/office/powerpoint/2012/main" xmlns:mc="http://schemas.openxmlformats.org/markup-compatibility/2006" type="objOnly" preserve="1">
+<p:sldLayout xmlns:a="http://schemas.openxmlformats.org/drawingml/2006/main" xmlns:r="http://schemas.openxmlformats.org/officeDocument/2006/relationships" xmlns:p="http://schemas.openxmlformats.org/presentationml/2006/main" type="objOnly" preserve="1">
   <p:cSld name="Centered Text">
     <p:spTree>
       <p:nvGrpSpPr>
@@ -2428,10 +2655,11 @@
           </a:prstGeom>
         </p:spPr>
         <p:txBody>
-          <a:bodyPr lIns="0" rIns="0" tIns="0" bIns="0" anchor="ctr"/>
+          <a:bodyPr lIns="0" tIns="0" rIns="0" bIns="0" anchor="ctr"/>
+          <a:lstStyle/>
           <a:p>
             <a:pPr algn="ctr"/>
-            <a:endParaRPr b="0" lang="cs-CZ" sz="3200" spc="-1" strike="noStrike">
+            <a:endParaRPr lang="cs-CZ" sz="3200" b="0" strike="noStrike" spc="-1">
               <a:latin typeface="Arial"/>
             </a:endParaRPr>
           </a:p>
@@ -2439,11 +2667,14 @@
       </p:sp>
     </p:spTree>
   </p:cSld>
+  <p:clrMapOvr>
+    <a:masterClrMapping/>
+  </p:clrMapOvr>
 </p:sldLayout>
 </file>
 
 <file path=ppt/slideLayouts/slideLayout31.xml><?xml version="1.0" encoding="utf-8"?>
-<p:sldLayout xmlns:a="http://schemas.openxmlformats.org/drawingml/2006/main" xmlns:p="http://schemas.openxmlformats.org/presentationml/2006/main" xmlns:r="http://schemas.openxmlformats.org/officeDocument/2006/relationships" xmlns:p14="http://schemas.microsoft.com/office/powerpoint/2010/main" xmlns:p15="http://schemas.microsoft.com/office/powerpoint/2012/main" xmlns:mc="http://schemas.openxmlformats.org/markup-compatibility/2006" type="twoObjAndObj" preserve="1">
+<p:sldLayout xmlns:a="http://schemas.openxmlformats.org/drawingml/2006/main" xmlns:r="http://schemas.openxmlformats.org/officeDocument/2006/relationships" xmlns:p="http://schemas.openxmlformats.org/presentationml/2006/main" type="twoObjAndObj" preserve="1">
   <p:cSld name="Title, 2 Content and Content">
     <p:spTree>
       <p:nvGrpSpPr>
@@ -2479,10 +2710,11 @@
           </a:prstGeom>
         </p:spPr>
         <p:txBody>
-          <a:bodyPr lIns="0" rIns="0" tIns="0" bIns="0" anchor="ctr"/>
+          <a:bodyPr lIns="0" tIns="0" rIns="0" bIns="0" anchor="ctr"/>
+          <a:lstStyle/>
           <a:p>
             <a:pPr algn="ctr"/>
-            <a:endParaRPr b="0" lang="cs-CZ" sz="4400" spc="-1" strike="noStrike">
+            <a:endParaRPr lang="cs-CZ" sz="4400" b="0" strike="noStrike" spc="-1">
               <a:latin typeface="Arial"/>
             </a:endParaRPr>
           </a:p>
@@ -2508,11 +2740,12 @@
           </a:prstGeom>
         </p:spPr>
         <p:txBody>
-          <a:bodyPr lIns="0" rIns="0" tIns="0" bIns="0">
+          <a:bodyPr lIns="0" tIns="0" rIns="0" bIns="0">
             <a:normAutofit/>
           </a:bodyPr>
-          <a:p>
-            <a:endParaRPr b="0" lang="cs-CZ" sz="3200" spc="-1" strike="noStrike">
+          <a:lstStyle/>
+          <a:p>
+            <a:endParaRPr lang="cs-CZ" sz="3200" b="0" strike="noStrike" spc="-1">
               <a:latin typeface="Arial"/>
             </a:endParaRPr>
           </a:p>
@@ -2538,11 +2771,12 @@
           </a:prstGeom>
         </p:spPr>
         <p:txBody>
-          <a:bodyPr lIns="0" rIns="0" tIns="0" bIns="0">
+          <a:bodyPr lIns="0" tIns="0" rIns="0" bIns="0">
             <a:normAutofit/>
           </a:bodyPr>
-          <a:p>
-            <a:endParaRPr b="0" lang="cs-CZ" sz="3200" spc="-1" strike="noStrike">
+          <a:lstStyle/>
+          <a:p>
+            <a:endParaRPr lang="cs-CZ" sz="3200" b="0" strike="noStrike" spc="-1">
               <a:latin typeface="Arial"/>
             </a:endParaRPr>
           </a:p>
@@ -2568,11 +2802,12 @@
           </a:prstGeom>
         </p:spPr>
         <p:txBody>
-          <a:bodyPr lIns="0" rIns="0" tIns="0" bIns="0">
+          <a:bodyPr lIns="0" tIns="0" rIns="0" bIns="0">
             <a:normAutofit/>
           </a:bodyPr>
-          <a:p>
-            <a:endParaRPr b="0" lang="cs-CZ" sz="3200" spc="-1" strike="noStrike">
+          <a:lstStyle/>
+          <a:p>
+            <a:endParaRPr lang="cs-CZ" sz="3200" b="0" strike="noStrike" spc="-1">
               <a:latin typeface="Arial"/>
             </a:endParaRPr>
           </a:p>
@@ -2580,11 +2815,14 @@
       </p:sp>
     </p:spTree>
   </p:cSld>
+  <p:clrMapOvr>
+    <a:masterClrMapping/>
+  </p:clrMapOvr>
 </p:sldLayout>
 </file>
 
 <file path=ppt/slideLayouts/slideLayout32.xml><?xml version="1.0" encoding="utf-8"?>
-<p:sldLayout xmlns:a="http://schemas.openxmlformats.org/drawingml/2006/main" xmlns:p="http://schemas.openxmlformats.org/presentationml/2006/main" xmlns:r="http://schemas.openxmlformats.org/officeDocument/2006/relationships" xmlns:p14="http://schemas.microsoft.com/office/powerpoint/2010/main" xmlns:p15="http://schemas.microsoft.com/office/powerpoint/2012/main" xmlns:mc="http://schemas.openxmlformats.org/markup-compatibility/2006" type="objAndTwoObj" preserve="1">
+<p:sldLayout xmlns:a="http://schemas.openxmlformats.org/drawingml/2006/main" xmlns:r="http://schemas.openxmlformats.org/officeDocument/2006/relationships" xmlns:p="http://schemas.openxmlformats.org/presentationml/2006/main" type="objAndTwoObj" preserve="1">
   <p:cSld name="Title Content and 2 Content">
     <p:spTree>
       <p:nvGrpSpPr>
@@ -2620,10 +2858,11 @@
           </a:prstGeom>
         </p:spPr>
         <p:txBody>
-          <a:bodyPr lIns="0" rIns="0" tIns="0" bIns="0" anchor="ctr"/>
+          <a:bodyPr lIns="0" tIns="0" rIns="0" bIns="0" anchor="ctr"/>
+          <a:lstStyle/>
           <a:p>
             <a:pPr algn="ctr"/>
-            <a:endParaRPr b="0" lang="cs-CZ" sz="4400" spc="-1" strike="noStrike">
+            <a:endParaRPr lang="cs-CZ" sz="4400" b="0" strike="noStrike" spc="-1">
               <a:latin typeface="Arial"/>
             </a:endParaRPr>
           </a:p>
@@ -2649,11 +2888,12 @@
           </a:prstGeom>
         </p:spPr>
         <p:txBody>
-          <a:bodyPr lIns="0" rIns="0" tIns="0" bIns="0">
+          <a:bodyPr lIns="0" tIns="0" rIns="0" bIns="0">
             <a:normAutofit/>
           </a:bodyPr>
-          <a:p>
-            <a:endParaRPr b="0" lang="cs-CZ" sz="3200" spc="-1" strike="noStrike">
+          <a:lstStyle/>
+          <a:p>
+            <a:endParaRPr lang="cs-CZ" sz="3200" b="0" strike="noStrike" spc="-1">
               <a:latin typeface="Arial"/>
             </a:endParaRPr>
           </a:p>
@@ -2679,11 +2919,12 @@
           </a:prstGeom>
         </p:spPr>
         <p:txBody>
-          <a:bodyPr lIns="0" rIns="0" tIns="0" bIns="0">
+          <a:bodyPr lIns="0" tIns="0" rIns="0" bIns="0">
             <a:normAutofit/>
           </a:bodyPr>
-          <a:p>
-            <a:endParaRPr b="0" lang="cs-CZ" sz="3200" spc="-1" strike="noStrike">
+          <a:lstStyle/>
+          <a:p>
+            <a:endParaRPr lang="cs-CZ" sz="3200" b="0" strike="noStrike" spc="-1">
               <a:latin typeface="Arial"/>
             </a:endParaRPr>
           </a:p>
@@ -2709,11 +2950,12 @@
           </a:prstGeom>
         </p:spPr>
         <p:txBody>
-          <a:bodyPr lIns="0" rIns="0" tIns="0" bIns="0">
+          <a:bodyPr lIns="0" tIns="0" rIns="0" bIns="0">
             <a:normAutofit/>
           </a:bodyPr>
-          <a:p>
-            <a:endParaRPr b="0" lang="cs-CZ" sz="3200" spc="-1" strike="noStrike">
+          <a:lstStyle/>
+          <a:p>
+            <a:endParaRPr lang="cs-CZ" sz="3200" b="0" strike="noStrike" spc="-1">
               <a:latin typeface="Arial"/>
             </a:endParaRPr>
           </a:p>
@@ -2721,11 +2963,14 @@
       </p:sp>
     </p:spTree>
   </p:cSld>
+  <p:clrMapOvr>
+    <a:masterClrMapping/>
+  </p:clrMapOvr>
 </p:sldLayout>
 </file>
 
 <file path=ppt/slideLayouts/slideLayout33.xml><?xml version="1.0" encoding="utf-8"?>
-<p:sldLayout xmlns:a="http://schemas.openxmlformats.org/drawingml/2006/main" xmlns:p="http://schemas.openxmlformats.org/presentationml/2006/main" xmlns:r="http://schemas.openxmlformats.org/officeDocument/2006/relationships" xmlns:p14="http://schemas.microsoft.com/office/powerpoint/2010/main" xmlns:p15="http://schemas.microsoft.com/office/powerpoint/2012/main" xmlns:mc="http://schemas.openxmlformats.org/markup-compatibility/2006" type="twoObjOverTx" preserve="1">
+<p:sldLayout xmlns:a="http://schemas.openxmlformats.org/drawingml/2006/main" xmlns:r="http://schemas.openxmlformats.org/officeDocument/2006/relationships" xmlns:p="http://schemas.openxmlformats.org/presentationml/2006/main" type="twoObjOverTx" preserve="1">
   <p:cSld name="Title, 2 Content over Content">
     <p:spTree>
       <p:nvGrpSpPr>
@@ -2761,10 +3006,11 @@
           </a:prstGeom>
         </p:spPr>
         <p:txBody>
-          <a:bodyPr lIns="0" rIns="0" tIns="0" bIns="0" anchor="ctr"/>
+          <a:bodyPr lIns="0" tIns="0" rIns="0" bIns="0" anchor="ctr"/>
+          <a:lstStyle/>
           <a:p>
             <a:pPr algn="ctr"/>
-            <a:endParaRPr b="0" lang="cs-CZ" sz="4400" spc="-1" strike="noStrike">
+            <a:endParaRPr lang="cs-CZ" sz="4400" b="0" strike="noStrike" spc="-1">
               <a:latin typeface="Arial"/>
             </a:endParaRPr>
           </a:p>
@@ -2790,11 +3036,12 @@
           </a:prstGeom>
         </p:spPr>
         <p:txBody>
-          <a:bodyPr lIns="0" rIns="0" tIns="0" bIns="0">
+          <a:bodyPr lIns="0" tIns="0" rIns="0" bIns="0">
             <a:normAutofit/>
           </a:bodyPr>
-          <a:p>
-            <a:endParaRPr b="0" lang="cs-CZ" sz="3200" spc="-1" strike="noStrike">
+          <a:lstStyle/>
+          <a:p>
+            <a:endParaRPr lang="cs-CZ" sz="3200" b="0" strike="noStrike" spc="-1">
               <a:latin typeface="Arial"/>
             </a:endParaRPr>
           </a:p>
@@ -2820,11 +3067,12 @@
           </a:prstGeom>
         </p:spPr>
         <p:txBody>
-          <a:bodyPr lIns="0" rIns="0" tIns="0" bIns="0">
+          <a:bodyPr lIns="0" tIns="0" rIns="0" bIns="0">
             <a:normAutofit/>
           </a:bodyPr>
-          <a:p>
-            <a:endParaRPr b="0" lang="cs-CZ" sz="3200" spc="-1" strike="noStrike">
+          <a:lstStyle/>
+          <a:p>
+            <a:endParaRPr lang="cs-CZ" sz="3200" b="0" strike="noStrike" spc="-1">
               <a:latin typeface="Arial"/>
             </a:endParaRPr>
           </a:p>
@@ -2850,11 +3098,12 @@
           </a:prstGeom>
         </p:spPr>
         <p:txBody>
-          <a:bodyPr lIns="0" rIns="0" tIns="0" bIns="0">
+          <a:bodyPr lIns="0" tIns="0" rIns="0" bIns="0">
             <a:normAutofit/>
           </a:bodyPr>
-          <a:p>
-            <a:endParaRPr b="0" lang="cs-CZ" sz="3200" spc="-1" strike="noStrike">
+          <a:lstStyle/>
+          <a:p>
+            <a:endParaRPr lang="cs-CZ" sz="3200" b="0" strike="noStrike" spc="-1">
               <a:latin typeface="Arial"/>
             </a:endParaRPr>
           </a:p>
@@ -2862,11 +3111,14 @@
       </p:sp>
     </p:spTree>
   </p:cSld>
+  <p:clrMapOvr>
+    <a:masterClrMapping/>
+  </p:clrMapOvr>
 </p:sldLayout>
 </file>
 
 <file path=ppt/slideLayouts/slideLayout34.xml><?xml version="1.0" encoding="utf-8"?>
-<p:sldLayout xmlns:a="http://schemas.openxmlformats.org/drawingml/2006/main" xmlns:p="http://schemas.openxmlformats.org/presentationml/2006/main" xmlns:r="http://schemas.openxmlformats.org/officeDocument/2006/relationships" xmlns:p14="http://schemas.microsoft.com/office/powerpoint/2010/main" xmlns:p15="http://schemas.microsoft.com/office/powerpoint/2012/main" xmlns:mc="http://schemas.openxmlformats.org/markup-compatibility/2006" type="objOverTx" preserve="1">
+<p:sldLayout xmlns:a="http://schemas.openxmlformats.org/drawingml/2006/main" xmlns:r="http://schemas.openxmlformats.org/officeDocument/2006/relationships" xmlns:p="http://schemas.openxmlformats.org/presentationml/2006/main" type="objOverTx" preserve="1">
   <p:cSld name="Title, Content over Content">
     <p:spTree>
       <p:nvGrpSpPr>
@@ -2902,10 +3154,11 @@
           </a:prstGeom>
         </p:spPr>
         <p:txBody>
-          <a:bodyPr lIns="0" rIns="0" tIns="0" bIns="0" anchor="ctr"/>
+          <a:bodyPr lIns="0" tIns="0" rIns="0" bIns="0" anchor="ctr"/>
+          <a:lstStyle/>
           <a:p>
             <a:pPr algn="ctr"/>
-            <a:endParaRPr b="0" lang="cs-CZ" sz="4400" spc="-1" strike="noStrike">
+            <a:endParaRPr lang="cs-CZ" sz="4400" b="0" strike="noStrike" spc="-1">
               <a:latin typeface="Arial"/>
             </a:endParaRPr>
           </a:p>
@@ -2931,11 +3184,12 @@
           </a:prstGeom>
         </p:spPr>
         <p:txBody>
-          <a:bodyPr lIns="0" rIns="0" tIns="0" bIns="0">
+          <a:bodyPr lIns="0" tIns="0" rIns="0" bIns="0">
             <a:normAutofit/>
           </a:bodyPr>
-          <a:p>
-            <a:endParaRPr b="0" lang="cs-CZ" sz="3200" spc="-1" strike="noStrike">
+          <a:lstStyle/>
+          <a:p>
+            <a:endParaRPr lang="cs-CZ" sz="3200" b="0" strike="noStrike" spc="-1">
               <a:latin typeface="Arial"/>
             </a:endParaRPr>
           </a:p>
@@ -2961,11 +3215,12 @@
           </a:prstGeom>
         </p:spPr>
         <p:txBody>
-          <a:bodyPr lIns="0" rIns="0" tIns="0" bIns="0">
+          <a:bodyPr lIns="0" tIns="0" rIns="0" bIns="0">
             <a:normAutofit/>
           </a:bodyPr>
-          <a:p>
-            <a:endParaRPr b="0" lang="cs-CZ" sz="3200" spc="-1" strike="noStrike">
+          <a:lstStyle/>
+          <a:p>
+            <a:endParaRPr lang="cs-CZ" sz="3200" b="0" strike="noStrike" spc="-1">
               <a:latin typeface="Arial"/>
             </a:endParaRPr>
           </a:p>
@@ -2973,11 +3228,14 @@
       </p:sp>
     </p:spTree>
   </p:cSld>
+  <p:clrMapOvr>
+    <a:masterClrMapping/>
+  </p:clrMapOvr>
 </p:sldLayout>
 </file>
 
 <file path=ppt/slideLayouts/slideLayout35.xml><?xml version="1.0" encoding="utf-8"?>
-<p:sldLayout xmlns:a="http://schemas.openxmlformats.org/drawingml/2006/main" xmlns:p="http://schemas.openxmlformats.org/presentationml/2006/main" xmlns:r="http://schemas.openxmlformats.org/officeDocument/2006/relationships" xmlns:p14="http://schemas.microsoft.com/office/powerpoint/2010/main" xmlns:p15="http://schemas.microsoft.com/office/powerpoint/2012/main" xmlns:mc="http://schemas.openxmlformats.org/markup-compatibility/2006" type="fourObj" preserve="1">
+<p:sldLayout xmlns:a="http://schemas.openxmlformats.org/drawingml/2006/main" xmlns:r="http://schemas.openxmlformats.org/officeDocument/2006/relationships" xmlns:p="http://schemas.openxmlformats.org/presentationml/2006/main" type="fourObj" preserve="1">
   <p:cSld name="Title, 4 Content">
     <p:spTree>
       <p:nvGrpSpPr>
@@ -3013,10 +3271,11 @@
           </a:prstGeom>
         </p:spPr>
         <p:txBody>
-          <a:bodyPr lIns="0" rIns="0" tIns="0" bIns="0" anchor="ctr"/>
+          <a:bodyPr lIns="0" tIns="0" rIns="0" bIns="0" anchor="ctr"/>
+          <a:lstStyle/>
           <a:p>
             <a:pPr algn="ctr"/>
-            <a:endParaRPr b="0" lang="cs-CZ" sz="4400" spc="-1" strike="noStrike">
+            <a:endParaRPr lang="cs-CZ" sz="4400" b="0" strike="noStrike" spc="-1">
               <a:latin typeface="Arial"/>
             </a:endParaRPr>
           </a:p>
@@ -3042,11 +3301,12 @@
           </a:prstGeom>
         </p:spPr>
         <p:txBody>
-          <a:bodyPr lIns="0" rIns="0" tIns="0" bIns="0">
+          <a:bodyPr lIns="0" tIns="0" rIns="0" bIns="0">
             <a:normAutofit/>
           </a:bodyPr>
-          <a:p>
-            <a:endParaRPr b="0" lang="cs-CZ" sz="3200" spc="-1" strike="noStrike">
+          <a:lstStyle/>
+          <a:p>
+            <a:endParaRPr lang="cs-CZ" sz="3200" b="0" strike="noStrike" spc="-1">
               <a:latin typeface="Arial"/>
             </a:endParaRPr>
           </a:p>
@@ -3072,11 +3332,12 @@
           </a:prstGeom>
         </p:spPr>
         <p:txBody>
-          <a:bodyPr lIns="0" rIns="0" tIns="0" bIns="0">
+          <a:bodyPr lIns="0" tIns="0" rIns="0" bIns="0">
             <a:normAutofit/>
           </a:bodyPr>
-          <a:p>
-            <a:endParaRPr b="0" lang="cs-CZ" sz="3200" spc="-1" strike="noStrike">
+          <a:lstStyle/>
+          <a:p>
+            <a:endParaRPr lang="cs-CZ" sz="3200" b="0" strike="noStrike" spc="-1">
               <a:latin typeface="Arial"/>
             </a:endParaRPr>
           </a:p>
@@ -3102,11 +3363,12 @@
           </a:prstGeom>
         </p:spPr>
         <p:txBody>
-          <a:bodyPr lIns="0" rIns="0" tIns="0" bIns="0">
+          <a:bodyPr lIns="0" tIns="0" rIns="0" bIns="0">
             <a:normAutofit/>
           </a:bodyPr>
-          <a:p>
-            <a:endParaRPr b="0" lang="cs-CZ" sz="3200" spc="-1" strike="noStrike">
+          <a:lstStyle/>
+          <a:p>
+            <a:endParaRPr lang="cs-CZ" sz="3200" b="0" strike="noStrike" spc="-1">
               <a:latin typeface="Arial"/>
             </a:endParaRPr>
           </a:p>
@@ -3132,11 +3394,12 @@
           </a:prstGeom>
         </p:spPr>
         <p:txBody>
-          <a:bodyPr lIns="0" rIns="0" tIns="0" bIns="0">
+          <a:bodyPr lIns="0" tIns="0" rIns="0" bIns="0">
             <a:normAutofit/>
           </a:bodyPr>
-          <a:p>
-            <a:endParaRPr b="0" lang="cs-CZ" sz="3200" spc="-1" strike="noStrike">
+          <a:lstStyle/>
+          <a:p>
+            <a:endParaRPr lang="cs-CZ" sz="3200" b="0" strike="noStrike" spc="-1">
               <a:latin typeface="Arial"/>
             </a:endParaRPr>
           </a:p>
@@ -3144,11 +3407,14 @@
       </p:sp>
     </p:spTree>
   </p:cSld>
+  <p:clrMapOvr>
+    <a:masterClrMapping/>
+  </p:clrMapOvr>
 </p:sldLayout>
 </file>
 
 <file path=ppt/slideLayouts/slideLayout36.xml><?xml version="1.0" encoding="utf-8"?>
-<p:sldLayout xmlns:a="http://schemas.openxmlformats.org/drawingml/2006/main" xmlns:p="http://schemas.openxmlformats.org/presentationml/2006/main" xmlns:r="http://schemas.openxmlformats.org/officeDocument/2006/relationships" xmlns:p14="http://schemas.microsoft.com/office/powerpoint/2010/main" xmlns:p15="http://schemas.microsoft.com/office/powerpoint/2012/main" xmlns:mc="http://schemas.openxmlformats.org/markup-compatibility/2006" type="blank" preserve="1">
+<p:sldLayout xmlns:a="http://schemas.openxmlformats.org/drawingml/2006/main" xmlns:r="http://schemas.openxmlformats.org/officeDocument/2006/relationships" xmlns:p="http://schemas.openxmlformats.org/presentationml/2006/main" type="blank" preserve="1">
   <p:cSld name="Title, 6 Content">
     <p:spTree>
       <p:nvGrpSpPr>
@@ -3184,10 +3450,11 @@
           </a:prstGeom>
         </p:spPr>
         <p:txBody>
-          <a:bodyPr lIns="0" rIns="0" tIns="0" bIns="0" anchor="ctr"/>
+          <a:bodyPr lIns="0" tIns="0" rIns="0" bIns="0" anchor="ctr"/>
+          <a:lstStyle/>
           <a:p>
             <a:pPr algn="ctr"/>
-            <a:endParaRPr b="0" lang="cs-CZ" sz="4400" spc="-1" strike="noStrike">
+            <a:endParaRPr lang="cs-CZ" sz="4400" b="0" strike="noStrike" spc="-1">
               <a:latin typeface="Arial"/>
             </a:endParaRPr>
           </a:p>
@@ -3213,11 +3480,12 @@
           </a:prstGeom>
         </p:spPr>
         <p:txBody>
-          <a:bodyPr lIns="0" rIns="0" tIns="0" bIns="0">
+          <a:bodyPr lIns="0" tIns="0" rIns="0" bIns="0">
             <a:normAutofit/>
           </a:bodyPr>
-          <a:p>
-            <a:endParaRPr b="0" lang="cs-CZ" sz="3200" spc="-1" strike="noStrike">
+          <a:lstStyle/>
+          <a:p>
+            <a:endParaRPr lang="cs-CZ" sz="3200" b="0" strike="noStrike" spc="-1">
               <a:latin typeface="Arial"/>
             </a:endParaRPr>
           </a:p>
@@ -3243,11 +3511,12 @@
           </a:prstGeom>
         </p:spPr>
         <p:txBody>
-          <a:bodyPr lIns="0" rIns="0" tIns="0" bIns="0">
+          <a:bodyPr lIns="0" tIns="0" rIns="0" bIns="0">
             <a:normAutofit/>
           </a:bodyPr>
-          <a:p>
-            <a:endParaRPr b="0" lang="cs-CZ" sz="3200" spc="-1" strike="noStrike">
+          <a:lstStyle/>
+          <a:p>
+            <a:endParaRPr lang="cs-CZ" sz="3200" b="0" strike="noStrike" spc="-1">
               <a:latin typeface="Arial"/>
             </a:endParaRPr>
           </a:p>
@@ -3273,11 +3542,12 @@
           </a:prstGeom>
         </p:spPr>
         <p:txBody>
-          <a:bodyPr lIns="0" rIns="0" tIns="0" bIns="0">
+          <a:bodyPr lIns="0" tIns="0" rIns="0" bIns="0">
             <a:normAutofit/>
           </a:bodyPr>
-          <a:p>
-            <a:endParaRPr b="0" lang="cs-CZ" sz="3200" spc="-1" strike="noStrike">
+          <a:lstStyle/>
+          <a:p>
+            <a:endParaRPr lang="cs-CZ" sz="3200" b="0" strike="noStrike" spc="-1">
               <a:latin typeface="Arial"/>
             </a:endParaRPr>
           </a:p>
@@ -3303,11 +3573,12 @@
           </a:prstGeom>
         </p:spPr>
         <p:txBody>
-          <a:bodyPr lIns="0" rIns="0" tIns="0" bIns="0">
+          <a:bodyPr lIns="0" tIns="0" rIns="0" bIns="0">
             <a:normAutofit/>
           </a:bodyPr>
-          <a:p>
-            <a:endParaRPr b="0" lang="cs-CZ" sz="3200" spc="-1" strike="noStrike">
+          <a:lstStyle/>
+          <a:p>
+            <a:endParaRPr lang="cs-CZ" sz="3200" b="0" strike="noStrike" spc="-1">
               <a:latin typeface="Arial"/>
             </a:endParaRPr>
           </a:p>
@@ -3333,11 +3604,12 @@
           </a:prstGeom>
         </p:spPr>
         <p:txBody>
-          <a:bodyPr lIns="0" rIns="0" tIns="0" bIns="0">
+          <a:bodyPr lIns="0" tIns="0" rIns="0" bIns="0">
             <a:normAutofit/>
           </a:bodyPr>
-          <a:p>
-            <a:endParaRPr b="0" lang="cs-CZ" sz="3200" spc="-1" strike="noStrike">
+          <a:lstStyle/>
+          <a:p>
+            <a:endParaRPr lang="cs-CZ" sz="3200" b="0" strike="noStrike" spc="-1">
               <a:latin typeface="Arial"/>
             </a:endParaRPr>
           </a:p>
@@ -3363,11 +3635,12 @@
           </a:prstGeom>
         </p:spPr>
         <p:txBody>
-          <a:bodyPr lIns="0" rIns="0" tIns="0" bIns="0">
+          <a:bodyPr lIns="0" tIns="0" rIns="0" bIns="0">
             <a:normAutofit/>
           </a:bodyPr>
-          <a:p>
-            <a:endParaRPr b="0" lang="cs-CZ" sz="3200" spc="-1" strike="noStrike">
+          <a:lstStyle/>
+          <a:p>
+            <a:endParaRPr lang="cs-CZ" sz="3200" b="0" strike="noStrike" spc="-1">
               <a:latin typeface="Arial"/>
             </a:endParaRPr>
           </a:p>
@@ -3375,11 +3648,14 @@
       </p:sp>
     </p:spTree>
   </p:cSld>
+  <p:clrMapOvr>
+    <a:masterClrMapping/>
+  </p:clrMapOvr>
 </p:sldLayout>
 </file>
 
 <file path=ppt/slideLayouts/slideLayout4.xml><?xml version="1.0" encoding="utf-8"?>
-<p:sldLayout xmlns:a="http://schemas.openxmlformats.org/drawingml/2006/main" xmlns:p="http://schemas.openxmlformats.org/presentationml/2006/main" xmlns:r="http://schemas.openxmlformats.org/officeDocument/2006/relationships" xmlns:p14="http://schemas.microsoft.com/office/powerpoint/2010/main" xmlns:p15="http://schemas.microsoft.com/office/powerpoint/2012/main" xmlns:mc="http://schemas.openxmlformats.org/markup-compatibility/2006" type="twoObj" preserve="1">
+<p:sldLayout xmlns:a="http://schemas.openxmlformats.org/drawingml/2006/main" xmlns:r="http://schemas.openxmlformats.org/officeDocument/2006/relationships" xmlns:p="http://schemas.openxmlformats.org/presentationml/2006/main" type="twoObj" preserve="1">
   <p:cSld name="Title, 2 Content">
     <p:spTree>
       <p:nvGrpSpPr>
@@ -3415,10 +3691,11 @@
           </a:prstGeom>
         </p:spPr>
         <p:txBody>
-          <a:bodyPr lIns="0" rIns="0" tIns="0" bIns="0" anchor="ctr"/>
+          <a:bodyPr lIns="0" tIns="0" rIns="0" bIns="0" anchor="ctr"/>
+          <a:lstStyle/>
           <a:p>
             <a:pPr algn="ctr"/>
-            <a:endParaRPr b="0" lang="cs-CZ" sz="4400" spc="-1" strike="noStrike">
+            <a:endParaRPr lang="cs-CZ" sz="4400" b="0" strike="noStrike" spc="-1">
               <a:latin typeface="Arial"/>
             </a:endParaRPr>
           </a:p>
@@ -3444,11 +3721,12 @@
           </a:prstGeom>
         </p:spPr>
         <p:txBody>
-          <a:bodyPr lIns="0" rIns="0" tIns="0" bIns="0">
+          <a:bodyPr lIns="0" tIns="0" rIns="0" bIns="0">
             <a:normAutofit/>
           </a:bodyPr>
-          <a:p>
-            <a:endParaRPr b="0" lang="cs-CZ" sz="3200" spc="-1" strike="noStrike">
+          <a:lstStyle/>
+          <a:p>
+            <a:endParaRPr lang="cs-CZ" sz="3200" b="0" strike="noStrike" spc="-1">
               <a:latin typeface="Arial"/>
             </a:endParaRPr>
           </a:p>
@@ -3474,11 +3752,12 @@
           </a:prstGeom>
         </p:spPr>
         <p:txBody>
-          <a:bodyPr lIns="0" rIns="0" tIns="0" bIns="0">
+          <a:bodyPr lIns="0" tIns="0" rIns="0" bIns="0">
             <a:normAutofit/>
           </a:bodyPr>
-          <a:p>
-            <a:endParaRPr b="0" lang="cs-CZ" sz="3200" spc="-1" strike="noStrike">
+          <a:lstStyle/>
+          <a:p>
+            <a:endParaRPr lang="cs-CZ" sz="3200" b="0" strike="noStrike" spc="-1">
               <a:latin typeface="Arial"/>
             </a:endParaRPr>
           </a:p>
@@ -3486,11 +3765,14 @@
       </p:sp>
     </p:spTree>
   </p:cSld>
+  <p:clrMapOvr>
+    <a:masterClrMapping/>
+  </p:clrMapOvr>
 </p:sldLayout>
 </file>
 
 <file path=ppt/slideLayouts/slideLayout5.xml><?xml version="1.0" encoding="utf-8"?>
-<p:sldLayout xmlns:a="http://schemas.openxmlformats.org/drawingml/2006/main" xmlns:p="http://schemas.openxmlformats.org/presentationml/2006/main" xmlns:r="http://schemas.openxmlformats.org/officeDocument/2006/relationships" xmlns:p14="http://schemas.microsoft.com/office/powerpoint/2010/main" xmlns:p15="http://schemas.microsoft.com/office/powerpoint/2012/main" xmlns:mc="http://schemas.openxmlformats.org/markup-compatibility/2006" type="titleOnly" preserve="1">
+<p:sldLayout xmlns:a="http://schemas.openxmlformats.org/drawingml/2006/main" xmlns:r="http://schemas.openxmlformats.org/officeDocument/2006/relationships" xmlns:p="http://schemas.openxmlformats.org/presentationml/2006/main" type="titleOnly" preserve="1">
   <p:cSld name="Title Only">
     <p:spTree>
       <p:nvGrpSpPr>
@@ -3526,10 +3808,11 @@
           </a:prstGeom>
         </p:spPr>
         <p:txBody>
-          <a:bodyPr lIns="0" rIns="0" tIns="0" bIns="0" anchor="ctr"/>
+          <a:bodyPr lIns="0" tIns="0" rIns="0" bIns="0" anchor="ctr"/>
+          <a:lstStyle/>
           <a:p>
             <a:pPr algn="ctr"/>
-            <a:endParaRPr b="0" lang="cs-CZ" sz="4400" spc="-1" strike="noStrike">
+            <a:endParaRPr lang="cs-CZ" sz="4400" b="0" strike="noStrike" spc="-1">
               <a:latin typeface="Arial"/>
             </a:endParaRPr>
           </a:p>
@@ -3537,11 +3820,14 @@
       </p:sp>
     </p:spTree>
   </p:cSld>
+  <p:clrMapOvr>
+    <a:masterClrMapping/>
+  </p:clrMapOvr>
 </p:sldLayout>
 </file>
 
 <file path=ppt/slideLayouts/slideLayout6.xml><?xml version="1.0" encoding="utf-8"?>
-<p:sldLayout xmlns:a="http://schemas.openxmlformats.org/drawingml/2006/main" xmlns:p="http://schemas.openxmlformats.org/presentationml/2006/main" xmlns:r="http://schemas.openxmlformats.org/officeDocument/2006/relationships" xmlns:p14="http://schemas.microsoft.com/office/powerpoint/2010/main" xmlns:p15="http://schemas.microsoft.com/office/powerpoint/2012/main" xmlns:mc="http://schemas.openxmlformats.org/markup-compatibility/2006" type="objOnly" preserve="1">
+<p:sldLayout xmlns:a="http://schemas.openxmlformats.org/drawingml/2006/main" xmlns:r="http://schemas.openxmlformats.org/officeDocument/2006/relationships" xmlns:p="http://schemas.openxmlformats.org/presentationml/2006/main" type="objOnly" preserve="1">
   <p:cSld name="Centered Text">
     <p:spTree>
       <p:nvGrpSpPr>
@@ -3577,10 +3863,11 @@
           </a:prstGeom>
         </p:spPr>
         <p:txBody>
-          <a:bodyPr lIns="0" rIns="0" tIns="0" bIns="0" anchor="ctr"/>
+          <a:bodyPr lIns="0" tIns="0" rIns="0" bIns="0" anchor="ctr"/>
+          <a:lstStyle/>
           <a:p>
             <a:pPr algn="ctr"/>
-            <a:endParaRPr b="0" lang="cs-CZ" sz="3200" spc="-1" strike="noStrike">
+            <a:endParaRPr lang="cs-CZ" sz="3200" b="0" strike="noStrike" spc="-1">
               <a:latin typeface="Arial"/>
             </a:endParaRPr>
           </a:p>
@@ -3588,11 +3875,14 @@
       </p:sp>
     </p:spTree>
   </p:cSld>
+  <p:clrMapOvr>
+    <a:masterClrMapping/>
+  </p:clrMapOvr>
 </p:sldLayout>
 </file>
 
 <file path=ppt/slideLayouts/slideLayout7.xml><?xml version="1.0" encoding="utf-8"?>
-<p:sldLayout xmlns:a="http://schemas.openxmlformats.org/drawingml/2006/main" xmlns:p="http://schemas.openxmlformats.org/presentationml/2006/main" xmlns:r="http://schemas.openxmlformats.org/officeDocument/2006/relationships" xmlns:p14="http://schemas.microsoft.com/office/powerpoint/2010/main" xmlns:p15="http://schemas.microsoft.com/office/powerpoint/2012/main" xmlns:mc="http://schemas.openxmlformats.org/markup-compatibility/2006" type="twoObjAndObj" preserve="1">
+<p:sldLayout xmlns:a="http://schemas.openxmlformats.org/drawingml/2006/main" xmlns:r="http://schemas.openxmlformats.org/officeDocument/2006/relationships" xmlns:p="http://schemas.openxmlformats.org/presentationml/2006/main" type="twoObjAndObj" preserve="1">
   <p:cSld name="Title, 2 Content and Content">
     <p:spTree>
       <p:nvGrpSpPr>
@@ -3628,10 +3918,11 @@
           </a:prstGeom>
         </p:spPr>
         <p:txBody>
-          <a:bodyPr lIns="0" rIns="0" tIns="0" bIns="0" anchor="ctr"/>
+          <a:bodyPr lIns="0" tIns="0" rIns="0" bIns="0" anchor="ctr"/>
+          <a:lstStyle/>
           <a:p>
             <a:pPr algn="ctr"/>
-            <a:endParaRPr b="0" lang="cs-CZ" sz="4400" spc="-1" strike="noStrike">
+            <a:endParaRPr lang="cs-CZ" sz="4400" b="0" strike="noStrike" spc="-1">
               <a:latin typeface="Arial"/>
             </a:endParaRPr>
           </a:p>
@@ -3657,11 +3948,12 @@
           </a:prstGeom>
         </p:spPr>
         <p:txBody>
-          <a:bodyPr lIns="0" rIns="0" tIns="0" bIns="0">
+          <a:bodyPr lIns="0" tIns="0" rIns="0" bIns="0">
             <a:normAutofit/>
           </a:bodyPr>
-          <a:p>
-            <a:endParaRPr b="0" lang="cs-CZ" sz="3200" spc="-1" strike="noStrike">
+          <a:lstStyle/>
+          <a:p>
+            <a:endParaRPr lang="cs-CZ" sz="3200" b="0" strike="noStrike" spc="-1">
               <a:latin typeface="Arial"/>
             </a:endParaRPr>
           </a:p>
@@ -3687,11 +3979,12 @@
           </a:prstGeom>
         </p:spPr>
         <p:txBody>
-          <a:bodyPr lIns="0" rIns="0" tIns="0" bIns="0">
+          <a:bodyPr lIns="0" tIns="0" rIns="0" bIns="0">
             <a:normAutofit/>
           </a:bodyPr>
-          <a:p>
-            <a:endParaRPr b="0" lang="cs-CZ" sz="3200" spc="-1" strike="noStrike">
+          <a:lstStyle/>
+          <a:p>
+            <a:endParaRPr lang="cs-CZ" sz="3200" b="0" strike="noStrike" spc="-1">
               <a:latin typeface="Arial"/>
             </a:endParaRPr>
           </a:p>
@@ -3717,11 +4010,12 @@
           </a:prstGeom>
         </p:spPr>
         <p:txBody>
-          <a:bodyPr lIns="0" rIns="0" tIns="0" bIns="0">
+          <a:bodyPr lIns="0" tIns="0" rIns="0" bIns="0">
             <a:normAutofit/>
           </a:bodyPr>
-          <a:p>
-            <a:endParaRPr b="0" lang="cs-CZ" sz="3200" spc="-1" strike="noStrike">
+          <a:lstStyle/>
+          <a:p>
+            <a:endParaRPr lang="cs-CZ" sz="3200" b="0" strike="noStrike" spc="-1">
               <a:latin typeface="Arial"/>
             </a:endParaRPr>
           </a:p>
@@ -3729,11 +4023,14 @@
       </p:sp>
     </p:spTree>
   </p:cSld>
+  <p:clrMapOvr>
+    <a:masterClrMapping/>
+  </p:clrMapOvr>
 </p:sldLayout>
 </file>
 
 <file path=ppt/slideLayouts/slideLayout8.xml><?xml version="1.0" encoding="utf-8"?>
-<p:sldLayout xmlns:a="http://schemas.openxmlformats.org/drawingml/2006/main" xmlns:p="http://schemas.openxmlformats.org/presentationml/2006/main" xmlns:r="http://schemas.openxmlformats.org/officeDocument/2006/relationships" xmlns:p14="http://schemas.microsoft.com/office/powerpoint/2010/main" xmlns:p15="http://schemas.microsoft.com/office/powerpoint/2012/main" xmlns:mc="http://schemas.openxmlformats.org/markup-compatibility/2006" type="objAndTwoObj" preserve="1">
+<p:sldLayout xmlns:a="http://schemas.openxmlformats.org/drawingml/2006/main" xmlns:r="http://schemas.openxmlformats.org/officeDocument/2006/relationships" xmlns:p="http://schemas.openxmlformats.org/presentationml/2006/main" type="objAndTwoObj" preserve="1">
   <p:cSld name="Title Content and 2 Content">
     <p:spTree>
       <p:nvGrpSpPr>
@@ -3769,10 +4066,11 @@
           </a:prstGeom>
         </p:spPr>
         <p:txBody>
-          <a:bodyPr lIns="0" rIns="0" tIns="0" bIns="0" anchor="ctr"/>
+          <a:bodyPr lIns="0" tIns="0" rIns="0" bIns="0" anchor="ctr"/>
+          <a:lstStyle/>
           <a:p>
             <a:pPr algn="ctr"/>
-            <a:endParaRPr b="0" lang="cs-CZ" sz="4400" spc="-1" strike="noStrike">
+            <a:endParaRPr lang="cs-CZ" sz="4400" b="0" strike="noStrike" spc="-1">
               <a:latin typeface="Arial"/>
             </a:endParaRPr>
           </a:p>
@@ -3798,11 +4096,12 @@
           </a:prstGeom>
         </p:spPr>
         <p:txBody>
-          <a:bodyPr lIns="0" rIns="0" tIns="0" bIns="0">
+          <a:bodyPr lIns="0" tIns="0" rIns="0" bIns="0">
             <a:normAutofit/>
           </a:bodyPr>
-          <a:p>
-            <a:endParaRPr b="0" lang="cs-CZ" sz="3200" spc="-1" strike="noStrike">
+          <a:lstStyle/>
+          <a:p>
+            <a:endParaRPr lang="cs-CZ" sz="3200" b="0" strike="noStrike" spc="-1">
               <a:latin typeface="Arial"/>
             </a:endParaRPr>
           </a:p>
@@ -3828,11 +4127,12 @@
           </a:prstGeom>
         </p:spPr>
         <p:txBody>
-          <a:bodyPr lIns="0" rIns="0" tIns="0" bIns="0">
+          <a:bodyPr lIns="0" tIns="0" rIns="0" bIns="0">
             <a:normAutofit/>
           </a:bodyPr>
-          <a:p>
-            <a:endParaRPr b="0" lang="cs-CZ" sz="3200" spc="-1" strike="noStrike">
+          <a:lstStyle/>
+          <a:p>
+            <a:endParaRPr lang="cs-CZ" sz="3200" b="0" strike="noStrike" spc="-1">
               <a:latin typeface="Arial"/>
             </a:endParaRPr>
           </a:p>
@@ -3858,11 +4158,12 @@
           </a:prstGeom>
         </p:spPr>
         <p:txBody>
-          <a:bodyPr lIns="0" rIns="0" tIns="0" bIns="0">
+          <a:bodyPr lIns="0" tIns="0" rIns="0" bIns="0">
             <a:normAutofit/>
           </a:bodyPr>
-          <a:p>
-            <a:endParaRPr b="0" lang="cs-CZ" sz="3200" spc="-1" strike="noStrike">
+          <a:lstStyle/>
+          <a:p>
+            <a:endParaRPr lang="cs-CZ" sz="3200" b="0" strike="noStrike" spc="-1">
               <a:latin typeface="Arial"/>
             </a:endParaRPr>
           </a:p>
@@ -3870,11 +4171,14 @@
       </p:sp>
     </p:spTree>
   </p:cSld>
+  <p:clrMapOvr>
+    <a:masterClrMapping/>
+  </p:clrMapOvr>
 </p:sldLayout>
 </file>
 
 <file path=ppt/slideLayouts/slideLayout9.xml><?xml version="1.0" encoding="utf-8"?>
-<p:sldLayout xmlns:a="http://schemas.openxmlformats.org/drawingml/2006/main" xmlns:p="http://schemas.openxmlformats.org/presentationml/2006/main" xmlns:r="http://schemas.openxmlformats.org/officeDocument/2006/relationships" xmlns:p14="http://schemas.microsoft.com/office/powerpoint/2010/main" xmlns:p15="http://schemas.microsoft.com/office/powerpoint/2012/main" xmlns:mc="http://schemas.openxmlformats.org/markup-compatibility/2006" type="twoObjOverTx" preserve="1">
+<p:sldLayout xmlns:a="http://schemas.openxmlformats.org/drawingml/2006/main" xmlns:r="http://schemas.openxmlformats.org/officeDocument/2006/relationships" xmlns:p="http://schemas.openxmlformats.org/presentationml/2006/main" type="twoObjOverTx" preserve="1">
   <p:cSld name="Title, 2 Content over Content">
     <p:spTree>
       <p:nvGrpSpPr>
@@ -3910,10 +4214,11 @@
           </a:prstGeom>
         </p:spPr>
         <p:txBody>
-          <a:bodyPr lIns="0" rIns="0" tIns="0" bIns="0" anchor="ctr"/>
+          <a:bodyPr lIns="0" tIns="0" rIns="0" bIns="0" anchor="ctr"/>
+          <a:lstStyle/>
           <a:p>
             <a:pPr algn="ctr"/>
-            <a:endParaRPr b="0" lang="cs-CZ" sz="4400" spc="-1" strike="noStrike">
+            <a:endParaRPr lang="cs-CZ" sz="4400" b="0" strike="noStrike" spc="-1">
               <a:latin typeface="Arial"/>
             </a:endParaRPr>
           </a:p>
@@ -3939,11 +4244,12 @@
           </a:prstGeom>
         </p:spPr>
         <p:txBody>
-          <a:bodyPr lIns="0" rIns="0" tIns="0" bIns="0">
+          <a:bodyPr lIns="0" tIns="0" rIns="0" bIns="0">
             <a:normAutofit/>
           </a:bodyPr>
-          <a:p>
-            <a:endParaRPr b="0" lang="cs-CZ" sz="3200" spc="-1" strike="noStrike">
+          <a:lstStyle/>
+          <a:p>
+            <a:endParaRPr lang="cs-CZ" sz="3200" b="0" strike="noStrike" spc="-1">
               <a:latin typeface="Arial"/>
             </a:endParaRPr>
           </a:p>
@@ -3969,11 +4275,12 @@
           </a:prstGeom>
         </p:spPr>
         <p:txBody>
-          <a:bodyPr lIns="0" rIns="0" tIns="0" bIns="0">
+          <a:bodyPr lIns="0" tIns="0" rIns="0" bIns="0">
             <a:normAutofit/>
           </a:bodyPr>
-          <a:p>
-            <a:endParaRPr b="0" lang="cs-CZ" sz="3200" spc="-1" strike="noStrike">
+          <a:lstStyle/>
+          <a:p>
+            <a:endParaRPr lang="cs-CZ" sz="3200" b="0" strike="noStrike" spc="-1">
               <a:latin typeface="Arial"/>
             </a:endParaRPr>
           </a:p>
@@ -3999,11 +4306,12 @@
           </a:prstGeom>
         </p:spPr>
         <p:txBody>
-          <a:bodyPr lIns="0" rIns="0" tIns="0" bIns="0">
+          <a:bodyPr lIns="0" tIns="0" rIns="0" bIns="0">
             <a:normAutofit/>
           </a:bodyPr>
-          <a:p>
-            <a:endParaRPr b="0" lang="cs-CZ" sz="3200" spc="-1" strike="noStrike">
+          <a:lstStyle/>
+          <a:p>
+            <a:endParaRPr lang="cs-CZ" sz="3200" b="0" strike="noStrike" spc="-1">
               <a:latin typeface="Arial"/>
             </a:endParaRPr>
           </a:p>
@@ -4011,20 +4319,24 @@
       </p:sp>
     </p:spTree>
   </p:cSld>
+  <p:clrMapOvr>
+    <a:masterClrMapping/>
+  </p:clrMapOvr>
 </p:sldLayout>
 </file>
 
 <file path=ppt/slideMasters/slideMaster1.xml><?xml version="1.0" encoding="utf-8"?>
-<p:sldMaster xmlns:a="http://schemas.openxmlformats.org/drawingml/2006/main" xmlns:p="http://schemas.openxmlformats.org/presentationml/2006/main" xmlns:r="http://schemas.openxmlformats.org/officeDocument/2006/relationships" xmlns:p14="http://schemas.microsoft.com/office/powerpoint/2010/main" xmlns:p15="http://schemas.microsoft.com/office/powerpoint/2012/main" xmlns:mc="http://schemas.openxmlformats.org/markup-compatibility/2006">
+<p:sldMaster xmlns:a="http://schemas.openxmlformats.org/drawingml/2006/main" xmlns:r="http://schemas.openxmlformats.org/officeDocument/2006/relationships" xmlns:p="http://schemas.openxmlformats.org/presentationml/2006/main">
   <p:cSld>
     <p:bg>
       <p:bgPr>
         <a:blipFill rotWithShape="0">
-          <a:blip r:embed="rId2"/>
+          <a:blip r:embed="rId14"/>
           <a:stretch>
             <a:fillRect/>
           </a:stretch>
         </a:blipFill>
+        <a:effectLst/>
       </p:bgPr>
     </p:bg>
     <p:spTree>
@@ -4043,7 +4355,7 @@
       </p:grpSpPr>
       <p:sp>
         <p:nvSpPr>
-          <p:cNvPr id="0" name="PlaceHolder 1"/>
+          <p:cNvPr id="2" name="PlaceHolder 1"/>
           <p:cNvSpPr>
             <a:spLocks noGrp="1"/>
           </p:cNvSpPr>
@@ -4061,23 +4373,21 @@
           </a:prstGeom>
         </p:spPr>
         <p:txBody>
-          <a:bodyPr lIns="0" rIns="0" tIns="0" bIns="0" anchor="ctr"/>
-          <a:p>
-            <a:r>
-              <a:rPr b="0" lang="cs-CZ" sz="1800" spc="-1" strike="noStrike">
+          <a:bodyPr lIns="0" tIns="0" rIns="0" bIns="0" anchor="ctr"/>
+          <a:lstStyle/>
+          <a:p>
+            <a:r>
+              <a:rPr lang="cs-CZ" sz="1800" b="0" strike="noStrike" spc="-1">
                 <a:latin typeface="Arial"/>
               </a:rPr>
               <a:t>Klikněte pro úpravu formátu textu nadpisu</a:t>
             </a:r>
-            <a:endParaRPr b="0" lang="cs-CZ" sz="1800" spc="-1" strike="noStrike">
-              <a:latin typeface="Arial"/>
-            </a:endParaRPr>
-          </a:p>
-        </p:txBody>
-      </p:sp>
-      <p:sp>
-        <p:nvSpPr>
-          <p:cNvPr id="1" name="PlaceHolder 2"/>
+          </a:p>
+        </p:txBody>
+      </p:sp>
+      <p:sp>
+        <p:nvSpPr>
+          <p:cNvPr id="3" name="PlaceHolder 2"/>
           <p:cNvSpPr>
             <a:spLocks noGrp="1"/>
           </p:cNvSpPr>
@@ -4095,9 +4405,10 @@
           </a:prstGeom>
         </p:spPr>
         <p:txBody>
-          <a:bodyPr lIns="0" rIns="0" tIns="0" bIns="0">
+          <a:bodyPr lIns="0" tIns="0" rIns="0" bIns="0">
             <a:normAutofit/>
           </a:bodyPr>
+          <a:lstStyle/>
           <a:p>
             <a:pPr marL="432000" indent="-324000">
               <a:spcBef>
@@ -4111,17 +4422,14 @@
               <a:buChar char=""/>
             </a:pPr>
             <a:r>
-              <a:rPr b="0" lang="cs-CZ" sz="3200" spc="-1" strike="noStrike">
+              <a:rPr lang="cs-CZ" sz="3200" b="0" strike="noStrike" spc="-1">
                 <a:latin typeface="Arial"/>
               </a:rPr>
               <a:t>Klikněte pro úpravu formátu textu osnovy</a:t>
             </a:r>
-            <a:endParaRPr b="0" lang="cs-CZ" sz="3200" spc="-1" strike="noStrike">
-              <a:latin typeface="Arial"/>
-            </a:endParaRPr>
-          </a:p>
-          <a:p>
-            <a:pPr lvl="1" marL="864000" indent="-324000">
+          </a:p>
+          <a:p>
+            <a:pPr marL="864000" lvl="1" indent="-324000">
               <a:spcBef>
                 <a:spcPts val="1134"/>
               </a:spcBef>
@@ -4133,17 +4441,14 @@
               <a:buChar char=""/>
             </a:pPr>
             <a:r>
-              <a:rPr b="0" lang="cs-CZ" sz="2800" spc="-1" strike="noStrike">
+              <a:rPr lang="cs-CZ" sz="2800" b="0" strike="noStrike" spc="-1">
                 <a:latin typeface="Arial"/>
               </a:rPr>
               <a:t>Druhá úroveň</a:t>
             </a:r>
-            <a:endParaRPr b="0" lang="cs-CZ" sz="2800" spc="-1" strike="noStrike">
-              <a:latin typeface="Arial"/>
-            </a:endParaRPr>
-          </a:p>
-          <a:p>
-            <a:pPr lvl="2" marL="1296000" indent="-288000">
+          </a:p>
+          <a:p>
+            <a:pPr marL="1296000" lvl="2" indent="-288000">
               <a:spcBef>
                 <a:spcPts val="850"/>
               </a:spcBef>
@@ -4155,17 +4460,14 @@
               <a:buChar char=""/>
             </a:pPr>
             <a:r>
-              <a:rPr b="0" lang="cs-CZ" sz="2400" spc="-1" strike="noStrike">
+              <a:rPr lang="cs-CZ" sz="2400" b="0" strike="noStrike" spc="-1">
                 <a:latin typeface="Arial"/>
               </a:rPr>
               <a:t>Třetí úroveň</a:t>
             </a:r>
-            <a:endParaRPr b="0" lang="cs-CZ" sz="2400" spc="-1" strike="noStrike">
-              <a:latin typeface="Arial"/>
-            </a:endParaRPr>
-          </a:p>
-          <a:p>
-            <a:pPr lvl="3" marL="1728000" indent="-216000">
+          </a:p>
+          <a:p>
+            <a:pPr marL="1728000" lvl="3" indent="-216000">
               <a:spcBef>
                 <a:spcPts val="567"/>
               </a:spcBef>
@@ -4177,17 +4479,14 @@
               <a:buChar char=""/>
             </a:pPr>
             <a:r>
-              <a:rPr b="0" lang="cs-CZ" sz="2000" spc="-1" strike="noStrike">
+              <a:rPr lang="cs-CZ" sz="2000" b="0" strike="noStrike" spc="-1">
                 <a:latin typeface="Arial"/>
               </a:rPr>
               <a:t>Čtvrtá úroveň osnovy</a:t>
             </a:r>
-            <a:endParaRPr b="0" lang="cs-CZ" sz="2000" spc="-1" strike="noStrike">
-              <a:latin typeface="Arial"/>
-            </a:endParaRPr>
-          </a:p>
-          <a:p>
-            <a:pPr lvl="4" marL="2160000" indent="-216000">
+          </a:p>
+          <a:p>
+            <a:pPr marL="2160000" lvl="4" indent="-216000">
               <a:spcBef>
                 <a:spcPts val="283"/>
               </a:spcBef>
@@ -4199,17 +4498,14 @@
               <a:buChar char=""/>
             </a:pPr>
             <a:r>
-              <a:rPr b="0" lang="cs-CZ" sz="2000" spc="-1" strike="noStrike">
+              <a:rPr lang="cs-CZ" sz="2000" b="0" strike="noStrike" spc="-1">
                 <a:latin typeface="Arial"/>
               </a:rPr>
               <a:t>Pátá úroveň osnovy</a:t>
             </a:r>
-            <a:endParaRPr b="0" lang="cs-CZ" sz="2000" spc="-1" strike="noStrike">
-              <a:latin typeface="Arial"/>
-            </a:endParaRPr>
-          </a:p>
-          <a:p>
-            <a:pPr lvl="5" marL="2592000" indent="-216000">
+          </a:p>
+          <a:p>
+            <a:pPr marL="2592000" lvl="5" indent="-216000">
               <a:spcBef>
                 <a:spcPts val="283"/>
               </a:spcBef>
@@ -4221,17 +4517,14 @@
               <a:buChar char=""/>
             </a:pPr>
             <a:r>
-              <a:rPr b="0" lang="cs-CZ" sz="2000" spc="-1" strike="noStrike">
+              <a:rPr lang="cs-CZ" sz="2000" b="0" strike="noStrike" spc="-1">
                 <a:latin typeface="Arial"/>
               </a:rPr>
               <a:t>Šestá úroveň</a:t>
             </a:r>
-            <a:endParaRPr b="0" lang="cs-CZ" sz="2000" spc="-1" strike="noStrike">
-              <a:latin typeface="Arial"/>
-            </a:endParaRPr>
-          </a:p>
-          <a:p>
-            <a:pPr lvl="6" marL="3024000" indent="-216000">
+          </a:p>
+          <a:p>
+            <a:pPr marL="3024000" lvl="6" indent="-216000">
               <a:spcBef>
                 <a:spcPts val="283"/>
               </a:spcBef>
@@ -4243,48 +4536,326 @@
               <a:buChar char=""/>
             </a:pPr>
             <a:r>
-              <a:rPr b="0" lang="cs-CZ" sz="2000" spc="-1" strike="noStrike">
+              <a:rPr lang="cs-CZ" sz="2000" b="0" strike="noStrike" spc="-1">
                 <a:latin typeface="Arial"/>
               </a:rPr>
               <a:t>Sedmá úroveň</a:t>
             </a:r>
-            <a:endParaRPr b="0" lang="cs-CZ" sz="2000" spc="-1" strike="noStrike">
-              <a:latin typeface="Arial"/>
-            </a:endParaRPr>
           </a:p>
         </p:txBody>
       </p:sp>
     </p:spTree>
   </p:cSld>
-  <p:clrMap bg1="lt1" bg2="lt2" tx1="dk1" tx2="dk2" accent1="accent1" accent2="accent2" accent3="accent3" accent4="accent4" accent5="accent5" accent6="accent6" hlink="hlink" folHlink="folHlink"/>
+  <p:clrMap bg1="lt1" tx1="dk1" bg2="lt2" tx2="dk2" accent1="accent1" accent2="accent2" accent3="accent3" accent4="accent4" accent5="accent5" accent6="accent6" hlink="hlink" folHlink="folHlink"/>
   <p:sldLayoutIdLst>
-    <p:sldLayoutId id="2147483649" r:id="rId3"/>
-    <p:sldLayoutId id="2147483650" r:id="rId4"/>
-    <p:sldLayoutId id="2147483651" r:id="rId5"/>
-    <p:sldLayoutId id="2147483652" r:id="rId6"/>
-    <p:sldLayoutId id="2147483653" r:id="rId7"/>
-    <p:sldLayoutId id="2147483654" r:id="rId8"/>
-    <p:sldLayoutId id="2147483655" r:id="rId9"/>
-    <p:sldLayoutId id="2147483656" r:id="rId10"/>
-    <p:sldLayoutId id="2147483657" r:id="rId11"/>
-    <p:sldLayoutId id="2147483658" r:id="rId12"/>
-    <p:sldLayoutId id="2147483659" r:id="rId13"/>
-    <p:sldLayoutId id="2147483660" r:id="rId14"/>
+    <p:sldLayoutId id="2147483649" r:id="rId1"/>
+    <p:sldLayoutId id="2147483650" r:id="rId2"/>
+    <p:sldLayoutId id="2147483651" r:id="rId3"/>
+    <p:sldLayoutId id="2147483652" r:id="rId4"/>
+    <p:sldLayoutId id="2147483653" r:id="rId5"/>
+    <p:sldLayoutId id="2147483654" r:id="rId6"/>
+    <p:sldLayoutId id="2147483655" r:id="rId7"/>
+    <p:sldLayoutId id="2147483656" r:id="rId8"/>
+    <p:sldLayoutId id="2147483657" r:id="rId9"/>
+    <p:sldLayoutId id="2147483658" r:id="rId10"/>
+    <p:sldLayoutId id="2147483659" r:id="rId11"/>
+    <p:sldLayoutId id="2147483660" r:id="rId12"/>
   </p:sldLayoutIdLst>
+  <p:txStyles>
+    <p:titleStyle>
+      <a:lvl1pPr algn="l" defTabSz="914400" rtl="0" eaLnBrk="1" latinLnBrk="0" hangingPunct="1">
+        <a:lnSpc>
+          <a:spcPct val="90000"/>
+        </a:lnSpc>
+        <a:spcBef>
+          <a:spcPct val="0"/>
+        </a:spcBef>
+        <a:buNone/>
+        <a:defRPr sz="4400" kern="1200">
+          <a:solidFill>
+            <a:schemeClr val="tx1"/>
+          </a:solidFill>
+          <a:latin typeface="+mj-lt"/>
+          <a:ea typeface="+mj-ea"/>
+          <a:cs typeface="+mj-cs"/>
+        </a:defRPr>
+      </a:lvl1pPr>
+    </p:titleStyle>
+    <p:bodyStyle>
+      <a:lvl1pPr marL="228600" indent="-228600" algn="l" defTabSz="914400" rtl="0" eaLnBrk="1" latinLnBrk="0" hangingPunct="1">
+        <a:lnSpc>
+          <a:spcPct val="90000"/>
+        </a:lnSpc>
+        <a:spcBef>
+          <a:spcPts val="1000"/>
+        </a:spcBef>
+        <a:buFont typeface="Arial" panose="020B0604020202020204" pitchFamily="34" charset="0"/>
+        <a:buChar char="•"/>
+        <a:defRPr sz="2800" kern="1200">
+          <a:solidFill>
+            <a:schemeClr val="tx1"/>
+          </a:solidFill>
+          <a:latin typeface="+mn-lt"/>
+          <a:ea typeface="+mn-ea"/>
+          <a:cs typeface="+mn-cs"/>
+        </a:defRPr>
+      </a:lvl1pPr>
+      <a:lvl2pPr marL="685800" indent="-228600" algn="l" defTabSz="914400" rtl="0" eaLnBrk="1" latinLnBrk="0" hangingPunct="1">
+        <a:lnSpc>
+          <a:spcPct val="90000"/>
+        </a:lnSpc>
+        <a:spcBef>
+          <a:spcPts val="500"/>
+        </a:spcBef>
+        <a:buFont typeface="Arial" panose="020B0604020202020204" pitchFamily="34" charset="0"/>
+        <a:buChar char="•"/>
+        <a:defRPr sz="2400" kern="1200">
+          <a:solidFill>
+            <a:schemeClr val="tx1"/>
+          </a:solidFill>
+          <a:latin typeface="+mn-lt"/>
+          <a:ea typeface="+mn-ea"/>
+          <a:cs typeface="+mn-cs"/>
+        </a:defRPr>
+      </a:lvl2pPr>
+      <a:lvl3pPr marL="1143000" indent="-228600" algn="l" defTabSz="914400" rtl="0" eaLnBrk="1" latinLnBrk="0" hangingPunct="1">
+        <a:lnSpc>
+          <a:spcPct val="90000"/>
+        </a:lnSpc>
+        <a:spcBef>
+          <a:spcPts val="500"/>
+        </a:spcBef>
+        <a:buFont typeface="Arial" panose="020B0604020202020204" pitchFamily="34" charset="0"/>
+        <a:buChar char="•"/>
+        <a:defRPr sz="2000" kern="1200">
+          <a:solidFill>
+            <a:schemeClr val="tx1"/>
+          </a:solidFill>
+          <a:latin typeface="+mn-lt"/>
+          <a:ea typeface="+mn-ea"/>
+          <a:cs typeface="+mn-cs"/>
+        </a:defRPr>
+      </a:lvl3pPr>
+      <a:lvl4pPr marL="1600200" indent="-228600" algn="l" defTabSz="914400" rtl="0" eaLnBrk="1" latinLnBrk="0" hangingPunct="1">
+        <a:lnSpc>
+          <a:spcPct val="90000"/>
+        </a:lnSpc>
+        <a:spcBef>
+          <a:spcPts val="500"/>
+        </a:spcBef>
+        <a:buFont typeface="Arial" panose="020B0604020202020204" pitchFamily="34" charset="0"/>
+        <a:buChar char="•"/>
+        <a:defRPr sz="1800" kern="1200">
+          <a:solidFill>
+            <a:schemeClr val="tx1"/>
+          </a:solidFill>
+          <a:latin typeface="+mn-lt"/>
+          <a:ea typeface="+mn-ea"/>
+          <a:cs typeface="+mn-cs"/>
+        </a:defRPr>
+      </a:lvl4pPr>
+      <a:lvl5pPr marL="2057400" indent="-228600" algn="l" defTabSz="914400" rtl="0" eaLnBrk="1" latinLnBrk="0" hangingPunct="1">
+        <a:lnSpc>
+          <a:spcPct val="90000"/>
+        </a:lnSpc>
+        <a:spcBef>
+          <a:spcPts val="500"/>
+        </a:spcBef>
+        <a:buFont typeface="Arial" panose="020B0604020202020204" pitchFamily="34" charset="0"/>
+        <a:buChar char="•"/>
+        <a:defRPr sz="1800" kern="1200">
+          <a:solidFill>
+            <a:schemeClr val="tx1"/>
+          </a:solidFill>
+          <a:latin typeface="+mn-lt"/>
+          <a:ea typeface="+mn-ea"/>
+          <a:cs typeface="+mn-cs"/>
+        </a:defRPr>
+      </a:lvl5pPr>
+      <a:lvl6pPr marL="2514600" indent="-228600" algn="l" defTabSz="914400" rtl="0" eaLnBrk="1" latinLnBrk="0" hangingPunct="1">
+        <a:lnSpc>
+          <a:spcPct val="90000"/>
+        </a:lnSpc>
+        <a:spcBef>
+          <a:spcPts val="500"/>
+        </a:spcBef>
+        <a:buFont typeface="Arial" panose="020B0604020202020204" pitchFamily="34" charset="0"/>
+        <a:buChar char="•"/>
+        <a:defRPr sz="1800" kern="1200">
+          <a:solidFill>
+            <a:schemeClr val="tx1"/>
+          </a:solidFill>
+          <a:latin typeface="+mn-lt"/>
+          <a:ea typeface="+mn-ea"/>
+          <a:cs typeface="+mn-cs"/>
+        </a:defRPr>
+      </a:lvl6pPr>
+      <a:lvl7pPr marL="2971800" indent="-228600" algn="l" defTabSz="914400" rtl="0" eaLnBrk="1" latinLnBrk="0" hangingPunct="1">
+        <a:lnSpc>
+          <a:spcPct val="90000"/>
+        </a:lnSpc>
+        <a:spcBef>
+          <a:spcPts val="500"/>
+        </a:spcBef>
+        <a:buFont typeface="Arial" panose="020B0604020202020204" pitchFamily="34" charset="0"/>
+        <a:buChar char="•"/>
+        <a:defRPr sz="1800" kern="1200">
+          <a:solidFill>
+            <a:schemeClr val="tx1"/>
+          </a:solidFill>
+          <a:latin typeface="+mn-lt"/>
+          <a:ea typeface="+mn-ea"/>
+          <a:cs typeface="+mn-cs"/>
+        </a:defRPr>
+      </a:lvl7pPr>
+      <a:lvl8pPr marL="3429000" indent="-228600" algn="l" defTabSz="914400" rtl="0" eaLnBrk="1" latinLnBrk="0" hangingPunct="1">
+        <a:lnSpc>
+          <a:spcPct val="90000"/>
+        </a:lnSpc>
+        <a:spcBef>
+          <a:spcPts val="500"/>
+        </a:spcBef>
+        <a:buFont typeface="Arial" panose="020B0604020202020204" pitchFamily="34" charset="0"/>
+        <a:buChar char="•"/>
+        <a:defRPr sz="1800" kern="1200">
+          <a:solidFill>
+            <a:schemeClr val="tx1"/>
+          </a:solidFill>
+          <a:latin typeface="+mn-lt"/>
+          <a:ea typeface="+mn-ea"/>
+          <a:cs typeface="+mn-cs"/>
+        </a:defRPr>
+      </a:lvl8pPr>
+      <a:lvl9pPr marL="3886200" indent="-228600" algn="l" defTabSz="914400" rtl="0" eaLnBrk="1" latinLnBrk="0" hangingPunct="1">
+        <a:lnSpc>
+          <a:spcPct val="90000"/>
+        </a:lnSpc>
+        <a:spcBef>
+          <a:spcPts val="500"/>
+        </a:spcBef>
+        <a:buFont typeface="Arial" panose="020B0604020202020204" pitchFamily="34" charset="0"/>
+        <a:buChar char="•"/>
+        <a:defRPr sz="1800" kern="1200">
+          <a:solidFill>
+            <a:schemeClr val="tx1"/>
+          </a:solidFill>
+          <a:latin typeface="+mn-lt"/>
+          <a:ea typeface="+mn-ea"/>
+          <a:cs typeface="+mn-cs"/>
+        </a:defRPr>
+      </a:lvl9pPr>
+    </p:bodyStyle>
+    <p:otherStyle>
+      <a:defPPr>
+        <a:defRPr lang="cs-CZ"/>
+      </a:defPPr>
+      <a:lvl1pPr marL="0" algn="l" defTabSz="914400" rtl="0" eaLnBrk="1" latinLnBrk="0" hangingPunct="1">
+        <a:defRPr sz="1800" kern="1200">
+          <a:solidFill>
+            <a:schemeClr val="tx1"/>
+          </a:solidFill>
+          <a:latin typeface="+mn-lt"/>
+          <a:ea typeface="+mn-ea"/>
+          <a:cs typeface="+mn-cs"/>
+        </a:defRPr>
+      </a:lvl1pPr>
+      <a:lvl2pPr marL="457200" algn="l" defTabSz="914400" rtl="0" eaLnBrk="1" latinLnBrk="0" hangingPunct="1">
+        <a:defRPr sz="1800" kern="1200">
+          <a:solidFill>
+            <a:schemeClr val="tx1"/>
+          </a:solidFill>
+          <a:latin typeface="+mn-lt"/>
+          <a:ea typeface="+mn-ea"/>
+          <a:cs typeface="+mn-cs"/>
+        </a:defRPr>
+      </a:lvl2pPr>
+      <a:lvl3pPr marL="914400" algn="l" defTabSz="914400" rtl="0" eaLnBrk="1" latinLnBrk="0" hangingPunct="1">
+        <a:defRPr sz="1800" kern="1200">
+          <a:solidFill>
+            <a:schemeClr val="tx1"/>
+          </a:solidFill>
+          <a:latin typeface="+mn-lt"/>
+          <a:ea typeface="+mn-ea"/>
+          <a:cs typeface="+mn-cs"/>
+        </a:defRPr>
+      </a:lvl3pPr>
+      <a:lvl4pPr marL="1371600" algn="l" defTabSz="914400" rtl="0" eaLnBrk="1" latinLnBrk="0" hangingPunct="1">
+        <a:defRPr sz="1800" kern="1200">
+          <a:solidFill>
+            <a:schemeClr val="tx1"/>
+          </a:solidFill>
+          <a:latin typeface="+mn-lt"/>
+          <a:ea typeface="+mn-ea"/>
+          <a:cs typeface="+mn-cs"/>
+        </a:defRPr>
+      </a:lvl4pPr>
+      <a:lvl5pPr marL="1828800" algn="l" defTabSz="914400" rtl="0" eaLnBrk="1" latinLnBrk="0" hangingPunct="1">
+        <a:defRPr sz="1800" kern="1200">
+          <a:solidFill>
+            <a:schemeClr val="tx1"/>
+          </a:solidFill>
+          <a:latin typeface="+mn-lt"/>
+          <a:ea typeface="+mn-ea"/>
+          <a:cs typeface="+mn-cs"/>
+        </a:defRPr>
+      </a:lvl5pPr>
+      <a:lvl6pPr marL="2286000" algn="l" defTabSz="914400" rtl="0" eaLnBrk="1" latinLnBrk="0" hangingPunct="1">
+        <a:defRPr sz="1800" kern="1200">
+          <a:solidFill>
+            <a:schemeClr val="tx1"/>
+          </a:solidFill>
+          <a:latin typeface="+mn-lt"/>
+          <a:ea typeface="+mn-ea"/>
+          <a:cs typeface="+mn-cs"/>
+        </a:defRPr>
+      </a:lvl6pPr>
+      <a:lvl7pPr marL="2743200" algn="l" defTabSz="914400" rtl="0" eaLnBrk="1" latinLnBrk="0" hangingPunct="1">
+        <a:defRPr sz="1800" kern="1200">
+          <a:solidFill>
+            <a:schemeClr val="tx1"/>
+          </a:solidFill>
+          <a:latin typeface="+mn-lt"/>
+          <a:ea typeface="+mn-ea"/>
+          <a:cs typeface="+mn-cs"/>
+        </a:defRPr>
+      </a:lvl7pPr>
+      <a:lvl8pPr marL="3200400" algn="l" defTabSz="914400" rtl="0" eaLnBrk="1" latinLnBrk="0" hangingPunct="1">
+        <a:defRPr sz="1800" kern="1200">
+          <a:solidFill>
+            <a:schemeClr val="tx1"/>
+          </a:solidFill>
+          <a:latin typeface="+mn-lt"/>
+          <a:ea typeface="+mn-ea"/>
+          <a:cs typeface="+mn-cs"/>
+        </a:defRPr>
+      </a:lvl8pPr>
+      <a:lvl9pPr marL="3657600" algn="l" defTabSz="914400" rtl="0" eaLnBrk="1" latinLnBrk="0" hangingPunct="1">
+        <a:defRPr sz="1800" kern="1200">
+          <a:solidFill>
+            <a:schemeClr val="tx1"/>
+          </a:solidFill>
+          <a:latin typeface="+mn-lt"/>
+          <a:ea typeface="+mn-ea"/>
+          <a:cs typeface="+mn-cs"/>
+        </a:defRPr>
+      </a:lvl9pPr>
+    </p:otherStyle>
+  </p:txStyles>
 </p:sldMaster>
 </file>
 
 <file path=ppt/slideMasters/slideMaster2.xml><?xml version="1.0" encoding="utf-8"?>
-<p:sldMaster xmlns:a="http://schemas.openxmlformats.org/drawingml/2006/main" xmlns:p="http://schemas.openxmlformats.org/presentationml/2006/main" xmlns:r="http://schemas.openxmlformats.org/officeDocument/2006/relationships" xmlns:p14="http://schemas.microsoft.com/office/powerpoint/2010/main" xmlns:p15="http://schemas.microsoft.com/office/powerpoint/2012/main" xmlns:mc="http://schemas.openxmlformats.org/markup-compatibility/2006">
+<p:sldMaster xmlns:a="http://schemas.openxmlformats.org/drawingml/2006/main" xmlns:r="http://schemas.openxmlformats.org/officeDocument/2006/relationships" xmlns:p="http://schemas.openxmlformats.org/presentationml/2006/main">
   <p:cSld>
     <p:bg>
       <p:bgPr>
         <a:blipFill rotWithShape="0">
-          <a:blip r:embed="rId2"/>
+          <a:blip r:embed="rId14"/>
           <a:stretch>
             <a:fillRect/>
           </a:stretch>
         </a:blipFill>
+        <a:effectLst/>
       </p:bgPr>
     </p:bg>
     <p:spTree>
@@ -4321,18 +4892,16 @@
           </a:prstGeom>
         </p:spPr>
         <p:txBody>
-          <a:bodyPr lIns="0" rIns="0" tIns="0" bIns="0" anchor="ctr"/>
+          <a:bodyPr lIns="0" tIns="0" rIns="0" bIns="0" anchor="ctr"/>
+          <a:lstStyle/>
           <a:p>
             <a:pPr algn="ctr"/>
             <a:r>
-              <a:rPr b="0" lang="cs-CZ" sz="4400" spc="-1" strike="noStrike">
+              <a:rPr lang="cs-CZ" sz="4400" b="0" strike="noStrike" spc="-1">
                 <a:latin typeface="Arial"/>
               </a:rPr>
               <a:t>Klikněte pro úpravu formátu textu nadpisu</a:t>
             </a:r>
-            <a:endParaRPr b="0" lang="cs-CZ" sz="4400" spc="-1" strike="noStrike">
-              <a:latin typeface="Arial"/>
-            </a:endParaRPr>
           </a:p>
         </p:txBody>
       </p:sp>
@@ -4356,9 +4925,10 @@
           </a:prstGeom>
         </p:spPr>
         <p:txBody>
-          <a:bodyPr lIns="0" rIns="0" tIns="0" bIns="0">
+          <a:bodyPr lIns="0" tIns="0" rIns="0" bIns="0">
             <a:normAutofit/>
           </a:bodyPr>
+          <a:lstStyle/>
           <a:p>
             <a:pPr marL="432000" indent="-324000">
               <a:spcBef>
@@ -4372,17 +4942,14 @@
               <a:buChar char=""/>
             </a:pPr>
             <a:r>
-              <a:rPr b="0" lang="cs-CZ" sz="3200" spc="-1" strike="noStrike">
+              <a:rPr lang="cs-CZ" sz="3200" b="0" strike="noStrike" spc="-1">
                 <a:latin typeface="Arial"/>
               </a:rPr>
               <a:t>Klikněte pro úpravu formátu textu osnovy</a:t>
             </a:r>
-            <a:endParaRPr b="0" lang="cs-CZ" sz="3200" spc="-1" strike="noStrike">
-              <a:latin typeface="Arial"/>
-            </a:endParaRPr>
-          </a:p>
-          <a:p>
-            <a:pPr lvl="1" marL="864000" indent="-324000">
+          </a:p>
+          <a:p>
+            <a:pPr marL="864000" lvl="1" indent="-324000">
               <a:spcBef>
                 <a:spcPts val="1134"/>
               </a:spcBef>
@@ -4394,17 +4961,14 @@
               <a:buChar char=""/>
             </a:pPr>
             <a:r>
-              <a:rPr b="0" lang="cs-CZ" sz="2800" spc="-1" strike="noStrike">
+              <a:rPr lang="cs-CZ" sz="2800" b="0" strike="noStrike" spc="-1">
                 <a:latin typeface="Arial"/>
               </a:rPr>
               <a:t>Druhá úroveň</a:t>
             </a:r>
-            <a:endParaRPr b="0" lang="cs-CZ" sz="2800" spc="-1" strike="noStrike">
-              <a:latin typeface="Arial"/>
-            </a:endParaRPr>
-          </a:p>
-          <a:p>
-            <a:pPr lvl="2" marL="1296000" indent="-288000">
+          </a:p>
+          <a:p>
+            <a:pPr marL="1296000" lvl="2" indent="-288000">
               <a:spcBef>
                 <a:spcPts val="850"/>
               </a:spcBef>
@@ -4416,17 +4980,14 @@
               <a:buChar char=""/>
             </a:pPr>
             <a:r>
-              <a:rPr b="0" lang="cs-CZ" sz="2400" spc="-1" strike="noStrike">
+              <a:rPr lang="cs-CZ" sz="2400" b="0" strike="noStrike" spc="-1">
                 <a:latin typeface="Arial"/>
               </a:rPr>
               <a:t>Třetí úroveň</a:t>
             </a:r>
-            <a:endParaRPr b="0" lang="cs-CZ" sz="2400" spc="-1" strike="noStrike">
-              <a:latin typeface="Arial"/>
-            </a:endParaRPr>
-          </a:p>
-          <a:p>
-            <a:pPr lvl="3" marL="1728000" indent="-216000">
+          </a:p>
+          <a:p>
+            <a:pPr marL="1728000" lvl="3" indent="-216000">
               <a:spcBef>
                 <a:spcPts val="567"/>
               </a:spcBef>
@@ -4438,17 +4999,14 @@
               <a:buChar char=""/>
             </a:pPr>
             <a:r>
-              <a:rPr b="0" lang="cs-CZ" sz="2000" spc="-1" strike="noStrike">
+              <a:rPr lang="cs-CZ" sz="2000" b="0" strike="noStrike" spc="-1">
                 <a:latin typeface="Arial"/>
               </a:rPr>
               <a:t>Čtvrtá úroveň osnovy</a:t>
             </a:r>
-            <a:endParaRPr b="0" lang="cs-CZ" sz="2000" spc="-1" strike="noStrike">
-              <a:latin typeface="Arial"/>
-            </a:endParaRPr>
-          </a:p>
-          <a:p>
-            <a:pPr lvl="4" marL="2160000" indent="-216000">
+          </a:p>
+          <a:p>
+            <a:pPr marL="2160000" lvl="4" indent="-216000">
               <a:spcBef>
                 <a:spcPts val="283"/>
               </a:spcBef>
@@ -4460,17 +5018,14 @@
               <a:buChar char=""/>
             </a:pPr>
             <a:r>
-              <a:rPr b="0" lang="cs-CZ" sz="2000" spc="-1" strike="noStrike">
+              <a:rPr lang="cs-CZ" sz="2000" b="0" strike="noStrike" spc="-1">
                 <a:latin typeface="Arial"/>
               </a:rPr>
               <a:t>Pátá úroveň osnovy</a:t>
             </a:r>
-            <a:endParaRPr b="0" lang="cs-CZ" sz="2000" spc="-1" strike="noStrike">
-              <a:latin typeface="Arial"/>
-            </a:endParaRPr>
-          </a:p>
-          <a:p>
-            <a:pPr lvl="5" marL="2592000" indent="-216000">
+          </a:p>
+          <a:p>
+            <a:pPr marL="2592000" lvl="5" indent="-216000">
               <a:spcBef>
                 <a:spcPts val="283"/>
               </a:spcBef>
@@ -4482,17 +5037,14 @@
               <a:buChar char=""/>
             </a:pPr>
             <a:r>
-              <a:rPr b="0" lang="cs-CZ" sz="2000" spc="-1" strike="noStrike">
+              <a:rPr lang="cs-CZ" sz="2000" b="0" strike="noStrike" spc="-1">
                 <a:latin typeface="Arial"/>
               </a:rPr>
               <a:t>Šestá úroveň</a:t>
             </a:r>
-            <a:endParaRPr b="0" lang="cs-CZ" sz="2000" spc="-1" strike="noStrike">
-              <a:latin typeface="Arial"/>
-            </a:endParaRPr>
-          </a:p>
-          <a:p>
-            <a:pPr lvl="6" marL="3024000" indent="-216000">
+          </a:p>
+          <a:p>
+            <a:pPr marL="3024000" lvl="6" indent="-216000">
               <a:spcBef>
                 <a:spcPts val="283"/>
               </a:spcBef>
@@ -4504,48 +5056,326 @@
               <a:buChar char=""/>
             </a:pPr>
             <a:r>
-              <a:rPr b="0" lang="cs-CZ" sz="2000" spc="-1" strike="noStrike">
+              <a:rPr lang="cs-CZ" sz="2000" b="0" strike="noStrike" spc="-1">
                 <a:latin typeface="Arial"/>
               </a:rPr>
               <a:t>Sedmá úroveň</a:t>
             </a:r>
-            <a:endParaRPr b="0" lang="cs-CZ" sz="2000" spc="-1" strike="noStrike">
-              <a:latin typeface="Arial"/>
-            </a:endParaRPr>
           </a:p>
         </p:txBody>
       </p:sp>
     </p:spTree>
   </p:cSld>
-  <p:clrMap bg1="lt1" bg2="lt2" tx1="dk1" tx2="dk2" accent1="accent1" accent2="accent2" accent3="accent3" accent4="accent4" accent5="accent5" accent6="accent6" hlink="hlink" folHlink="folHlink"/>
+  <p:clrMap bg1="lt1" tx1="dk1" bg2="lt2" tx2="dk2" accent1="accent1" accent2="accent2" accent3="accent3" accent4="accent4" accent5="accent5" accent6="accent6" hlink="hlink" folHlink="folHlink"/>
   <p:sldLayoutIdLst>
-    <p:sldLayoutId id="2147483662" r:id="rId3"/>
-    <p:sldLayoutId id="2147483663" r:id="rId4"/>
-    <p:sldLayoutId id="2147483664" r:id="rId5"/>
-    <p:sldLayoutId id="2147483665" r:id="rId6"/>
-    <p:sldLayoutId id="2147483666" r:id="rId7"/>
-    <p:sldLayoutId id="2147483667" r:id="rId8"/>
-    <p:sldLayoutId id="2147483668" r:id="rId9"/>
-    <p:sldLayoutId id="2147483669" r:id="rId10"/>
-    <p:sldLayoutId id="2147483670" r:id="rId11"/>
-    <p:sldLayoutId id="2147483671" r:id="rId12"/>
-    <p:sldLayoutId id="2147483672" r:id="rId13"/>
-    <p:sldLayoutId id="2147483673" r:id="rId14"/>
+    <p:sldLayoutId id="2147483662" r:id="rId1"/>
+    <p:sldLayoutId id="2147483663" r:id="rId2"/>
+    <p:sldLayoutId id="2147483664" r:id="rId3"/>
+    <p:sldLayoutId id="2147483665" r:id="rId4"/>
+    <p:sldLayoutId id="2147483666" r:id="rId5"/>
+    <p:sldLayoutId id="2147483667" r:id="rId6"/>
+    <p:sldLayoutId id="2147483668" r:id="rId7"/>
+    <p:sldLayoutId id="2147483669" r:id="rId8"/>
+    <p:sldLayoutId id="2147483670" r:id="rId9"/>
+    <p:sldLayoutId id="2147483671" r:id="rId10"/>
+    <p:sldLayoutId id="2147483672" r:id="rId11"/>
+    <p:sldLayoutId id="2147483673" r:id="rId12"/>
   </p:sldLayoutIdLst>
+  <p:txStyles>
+    <p:titleStyle>
+      <a:lvl1pPr algn="l" defTabSz="914400" rtl="0" eaLnBrk="1" latinLnBrk="0" hangingPunct="1">
+        <a:lnSpc>
+          <a:spcPct val="90000"/>
+        </a:lnSpc>
+        <a:spcBef>
+          <a:spcPct val="0"/>
+        </a:spcBef>
+        <a:buNone/>
+        <a:defRPr sz="4400" kern="1200">
+          <a:solidFill>
+            <a:schemeClr val="tx1"/>
+          </a:solidFill>
+          <a:latin typeface="+mj-lt"/>
+          <a:ea typeface="+mj-ea"/>
+          <a:cs typeface="+mj-cs"/>
+        </a:defRPr>
+      </a:lvl1pPr>
+    </p:titleStyle>
+    <p:bodyStyle>
+      <a:lvl1pPr marL="228600" indent="-228600" algn="l" defTabSz="914400" rtl="0" eaLnBrk="1" latinLnBrk="0" hangingPunct="1">
+        <a:lnSpc>
+          <a:spcPct val="90000"/>
+        </a:lnSpc>
+        <a:spcBef>
+          <a:spcPts val="1000"/>
+        </a:spcBef>
+        <a:buFont typeface="Arial" panose="020B0604020202020204" pitchFamily="34" charset="0"/>
+        <a:buChar char="•"/>
+        <a:defRPr sz="2800" kern="1200">
+          <a:solidFill>
+            <a:schemeClr val="tx1"/>
+          </a:solidFill>
+          <a:latin typeface="+mn-lt"/>
+          <a:ea typeface="+mn-ea"/>
+          <a:cs typeface="+mn-cs"/>
+        </a:defRPr>
+      </a:lvl1pPr>
+      <a:lvl2pPr marL="685800" indent="-228600" algn="l" defTabSz="914400" rtl="0" eaLnBrk="1" latinLnBrk="0" hangingPunct="1">
+        <a:lnSpc>
+          <a:spcPct val="90000"/>
+        </a:lnSpc>
+        <a:spcBef>
+          <a:spcPts val="500"/>
+        </a:spcBef>
+        <a:buFont typeface="Arial" panose="020B0604020202020204" pitchFamily="34" charset="0"/>
+        <a:buChar char="•"/>
+        <a:defRPr sz="2400" kern="1200">
+          <a:solidFill>
+            <a:schemeClr val="tx1"/>
+          </a:solidFill>
+          <a:latin typeface="+mn-lt"/>
+          <a:ea typeface="+mn-ea"/>
+          <a:cs typeface="+mn-cs"/>
+        </a:defRPr>
+      </a:lvl2pPr>
+      <a:lvl3pPr marL="1143000" indent="-228600" algn="l" defTabSz="914400" rtl="0" eaLnBrk="1" latinLnBrk="0" hangingPunct="1">
+        <a:lnSpc>
+          <a:spcPct val="90000"/>
+        </a:lnSpc>
+        <a:spcBef>
+          <a:spcPts val="500"/>
+        </a:spcBef>
+        <a:buFont typeface="Arial" panose="020B0604020202020204" pitchFamily="34" charset="0"/>
+        <a:buChar char="•"/>
+        <a:defRPr sz="2000" kern="1200">
+          <a:solidFill>
+            <a:schemeClr val="tx1"/>
+          </a:solidFill>
+          <a:latin typeface="+mn-lt"/>
+          <a:ea typeface="+mn-ea"/>
+          <a:cs typeface="+mn-cs"/>
+        </a:defRPr>
+      </a:lvl3pPr>
+      <a:lvl4pPr marL="1600200" indent="-228600" algn="l" defTabSz="914400" rtl="0" eaLnBrk="1" latinLnBrk="0" hangingPunct="1">
+        <a:lnSpc>
+          <a:spcPct val="90000"/>
+        </a:lnSpc>
+        <a:spcBef>
+          <a:spcPts val="500"/>
+        </a:spcBef>
+        <a:buFont typeface="Arial" panose="020B0604020202020204" pitchFamily="34" charset="0"/>
+        <a:buChar char="•"/>
+        <a:defRPr sz="1800" kern="1200">
+          <a:solidFill>
+            <a:schemeClr val="tx1"/>
+          </a:solidFill>
+          <a:latin typeface="+mn-lt"/>
+          <a:ea typeface="+mn-ea"/>
+          <a:cs typeface="+mn-cs"/>
+        </a:defRPr>
+      </a:lvl4pPr>
+      <a:lvl5pPr marL="2057400" indent="-228600" algn="l" defTabSz="914400" rtl="0" eaLnBrk="1" latinLnBrk="0" hangingPunct="1">
+        <a:lnSpc>
+          <a:spcPct val="90000"/>
+        </a:lnSpc>
+        <a:spcBef>
+          <a:spcPts val="500"/>
+        </a:spcBef>
+        <a:buFont typeface="Arial" panose="020B0604020202020204" pitchFamily="34" charset="0"/>
+        <a:buChar char="•"/>
+        <a:defRPr sz="1800" kern="1200">
+          <a:solidFill>
+            <a:schemeClr val="tx1"/>
+          </a:solidFill>
+          <a:latin typeface="+mn-lt"/>
+          <a:ea typeface="+mn-ea"/>
+          <a:cs typeface="+mn-cs"/>
+        </a:defRPr>
+      </a:lvl5pPr>
+      <a:lvl6pPr marL="2514600" indent="-228600" algn="l" defTabSz="914400" rtl="0" eaLnBrk="1" latinLnBrk="0" hangingPunct="1">
+        <a:lnSpc>
+          <a:spcPct val="90000"/>
+        </a:lnSpc>
+        <a:spcBef>
+          <a:spcPts val="500"/>
+        </a:spcBef>
+        <a:buFont typeface="Arial" panose="020B0604020202020204" pitchFamily="34" charset="0"/>
+        <a:buChar char="•"/>
+        <a:defRPr sz="1800" kern="1200">
+          <a:solidFill>
+            <a:schemeClr val="tx1"/>
+          </a:solidFill>
+          <a:latin typeface="+mn-lt"/>
+          <a:ea typeface="+mn-ea"/>
+          <a:cs typeface="+mn-cs"/>
+        </a:defRPr>
+      </a:lvl6pPr>
+      <a:lvl7pPr marL="2971800" indent="-228600" algn="l" defTabSz="914400" rtl="0" eaLnBrk="1" latinLnBrk="0" hangingPunct="1">
+        <a:lnSpc>
+          <a:spcPct val="90000"/>
+        </a:lnSpc>
+        <a:spcBef>
+          <a:spcPts val="500"/>
+        </a:spcBef>
+        <a:buFont typeface="Arial" panose="020B0604020202020204" pitchFamily="34" charset="0"/>
+        <a:buChar char="•"/>
+        <a:defRPr sz="1800" kern="1200">
+          <a:solidFill>
+            <a:schemeClr val="tx1"/>
+          </a:solidFill>
+          <a:latin typeface="+mn-lt"/>
+          <a:ea typeface="+mn-ea"/>
+          <a:cs typeface="+mn-cs"/>
+        </a:defRPr>
+      </a:lvl7pPr>
+      <a:lvl8pPr marL="3429000" indent="-228600" algn="l" defTabSz="914400" rtl="0" eaLnBrk="1" latinLnBrk="0" hangingPunct="1">
+        <a:lnSpc>
+          <a:spcPct val="90000"/>
+        </a:lnSpc>
+        <a:spcBef>
+          <a:spcPts val="500"/>
+        </a:spcBef>
+        <a:buFont typeface="Arial" panose="020B0604020202020204" pitchFamily="34" charset="0"/>
+        <a:buChar char="•"/>
+        <a:defRPr sz="1800" kern="1200">
+          <a:solidFill>
+            <a:schemeClr val="tx1"/>
+          </a:solidFill>
+          <a:latin typeface="+mn-lt"/>
+          <a:ea typeface="+mn-ea"/>
+          <a:cs typeface="+mn-cs"/>
+        </a:defRPr>
+      </a:lvl8pPr>
+      <a:lvl9pPr marL="3886200" indent="-228600" algn="l" defTabSz="914400" rtl="0" eaLnBrk="1" latinLnBrk="0" hangingPunct="1">
+        <a:lnSpc>
+          <a:spcPct val="90000"/>
+        </a:lnSpc>
+        <a:spcBef>
+          <a:spcPts val="500"/>
+        </a:spcBef>
+        <a:buFont typeface="Arial" panose="020B0604020202020204" pitchFamily="34" charset="0"/>
+        <a:buChar char="•"/>
+        <a:defRPr sz="1800" kern="1200">
+          <a:solidFill>
+            <a:schemeClr val="tx1"/>
+          </a:solidFill>
+          <a:latin typeface="+mn-lt"/>
+          <a:ea typeface="+mn-ea"/>
+          <a:cs typeface="+mn-cs"/>
+        </a:defRPr>
+      </a:lvl9pPr>
+    </p:bodyStyle>
+    <p:otherStyle>
+      <a:defPPr>
+        <a:defRPr lang="cs-CZ"/>
+      </a:defPPr>
+      <a:lvl1pPr marL="0" algn="l" defTabSz="914400" rtl="0" eaLnBrk="1" latinLnBrk="0" hangingPunct="1">
+        <a:defRPr sz="1800" kern="1200">
+          <a:solidFill>
+            <a:schemeClr val="tx1"/>
+          </a:solidFill>
+          <a:latin typeface="+mn-lt"/>
+          <a:ea typeface="+mn-ea"/>
+          <a:cs typeface="+mn-cs"/>
+        </a:defRPr>
+      </a:lvl1pPr>
+      <a:lvl2pPr marL="457200" algn="l" defTabSz="914400" rtl="0" eaLnBrk="1" latinLnBrk="0" hangingPunct="1">
+        <a:defRPr sz="1800" kern="1200">
+          <a:solidFill>
+            <a:schemeClr val="tx1"/>
+          </a:solidFill>
+          <a:latin typeface="+mn-lt"/>
+          <a:ea typeface="+mn-ea"/>
+          <a:cs typeface="+mn-cs"/>
+        </a:defRPr>
+      </a:lvl2pPr>
+      <a:lvl3pPr marL="914400" algn="l" defTabSz="914400" rtl="0" eaLnBrk="1" latinLnBrk="0" hangingPunct="1">
+        <a:defRPr sz="1800" kern="1200">
+          <a:solidFill>
+            <a:schemeClr val="tx1"/>
+          </a:solidFill>
+          <a:latin typeface="+mn-lt"/>
+          <a:ea typeface="+mn-ea"/>
+          <a:cs typeface="+mn-cs"/>
+        </a:defRPr>
+      </a:lvl3pPr>
+      <a:lvl4pPr marL="1371600" algn="l" defTabSz="914400" rtl="0" eaLnBrk="1" latinLnBrk="0" hangingPunct="1">
+        <a:defRPr sz="1800" kern="1200">
+          <a:solidFill>
+            <a:schemeClr val="tx1"/>
+          </a:solidFill>
+          <a:latin typeface="+mn-lt"/>
+          <a:ea typeface="+mn-ea"/>
+          <a:cs typeface="+mn-cs"/>
+        </a:defRPr>
+      </a:lvl4pPr>
+      <a:lvl5pPr marL="1828800" algn="l" defTabSz="914400" rtl="0" eaLnBrk="1" latinLnBrk="0" hangingPunct="1">
+        <a:defRPr sz="1800" kern="1200">
+          <a:solidFill>
+            <a:schemeClr val="tx1"/>
+          </a:solidFill>
+          <a:latin typeface="+mn-lt"/>
+          <a:ea typeface="+mn-ea"/>
+          <a:cs typeface="+mn-cs"/>
+        </a:defRPr>
+      </a:lvl5pPr>
+      <a:lvl6pPr marL="2286000" algn="l" defTabSz="914400" rtl="0" eaLnBrk="1" latinLnBrk="0" hangingPunct="1">
+        <a:defRPr sz="1800" kern="1200">
+          <a:solidFill>
+            <a:schemeClr val="tx1"/>
+          </a:solidFill>
+          <a:latin typeface="+mn-lt"/>
+          <a:ea typeface="+mn-ea"/>
+          <a:cs typeface="+mn-cs"/>
+        </a:defRPr>
+      </a:lvl6pPr>
+      <a:lvl7pPr marL="2743200" algn="l" defTabSz="914400" rtl="0" eaLnBrk="1" latinLnBrk="0" hangingPunct="1">
+        <a:defRPr sz="1800" kern="1200">
+          <a:solidFill>
+            <a:schemeClr val="tx1"/>
+          </a:solidFill>
+          <a:latin typeface="+mn-lt"/>
+          <a:ea typeface="+mn-ea"/>
+          <a:cs typeface="+mn-cs"/>
+        </a:defRPr>
+      </a:lvl7pPr>
+      <a:lvl8pPr marL="3200400" algn="l" defTabSz="914400" rtl="0" eaLnBrk="1" latinLnBrk="0" hangingPunct="1">
+        <a:defRPr sz="1800" kern="1200">
+          <a:solidFill>
+            <a:schemeClr val="tx1"/>
+          </a:solidFill>
+          <a:latin typeface="+mn-lt"/>
+          <a:ea typeface="+mn-ea"/>
+          <a:cs typeface="+mn-cs"/>
+        </a:defRPr>
+      </a:lvl8pPr>
+      <a:lvl9pPr marL="3657600" algn="l" defTabSz="914400" rtl="0" eaLnBrk="1" latinLnBrk="0" hangingPunct="1">
+        <a:defRPr sz="1800" kern="1200">
+          <a:solidFill>
+            <a:schemeClr val="tx1"/>
+          </a:solidFill>
+          <a:latin typeface="+mn-lt"/>
+          <a:ea typeface="+mn-ea"/>
+          <a:cs typeface="+mn-cs"/>
+        </a:defRPr>
+      </a:lvl9pPr>
+    </p:otherStyle>
+  </p:txStyles>
 </p:sldMaster>
 </file>
 
 <file path=ppt/slideMasters/slideMaster3.xml><?xml version="1.0" encoding="utf-8"?>
-<p:sldMaster xmlns:a="http://schemas.openxmlformats.org/drawingml/2006/main" xmlns:p="http://schemas.openxmlformats.org/presentationml/2006/main" xmlns:r="http://schemas.openxmlformats.org/officeDocument/2006/relationships" xmlns:p14="http://schemas.microsoft.com/office/powerpoint/2010/main" xmlns:p15="http://schemas.microsoft.com/office/powerpoint/2012/main" xmlns:mc="http://schemas.openxmlformats.org/markup-compatibility/2006">
+<p:sldMaster xmlns:a="http://schemas.openxmlformats.org/drawingml/2006/main" xmlns:r="http://schemas.openxmlformats.org/officeDocument/2006/relationships" xmlns:p="http://schemas.openxmlformats.org/presentationml/2006/main">
   <p:cSld>
     <p:bg>
       <p:bgPr>
         <a:blipFill rotWithShape="0">
-          <a:blip r:embed="rId2"/>
+          <a:blip r:embed="rId14"/>
           <a:stretch>
             <a:fillRect/>
           </a:stretch>
         </a:blipFill>
+        <a:effectLst/>
       </p:bgPr>
     </p:bg>
     <p:spTree>
@@ -4582,18 +5412,16 @@
           </a:prstGeom>
         </p:spPr>
         <p:txBody>
-          <a:bodyPr lIns="0" rIns="0" tIns="0" bIns="0" anchor="ctr"/>
+          <a:bodyPr lIns="0" tIns="0" rIns="0" bIns="0" anchor="ctr"/>
+          <a:lstStyle/>
           <a:p>
             <a:pPr algn="ctr"/>
             <a:r>
-              <a:rPr b="0" lang="cs-CZ" sz="4400" spc="-1" strike="noStrike">
+              <a:rPr lang="cs-CZ" sz="4400" b="0" strike="noStrike" spc="-1">
                 <a:latin typeface="Arial"/>
               </a:rPr>
               <a:t>Klikněte pro úpravu formátu textu nadpisu</a:t>
             </a:r>
-            <a:endParaRPr b="0" lang="cs-CZ" sz="4400" spc="-1" strike="noStrike">
-              <a:latin typeface="Arial"/>
-            </a:endParaRPr>
           </a:p>
         </p:txBody>
       </p:sp>
@@ -4617,9 +5445,10 @@
           </a:prstGeom>
         </p:spPr>
         <p:txBody>
-          <a:bodyPr lIns="0" rIns="0" tIns="0" bIns="0">
+          <a:bodyPr lIns="0" tIns="0" rIns="0" bIns="0">
             <a:normAutofit/>
           </a:bodyPr>
+          <a:lstStyle/>
           <a:p>
             <a:pPr marL="432000" indent="-324000">
               <a:spcBef>
@@ -4633,17 +5462,14 @@
               <a:buChar char=""/>
             </a:pPr>
             <a:r>
-              <a:rPr b="0" lang="cs-CZ" sz="3200" spc="-1" strike="noStrike">
+              <a:rPr lang="cs-CZ" sz="3200" b="0" strike="noStrike" spc="-1">
                 <a:latin typeface="Arial"/>
               </a:rPr>
               <a:t>Klikněte pro úpravu formátu textu osnovy</a:t>
             </a:r>
-            <a:endParaRPr b="0" lang="cs-CZ" sz="3200" spc="-1" strike="noStrike">
-              <a:latin typeface="Arial"/>
-            </a:endParaRPr>
-          </a:p>
-          <a:p>
-            <a:pPr lvl="1" marL="864000" indent="-324000">
+          </a:p>
+          <a:p>
+            <a:pPr marL="864000" lvl="1" indent="-324000">
               <a:spcBef>
                 <a:spcPts val="1134"/>
               </a:spcBef>
@@ -4655,17 +5481,14 @@
               <a:buChar char=""/>
             </a:pPr>
             <a:r>
-              <a:rPr b="0" lang="cs-CZ" sz="2800" spc="-1" strike="noStrike">
+              <a:rPr lang="cs-CZ" sz="2800" b="0" strike="noStrike" spc="-1">
                 <a:latin typeface="Arial"/>
               </a:rPr>
               <a:t>Druhá úroveň</a:t>
             </a:r>
-            <a:endParaRPr b="0" lang="cs-CZ" sz="2800" spc="-1" strike="noStrike">
-              <a:latin typeface="Arial"/>
-            </a:endParaRPr>
-          </a:p>
-          <a:p>
-            <a:pPr lvl="2" marL="1296000" indent="-288000">
+          </a:p>
+          <a:p>
+            <a:pPr marL="1296000" lvl="2" indent="-288000">
               <a:spcBef>
                 <a:spcPts val="850"/>
               </a:spcBef>
@@ -4677,17 +5500,14 @@
               <a:buChar char=""/>
             </a:pPr>
             <a:r>
-              <a:rPr b="0" lang="cs-CZ" sz="2400" spc="-1" strike="noStrike">
+              <a:rPr lang="cs-CZ" sz="2400" b="0" strike="noStrike" spc="-1">
                 <a:latin typeface="Arial"/>
               </a:rPr>
               <a:t>Třetí úroveň</a:t>
             </a:r>
-            <a:endParaRPr b="0" lang="cs-CZ" sz="2400" spc="-1" strike="noStrike">
-              <a:latin typeface="Arial"/>
-            </a:endParaRPr>
-          </a:p>
-          <a:p>
-            <a:pPr lvl="3" marL="1728000" indent="-216000">
+          </a:p>
+          <a:p>
+            <a:pPr marL="1728000" lvl="3" indent="-216000">
               <a:spcBef>
                 <a:spcPts val="567"/>
               </a:spcBef>
@@ -4699,17 +5519,14 @@
               <a:buChar char=""/>
             </a:pPr>
             <a:r>
-              <a:rPr b="0" lang="cs-CZ" sz="2000" spc="-1" strike="noStrike">
+              <a:rPr lang="cs-CZ" sz="2000" b="0" strike="noStrike" spc="-1">
                 <a:latin typeface="Arial"/>
               </a:rPr>
               <a:t>Čtvrtá úroveň osnovy</a:t>
             </a:r>
-            <a:endParaRPr b="0" lang="cs-CZ" sz="2000" spc="-1" strike="noStrike">
-              <a:latin typeface="Arial"/>
-            </a:endParaRPr>
-          </a:p>
-          <a:p>
-            <a:pPr lvl="4" marL="2160000" indent="-216000">
+          </a:p>
+          <a:p>
+            <a:pPr marL="2160000" lvl="4" indent="-216000">
               <a:spcBef>
                 <a:spcPts val="283"/>
               </a:spcBef>
@@ -4721,17 +5538,14 @@
               <a:buChar char=""/>
             </a:pPr>
             <a:r>
-              <a:rPr b="0" lang="cs-CZ" sz="2000" spc="-1" strike="noStrike">
+              <a:rPr lang="cs-CZ" sz="2000" b="0" strike="noStrike" spc="-1">
                 <a:latin typeface="Arial"/>
               </a:rPr>
               <a:t>Pátá úroveň osnovy</a:t>
             </a:r>
-            <a:endParaRPr b="0" lang="cs-CZ" sz="2000" spc="-1" strike="noStrike">
-              <a:latin typeface="Arial"/>
-            </a:endParaRPr>
-          </a:p>
-          <a:p>
-            <a:pPr lvl="5" marL="2592000" indent="-216000">
+          </a:p>
+          <a:p>
+            <a:pPr marL="2592000" lvl="5" indent="-216000">
               <a:spcBef>
                 <a:spcPts val="283"/>
               </a:spcBef>
@@ -4743,17 +5557,14 @@
               <a:buChar char=""/>
             </a:pPr>
             <a:r>
-              <a:rPr b="0" lang="cs-CZ" sz="2000" spc="-1" strike="noStrike">
+              <a:rPr lang="cs-CZ" sz="2000" b="0" strike="noStrike" spc="-1">
                 <a:latin typeface="Arial"/>
               </a:rPr>
               <a:t>Šestá úroveň</a:t>
             </a:r>
-            <a:endParaRPr b="0" lang="cs-CZ" sz="2000" spc="-1" strike="noStrike">
-              <a:latin typeface="Arial"/>
-            </a:endParaRPr>
-          </a:p>
-          <a:p>
-            <a:pPr lvl="6" marL="3024000" indent="-216000">
+          </a:p>
+          <a:p>
+            <a:pPr marL="3024000" lvl="6" indent="-216000">
               <a:spcBef>
                 <a:spcPts val="283"/>
               </a:spcBef>
@@ -4765,39 +5576,316 @@
               <a:buChar char=""/>
             </a:pPr>
             <a:r>
-              <a:rPr b="0" lang="cs-CZ" sz="2000" spc="-1" strike="noStrike">
+              <a:rPr lang="cs-CZ" sz="2000" b="0" strike="noStrike" spc="-1">
                 <a:latin typeface="Arial"/>
               </a:rPr>
               <a:t>Sedmá úroveň</a:t>
             </a:r>
-            <a:endParaRPr b="0" lang="cs-CZ" sz="2000" spc="-1" strike="noStrike">
-              <a:latin typeface="Arial"/>
-            </a:endParaRPr>
           </a:p>
         </p:txBody>
       </p:sp>
     </p:spTree>
   </p:cSld>
-  <p:clrMap bg1="lt1" bg2="lt2" tx1="dk1" tx2="dk2" accent1="accent1" accent2="accent2" accent3="accent3" accent4="accent4" accent5="accent5" accent6="accent6" hlink="hlink" folHlink="folHlink"/>
+  <p:clrMap bg1="lt1" tx1="dk1" bg2="lt2" tx2="dk2" accent1="accent1" accent2="accent2" accent3="accent3" accent4="accent4" accent5="accent5" accent6="accent6" hlink="hlink" folHlink="folHlink"/>
   <p:sldLayoutIdLst>
-    <p:sldLayoutId id="2147483675" r:id="rId3"/>
-    <p:sldLayoutId id="2147483676" r:id="rId4"/>
-    <p:sldLayoutId id="2147483677" r:id="rId5"/>
-    <p:sldLayoutId id="2147483678" r:id="rId6"/>
-    <p:sldLayoutId id="2147483679" r:id="rId7"/>
-    <p:sldLayoutId id="2147483680" r:id="rId8"/>
-    <p:sldLayoutId id="2147483681" r:id="rId9"/>
-    <p:sldLayoutId id="2147483682" r:id="rId10"/>
-    <p:sldLayoutId id="2147483683" r:id="rId11"/>
-    <p:sldLayoutId id="2147483684" r:id="rId12"/>
-    <p:sldLayoutId id="2147483685" r:id="rId13"/>
-    <p:sldLayoutId id="2147483686" r:id="rId14"/>
+    <p:sldLayoutId id="2147483675" r:id="rId1"/>
+    <p:sldLayoutId id="2147483676" r:id="rId2"/>
+    <p:sldLayoutId id="2147483677" r:id="rId3"/>
+    <p:sldLayoutId id="2147483678" r:id="rId4"/>
+    <p:sldLayoutId id="2147483679" r:id="rId5"/>
+    <p:sldLayoutId id="2147483680" r:id="rId6"/>
+    <p:sldLayoutId id="2147483681" r:id="rId7"/>
+    <p:sldLayoutId id="2147483682" r:id="rId8"/>
+    <p:sldLayoutId id="2147483683" r:id="rId9"/>
+    <p:sldLayoutId id="2147483684" r:id="rId10"/>
+    <p:sldLayoutId id="2147483685" r:id="rId11"/>
+    <p:sldLayoutId id="2147483686" r:id="rId12"/>
   </p:sldLayoutIdLst>
+  <p:txStyles>
+    <p:titleStyle>
+      <a:lvl1pPr algn="l" defTabSz="914400" rtl="0" eaLnBrk="1" latinLnBrk="0" hangingPunct="1">
+        <a:lnSpc>
+          <a:spcPct val="90000"/>
+        </a:lnSpc>
+        <a:spcBef>
+          <a:spcPct val="0"/>
+        </a:spcBef>
+        <a:buNone/>
+        <a:defRPr sz="4400" kern="1200">
+          <a:solidFill>
+            <a:schemeClr val="tx1"/>
+          </a:solidFill>
+          <a:latin typeface="+mj-lt"/>
+          <a:ea typeface="+mj-ea"/>
+          <a:cs typeface="+mj-cs"/>
+        </a:defRPr>
+      </a:lvl1pPr>
+    </p:titleStyle>
+    <p:bodyStyle>
+      <a:lvl1pPr marL="228600" indent="-228600" algn="l" defTabSz="914400" rtl="0" eaLnBrk="1" latinLnBrk="0" hangingPunct="1">
+        <a:lnSpc>
+          <a:spcPct val="90000"/>
+        </a:lnSpc>
+        <a:spcBef>
+          <a:spcPts val="1000"/>
+        </a:spcBef>
+        <a:buFont typeface="Arial" panose="020B0604020202020204" pitchFamily="34" charset="0"/>
+        <a:buChar char="•"/>
+        <a:defRPr sz="2800" kern="1200">
+          <a:solidFill>
+            <a:schemeClr val="tx1"/>
+          </a:solidFill>
+          <a:latin typeface="+mn-lt"/>
+          <a:ea typeface="+mn-ea"/>
+          <a:cs typeface="+mn-cs"/>
+        </a:defRPr>
+      </a:lvl1pPr>
+      <a:lvl2pPr marL="685800" indent="-228600" algn="l" defTabSz="914400" rtl="0" eaLnBrk="1" latinLnBrk="0" hangingPunct="1">
+        <a:lnSpc>
+          <a:spcPct val="90000"/>
+        </a:lnSpc>
+        <a:spcBef>
+          <a:spcPts val="500"/>
+        </a:spcBef>
+        <a:buFont typeface="Arial" panose="020B0604020202020204" pitchFamily="34" charset="0"/>
+        <a:buChar char="•"/>
+        <a:defRPr sz="2400" kern="1200">
+          <a:solidFill>
+            <a:schemeClr val="tx1"/>
+          </a:solidFill>
+          <a:latin typeface="+mn-lt"/>
+          <a:ea typeface="+mn-ea"/>
+          <a:cs typeface="+mn-cs"/>
+        </a:defRPr>
+      </a:lvl2pPr>
+      <a:lvl3pPr marL="1143000" indent="-228600" algn="l" defTabSz="914400" rtl="0" eaLnBrk="1" latinLnBrk="0" hangingPunct="1">
+        <a:lnSpc>
+          <a:spcPct val="90000"/>
+        </a:lnSpc>
+        <a:spcBef>
+          <a:spcPts val="500"/>
+        </a:spcBef>
+        <a:buFont typeface="Arial" panose="020B0604020202020204" pitchFamily="34" charset="0"/>
+        <a:buChar char="•"/>
+        <a:defRPr sz="2000" kern="1200">
+          <a:solidFill>
+            <a:schemeClr val="tx1"/>
+          </a:solidFill>
+          <a:latin typeface="+mn-lt"/>
+          <a:ea typeface="+mn-ea"/>
+          <a:cs typeface="+mn-cs"/>
+        </a:defRPr>
+      </a:lvl3pPr>
+      <a:lvl4pPr marL="1600200" indent="-228600" algn="l" defTabSz="914400" rtl="0" eaLnBrk="1" latinLnBrk="0" hangingPunct="1">
+        <a:lnSpc>
+          <a:spcPct val="90000"/>
+        </a:lnSpc>
+        <a:spcBef>
+          <a:spcPts val="500"/>
+        </a:spcBef>
+        <a:buFont typeface="Arial" panose="020B0604020202020204" pitchFamily="34" charset="0"/>
+        <a:buChar char="•"/>
+        <a:defRPr sz="1800" kern="1200">
+          <a:solidFill>
+            <a:schemeClr val="tx1"/>
+          </a:solidFill>
+          <a:latin typeface="+mn-lt"/>
+          <a:ea typeface="+mn-ea"/>
+          <a:cs typeface="+mn-cs"/>
+        </a:defRPr>
+      </a:lvl4pPr>
+      <a:lvl5pPr marL="2057400" indent="-228600" algn="l" defTabSz="914400" rtl="0" eaLnBrk="1" latinLnBrk="0" hangingPunct="1">
+        <a:lnSpc>
+          <a:spcPct val="90000"/>
+        </a:lnSpc>
+        <a:spcBef>
+          <a:spcPts val="500"/>
+        </a:spcBef>
+        <a:buFont typeface="Arial" panose="020B0604020202020204" pitchFamily="34" charset="0"/>
+        <a:buChar char="•"/>
+        <a:defRPr sz="1800" kern="1200">
+          <a:solidFill>
+            <a:schemeClr val="tx1"/>
+          </a:solidFill>
+          <a:latin typeface="+mn-lt"/>
+          <a:ea typeface="+mn-ea"/>
+          <a:cs typeface="+mn-cs"/>
+        </a:defRPr>
+      </a:lvl5pPr>
+      <a:lvl6pPr marL="2514600" indent="-228600" algn="l" defTabSz="914400" rtl="0" eaLnBrk="1" latinLnBrk="0" hangingPunct="1">
+        <a:lnSpc>
+          <a:spcPct val="90000"/>
+        </a:lnSpc>
+        <a:spcBef>
+          <a:spcPts val="500"/>
+        </a:spcBef>
+        <a:buFont typeface="Arial" panose="020B0604020202020204" pitchFamily="34" charset="0"/>
+        <a:buChar char="•"/>
+        <a:defRPr sz="1800" kern="1200">
+          <a:solidFill>
+            <a:schemeClr val="tx1"/>
+          </a:solidFill>
+          <a:latin typeface="+mn-lt"/>
+          <a:ea typeface="+mn-ea"/>
+          <a:cs typeface="+mn-cs"/>
+        </a:defRPr>
+      </a:lvl6pPr>
+      <a:lvl7pPr marL="2971800" indent="-228600" algn="l" defTabSz="914400" rtl="0" eaLnBrk="1" latinLnBrk="0" hangingPunct="1">
+        <a:lnSpc>
+          <a:spcPct val="90000"/>
+        </a:lnSpc>
+        <a:spcBef>
+          <a:spcPts val="500"/>
+        </a:spcBef>
+        <a:buFont typeface="Arial" panose="020B0604020202020204" pitchFamily="34" charset="0"/>
+        <a:buChar char="•"/>
+        <a:defRPr sz="1800" kern="1200">
+          <a:solidFill>
+            <a:schemeClr val="tx1"/>
+          </a:solidFill>
+          <a:latin typeface="+mn-lt"/>
+          <a:ea typeface="+mn-ea"/>
+          <a:cs typeface="+mn-cs"/>
+        </a:defRPr>
+      </a:lvl7pPr>
+      <a:lvl8pPr marL="3429000" indent="-228600" algn="l" defTabSz="914400" rtl="0" eaLnBrk="1" latinLnBrk="0" hangingPunct="1">
+        <a:lnSpc>
+          <a:spcPct val="90000"/>
+        </a:lnSpc>
+        <a:spcBef>
+          <a:spcPts val="500"/>
+        </a:spcBef>
+        <a:buFont typeface="Arial" panose="020B0604020202020204" pitchFamily="34" charset="0"/>
+        <a:buChar char="•"/>
+        <a:defRPr sz="1800" kern="1200">
+          <a:solidFill>
+            <a:schemeClr val="tx1"/>
+          </a:solidFill>
+          <a:latin typeface="+mn-lt"/>
+          <a:ea typeface="+mn-ea"/>
+          <a:cs typeface="+mn-cs"/>
+        </a:defRPr>
+      </a:lvl8pPr>
+      <a:lvl9pPr marL="3886200" indent="-228600" algn="l" defTabSz="914400" rtl="0" eaLnBrk="1" latinLnBrk="0" hangingPunct="1">
+        <a:lnSpc>
+          <a:spcPct val="90000"/>
+        </a:lnSpc>
+        <a:spcBef>
+          <a:spcPts val="500"/>
+        </a:spcBef>
+        <a:buFont typeface="Arial" panose="020B0604020202020204" pitchFamily="34" charset="0"/>
+        <a:buChar char="•"/>
+        <a:defRPr sz="1800" kern="1200">
+          <a:solidFill>
+            <a:schemeClr val="tx1"/>
+          </a:solidFill>
+          <a:latin typeface="+mn-lt"/>
+          <a:ea typeface="+mn-ea"/>
+          <a:cs typeface="+mn-cs"/>
+        </a:defRPr>
+      </a:lvl9pPr>
+    </p:bodyStyle>
+    <p:otherStyle>
+      <a:defPPr>
+        <a:defRPr lang="cs-CZ"/>
+      </a:defPPr>
+      <a:lvl1pPr marL="0" algn="l" defTabSz="914400" rtl="0" eaLnBrk="1" latinLnBrk="0" hangingPunct="1">
+        <a:defRPr sz="1800" kern="1200">
+          <a:solidFill>
+            <a:schemeClr val="tx1"/>
+          </a:solidFill>
+          <a:latin typeface="+mn-lt"/>
+          <a:ea typeface="+mn-ea"/>
+          <a:cs typeface="+mn-cs"/>
+        </a:defRPr>
+      </a:lvl1pPr>
+      <a:lvl2pPr marL="457200" algn="l" defTabSz="914400" rtl="0" eaLnBrk="1" latinLnBrk="0" hangingPunct="1">
+        <a:defRPr sz="1800" kern="1200">
+          <a:solidFill>
+            <a:schemeClr val="tx1"/>
+          </a:solidFill>
+          <a:latin typeface="+mn-lt"/>
+          <a:ea typeface="+mn-ea"/>
+          <a:cs typeface="+mn-cs"/>
+        </a:defRPr>
+      </a:lvl2pPr>
+      <a:lvl3pPr marL="914400" algn="l" defTabSz="914400" rtl="0" eaLnBrk="1" latinLnBrk="0" hangingPunct="1">
+        <a:defRPr sz="1800" kern="1200">
+          <a:solidFill>
+            <a:schemeClr val="tx1"/>
+          </a:solidFill>
+          <a:latin typeface="+mn-lt"/>
+          <a:ea typeface="+mn-ea"/>
+          <a:cs typeface="+mn-cs"/>
+        </a:defRPr>
+      </a:lvl3pPr>
+      <a:lvl4pPr marL="1371600" algn="l" defTabSz="914400" rtl="0" eaLnBrk="1" latinLnBrk="0" hangingPunct="1">
+        <a:defRPr sz="1800" kern="1200">
+          <a:solidFill>
+            <a:schemeClr val="tx1"/>
+          </a:solidFill>
+          <a:latin typeface="+mn-lt"/>
+          <a:ea typeface="+mn-ea"/>
+          <a:cs typeface="+mn-cs"/>
+        </a:defRPr>
+      </a:lvl4pPr>
+      <a:lvl5pPr marL="1828800" algn="l" defTabSz="914400" rtl="0" eaLnBrk="1" latinLnBrk="0" hangingPunct="1">
+        <a:defRPr sz="1800" kern="1200">
+          <a:solidFill>
+            <a:schemeClr val="tx1"/>
+          </a:solidFill>
+          <a:latin typeface="+mn-lt"/>
+          <a:ea typeface="+mn-ea"/>
+          <a:cs typeface="+mn-cs"/>
+        </a:defRPr>
+      </a:lvl5pPr>
+      <a:lvl6pPr marL="2286000" algn="l" defTabSz="914400" rtl="0" eaLnBrk="1" latinLnBrk="0" hangingPunct="1">
+        <a:defRPr sz="1800" kern="1200">
+          <a:solidFill>
+            <a:schemeClr val="tx1"/>
+          </a:solidFill>
+          <a:latin typeface="+mn-lt"/>
+          <a:ea typeface="+mn-ea"/>
+          <a:cs typeface="+mn-cs"/>
+        </a:defRPr>
+      </a:lvl6pPr>
+      <a:lvl7pPr marL="2743200" algn="l" defTabSz="914400" rtl="0" eaLnBrk="1" latinLnBrk="0" hangingPunct="1">
+        <a:defRPr sz="1800" kern="1200">
+          <a:solidFill>
+            <a:schemeClr val="tx1"/>
+          </a:solidFill>
+          <a:latin typeface="+mn-lt"/>
+          <a:ea typeface="+mn-ea"/>
+          <a:cs typeface="+mn-cs"/>
+        </a:defRPr>
+      </a:lvl7pPr>
+      <a:lvl8pPr marL="3200400" algn="l" defTabSz="914400" rtl="0" eaLnBrk="1" latinLnBrk="0" hangingPunct="1">
+        <a:defRPr sz="1800" kern="1200">
+          <a:solidFill>
+            <a:schemeClr val="tx1"/>
+          </a:solidFill>
+          <a:latin typeface="+mn-lt"/>
+          <a:ea typeface="+mn-ea"/>
+          <a:cs typeface="+mn-cs"/>
+        </a:defRPr>
+      </a:lvl8pPr>
+      <a:lvl9pPr marL="3657600" algn="l" defTabSz="914400" rtl="0" eaLnBrk="1" latinLnBrk="0" hangingPunct="1">
+        <a:defRPr sz="1800" kern="1200">
+          <a:solidFill>
+            <a:schemeClr val="tx1"/>
+          </a:solidFill>
+          <a:latin typeface="+mn-lt"/>
+          <a:ea typeface="+mn-ea"/>
+          <a:cs typeface="+mn-cs"/>
+        </a:defRPr>
+      </a:lvl9pPr>
+    </p:otherStyle>
+  </p:txStyles>
 </p:sldMaster>
 </file>
 
 <file path=ppt/slides/slide1.xml><?xml version="1.0" encoding="utf-8"?>
-<p:sld xmlns:a="http://schemas.openxmlformats.org/drawingml/2006/main" xmlns:p="http://schemas.openxmlformats.org/presentationml/2006/main" xmlns:r="http://schemas.openxmlformats.org/officeDocument/2006/relationships" xmlns:p14="http://schemas.microsoft.com/office/powerpoint/2010/main" xmlns:p15="http://schemas.microsoft.com/office/powerpoint/2012/main" xmlns:mc="http://schemas.openxmlformats.org/markup-compatibility/2006">
+<p:sld xmlns:a="http://schemas.openxmlformats.org/drawingml/2006/main" xmlns:r="http://schemas.openxmlformats.org/officeDocument/2006/relationships" xmlns:p="http://schemas.openxmlformats.org/presentationml/2006/main">
   <p:cSld>
     <p:spTree>
       <p:nvGrpSpPr>
@@ -4833,15 +5921,22 @@
           </a:ln>
         </p:spPr>
         <p:style>
-          <a:lnRef idx="0"/>
-          <a:fillRef idx="0"/>
-          <a:effectRef idx="0"/>
+          <a:lnRef idx="0">
+            <a:scrgbClr r="0" g="0" b="0"/>
+          </a:lnRef>
+          <a:fillRef idx="0">
+            <a:scrgbClr r="0" g="0" b="0"/>
+          </a:fillRef>
+          <a:effectRef idx="0">
+            <a:scrgbClr r="0" g="0" b="0"/>
+          </a:effectRef>
           <a:fontRef idx="minor"/>
         </p:style>
         <p:txBody>
-          <a:bodyPr lIns="0" rIns="0" tIns="0" bIns="0" anchor="ctr">
+          <a:bodyPr lIns="0" tIns="0" rIns="0" bIns="0" anchor="ctr">
             <a:normAutofit/>
           </a:bodyPr>
+          <a:lstStyle/>
           <a:p>
             <a:pPr algn="ctr">
               <a:lnSpc>
@@ -4849,16 +5944,16 @@
               </a:lnSpc>
             </a:pPr>
             <a:r>
-              <a:rPr b="0" lang="cs-CZ" sz="4400" spc="-1" strike="noStrike">
-                <a:solidFill>
-                  <a:srgbClr val="ffffff"/>
+              <a:rPr lang="cs-CZ" sz="4400" b="0" strike="noStrike" spc="-1">
+                <a:solidFill>
+                  <a:srgbClr val="FFFFFF"/>
                 </a:solidFill>
                 <a:latin typeface="Ubuntu"/>
                 <a:ea typeface="DejaVu Sans"/>
               </a:rPr>
               <a:t>1-2 Práce s cykly</a:t>
             </a:r>
-            <a:endParaRPr b="0" lang="cs-CZ" sz="4400" spc="-1" strike="noStrike">
+            <a:endParaRPr lang="cs-CZ" sz="4400" b="0" strike="noStrike" spc="-1">
               <a:latin typeface="Arial"/>
             </a:endParaRPr>
           </a:p>
@@ -4884,13 +5979,20 @@
           </a:ln>
         </p:spPr>
         <p:style>
-          <a:lnRef idx="0"/>
-          <a:fillRef idx="0"/>
-          <a:effectRef idx="0"/>
+          <a:lnRef idx="0">
+            <a:scrgbClr r="0" g="0" b="0"/>
+          </a:lnRef>
+          <a:fillRef idx="0">
+            <a:scrgbClr r="0" g="0" b="0"/>
+          </a:fillRef>
+          <a:effectRef idx="0">
+            <a:scrgbClr r="0" g="0" b="0"/>
+          </a:effectRef>
           <a:fontRef idx="minor"/>
         </p:style>
         <p:txBody>
-          <a:bodyPr lIns="90000" rIns="90000" tIns="45000" bIns="45000"/>
+          <a:bodyPr lIns="90000" tIns="45000" rIns="90000" bIns="45000"/>
+          <a:lstStyle/>
           <a:p>
             <a:pPr>
               <a:lnSpc>
@@ -4898,7 +6000,7 @@
               </a:lnSpc>
             </a:pPr>
             <a:r>
-              <a:rPr b="0" lang="cs-CZ" sz="6000" spc="-1" strike="noStrike">
+              <a:rPr lang="cs-CZ" sz="6000" b="0" strike="noStrike" spc="-1">
                 <a:solidFill>
                   <a:srgbClr val="000000"/>
                 </a:solidFill>
@@ -4907,7 +6009,7 @@
               </a:rPr>
               <a:t>PRIM – Micro:bit</a:t>
             </a:r>
-            <a:endParaRPr b="0" lang="cs-CZ" sz="6000" spc="-1" strike="noStrike">
+            <a:endParaRPr lang="cs-CZ" sz="6000" b="0" strike="noStrike" spc="-1">
               <a:latin typeface="Arial"/>
             </a:endParaRPr>
           </a:p>
@@ -4915,6 +6017,9 @@
       </p:sp>
     </p:spTree>
   </p:cSld>
+  <p:clrMapOvr>
+    <a:masterClrMapping/>
+  </p:clrMapOvr>
   <p:timing>
     <p:tnLst>
       <p:par>
@@ -4923,14 +6028,14 @@
             <p:seq>
               <p:cTn id="2" dur="indefinite" nodeType="mainSeq"/>
               <p:prevCondLst>
-                <p:cond delay="0" evt="onPrev">
+                <p:cond evt="onPrev" delay="0">
                   <p:tgtEl>
                     <p:sldTgt/>
                   </p:tgtEl>
                 </p:cond>
               </p:prevCondLst>
               <p:nextCondLst>
-                <p:cond delay="0" evt="onNext">
+                <p:cond evt="onNext" delay="0">
                   <p:tgtEl>
                     <p:sldTgt/>
                   </p:tgtEl>
@@ -4946,7 +6051,7 @@
 </file>
 
 <file path=ppt/slides/slide2.xml><?xml version="1.0" encoding="utf-8"?>
-<p:sld xmlns:a="http://schemas.openxmlformats.org/drawingml/2006/main" xmlns:p="http://schemas.openxmlformats.org/presentationml/2006/main" xmlns:r="http://schemas.openxmlformats.org/officeDocument/2006/relationships" xmlns:p14="http://schemas.microsoft.com/office/powerpoint/2010/main" xmlns:p15="http://schemas.microsoft.com/office/powerpoint/2012/main" xmlns:mc="http://schemas.openxmlformats.org/markup-compatibility/2006">
+<p:sld xmlns:a="http://schemas.openxmlformats.org/drawingml/2006/main" xmlns:r="http://schemas.openxmlformats.org/officeDocument/2006/relationships" xmlns:p="http://schemas.openxmlformats.org/presentationml/2006/main">
   <p:cSld>
     <p:spTree>
       <p:nvGrpSpPr>
@@ -4982,15 +6087,22 @@
           </a:ln>
         </p:spPr>
         <p:style>
-          <a:lnRef idx="0"/>
-          <a:fillRef idx="0"/>
-          <a:effectRef idx="0"/>
+          <a:lnRef idx="0">
+            <a:scrgbClr r="0" g="0" b="0"/>
+          </a:lnRef>
+          <a:fillRef idx="0">
+            <a:scrgbClr r="0" g="0" b="0"/>
+          </a:fillRef>
+          <a:effectRef idx="0">
+            <a:scrgbClr r="0" g="0" b="0"/>
+          </a:effectRef>
           <a:fontRef idx="minor"/>
         </p:style>
         <p:txBody>
-          <a:bodyPr lIns="0" rIns="0" tIns="0" bIns="0" anchor="ctr">
+          <a:bodyPr lIns="0" tIns="0" rIns="0" bIns="0" anchor="ctr">
             <a:normAutofit/>
           </a:bodyPr>
+          <a:lstStyle/>
           <a:p>
             <a:pPr algn="ctr">
               <a:lnSpc>
@@ -4998,16 +6110,16 @@
               </a:lnSpc>
             </a:pPr>
             <a:r>
-              <a:rPr b="0" lang="cs-CZ" sz="4400" spc="-1" strike="noStrike">
-                <a:solidFill>
-                  <a:srgbClr val="ffffff"/>
+              <a:rPr lang="cs-CZ" sz="4400" b="0" strike="noStrike" spc="-1">
+                <a:solidFill>
+                  <a:srgbClr val="FFFFFF"/>
                 </a:solidFill>
                 <a:latin typeface="Ubuntu"/>
                 <a:ea typeface="DejaVu Sans"/>
               </a:rPr>
               <a:t>Program se smyčkou</a:t>
             </a:r>
-            <a:endParaRPr b="0" lang="cs-CZ" sz="4400" spc="-1" strike="noStrike">
+            <a:endParaRPr lang="cs-CZ" sz="4400" b="0" strike="noStrike" spc="-1">
               <a:latin typeface="Arial"/>
             </a:endParaRPr>
           </a:p>
@@ -5033,15 +6145,22 @@
           </a:ln>
         </p:spPr>
         <p:style>
-          <a:lnRef idx="0"/>
-          <a:fillRef idx="0"/>
-          <a:effectRef idx="0"/>
+          <a:lnRef idx="0">
+            <a:scrgbClr r="0" g="0" b="0"/>
+          </a:lnRef>
+          <a:fillRef idx="0">
+            <a:scrgbClr r="0" g="0" b="0"/>
+          </a:fillRef>
+          <a:effectRef idx="0">
+            <a:scrgbClr r="0" g="0" b="0"/>
+          </a:effectRef>
           <a:fontRef idx="minor"/>
         </p:style>
         <p:txBody>
-          <a:bodyPr lIns="0" rIns="0" tIns="0" bIns="0">
+          <a:bodyPr lIns="0" tIns="0" rIns="0" bIns="0">
             <a:normAutofit/>
           </a:bodyPr>
+          <a:lstStyle/>
           <a:p>
             <a:pPr>
               <a:lnSpc>
@@ -5049,7 +6168,7 @@
               </a:lnSpc>
             </a:pPr>
             <a:r>
-              <a:rPr b="0" lang="cs-CZ" sz="3200" spc="-1" strike="noStrike">
+              <a:rPr lang="cs-CZ" sz="3200" b="0" strike="noStrike" spc="-1">
                 <a:solidFill>
                   <a:srgbClr val="000000"/>
                 </a:solidFill>
@@ -5059,7 +6178,7 @@
               <a:t> </a:t>
             </a:r>
             <a:r>
-              <a:rPr b="0" lang="cs-CZ" sz="3200" spc="-1" strike="noStrike">
+              <a:rPr lang="cs-CZ" sz="3200" b="0" strike="noStrike" spc="-1">
                 <a:solidFill>
                   <a:srgbClr val="008000"/>
                 </a:solidFill>
@@ -5069,7 +6188,7 @@
               <a:t>from</a:t>
             </a:r>
             <a:r>
-              <a:rPr b="0" lang="cs-CZ" sz="3200" spc="-1" strike="noStrike">
+              <a:rPr lang="cs-CZ" sz="3200" b="0" strike="noStrike" spc="-1">
                 <a:solidFill>
                   <a:srgbClr val="000000"/>
                 </a:solidFill>
@@ -5079,9 +6198,9 @@
               <a:t> </a:t>
             </a:r>
             <a:r>
-              <a:rPr b="0" lang="cs-CZ" sz="3200" spc="-1" strike="noStrike">
-                <a:solidFill>
-                  <a:srgbClr val="0000ff"/>
+              <a:rPr lang="cs-CZ" sz="3200" b="0" strike="noStrike" spc="-1">
+                <a:solidFill>
+                  <a:srgbClr val="0000FF"/>
                 </a:solidFill>
                 <a:latin typeface="Courier New"/>
                 <a:ea typeface="DejaVu Sans"/>
@@ -5089,7 +6208,7 @@
               <a:t>microbit</a:t>
             </a:r>
             <a:r>
-              <a:rPr b="0" lang="cs-CZ" sz="3200" spc="-1" strike="noStrike">
+              <a:rPr lang="cs-CZ" sz="3200" b="0" strike="noStrike" spc="-1">
                 <a:solidFill>
                   <a:srgbClr val="000000"/>
                 </a:solidFill>
@@ -5099,7 +6218,7 @@
               <a:t> </a:t>
             </a:r>
             <a:r>
-              <a:rPr b="0" lang="cs-CZ" sz="3200" spc="-1" strike="noStrike">
+              <a:rPr lang="cs-CZ" sz="3200" b="0" strike="noStrike" spc="-1">
                 <a:solidFill>
                   <a:srgbClr val="008000"/>
                 </a:solidFill>
@@ -5109,7 +6228,7 @@
               <a:t>import</a:t>
             </a:r>
             <a:r>
-              <a:rPr b="0" lang="cs-CZ" sz="3200" spc="-1" strike="noStrike">
+              <a:rPr lang="cs-CZ" sz="3200" b="0" strike="noStrike" spc="-1">
                 <a:solidFill>
                   <a:srgbClr val="000000"/>
                 </a:solidFill>
@@ -5119,7 +6238,7 @@
               <a:t> </a:t>
             </a:r>
             <a:r>
-              <a:rPr b="0" lang="cs-CZ" sz="3200" spc="-1" strike="noStrike">
+              <a:rPr lang="cs-CZ" sz="3200" b="0" strike="noStrike" spc="-1">
                 <a:solidFill>
                   <a:srgbClr val="666666"/>
                 </a:solidFill>
@@ -5128,7 +6247,7 @@
               </a:rPr>
               <a:t>*</a:t>
             </a:r>
-            <a:endParaRPr b="0" lang="cs-CZ" sz="3200" spc="-1" strike="noStrike">
+            <a:endParaRPr lang="cs-CZ" sz="3200" b="0" strike="noStrike" spc="-1">
               <a:latin typeface="Arial"/>
             </a:endParaRPr>
           </a:p>
@@ -5139,7 +6258,7 @@
               </a:lnSpc>
             </a:pPr>
             <a:r>
-              <a:rPr b="0" lang="cs-CZ" sz="3200" spc="-1" strike="noStrike">
+              <a:rPr lang="cs-CZ" sz="3200" b="0" strike="noStrike" spc="-1">
                 <a:solidFill>
                   <a:srgbClr val="000000"/>
                 </a:solidFill>
@@ -5149,7 +6268,7 @@
               <a:t> </a:t>
             </a:r>
             <a:r>
-              <a:rPr b="0" lang="cs-CZ" sz="3200" spc="-1" strike="noStrike">
+              <a:rPr lang="cs-CZ" sz="3200" b="0" strike="noStrike" spc="-1">
                 <a:solidFill>
                   <a:srgbClr val="008000"/>
                 </a:solidFill>
@@ -5159,7 +6278,7 @@
               <a:t>while</a:t>
             </a:r>
             <a:r>
-              <a:rPr b="0" lang="cs-CZ" sz="3200" spc="-1" strike="noStrike">
+              <a:rPr lang="cs-CZ" sz="3200" b="0" strike="noStrike" spc="-1">
                 <a:solidFill>
                   <a:srgbClr val="000000"/>
                 </a:solidFill>
@@ -5169,7 +6288,7 @@
               <a:t> </a:t>
             </a:r>
             <a:r>
-              <a:rPr b="0" lang="cs-CZ" sz="3200" spc="-1" strike="noStrike">
+              <a:rPr lang="cs-CZ" sz="3200" b="0" strike="noStrike" spc="-1">
                 <a:solidFill>
                   <a:srgbClr val="008000"/>
                 </a:solidFill>
@@ -5179,7 +6298,7 @@
               <a:t>True</a:t>
             </a:r>
             <a:r>
-              <a:rPr b="0" lang="cs-CZ" sz="3200" spc="-1" strike="noStrike">
+              <a:rPr lang="cs-CZ" sz="3200" b="0" strike="noStrike" spc="-1">
                 <a:solidFill>
                   <a:srgbClr val="000000"/>
                 </a:solidFill>
@@ -5188,7 +6307,7 @@
               </a:rPr>
               <a:t>:</a:t>
             </a:r>
-            <a:endParaRPr b="0" lang="cs-CZ" sz="3200" spc="-1" strike="noStrike">
+            <a:endParaRPr lang="cs-CZ" sz="3200" b="0" strike="noStrike" spc="-1">
               <a:latin typeface="Arial"/>
             </a:endParaRPr>
           </a:p>
@@ -5199,66 +6318,56 @@
               </a:lnSpc>
             </a:pPr>
             <a:r>
-              <a:rPr b="0" lang="cs-CZ" sz="3200" spc="-1" strike="noStrike">
+              <a:rPr lang="cs-CZ" sz="3200" b="0" strike="noStrike" spc="-1">
                 <a:solidFill>
                   <a:srgbClr val="000000"/>
                 </a:solidFill>
                 <a:latin typeface="Courier New"/>
                 <a:ea typeface="DejaVu Sans"/>
               </a:rPr>
-              <a:t>     </a:t>
-            </a:r>
-            <a:r>
-              <a:rPr b="0" lang="cs-CZ" sz="3200" spc="-1" strike="noStrike">
+              <a:t>     display</a:t>
+            </a:r>
+            <a:r>
+              <a:rPr lang="cs-CZ" sz="3200" b="0" strike="noStrike" spc="-1">
+                <a:solidFill>
+                  <a:srgbClr val="666666"/>
+                </a:solidFill>
+                <a:latin typeface="Courier New"/>
+                <a:ea typeface="DejaVu Sans"/>
+              </a:rPr>
+              <a:t>.</a:t>
+            </a:r>
+            <a:r>
+              <a:rPr lang="cs-CZ" sz="3200" b="0" strike="noStrike" spc="-1">
                 <a:solidFill>
                   <a:srgbClr val="000000"/>
                 </a:solidFill>
                 <a:latin typeface="Courier New"/>
                 <a:ea typeface="DejaVu Sans"/>
               </a:rPr>
-              <a:t>display</a:t>
-            </a:r>
-            <a:r>
-              <a:rPr b="0" lang="cs-CZ" sz="3200" spc="-1" strike="noStrike">
-                <a:solidFill>
-                  <a:srgbClr val="666666"/>
-                </a:solidFill>
-                <a:latin typeface="Courier New"/>
-                <a:ea typeface="DejaVu Sans"/>
-              </a:rPr>
-              <a:t>.</a:t>
-            </a:r>
-            <a:r>
-              <a:rPr b="0" lang="cs-CZ" sz="3200" spc="-1" strike="noStrike">
+              <a:t>scroll(</a:t>
+            </a:r>
+            <a:r>
+              <a:rPr lang="cs-CZ" sz="3200" b="0" strike="noStrike" spc="-1">
+                <a:solidFill>
+                  <a:srgbClr val="BA2121"/>
+                </a:solidFill>
+                <a:latin typeface="Courier New"/>
+                <a:ea typeface="DejaVu Sans"/>
+              </a:rPr>
+              <a:t>"Ahoj svete"</a:t>
+            </a:r>
+            <a:r>
+              <a:rPr lang="cs-CZ" sz="3200" b="0" strike="noStrike" spc="-1">
                 <a:solidFill>
                   <a:srgbClr val="000000"/>
                 </a:solidFill>
                 <a:latin typeface="Courier New"/>
                 <a:ea typeface="DejaVu Sans"/>
               </a:rPr>
-              <a:t>scroll(</a:t>
-            </a:r>
-            <a:r>
-              <a:rPr b="0" lang="cs-CZ" sz="3200" spc="-1" strike="noStrike">
-                <a:solidFill>
-                  <a:srgbClr val="ba2121"/>
-                </a:solidFill>
-                <a:latin typeface="Courier New"/>
-                <a:ea typeface="DejaVu Sans"/>
-              </a:rPr>
-              <a:t>"Ahoj svete"</a:t>
-            </a:r>
-            <a:r>
-              <a:rPr b="0" lang="cs-CZ" sz="3200" spc="-1" strike="noStrike">
-                <a:solidFill>
-                  <a:srgbClr val="000000"/>
-                </a:solidFill>
-                <a:latin typeface="Courier New"/>
-                <a:ea typeface="DejaVu Sans"/>
-              </a:rPr>
               <a:t>)</a:t>
             </a:r>
-            <a:endParaRPr b="0" lang="cs-CZ" sz="3200" spc="-1" strike="noStrike">
+            <a:endParaRPr lang="cs-CZ" sz="3200" b="0" strike="noStrike" spc="-1">
               <a:latin typeface="Arial"/>
             </a:endParaRPr>
           </a:p>
@@ -5269,46 +6378,36 @@
               </a:lnSpc>
             </a:pPr>
             <a:r>
-              <a:rPr b="0" lang="cs-CZ" sz="3200" spc="-1" strike="noStrike">
+              <a:rPr lang="cs-CZ" sz="3200" b="0" strike="noStrike" spc="-1">
                 <a:solidFill>
                   <a:srgbClr val="000000"/>
                 </a:solidFill>
                 <a:latin typeface="Courier New"/>
                 <a:ea typeface="DejaVu Sans"/>
               </a:rPr>
-              <a:t>     </a:t>
-            </a:r>
-            <a:r>
-              <a:rPr b="0" lang="cs-CZ" sz="3200" spc="-1" strike="noStrike">
+              <a:t>     sleep(</a:t>
+            </a:r>
+            <a:r>
+              <a:rPr lang="cs-CZ" sz="3200" b="0" strike="noStrike" spc="-1">
+                <a:solidFill>
+                  <a:srgbClr val="666666"/>
+                </a:solidFill>
+                <a:latin typeface="Courier New"/>
+                <a:ea typeface="DejaVu Sans"/>
+              </a:rPr>
+              <a:t>1000</a:t>
+            </a:r>
+            <a:r>
+              <a:rPr lang="cs-CZ" sz="3200" b="0" strike="noStrike" spc="-1">
                 <a:solidFill>
                   <a:srgbClr val="000000"/>
                 </a:solidFill>
                 <a:latin typeface="Courier New"/>
                 <a:ea typeface="DejaVu Sans"/>
               </a:rPr>
-              <a:t>sleep(</a:t>
-            </a:r>
-            <a:r>
-              <a:rPr b="0" lang="cs-CZ" sz="3200" spc="-1" strike="noStrike">
-                <a:solidFill>
-                  <a:srgbClr val="666666"/>
-                </a:solidFill>
-                <a:latin typeface="Courier New"/>
-                <a:ea typeface="DejaVu Sans"/>
-              </a:rPr>
-              <a:t>1000</a:t>
-            </a:r>
-            <a:r>
-              <a:rPr b="0" lang="cs-CZ" sz="3200" spc="-1" strike="noStrike">
-                <a:solidFill>
-                  <a:srgbClr val="000000"/>
-                </a:solidFill>
-                <a:latin typeface="Courier New"/>
-                <a:ea typeface="DejaVu Sans"/>
-              </a:rPr>
               <a:t>)</a:t>
             </a:r>
-            <a:endParaRPr b="0" lang="cs-CZ" sz="3200" spc="-1" strike="noStrike">
+            <a:endParaRPr lang="cs-CZ" sz="3200" b="0" strike="noStrike" spc="-1">
               <a:latin typeface="Arial"/>
             </a:endParaRPr>
           </a:p>
@@ -5316,22 +6415,25 @@
       </p:sp>
     </p:spTree>
   </p:cSld>
+  <p:clrMapOvr>
+    <a:masterClrMapping/>
+  </p:clrMapOvr>
   <p:timing>
     <p:tnLst>
       <p:par>
-        <p:cTn id="3" dur="indefinite" restart="never" nodeType="tmRoot">
+        <p:cTn id="1" dur="indefinite" restart="never" nodeType="tmRoot">
           <p:childTnLst>
             <p:seq>
-              <p:cTn id="4" dur="indefinite" nodeType="mainSeq"/>
+              <p:cTn id="2" dur="indefinite" nodeType="mainSeq"/>
               <p:prevCondLst>
-                <p:cond delay="0" evt="onPrev">
+                <p:cond evt="onPrev" delay="0">
                   <p:tgtEl>
                     <p:sldTgt/>
                   </p:tgtEl>
                 </p:cond>
               </p:prevCondLst>
               <p:nextCondLst>
-                <p:cond delay="0" evt="onNext">
+                <p:cond evt="onNext" delay="0">
                   <p:tgtEl>
                     <p:sldTgt/>
                   </p:tgtEl>
@@ -5347,7 +6449,7 @@
 </file>
 
 <file path=ppt/slides/slide3.xml><?xml version="1.0" encoding="utf-8"?>
-<p:sld xmlns:a="http://schemas.openxmlformats.org/drawingml/2006/main" xmlns:p="http://schemas.openxmlformats.org/presentationml/2006/main" xmlns:r="http://schemas.openxmlformats.org/officeDocument/2006/relationships" xmlns:p14="http://schemas.microsoft.com/office/powerpoint/2010/main" xmlns:p15="http://schemas.microsoft.com/office/powerpoint/2012/main" xmlns:mc="http://schemas.openxmlformats.org/markup-compatibility/2006">
+<p:sld xmlns:a="http://schemas.openxmlformats.org/drawingml/2006/main" xmlns:r="http://schemas.openxmlformats.org/officeDocument/2006/relationships" xmlns:p="http://schemas.openxmlformats.org/presentationml/2006/main">
   <p:cSld>
     <p:spTree>
       <p:nvGrpSpPr>
@@ -5383,13 +6485,20 @@
           </a:ln>
         </p:spPr>
         <p:style>
-          <a:lnRef idx="0"/>
-          <a:fillRef idx="0"/>
-          <a:effectRef idx="0"/>
+          <a:lnRef idx="0">
+            <a:scrgbClr r="0" g="0" b="0"/>
+          </a:lnRef>
+          <a:fillRef idx="0">
+            <a:scrgbClr r="0" g="0" b="0"/>
+          </a:fillRef>
+          <a:effectRef idx="0">
+            <a:scrgbClr r="0" g="0" b="0"/>
+          </a:effectRef>
           <a:fontRef idx="minor"/>
         </p:style>
         <p:txBody>
-          <a:bodyPr lIns="0" rIns="0" tIns="0" bIns="0" anchor="ctr"/>
+          <a:bodyPr lIns="0" tIns="0" rIns="0" bIns="0" anchor="ctr"/>
+          <a:lstStyle/>
           <a:p>
             <a:pPr algn="ctr">
               <a:lnSpc>
@@ -5397,7 +6506,7 @@
               </a:lnSpc>
             </a:pPr>
             <a:r>
-              <a:rPr b="0" lang="cs-CZ" sz="4400" spc="-1" strike="noStrike">
+              <a:rPr lang="cs-CZ" sz="4400" b="0" strike="noStrike" spc="-1">
                 <a:solidFill>
                   <a:srgbClr val="000000"/>
                 </a:solidFill>
@@ -5406,7 +6515,7 @@
               </a:rPr>
               <a:t>Výpis čísel od 1 do 10</a:t>
             </a:r>
-            <a:endParaRPr b="0" lang="cs-CZ" sz="4400" spc="-1" strike="noStrike">
+            <a:endParaRPr lang="cs-CZ" sz="4400" b="0" strike="noStrike" spc="-1">
               <a:latin typeface="Arial"/>
             </a:endParaRPr>
           </a:p>
@@ -5432,22 +6541,29 @@
           </a:ln>
         </p:spPr>
         <p:style>
-          <a:lnRef idx="0"/>
-          <a:fillRef idx="0"/>
-          <a:effectRef idx="0"/>
+          <a:lnRef idx="0">
+            <a:scrgbClr r="0" g="0" b="0"/>
+          </a:lnRef>
+          <a:fillRef idx="0">
+            <a:scrgbClr r="0" g="0" b="0"/>
+          </a:fillRef>
+          <a:effectRef idx="0">
+            <a:scrgbClr r="0" g="0" b="0"/>
+          </a:effectRef>
           <a:fontRef idx="minor"/>
         </p:style>
         <p:txBody>
-          <a:bodyPr lIns="0" rIns="0" tIns="0" bIns="0">
+          <a:bodyPr lIns="0" tIns="0" rIns="0" bIns="0">
             <a:normAutofit/>
           </a:bodyPr>
+          <a:lstStyle/>
           <a:p>
             <a:pPr>
               <a:lnSpc>
                 <a:spcPct val="100000"/>
               </a:lnSpc>
             </a:pPr>
-            <a:endParaRPr b="0" lang="cs-CZ" sz="1800" spc="-1" strike="noStrike">
+            <a:endParaRPr lang="cs-CZ" sz="1800" b="0" strike="noStrike" spc="-1" dirty="0">
               <a:latin typeface="Arial"/>
             </a:endParaRPr>
           </a:p>
@@ -5457,7 +6573,7 @@
                 <a:spcPct val="100000"/>
               </a:lnSpc>
             </a:pPr>
-            <a:endParaRPr b="0" lang="cs-CZ" sz="1800" spc="-1" strike="noStrike">
+            <a:endParaRPr lang="cs-CZ" sz="1800" b="0" strike="noStrike" spc="-1" dirty="0">
               <a:latin typeface="Arial"/>
             </a:endParaRPr>
           </a:p>
@@ -5467,7 +6583,7 @@
                 <a:spcPct val="100000"/>
               </a:lnSpc>
             </a:pPr>
-            <a:endParaRPr b="0" lang="cs-CZ" sz="1800" spc="-1" strike="noStrike">
+            <a:endParaRPr lang="cs-CZ" sz="1800" b="0" strike="noStrike" spc="-1" dirty="0">
               <a:latin typeface="Arial"/>
             </a:endParaRPr>
           </a:p>
@@ -5477,18 +6593,12 @@
                 <a:spcPct val="100000"/>
               </a:lnSpc>
             </a:pPr>
-            <a:r>
-              <a:rPr b="0" lang="cs-CZ" sz="2200" spc="-1" strike="noStrike">
-                <a:solidFill>
-                  <a:srgbClr val="000000"/>
-                </a:solidFill>
-                <a:latin typeface="Times New Roman"/>
-                <a:ea typeface="DejaVu Sans"/>
-              </a:rPr>
-              <a:t>Pozor – cyklus se provádí od 1 do 10. </a:t>
-            </a:r>
-            <a:endParaRPr b="0" lang="cs-CZ" sz="2200" spc="-1" strike="noStrike">
-              <a:latin typeface="Arial"/>
+            <a:endParaRPr lang="cs-CZ" sz="2200" b="0" strike="noStrike" spc="-1" dirty="0">
+              <a:solidFill>
+                <a:srgbClr val="000000"/>
+              </a:solidFill>
+              <a:latin typeface="Times New Roman"/>
+              <a:ea typeface="DejaVu Sans"/>
             </a:endParaRPr>
           </a:p>
           <a:p>
@@ -5497,8 +6607,12 @@
                 <a:spcPct val="100000"/>
               </a:lnSpc>
             </a:pPr>
-            <a:endParaRPr b="0" lang="cs-CZ" sz="2200" spc="-1" strike="noStrike">
-              <a:latin typeface="Arial"/>
+            <a:endParaRPr lang="cs-CZ" sz="2200" spc="-1" dirty="0">
+              <a:solidFill>
+                <a:srgbClr val="000000"/>
+              </a:solidFill>
+              <a:latin typeface="Times New Roman"/>
+              <a:ea typeface="DejaVu Sans"/>
             </a:endParaRPr>
           </a:p>
           <a:p>
@@ -5508,16 +6622,16 @@
               </a:lnSpc>
             </a:pPr>
             <a:r>
-              <a:rPr b="0" lang="cs-CZ" sz="2200" spc="-1" strike="noStrike">
+              <a:rPr lang="cs-CZ" sz="2200" b="0" strike="noStrike" spc="-1" dirty="0">
                 <a:solidFill>
                   <a:srgbClr val="000000"/>
                 </a:solidFill>
                 <a:latin typeface="Times New Roman"/>
                 <a:ea typeface="DejaVu Sans"/>
               </a:rPr>
-              <a:t>Ukázky použití range:</a:t>
-            </a:r>
-            <a:endParaRPr b="0" lang="cs-CZ" sz="2200" spc="-1" strike="noStrike">
+              <a:t>Pozor – cyklus se provádí od 1 do 10. </a:t>
+            </a:r>
+            <a:endParaRPr lang="cs-CZ" sz="2200" b="0" strike="noStrike" spc="-1" dirty="0">
               <a:latin typeface="Arial"/>
             </a:endParaRPr>
           </a:p>
@@ -5527,27 +6641,7 @@
                 <a:spcPct val="100000"/>
               </a:lnSpc>
             </a:pPr>
-            <a:r>
-              <a:rPr b="0" lang="cs-CZ" sz="2200" spc="-1" strike="noStrike">
-                <a:solidFill>
-                  <a:srgbClr val="000000"/>
-                </a:solidFill>
-                <a:latin typeface="Courier New"/>
-                <a:ea typeface="DejaVu Sans"/>
-              </a:rPr>
-              <a:t>range(3, 1) – </a:t>
-            </a:r>
-            <a:r>
-              <a:rPr b="0" lang="cs-CZ" sz="2200" spc="-1" strike="noStrike">
-                <a:solidFill>
-                  <a:srgbClr val="000000"/>
-                </a:solidFill>
-                <a:latin typeface="Times New Roman"/>
-                <a:ea typeface="DejaVu Sans"/>
-              </a:rPr>
-              <a:t>cyklus se neprovede (3 je větší než 1)</a:t>
-            </a:r>
-            <a:endParaRPr b="0" lang="cs-CZ" sz="2200" spc="-1" strike="noStrike">
+            <a:endParaRPr lang="cs-CZ" sz="2200" b="0" strike="noStrike" spc="-1" dirty="0">
               <a:latin typeface="Arial"/>
             </a:endParaRPr>
           </a:p>
@@ -5558,26 +6652,36 @@
               </a:lnSpc>
             </a:pPr>
             <a:r>
-              <a:rPr b="0" lang="cs-CZ" sz="2200" spc="-1" strike="noStrike">
+              <a:rPr lang="cs-CZ" sz="2200" b="0" strike="noStrike" spc="-1" dirty="0">
                 <a:solidFill>
                   <a:srgbClr val="000000"/>
                 </a:solidFill>
-                <a:latin typeface="Courier New"/>
-                <a:ea typeface="DejaVu Sans"/>
-              </a:rPr>
-              <a:t>range(1, 4, 2) – </a:t>
-            </a:r>
-            <a:r>
-              <a:rPr b="0" lang="cs-CZ" sz="2200" spc="-1" strike="noStrike">
+                <a:latin typeface="Times New Roman"/>
+                <a:ea typeface="DejaVu Sans"/>
+              </a:rPr>
+              <a:t>Ukázky použití </a:t>
+            </a:r>
+            <a:r>
+              <a:rPr lang="cs-CZ" sz="2200" b="0" strike="noStrike" spc="-1" dirty="0" err="1">
                 <a:solidFill>
                   <a:srgbClr val="000000"/>
                 </a:solidFill>
                 <a:latin typeface="Times New Roman"/>
                 <a:ea typeface="DejaVu Sans"/>
               </a:rPr>
-              <a:t>cyklus se provede pro 1 a 3, iterace je po dvou</a:t>
-            </a:r>
-            <a:endParaRPr b="0" lang="cs-CZ" sz="2200" spc="-1" strike="noStrike">
+              <a:t>range</a:t>
+            </a:r>
+            <a:r>
+              <a:rPr lang="cs-CZ" sz="2200" b="0" strike="noStrike" spc="-1" dirty="0">
+                <a:solidFill>
+                  <a:srgbClr val="000000"/>
+                </a:solidFill>
+                <a:latin typeface="Times New Roman"/>
+                <a:ea typeface="DejaVu Sans"/>
+              </a:rPr>
+              <a:t>:</a:t>
+            </a:r>
+            <a:endParaRPr lang="cs-CZ" sz="2200" b="0" strike="noStrike" spc="-1" dirty="0">
               <a:latin typeface="Arial"/>
             </a:endParaRPr>
           </a:p>
@@ -5588,52 +6692,39 @@
               </a:lnSpc>
             </a:pPr>
             <a:r>
-              <a:rPr b="0" lang="cs-CZ" sz="2200" spc="-1" strike="noStrike">
+              <a:rPr lang="cs-CZ" sz="2200" b="0" strike="noStrike" spc="-1" dirty="0" err="1">
                 <a:solidFill>
                   <a:srgbClr val="000000"/>
                 </a:solidFill>
                 <a:latin typeface="Courier New"/>
                 <a:ea typeface="DejaVu Sans"/>
               </a:rPr>
-              <a:t>range(3, 1, -1) – </a:t>
-            </a:r>
-            <a:r>
-              <a:rPr b="0" lang="cs-CZ" sz="2200" spc="-1" strike="noStrike">
+              <a:t>range</a:t>
+            </a:r>
+            <a:r>
+              <a:rPr lang="cs-CZ" sz="2200" b="0" strike="noStrike" spc="-1" dirty="0">
                 <a:solidFill>
                   <a:srgbClr val="000000"/>
                 </a:solidFill>
+                <a:latin typeface="Courier New"/>
+                <a:ea typeface="DejaVu Sans"/>
+              </a:rPr>
+              <a:t>(3, 1) – </a:t>
+            </a:r>
+            <a:r>
+              <a:rPr lang="cs-CZ" sz="2200" b="0" strike="noStrike" spc="-1" dirty="0">
+                <a:solidFill>
+                  <a:srgbClr val="000000"/>
+                </a:solidFill>
                 <a:latin typeface="Times New Roman"/>
                 <a:ea typeface="DejaVu Sans"/>
               </a:rPr>
-              <a:t>cyklus se provede pro 3 a 2</a:t>
-            </a:r>
-            <a:endParaRPr b="0" lang="cs-CZ" sz="2200" spc="-1" strike="noStrike">
-              <a:latin typeface="Arial"/>
-            </a:endParaRPr>
-          </a:p>
-        </p:txBody>
-      </p:sp>
-      <p:sp>
-        <p:nvSpPr>
-          <p:cNvPr id="120" name="TextShape 3"/>
-          <p:cNvSpPr txBox="1"/>
-          <p:nvPr/>
-        </p:nvSpPr>
-        <p:spPr>
-          <a:xfrm>
-            <a:off x="504000" y="1296000"/>
-            <a:ext cx="7992000" cy="1471680"/>
-          </a:xfrm>
-          <a:prstGeom prst="rect">
-            <a:avLst/>
-          </a:prstGeom>
-          <a:noFill/>
-          <a:ln>
-            <a:noFill/>
-          </a:ln>
-        </p:spPr>
-        <p:txBody>
-          <a:bodyPr lIns="90000" rIns="90000" tIns="45000" bIns="45000"/>
+              <a:t>cyklus se neprovede (3 je větší než 1)</a:t>
+            </a:r>
+            <a:endParaRPr lang="cs-CZ" sz="2200" b="0" strike="noStrike" spc="-1" dirty="0">
+              <a:latin typeface="Arial"/>
+            </a:endParaRPr>
+          </a:p>
           <a:p>
             <a:pPr>
               <a:lnSpc>
@@ -5641,76 +6732,36 @@
               </a:lnSpc>
             </a:pPr>
             <a:r>
-              <a:rPr b="0" lang="cs-CZ" sz="3200" spc="-1" strike="noStrike">
-                <a:solidFill>
-                  <a:srgbClr val="008000"/>
-                </a:solidFill>
-                <a:latin typeface="Courier New"/>
-                <a:ea typeface="DejaVu Sans"/>
-              </a:rPr>
-              <a:t>from</a:t>
-            </a:r>
-            <a:r>
-              <a:rPr b="0" lang="cs-CZ" sz="3200" spc="-1" strike="noStrike">
+              <a:rPr lang="cs-CZ" sz="2200" b="0" strike="noStrike" spc="-1" dirty="0" err="1">
                 <a:solidFill>
                   <a:srgbClr val="000000"/>
                 </a:solidFill>
                 <a:latin typeface="Courier New"/>
                 <a:ea typeface="DejaVu Sans"/>
               </a:rPr>
-              <a:t> </a:t>
-            </a:r>
-            <a:r>
-              <a:rPr b="0" lang="cs-CZ" sz="3200" spc="-1" strike="noStrike">
-                <a:solidFill>
-                  <a:srgbClr val="0000ff"/>
-                </a:solidFill>
-                <a:latin typeface="Courier New"/>
-                <a:ea typeface="DejaVu Sans"/>
-              </a:rPr>
-              <a:t>microbit</a:t>
-            </a:r>
-            <a:r>
-              <a:rPr b="0" lang="cs-CZ" sz="3200" spc="-1" strike="noStrike">
+              <a:t>range</a:t>
+            </a:r>
+            <a:r>
+              <a:rPr lang="cs-CZ" sz="2200" b="0" strike="noStrike" spc="-1" dirty="0">
                 <a:solidFill>
                   <a:srgbClr val="000000"/>
                 </a:solidFill>
                 <a:latin typeface="Courier New"/>
                 <a:ea typeface="DejaVu Sans"/>
               </a:rPr>
-              <a:t> </a:t>
-            </a:r>
-            <a:r>
-              <a:rPr b="0" lang="cs-CZ" sz="3200" spc="-1" strike="noStrike">
-                <a:solidFill>
-                  <a:srgbClr val="008000"/>
-                </a:solidFill>
-                <a:latin typeface="Courier New"/>
-                <a:ea typeface="DejaVu Sans"/>
-              </a:rPr>
-              <a:t>import</a:t>
-            </a:r>
-            <a:r>
-              <a:rPr b="0" lang="cs-CZ" sz="3200" spc="-1" strike="noStrike">
+              <a:t>(1, 4, 2) – </a:t>
+            </a:r>
+            <a:r>
+              <a:rPr lang="cs-CZ" sz="2200" b="0" strike="noStrike" spc="-1" dirty="0">
                 <a:solidFill>
                   <a:srgbClr val="000000"/>
                 </a:solidFill>
-                <a:latin typeface="Courier New"/>
-                <a:ea typeface="DejaVu Sans"/>
-              </a:rPr>
-              <a:t> </a:t>
-            </a:r>
-            <a:r>
-              <a:rPr b="0" lang="cs-CZ" sz="3200" spc="-1" strike="noStrike">
-                <a:solidFill>
-                  <a:srgbClr val="666666"/>
-                </a:solidFill>
-                <a:latin typeface="Courier New"/>
-                <a:ea typeface="DejaVu Sans"/>
-              </a:rPr>
-              <a:t>*</a:t>
-            </a:r>
-            <a:endParaRPr b="0" lang="cs-CZ" sz="3200" spc="-1" strike="noStrike">
+                <a:latin typeface="Times New Roman"/>
+                <a:ea typeface="DejaVu Sans"/>
+              </a:rPr>
+              <a:t>cyklus se provede pro 1 a 3, iterace je po dvou</a:t>
+            </a:r>
+            <a:endParaRPr lang="cs-CZ" sz="2200" b="0" strike="noStrike" spc="-1" dirty="0">
               <a:latin typeface="Arial"/>
             </a:endParaRPr>
           </a:p>
@@ -5721,17 +6772,161 @@
               </a:lnSpc>
             </a:pPr>
             <a:r>
-              <a:rPr b="0" lang="cs-CZ" sz="3200" spc="-1" strike="noStrike">
+              <a:rPr lang="cs-CZ" sz="2200" b="0" strike="noStrike" spc="-1" dirty="0" err="1">
+                <a:solidFill>
+                  <a:srgbClr val="000000"/>
+                </a:solidFill>
+                <a:latin typeface="Courier New"/>
+                <a:ea typeface="DejaVu Sans"/>
+              </a:rPr>
+              <a:t>range</a:t>
+            </a:r>
+            <a:r>
+              <a:rPr lang="cs-CZ" sz="2200" b="0" strike="noStrike" spc="-1" dirty="0">
+                <a:solidFill>
+                  <a:srgbClr val="000000"/>
+                </a:solidFill>
+                <a:latin typeface="Courier New"/>
+                <a:ea typeface="DejaVu Sans"/>
+              </a:rPr>
+              <a:t>(3, 1, -1) – </a:t>
+            </a:r>
+            <a:r>
+              <a:rPr lang="cs-CZ" sz="2200" b="0" strike="noStrike" spc="-1" dirty="0">
+                <a:solidFill>
+                  <a:srgbClr val="000000"/>
+                </a:solidFill>
+                <a:latin typeface="Times New Roman"/>
+                <a:ea typeface="DejaVu Sans"/>
+              </a:rPr>
+              <a:t>cyklus se provede pro 3 a 2</a:t>
+            </a:r>
+            <a:endParaRPr lang="cs-CZ" sz="2200" b="0" strike="noStrike" spc="-1" dirty="0">
+              <a:latin typeface="Arial"/>
+            </a:endParaRPr>
+          </a:p>
+        </p:txBody>
+      </p:sp>
+      <p:sp>
+        <p:nvSpPr>
+          <p:cNvPr id="120" name="TextShape 3"/>
+          <p:cNvSpPr txBox="1"/>
+          <p:nvPr/>
+        </p:nvSpPr>
+        <p:spPr>
+          <a:xfrm>
+            <a:off x="504000" y="1296000"/>
+            <a:ext cx="7992000" cy="1471680"/>
+          </a:xfrm>
+          <a:prstGeom prst="rect">
+            <a:avLst/>
+          </a:prstGeom>
+          <a:noFill/>
+          <a:ln>
+            <a:noFill/>
+          </a:ln>
+        </p:spPr>
+        <p:txBody>
+          <a:bodyPr lIns="90000" tIns="45000" rIns="90000" bIns="45000"/>
+          <a:lstStyle/>
+          <a:p>
+            <a:pPr>
+              <a:lnSpc>
+                <a:spcPct val="100000"/>
+              </a:lnSpc>
+            </a:pPr>
+            <a:r>
+              <a:rPr lang="cs-CZ" sz="3200" b="0" strike="noStrike" spc="-1" dirty="0" err="1">
                 <a:solidFill>
                   <a:srgbClr val="008000"/>
                 </a:solidFill>
                 <a:latin typeface="Courier New"/>
                 <a:ea typeface="DejaVu Sans"/>
               </a:rPr>
+              <a:t>from</a:t>
+            </a:r>
+            <a:r>
+              <a:rPr lang="cs-CZ" sz="3200" b="0" strike="noStrike" spc="-1" dirty="0">
+                <a:solidFill>
+                  <a:srgbClr val="000000"/>
+                </a:solidFill>
+                <a:latin typeface="Courier New"/>
+                <a:ea typeface="DejaVu Sans"/>
+              </a:rPr>
+              <a:t> </a:t>
+            </a:r>
+            <a:r>
+              <a:rPr lang="cs-CZ" sz="3200" b="0" strike="noStrike" spc="-1" dirty="0" err="1">
+                <a:solidFill>
+                  <a:srgbClr val="0000FF"/>
+                </a:solidFill>
+                <a:latin typeface="Courier New"/>
+                <a:ea typeface="DejaVu Sans"/>
+              </a:rPr>
+              <a:t>microbit</a:t>
+            </a:r>
+            <a:r>
+              <a:rPr lang="cs-CZ" sz="3200" b="0" strike="noStrike" spc="-1" dirty="0">
+                <a:solidFill>
+                  <a:srgbClr val="000000"/>
+                </a:solidFill>
+                <a:latin typeface="Courier New"/>
+                <a:ea typeface="DejaVu Sans"/>
+              </a:rPr>
+              <a:t> </a:t>
+            </a:r>
+            <a:r>
+              <a:rPr lang="cs-CZ" sz="3200" b="0" strike="noStrike" spc="-1" dirty="0">
+                <a:solidFill>
+                  <a:srgbClr val="008000"/>
+                </a:solidFill>
+                <a:latin typeface="Courier New"/>
+                <a:ea typeface="DejaVu Sans"/>
+              </a:rPr>
+              <a:t>import</a:t>
+            </a:r>
+            <a:r>
+              <a:rPr lang="cs-CZ" sz="3200" b="0" strike="noStrike" spc="-1" dirty="0">
+                <a:solidFill>
+                  <a:srgbClr val="000000"/>
+                </a:solidFill>
+                <a:latin typeface="Courier New"/>
+                <a:ea typeface="DejaVu Sans"/>
+              </a:rPr>
+              <a:t> </a:t>
+            </a:r>
+            <a:r>
+              <a:rPr lang="cs-CZ" sz="3200" b="0" strike="noStrike" spc="-1" dirty="0">
+                <a:solidFill>
+                  <a:srgbClr val="666666"/>
+                </a:solidFill>
+                <a:latin typeface="Courier New"/>
+                <a:ea typeface="DejaVu Sans"/>
+              </a:rPr>
+              <a:t>*</a:t>
+            </a:r>
+            <a:endParaRPr lang="cs-CZ" sz="3200" b="0" strike="noStrike" spc="-1" dirty="0">
+              <a:latin typeface="Arial"/>
+            </a:endParaRPr>
+          </a:p>
+          <a:p>
+            <a:pPr>
+              <a:lnSpc>
+                <a:spcPct val="100000"/>
+              </a:lnSpc>
+            </a:pPr>
+            <a:r>
+              <a:rPr lang="cs-CZ" sz="3200" b="0" strike="noStrike" spc="-1" dirty="0" err="1">
+                <a:solidFill>
+                  <a:srgbClr val="008000"/>
+                </a:solidFill>
+                <a:latin typeface="Courier New"/>
+                <a:ea typeface="DejaVu Sans"/>
+              </a:rPr>
               <a:t>for</a:t>
             </a:r>
             <a:r>
-              <a:rPr b="0" lang="cs-CZ" sz="3200" spc="-1" strike="noStrike">
+              <a:rPr lang="cs-CZ" sz="3200" b="0" strike="noStrike" spc="-1" dirty="0">
                 <a:solidFill>
                   <a:srgbClr val="000000"/>
                 </a:solidFill>
@@ -5741,9 +6936,9 @@
               <a:t> i </a:t>
             </a:r>
             <a:r>
-              <a:rPr b="0" lang="cs-CZ" sz="3200" spc="-1" strike="noStrike">
-                <a:solidFill>
-                  <a:srgbClr val="aa22ff"/>
+              <a:rPr lang="cs-CZ" sz="3200" b="0" strike="noStrike" spc="-1" dirty="0">
+                <a:solidFill>
+                  <a:srgbClr val="AA22FF"/>
                 </a:solidFill>
                 <a:latin typeface="Courier New"/>
                 <a:ea typeface="DejaVu Sans"/>
@@ -5751,7 +6946,7 @@
               <a:t>in</a:t>
             </a:r>
             <a:r>
-              <a:rPr b="0" lang="cs-CZ" sz="3200" spc="-1" strike="noStrike">
+              <a:rPr lang="cs-CZ" sz="3200" b="0" strike="noStrike" spc="-1" dirty="0">
                 <a:solidFill>
                   <a:srgbClr val="000000"/>
                 </a:solidFill>
@@ -5761,7 +6956,7 @@
               <a:t> </a:t>
             </a:r>
             <a:r>
-              <a:rPr b="0" lang="cs-CZ" sz="3200" spc="-1" strike="noStrike">
+              <a:rPr lang="cs-CZ" sz="3200" b="0" strike="noStrike" spc="-1" dirty="0" err="1">
                 <a:solidFill>
                   <a:srgbClr val="008000"/>
                 </a:solidFill>
@@ -5771,7 +6966,7 @@
               <a:t>range</a:t>
             </a:r>
             <a:r>
-              <a:rPr b="0" lang="cs-CZ" sz="3200" spc="-1" strike="noStrike">
+              <a:rPr lang="cs-CZ" sz="3200" b="0" strike="noStrike" spc="-1" dirty="0">
                 <a:solidFill>
                   <a:srgbClr val="000000"/>
                 </a:solidFill>
@@ -5781,7 +6976,7 @@
               <a:t>(</a:t>
             </a:r>
             <a:r>
-              <a:rPr b="0" lang="cs-CZ" sz="3200" spc="-1" strike="noStrike">
+              <a:rPr lang="cs-CZ" sz="3200" b="0" strike="noStrike" spc="-1" dirty="0">
                 <a:solidFill>
                   <a:srgbClr val="666666"/>
                 </a:solidFill>
@@ -5791,7 +6986,7 @@
               <a:t>1</a:t>
             </a:r>
             <a:r>
-              <a:rPr b="0" lang="cs-CZ" sz="3200" spc="-1" strike="noStrike">
+              <a:rPr lang="cs-CZ" sz="3200" b="0" strike="noStrike" spc="-1" dirty="0">
                 <a:solidFill>
                   <a:srgbClr val="000000"/>
                 </a:solidFill>
@@ -5801,7 +6996,7 @@
               <a:t>, </a:t>
             </a:r>
             <a:r>
-              <a:rPr b="0" lang="cs-CZ" sz="3200" spc="-1" strike="noStrike">
+              <a:rPr lang="cs-CZ" sz="3200" b="0" strike="noStrike" spc="-1" dirty="0">
                 <a:solidFill>
                   <a:srgbClr val="666666"/>
                 </a:solidFill>
@@ -5811,7 +7006,7 @@
               <a:t>11</a:t>
             </a:r>
             <a:r>
-              <a:rPr b="0" lang="cs-CZ" sz="3200" spc="-1" strike="noStrike">
+              <a:rPr lang="cs-CZ" sz="3200" b="0" strike="noStrike" spc="-1" dirty="0">
                 <a:solidFill>
                   <a:srgbClr val="000000"/>
                 </a:solidFill>
@@ -5820,13 +7015,13 @@
               </a:rPr>
               <a:t>):</a:t>
             </a:r>
-            <a:endParaRPr b="0" lang="cs-CZ" sz="3200" spc="-1" strike="noStrike">
-              <a:latin typeface="Arial"/>
-            </a:endParaRPr>
-          </a:p>
-          <a:p>
-            <a:r>
-              <a:rPr b="0" lang="cs-CZ" sz="3200" spc="-1" strike="noStrike">
+            <a:endParaRPr lang="cs-CZ" sz="3200" b="0" strike="noStrike" spc="-1" dirty="0">
+              <a:latin typeface="Arial"/>
+            </a:endParaRPr>
+          </a:p>
+          <a:p>
+            <a:r>
+              <a:rPr lang="cs-CZ" sz="3200" b="0" strike="noStrike" spc="-1" dirty="0">
                 <a:solidFill>
                   <a:srgbClr val="000000"/>
                 </a:solidFill>
@@ -5836,7 +7031,7 @@
               <a:t>    </a:t>
             </a:r>
             <a:r>
-              <a:rPr b="0" lang="cs-CZ" sz="3200" spc="-1" strike="noStrike">
+              <a:rPr lang="cs-CZ" sz="3200" b="0" strike="noStrike" spc="-1" dirty="0" err="1">
                 <a:solidFill>
                   <a:srgbClr val="000000"/>
                 </a:solidFill>
@@ -5846,7 +7041,7 @@
               <a:t>display</a:t>
             </a:r>
             <a:r>
-              <a:rPr b="0" lang="cs-CZ" sz="3200" spc="-1" strike="noStrike">
+              <a:rPr lang="cs-CZ" sz="3200" b="0" strike="noStrike" spc="-1" dirty="0" err="1">
                 <a:solidFill>
                   <a:srgbClr val="666666"/>
                 </a:solidFill>
@@ -5856,16 +7051,26 @@
               <a:t>.</a:t>
             </a:r>
             <a:r>
-              <a:rPr b="0" lang="cs-CZ" sz="3200" spc="-1" strike="noStrike">
+              <a:rPr lang="cs-CZ" sz="3200" b="0" strike="noStrike" spc="-1" dirty="0" err="1">
                 <a:solidFill>
                   <a:srgbClr val="000000"/>
                 </a:solidFill>
                 <a:latin typeface="Courier New"/>
                 <a:ea typeface="DejaVu Sans"/>
               </a:rPr>
-              <a:t>scroll(i)</a:t>
-            </a:r>
-            <a:endParaRPr b="0" lang="cs-CZ" sz="3200" spc="-1" strike="noStrike">
+              <a:t>scroll</a:t>
+            </a:r>
+            <a:r>
+              <a:rPr lang="cs-CZ" sz="3200" b="0" strike="noStrike" spc="-1" dirty="0">
+                <a:solidFill>
+                  <a:srgbClr val="000000"/>
+                </a:solidFill>
+                <a:latin typeface="Courier New"/>
+                <a:ea typeface="DejaVu Sans"/>
+              </a:rPr>
+              <a:t>(i)</a:t>
+            </a:r>
+            <a:endParaRPr lang="cs-CZ" sz="3200" b="0" strike="noStrike" spc="-1" dirty="0">
               <a:latin typeface="Arial"/>
             </a:endParaRPr>
           </a:p>
@@ -5873,22 +7078,25 @@
       </p:sp>
     </p:spTree>
   </p:cSld>
+  <p:clrMapOvr>
+    <a:masterClrMapping/>
+  </p:clrMapOvr>
   <p:timing>
     <p:tnLst>
       <p:par>
-        <p:cTn id="5" dur="indefinite" restart="never" nodeType="tmRoot">
+        <p:cTn id="1" dur="indefinite" restart="never" nodeType="tmRoot">
           <p:childTnLst>
             <p:seq>
-              <p:cTn id="6" dur="indefinite" nodeType="mainSeq"/>
+              <p:cTn id="2" dur="indefinite" nodeType="mainSeq"/>
               <p:prevCondLst>
-                <p:cond delay="0" evt="onPrev">
+                <p:cond evt="onPrev" delay="0">
                   <p:tgtEl>
                     <p:sldTgt/>
                   </p:tgtEl>
                 </p:cond>
               </p:prevCondLst>
               <p:nextCondLst>
-                <p:cond delay="0" evt="onNext">
+                <p:cond evt="onNext" delay="0">
                   <p:tgtEl>
                     <p:sldTgt/>
                   </p:tgtEl>
@@ -5904,7 +7112,7 @@
 </file>
 
 <file path=ppt/slides/slide4.xml><?xml version="1.0" encoding="utf-8"?>
-<p:sld xmlns:a="http://schemas.openxmlformats.org/drawingml/2006/main" xmlns:p="http://schemas.openxmlformats.org/presentationml/2006/main" xmlns:r="http://schemas.openxmlformats.org/officeDocument/2006/relationships" xmlns:p14="http://schemas.microsoft.com/office/powerpoint/2010/main" xmlns:p15="http://schemas.microsoft.com/office/powerpoint/2012/main" xmlns:mc="http://schemas.openxmlformats.org/markup-compatibility/2006">
+<p:sld xmlns:a="http://schemas.openxmlformats.org/drawingml/2006/main" xmlns:r="http://schemas.openxmlformats.org/officeDocument/2006/relationships" xmlns:p="http://schemas.openxmlformats.org/presentationml/2006/main">
   <p:cSld>
     <p:spTree>
       <p:nvGrpSpPr>
@@ -5940,13 +7148,20 @@
           </a:ln>
         </p:spPr>
         <p:style>
-          <a:lnRef idx="0"/>
-          <a:fillRef idx="0"/>
-          <a:effectRef idx="0"/>
+          <a:lnRef idx="0">
+            <a:scrgbClr r="0" g="0" b="0"/>
+          </a:lnRef>
+          <a:fillRef idx="0">
+            <a:scrgbClr r="0" g="0" b="0"/>
+          </a:fillRef>
+          <a:effectRef idx="0">
+            <a:scrgbClr r="0" g="0" b="0"/>
+          </a:effectRef>
           <a:fontRef idx="minor"/>
         </p:style>
         <p:txBody>
-          <a:bodyPr lIns="0" rIns="0" tIns="0" bIns="0" anchor="ctr"/>
+          <a:bodyPr lIns="0" tIns="0" rIns="0" bIns="0" anchor="ctr"/>
+          <a:lstStyle/>
           <a:p>
             <a:pPr algn="ctr">
               <a:lnSpc>
@@ -5954,26 +7169,16 @@
               </a:lnSpc>
             </a:pPr>
             <a:r>
-              <a:rPr b="0" lang="cs-CZ" sz="4400" spc="-1" strike="noStrike">
+              <a:rPr lang="cs-CZ" sz="4400" b="0" strike="noStrike" spc="-1">
                 <a:solidFill>
                   <a:srgbClr val="000000"/>
                 </a:solidFill>
                 <a:latin typeface="Arial"/>
                 <a:ea typeface="DejaVu Sans"/>
               </a:rPr>
-              <a:t>Výpis čísel od 1 do 10</a:t>
-            </a:r>
-            <a:r>
-              <a:rPr b="0" lang="cs-CZ" sz="4400" spc="-1" strike="noStrike">
-                <a:solidFill>
-                  <a:srgbClr val="000000"/>
-                </a:solidFill>
-                <a:latin typeface="Arial"/>
-                <a:ea typeface="DejaVu Sans"/>
-              </a:rPr>
-              <a:t>	</a:t>
-            </a:r>
-            <a:endParaRPr b="0" lang="cs-CZ" sz="4400" spc="-1" strike="noStrike">
+              <a:t>Výpis čísel od 1 do 10	</a:t>
+            </a:r>
+            <a:endParaRPr lang="cs-CZ" sz="4400" b="0" strike="noStrike" spc="-1">
               <a:latin typeface="Arial"/>
             </a:endParaRPr>
           </a:p>
@@ -5999,15 +7204,22 @@
           </a:ln>
         </p:spPr>
         <p:style>
-          <a:lnRef idx="0"/>
-          <a:fillRef idx="0"/>
-          <a:effectRef idx="0"/>
+          <a:lnRef idx="0">
+            <a:scrgbClr r="0" g="0" b="0"/>
+          </a:lnRef>
+          <a:fillRef idx="0">
+            <a:scrgbClr r="0" g="0" b="0"/>
+          </a:fillRef>
+          <a:effectRef idx="0">
+            <a:scrgbClr r="0" g="0" b="0"/>
+          </a:effectRef>
           <a:fontRef idx="minor"/>
         </p:style>
         <p:txBody>
-          <a:bodyPr lIns="0" rIns="0" tIns="0" bIns="0">
+          <a:bodyPr lIns="0" tIns="0" rIns="0" bIns="0">
             <a:normAutofit/>
           </a:bodyPr>
+          <a:lstStyle/>
           <a:p>
             <a:pPr marL="432000" indent="-322920">
               <a:lnSpc>
@@ -6024,7 +7236,7 @@
               <a:buChar char=""/>
             </a:pPr>
             <a:r>
-              <a:rPr b="0" lang="cs-CZ" sz="3200" spc="-1" strike="noStrike">
+              <a:rPr lang="cs-CZ" sz="3200" b="0" strike="noStrike" spc="-1">
                 <a:solidFill>
                   <a:srgbClr val="000000"/>
                 </a:solidFill>
@@ -6035,7 +7247,7 @@
             </a:r>
             <a:br/>
             <a:r>
-              <a:rPr b="0" lang="cs-CZ" sz="3200" spc="-1" strike="noStrike">
+              <a:rPr lang="cs-CZ" sz="3200" b="0" strike="noStrike" spc="-1">
                 <a:solidFill>
                   <a:srgbClr val="000000"/>
                 </a:solidFill>
@@ -6044,7 +7256,7 @@
               </a:rPr>
               <a:t> </a:t>
             </a:r>
-            <a:endParaRPr b="0" lang="cs-CZ" sz="3200" spc="-1" strike="noStrike">
+            <a:endParaRPr lang="cs-CZ" sz="3200" b="0" strike="noStrike" spc="-1">
               <a:latin typeface="Arial"/>
             </a:endParaRPr>
           </a:p>
@@ -6054,7 +7266,7 @@
                 <a:spcPct val="100000"/>
               </a:lnSpc>
             </a:pPr>
-            <a:endParaRPr b="0" lang="cs-CZ" sz="3200" spc="-1" strike="noStrike">
+            <a:endParaRPr lang="cs-CZ" sz="3200" b="0" strike="noStrike" spc="-1">
               <a:latin typeface="Arial"/>
             </a:endParaRPr>
           </a:p>
@@ -6080,7 +7292,8 @@
           </a:ln>
         </p:spPr>
         <p:txBody>
-          <a:bodyPr lIns="90000" rIns="90000" tIns="45000" bIns="45000"/>
+          <a:bodyPr lIns="90000" tIns="45000" rIns="90000" bIns="45000"/>
+          <a:lstStyle/>
           <a:p>
             <a:pPr>
               <a:lnSpc>
@@ -6088,7 +7301,7 @@
               </a:lnSpc>
             </a:pPr>
             <a:r>
-              <a:rPr b="0" lang="cs-CZ" sz="3200" spc="-1" strike="noStrike">
+              <a:rPr lang="cs-CZ" sz="3200" b="0" strike="noStrike" spc="-1">
                 <a:solidFill>
                   <a:srgbClr val="008000"/>
                 </a:solidFill>
@@ -6098,7 +7311,7 @@
               <a:t>from</a:t>
             </a:r>
             <a:r>
-              <a:rPr b="0" lang="cs-CZ" sz="3200" spc="-1" strike="noStrike">
+              <a:rPr lang="cs-CZ" sz="3200" b="0" strike="noStrike" spc="-1">
                 <a:solidFill>
                   <a:srgbClr val="000000"/>
                 </a:solidFill>
@@ -6108,9 +7321,9 @@
               <a:t> </a:t>
             </a:r>
             <a:r>
-              <a:rPr b="0" lang="cs-CZ" sz="3200" spc="-1" strike="noStrike">
-                <a:solidFill>
-                  <a:srgbClr val="0000ff"/>
+              <a:rPr lang="cs-CZ" sz="3200" b="0" strike="noStrike" spc="-1">
+                <a:solidFill>
+                  <a:srgbClr val="0000FF"/>
                 </a:solidFill>
                 <a:latin typeface="Courier New"/>
                 <a:ea typeface="DejaVu Sans"/>
@@ -6118,7 +7331,7 @@
               <a:t>microbit</a:t>
             </a:r>
             <a:r>
-              <a:rPr b="0" lang="cs-CZ" sz="3200" spc="-1" strike="noStrike">
+              <a:rPr lang="cs-CZ" sz="3200" b="0" strike="noStrike" spc="-1">
                 <a:solidFill>
                   <a:srgbClr val="000000"/>
                 </a:solidFill>
@@ -6128,7 +7341,7 @@
               <a:t> </a:t>
             </a:r>
             <a:r>
-              <a:rPr b="0" lang="cs-CZ" sz="3200" spc="-1" strike="noStrike">
+              <a:rPr lang="cs-CZ" sz="3200" b="0" strike="noStrike" spc="-1">
                 <a:solidFill>
                   <a:srgbClr val="008000"/>
                 </a:solidFill>
@@ -6138,7 +7351,7 @@
               <a:t>import</a:t>
             </a:r>
             <a:r>
-              <a:rPr b="0" lang="cs-CZ" sz="3200" spc="-1" strike="noStrike">
+              <a:rPr lang="cs-CZ" sz="3200" b="0" strike="noStrike" spc="-1">
                 <a:solidFill>
                   <a:srgbClr val="000000"/>
                 </a:solidFill>
@@ -6148,7 +7361,7 @@
               <a:t> </a:t>
             </a:r>
             <a:r>
-              <a:rPr b="0" lang="cs-CZ" sz="3200" spc="-1" strike="noStrike">
+              <a:rPr lang="cs-CZ" sz="3200" b="0" strike="noStrike" spc="-1">
                 <a:solidFill>
                   <a:srgbClr val="666666"/>
                 </a:solidFill>
@@ -6157,7 +7370,7 @@
               </a:rPr>
               <a:t>*</a:t>
             </a:r>
-            <a:endParaRPr b="0" lang="cs-CZ" sz="3200" spc="-1" strike="noStrike">
+            <a:endParaRPr lang="cs-CZ" sz="3200" b="0" strike="noStrike" spc="-1">
               <a:latin typeface="Arial"/>
             </a:endParaRPr>
           </a:p>
@@ -6168,7 +7381,7 @@
               </a:lnSpc>
             </a:pPr>
             <a:r>
-              <a:rPr b="0" lang="cs-CZ" sz="3200" spc="-1" strike="noStrike">
+              <a:rPr lang="cs-CZ" sz="3200" b="0" strike="noStrike" spc="-1">
                 <a:solidFill>
                   <a:srgbClr val="000000"/>
                 </a:solidFill>
@@ -6178,7 +7391,7 @@
               <a:t>i </a:t>
             </a:r>
             <a:r>
-              <a:rPr b="0" lang="cs-CZ" sz="3200" spc="-1" strike="noStrike">
+              <a:rPr lang="cs-CZ" sz="3200" b="0" strike="noStrike" spc="-1">
                 <a:solidFill>
                   <a:srgbClr val="666666"/>
                 </a:solidFill>
@@ -6188,7 +7401,7 @@
               <a:t>=</a:t>
             </a:r>
             <a:r>
-              <a:rPr b="0" lang="cs-CZ" sz="3200" spc="-1" strike="noStrike">
+              <a:rPr lang="cs-CZ" sz="3200" b="0" strike="noStrike" spc="-1">
                 <a:solidFill>
                   <a:srgbClr val="000000"/>
                 </a:solidFill>
@@ -6198,7 +7411,7 @@
               <a:t> </a:t>
             </a:r>
             <a:r>
-              <a:rPr b="0" lang="cs-CZ" sz="3200" spc="-1" strike="noStrike">
+              <a:rPr lang="cs-CZ" sz="3200" b="0" strike="noStrike" spc="-1">
                 <a:solidFill>
                   <a:srgbClr val="666666"/>
                 </a:solidFill>
@@ -6207,7 +7420,7 @@
               </a:rPr>
               <a:t>1</a:t>
             </a:r>
-            <a:endParaRPr b="0" lang="cs-CZ" sz="3200" spc="-1" strike="noStrike">
+            <a:endParaRPr lang="cs-CZ" sz="3200" b="0" strike="noStrike" spc="-1">
               <a:latin typeface="Arial"/>
             </a:endParaRPr>
           </a:p>
@@ -6218,7 +7431,7 @@
               </a:lnSpc>
             </a:pPr>
             <a:r>
-              <a:rPr b="0" lang="cs-CZ" sz="3200" spc="-1" strike="noStrike">
+              <a:rPr lang="cs-CZ" sz="3200" b="0" strike="noStrike" spc="-1">
                 <a:solidFill>
                   <a:srgbClr val="008000"/>
                 </a:solidFill>
@@ -6228,7 +7441,7 @@
               <a:t>while</a:t>
             </a:r>
             <a:r>
-              <a:rPr b="0" lang="cs-CZ" sz="3200" spc="-1" strike="noStrike">
+              <a:rPr lang="cs-CZ" sz="3200" b="0" strike="noStrike" spc="-1">
                 <a:solidFill>
                   <a:srgbClr val="000000"/>
                 </a:solidFill>
@@ -6238,7 +7451,7 @@
               <a:t> (i </a:t>
             </a:r>
             <a:r>
-              <a:rPr b="0" lang="cs-CZ" sz="3200" spc="-1" strike="noStrike">
+              <a:rPr lang="cs-CZ" sz="3200" b="0" strike="noStrike" spc="-1">
                 <a:solidFill>
                   <a:srgbClr val="666666"/>
                 </a:solidFill>
@@ -6248,7 +7461,7 @@
               <a:t>&lt;</a:t>
             </a:r>
             <a:r>
-              <a:rPr b="0" lang="cs-CZ" sz="3200" spc="-1" strike="noStrike">
+              <a:rPr lang="cs-CZ" sz="3200" b="0" strike="noStrike" spc="-1">
                 <a:solidFill>
                   <a:srgbClr val="000000"/>
                 </a:solidFill>
@@ -6258,7 +7471,7 @@
               <a:t> </a:t>
             </a:r>
             <a:r>
-              <a:rPr b="0" lang="cs-CZ" sz="3200" spc="-1" strike="noStrike">
+              <a:rPr lang="cs-CZ" sz="3200" b="0" strike="noStrike" spc="-1">
                 <a:solidFill>
                   <a:srgbClr val="666666"/>
                 </a:solidFill>
@@ -6268,7 +7481,7 @@
               <a:t>11</a:t>
             </a:r>
             <a:r>
-              <a:rPr b="0" lang="cs-CZ" sz="3200" spc="-1" strike="noStrike">
+              <a:rPr lang="cs-CZ" sz="3200" b="0" strike="noStrike" spc="-1">
                 <a:solidFill>
                   <a:srgbClr val="000000"/>
                 </a:solidFill>
@@ -6277,7 +7490,7 @@
               </a:rPr>
               <a:t>):</a:t>
             </a:r>
-            <a:endParaRPr b="0" lang="cs-CZ" sz="3200" spc="-1" strike="noStrike">
+            <a:endParaRPr lang="cs-CZ" sz="3200" b="0" strike="noStrike" spc="-1">
               <a:latin typeface="Arial"/>
             </a:endParaRPr>
           </a:p>
@@ -6288,131 +7501,111 @@
               </a:lnSpc>
             </a:pPr>
             <a:r>
-              <a:rPr b="0" lang="cs-CZ" sz="3200" spc="-1" strike="noStrike">
+              <a:rPr lang="cs-CZ" sz="3200" b="0" strike="noStrike" spc="-1">
                 <a:solidFill>
                   <a:srgbClr val="000000"/>
                 </a:solidFill>
                 <a:latin typeface="Courier New"/>
                 <a:ea typeface="DejaVu Sans"/>
               </a:rPr>
-              <a:t>    </a:t>
-            </a:r>
-            <a:r>
-              <a:rPr b="0" lang="cs-CZ" sz="3200" spc="-1" strike="noStrike">
+              <a:t>    display</a:t>
+            </a:r>
+            <a:r>
+              <a:rPr lang="cs-CZ" sz="3200" b="0" strike="noStrike" spc="-1">
+                <a:solidFill>
+                  <a:srgbClr val="666666"/>
+                </a:solidFill>
+                <a:latin typeface="Courier New"/>
+                <a:ea typeface="DejaVu Sans"/>
+              </a:rPr>
+              <a:t>.</a:t>
+            </a:r>
+            <a:r>
+              <a:rPr lang="cs-CZ" sz="3200" b="0" strike="noStrike" spc="-1">
                 <a:solidFill>
                   <a:srgbClr val="000000"/>
                 </a:solidFill>
                 <a:latin typeface="Courier New"/>
                 <a:ea typeface="DejaVu Sans"/>
               </a:rPr>
-              <a:t>display</a:t>
-            </a:r>
-            <a:r>
-              <a:rPr b="0" lang="cs-CZ" sz="3200" spc="-1" strike="noStrike">
+              <a:t>scroll(i)</a:t>
+            </a:r>
+            <a:endParaRPr lang="cs-CZ" sz="3200" b="0" strike="noStrike" spc="-1">
+              <a:latin typeface="Arial"/>
+            </a:endParaRPr>
+          </a:p>
+          <a:p>
+            <a:r>
+              <a:rPr lang="cs-CZ" sz="3200" b="1" strike="noStrike" spc="-1">
+                <a:solidFill>
+                  <a:srgbClr val="000000"/>
+                </a:solidFill>
+                <a:latin typeface="Courier New"/>
+                <a:ea typeface="DejaVu Sans"/>
+              </a:rPr>
+              <a:t>   </a:t>
+            </a:r>
+            <a:r>
+              <a:rPr lang="cs-CZ" sz="3200" b="0" strike="noStrike" spc="-1">
+                <a:solidFill>
+                  <a:srgbClr val="000000"/>
+                </a:solidFill>
+                <a:latin typeface="Courier New"/>
+                <a:ea typeface="DejaVu Sans"/>
+              </a:rPr>
+              <a:t> i </a:t>
+            </a:r>
+            <a:r>
+              <a:rPr lang="cs-CZ" sz="3200" b="0" strike="noStrike" spc="-1">
                 <a:solidFill>
                   <a:srgbClr val="666666"/>
                 </a:solidFill>
                 <a:latin typeface="Courier New"/>
                 <a:ea typeface="DejaVu Sans"/>
               </a:rPr>
-              <a:t>.</a:t>
-            </a:r>
-            <a:r>
-              <a:rPr b="0" lang="cs-CZ" sz="3200" spc="-1" strike="noStrike">
+              <a:t>=</a:t>
+            </a:r>
+            <a:r>
+              <a:rPr lang="cs-CZ" sz="3200" b="0" strike="noStrike" spc="-1">
                 <a:solidFill>
                   <a:srgbClr val="000000"/>
                 </a:solidFill>
                 <a:latin typeface="Courier New"/>
                 <a:ea typeface="DejaVu Sans"/>
               </a:rPr>
-              <a:t>scroll(i)</a:t>
-            </a:r>
-            <a:endParaRPr b="0" lang="cs-CZ" sz="3200" spc="-1" strike="noStrike">
-              <a:latin typeface="Arial"/>
-            </a:endParaRPr>
-          </a:p>
-          <a:p>
-            <a:r>
-              <a:rPr b="1" lang="cs-CZ" sz="3200" spc="-1" strike="noStrike">
+              <a:t> i </a:t>
+            </a:r>
+            <a:r>
+              <a:rPr lang="cs-CZ" sz="3200" b="0" strike="noStrike" spc="-1">
+                <a:solidFill>
+                  <a:srgbClr val="666666"/>
+                </a:solidFill>
+                <a:latin typeface="Courier New"/>
+                <a:ea typeface="DejaVu Sans"/>
+              </a:rPr>
+              <a:t>+</a:t>
+            </a:r>
+            <a:r>
+              <a:rPr lang="cs-CZ" sz="3200" b="0" strike="noStrike" spc="-1">
                 <a:solidFill>
                   <a:srgbClr val="000000"/>
                 </a:solidFill>
                 <a:latin typeface="Courier New"/>
                 <a:ea typeface="DejaVu Sans"/>
               </a:rPr>
-              <a:t>   </a:t>
-            </a:r>
-            <a:r>
-              <a:rPr b="0" lang="cs-CZ" sz="3200" spc="-1" strike="noStrike">
-                <a:solidFill>
-                  <a:srgbClr val="000000"/>
-                </a:solidFill>
-                <a:latin typeface="Courier New"/>
-                <a:ea typeface="DejaVu Sans"/>
-              </a:rPr>
               <a:t> </a:t>
             </a:r>
             <a:r>
-              <a:rPr b="0" lang="cs-CZ" sz="3200" spc="-1" strike="noStrike">
-                <a:solidFill>
-                  <a:srgbClr val="000000"/>
-                </a:solidFill>
-                <a:latin typeface="Courier New"/>
-                <a:ea typeface="DejaVu Sans"/>
-              </a:rPr>
-              <a:t>i </a:t>
-            </a:r>
-            <a:r>
-              <a:rPr b="0" lang="cs-CZ" sz="3200" spc="-1" strike="noStrike">
+              <a:rPr lang="cs-CZ" sz="3200" b="0" strike="noStrike" spc="-1">
                 <a:solidFill>
                   <a:srgbClr val="666666"/>
                 </a:solidFill>
                 <a:latin typeface="Courier New"/>
                 <a:ea typeface="DejaVu Sans"/>
               </a:rPr>
-              <a:t>=</a:t>
-            </a:r>
-            <a:r>
-              <a:rPr b="0" lang="cs-CZ" sz="3200" spc="-1" strike="noStrike">
-                <a:solidFill>
-                  <a:srgbClr val="000000"/>
-                </a:solidFill>
-                <a:latin typeface="Courier New"/>
-                <a:ea typeface="DejaVu Sans"/>
-              </a:rPr>
-              <a:t> i </a:t>
-            </a:r>
-            <a:r>
-              <a:rPr b="0" lang="cs-CZ" sz="3200" spc="-1" strike="noStrike">
-                <a:solidFill>
-                  <a:srgbClr val="666666"/>
-                </a:solidFill>
-                <a:latin typeface="Courier New"/>
-                <a:ea typeface="DejaVu Sans"/>
-              </a:rPr>
-              <a:t>+</a:t>
-            </a:r>
-            <a:r>
-              <a:rPr b="0" lang="cs-CZ" sz="3200" spc="-1" strike="noStrike">
-                <a:solidFill>
-                  <a:srgbClr val="000000"/>
-                </a:solidFill>
-                <a:latin typeface="Courier New"/>
-                <a:ea typeface="DejaVu Sans"/>
-              </a:rPr>
-              <a:t> </a:t>
-            </a:r>
-            <a:r>
-              <a:rPr b="0" lang="cs-CZ" sz="3200" spc="-1" strike="noStrike">
-                <a:solidFill>
-                  <a:srgbClr val="666666"/>
-                </a:solidFill>
-                <a:latin typeface="Courier New"/>
-                <a:ea typeface="DejaVu Sans"/>
-              </a:rPr>
               <a:t>1</a:t>
             </a:r>
-            <a:endParaRPr b="0" lang="cs-CZ" sz="3200" spc="-1" strike="noStrike">
+            <a:endParaRPr lang="cs-CZ" sz="3200" b="0" strike="noStrike" spc="-1">
               <a:latin typeface="Arial"/>
             </a:endParaRPr>
           </a:p>
@@ -6420,22 +7613,25 @@
       </p:sp>
     </p:spTree>
   </p:cSld>
+  <p:clrMapOvr>
+    <a:masterClrMapping/>
+  </p:clrMapOvr>
   <p:timing>
     <p:tnLst>
       <p:par>
-        <p:cTn id="7" dur="indefinite" restart="never" nodeType="tmRoot">
+        <p:cTn id="1" dur="indefinite" restart="never" nodeType="tmRoot">
           <p:childTnLst>
             <p:seq>
-              <p:cTn id="8" dur="indefinite" nodeType="mainSeq"/>
+              <p:cTn id="2" dur="indefinite" nodeType="mainSeq"/>
               <p:prevCondLst>
-                <p:cond delay="0" evt="onPrev">
+                <p:cond evt="onPrev" delay="0">
                   <p:tgtEl>
                     <p:sldTgt/>
                   </p:tgtEl>
                 </p:cond>
               </p:prevCondLst>
               <p:nextCondLst>
-                <p:cond delay="0" evt="onNext">
+                <p:cond evt="onNext" delay="0">
                   <p:tgtEl>
                     <p:sldTgt/>
                   </p:tgtEl>
@@ -6451,7 +7647,7 @@
 </file>
 
 <file path=ppt/slides/slide5.xml><?xml version="1.0" encoding="utf-8"?>
-<p:sld xmlns:a="http://schemas.openxmlformats.org/drawingml/2006/main" xmlns:p="http://schemas.openxmlformats.org/presentationml/2006/main" xmlns:r="http://schemas.openxmlformats.org/officeDocument/2006/relationships" xmlns:p14="http://schemas.microsoft.com/office/powerpoint/2010/main" xmlns:p15="http://schemas.microsoft.com/office/powerpoint/2012/main" xmlns:mc="http://schemas.openxmlformats.org/markup-compatibility/2006">
+<p:sld xmlns:a="http://schemas.openxmlformats.org/drawingml/2006/main" xmlns:r="http://schemas.openxmlformats.org/officeDocument/2006/relationships" xmlns:p="http://schemas.openxmlformats.org/presentationml/2006/main">
   <p:cSld>
     <p:spTree>
       <p:nvGrpSpPr>
@@ -6487,13 +7683,20 @@
           </a:ln>
         </p:spPr>
         <p:style>
-          <a:lnRef idx="0"/>
-          <a:fillRef idx="0"/>
-          <a:effectRef idx="0"/>
+          <a:lnRef idx="0">
+            <a:scrgbClr r="0" g="0" b="0"/>
+          </a:lnRef>
+          <a:fillRef idx="0">
+            <a:scrgbClr r="0" g="0" b="0"/>
+          </a:fillRef>
+          <a:effectRef idx="0">
+            <a:scrgbClr r="0" g="0" b="0"/>
+          </a:effectRef>
           <a:fontRef idx="minor"/>
         </p:style>
         <p:txBody>
-          <a:bodyPr lIns="0" rIns="0" tIns="0" bIns="0" anchor="ctr"/>
+          <a:bodyPr lIns="0" tIns="0" rIns="0" bIns="0" anchor="ctr"/>
+          <a:lstStyle/>
           <a:p>
             <a:pPr algn="ctr">
               <a:lnSpc>
@@ -6501,7 +7704,7 @@
               </a:lnSpc>
             </a:pPr>
             <a:r>
-              <a:rPr b="0" lang="cs-CZ" sz="4400" spc="-1" strike="noStrike">
+              <a:rPr lang="cs-CZ" sz="4400" b="0" strike="noStrike" spc="-1">
                 <a:solidFill>
                   <a:srgbClr val="000000"/>
                 </a:solidFill>
@@ -6510,7 +7713,7 @@
               </a:rPr>
               <a:t>Další funkce pro display</a:t>
             </a:r>
-            <a:endParaRPr b="0" lang="cs-CZ" sz="4400" spc="-1" strike="noStrike">
+            <a:endParaRPr lang="cs-CZ" sz="4400" b="0" strike="noStrike" spc="-1">
               <a:latin typeface="Arial"/>
             </a:endParaRPr>
           </a:p>
@@ -6536,15 +7739,22 @@
           </a:ln>
         </p:spPr>
         <p:style>
-          <a:lnRef idx="0"/>
-          <a:fillRef idx="0"/>
-          <a:effectRef idx="0"/>
+          <a:lnRef idx="0">
+            <a:scrgbClr r="0" g="0" b="0"/>
+          </a:lnRef>
+          <a:fillRef idx="0">
+            <a:scrgbClr r="0" g="0" b="0"/>
+          </a:fillRef>
+          <a:effectRef idx="0">
+            <a:scrgbClr r="0" g="0" b="0"/>
+          </a:effectRef>
           <a:fontRef idx="minor"/>
         </p:style>
         <p:txBody>
-          <a:bodyPr lIns="0" rIns="0" tIns="0" bIns="0">
+          <a:bodyPr lIns="0" tIns="0" rIns="0" bIns="0">
             <a:normAutofit/>
           </a:bodyPr>
+          <a:lstStyle/>
           <a:p>
             <a:pPr>
               <a:lnSpc>
@@ -6552,7 +7762,7 @@
               </a:lnSpc>
             </a:pPr>
             <a:r>
-              <a:rPr b="0" lang="cs-CZ" sz="3200" spc="-1" strike="noStrike">
+              <a:rPr lang="cs-CZ" sz="3200" b="0" strike="noStrike" spc="-1">
                 <a:solidFill>
                   <a:srgbClr val="008000"/>
                 </a:solidFill>
@@ -6562,7 +7772,7 @@
               <a:t>from</a:t>
             </a:r>
             <a:r>
-              <a:rPr b="0" lang="cs-CZ" sz="3200" spc="-1" strike="noStrike">
+              <a:rPr lang="cs-CZ" sz="3200" b="0" strike="noStrike" spc="-1">
                 <a:solidFill>
                   <a:srgbClr val="000000"/>
                 </a:solidFill>
@@ -6572,9 +7782,9 @@
               <a:t> </a:t>
             </a:r>
             <a:r>
-              <a:rPr b="0" lang="cs-CZ" sz="3200" spc="-1" strike="noStrike">
-                <a:solidFill>
-                  <a:srgbClr val="0000ff"/>
+              <a:rPr lang="cs-CZ" sz="3200" b="0" strike="noStrike" spc="-1">
+                <a:solidFill>
+                  <a:srgbClr val="0000FF"/>
                 </a:solidFill>
                 <a:latin typeface="Courier New"/>
                 <a:ea typeface="DejaVu Sans"/>
@@ -6582,7 +7792,7 @@
               <a:t>microbit</a:t>
             </a:r>
             <a:r>
-              <a:rPr b="0" lang="cs-CZ" sz="3200" spc="-1" strike="noStrike">
+              <a:rPr lang="cs-CZ" sz="3200" b="0" strike="noStrike" spc="-1">
                 <a:solidFill>
                   <a:srgbClr val="000000"/>
                 </a:solidFill>
@@ -6592,7 +7802,7 @@
               <a:t> </a:t>
             </a:r>
             <a:r>
-              <a:rPr b="0" lang="cs-CZ" sz="3200" spc="-1" strike="noStrike">
+              <a:rPr lang="cs-CZ" sz="3200" b="0" strike="noStrike" spc="-1">
                 <a:solidFill>
                   <a:srgbClr val="008000"/>
                 </a:solidFill>
@@ -6602,7 +7812,7 @@
               <a:t>import</a:t>
             </a:r>
             <a:r>
-              <a:rPr b="0" lang="cs-CZ" sz="3200" spc="-1" strike="noStrike">
+              <a:rPr lang="cs-CZ" sz="3200" b="0" strike="noStrike" spc="-1">
                 <a:solidFill>
                   <a:srgbClr val="000000"/>
                 </a:solidFill>
@@ -6612,7 +7822,7 @@
               <a:t> </a:t>
             </a:r>
             <a:r>
-              <a:rPr b="0" lang="cs-CZ" sz="3200" spc="-1" strike="noStrike">
+              <a:rPr lang="cs-CZ" sz="3200" b="0" strike="noStrike" spc="-1">
                 <a:solidFill>
                   <a:srgbClr val="666666"/>
                 </a:solidFill>
@@ -6621,7 +7831,7 @@
               </a:rPr>
               <a:t>*</a:t>
             </a:r>
-            <a:endParaRPr b="0" lang="cs-CZ" sz="3200" spc="-1" strike="noStrike">
+            <a:endParaRPr lang="cs-CZ" sz="3200" b="0" strike="noStrike" spc="-1">
               <a:latin typeface="Arial"/>
             </a:endParaRPr>
           </a:p>
@@ -6632,7 +7842,7 @@
               </a:lnSpc>
             </a:pPr>
             <a:r>
-              <a:rPr b="0" lang="cs-CZ" sz="3200" spc="-1" strike="noStrike">
+              <a:rPr lang="cs-CZ" sz="3200" b="0" strike="noStrike" spc="-1">
                 <a:solidFill>
                   <a:srgbClr val="000000"/>
                 </a:solidFill>
@@ -6642,7 +7852,7 @@
               <a:t>display</a:t>
             </a:r>
             <a:r>
-              <a:rPr b="0" lang="cs-CZ" sz="3200" spc="-1" strike="noStrike">
+              <a:rPr lang="cs-CZ" sz="3200" b="0" strike="noStrike" spc="-1">
                 <a:solidFill>
                   <a:srgbClr val="666666"/>
                 </a:solidFill>
@@ -6652,7 +7862,7 @@
               <a:t>.</a:t>
             </a:r>
             <a:r>
-              <a:rPr b="0" lang="cs-CZ" sz="3200" spc="-1" strike="noStrike">
+              <a:rPr lang="cs-CZ" sz="3200" b="0" strike="noStrike" spc="-1">
                 <a:solidFill>
                   <a:srgbClr val="000000"/>
                 </a:solidFill>
@@ -6662,9 +7872,9 @@
               <a:t>show(</a:t>
             </a:r>
             <a:r>
-              <a:rPr b="0" lang="cs-CZ" sz="3200" spc="-1" strike="noStrike">
-                <a:solidFill>
-                  <a:srgbClr val="ba2121"/>
+              <a:rPr lang="cs-CZ" sz="3200" b="0" strike="noStrike" spc="-1">
+                <a:solidFill>
+                  <a:srgbClr val="BA2121"/>
                 </a:solidFill>
                 <a:latin typeface="Courier New"/>
                 <a:ea typeface="DejaVu Sans"/>
@@ -6672,7 +7882,7 @@
               <a:t>"X"</a:t>
             </a:r>
             <a:r>
-              <a:rPr b="0" lang="cs-CZ" sz="3200" spc="-1" strike="noStrike">
+              <a:rPr lang="cs-CZ" sz="3200" b="0" strike="noStrike" spc="-1">
                 <a:solidFill>
                   <a:srgbClr val="000000"/>
                 </a:solidFill>
@@ -6681,7 +7891,7 @@
               </a:rPr>
               <a:t>)</a:t>
             </a:r>
-            <a:endParaRPr b="0" lang="cs-CZ" sz="3200" spc="-1" strike="noStrike">
+            <a:endParaRPr lang="cs-CZ" sz="3200" b="0" strike="noStrike" spc="-1">
               <a:latin typeface="Arial"/>
             </a:endParaRPr>
           </a:p>
@@ -6692,7 +7902,7 @@
               </a:lnSpc>
             </a:pPr>
             <a:r>
-              <a:rPr b="0" lang="cs-CZ" sz="3200" spc="-1" strike="noStrike">
+              <a:rPr lang="cs-CZ" sz="3200" b="0" strike="noStrike" spc="-1">
                 <a:solidFill>
                   <a:srgbClr val="000000"/>
                 </a:solidFill>
@@ -6702,7 +7912,7 @@
               <a:t>sleep(</a:t>
             </a:r>
             <a:r>
-              <a:rPr b="0" lang="cs-CZ" sz="3200" spc="-1" strike="noStrike">
+              <a:rPr lang="cs-CZ" sz="3200" b="0" strike="noStrike" spc="-1">
                 <a:solidFill>
                   <a:srgbClr val="666666"/>
                 </a:solidFill>
@@ -6712,7 +7922,7 @@
               <a:t>1000</a:t>
             </a:r>
             <a:r>
-              <a:rPr b="0" lang="cs-CZ" sz="3200" spc="-1" strike="noStrike">
+              <a:rPr lang="cs-CZ" sz="3200" b="0" strike="noStrike" spc="-1">
                 <a:solidFill>
                   <a:srgbClr val="000000"/>
                 </a:solidFill>
@@ -6721,7 +7931,7 @@
               </a:rPr>
               <a:t>)</a:t>
             </a:r>
-            <a:endParaRPr b="0" lang="cs-CZ" sz="3200" spc="-1" strike="noStrike">
+            <a:endParaRPr lang="cs-CZ" sz="3200" b="0" strike="noStrike" spc="-1">
               <a:latin typeface="Arial"/>
             </a:endParaRPr>
           </a:p>
@@ -6732,7 +7942,7 @@
               </a:lnSpc>
             </a:pPr>
             <a:r>
-              <a:rPr b="0" lang="cs-CZ" sz="3200" spc="-1" strike="noStrike">
+              <a:rPr lang="cs-CZ" sz="3200" b="0" strike="noStrike" spc="-1">
                 <a:solidFill>
                   <a:srgbClr val="000000"/>
                 </a:solidFill>
@@ -6742,7 +7952,7 @@
               <a:t>display</a:t>
             </a:r>
             <a:r>
-              <a:rPr b="0" lang="cs-CZ" sz="3200" spc="-1" strike="noStrike">
+              <a:rPr lang="cs-CZ" sz="3200" b="0" strike="noStrike" spc="-1">
                 <a:solidFill>
                   <a:srgbClr val="666666"/>
                 </a:solidFill>
@@ -6752,7 +7962,7 @@
               <a:t>.</a:t>
             </a:r>
             <a:r>
-              <a:rPr b="0" lang="cs-CZ" sz="3200" spc="-1" strike="noStrike">
+              <a:rPr lang="cs-CZ" sz="3200" b="0" strike="noStrike" spc="-1">
                 <a:solidFill>
                   <a:srgbClr val="000000"/>
                 </a:solidFill>
@@ -6761,7 +7971,7 @@
               </a:rPr>
               <a:t>clear()</a:t>
             </a:r>
-            <a:endParaRPr b="0" lang="cs-CZ" sz="3200" spc="-1" strike="noStrike">
+            <a:endParaRPr lang="cs-CZ" sz="3200" b="0" strike="noStrike" spc="-1">
               <a:latin typeface="Arial"/>
             </a:endParaRPr>
           </a:p>
@@ -6769,22 +7979,25 @@
       </p:sp>
     </p:spTree>
   </p:cSld>
+  <p:clrMapOvr>
+    <a:masterClrMapping/>
+  </p:clrMapOvr>
   <p:timing>
     <p:tnLst>
       <p:par>
-        <p:cTn id="9" dur="indefinite" restart="never" nodeType="tmRoot">
+        <p:cTn id="1" dur="indefinite" restart="never" nodeType="tmRoot">
           <p:childTnLst>
             <p:seq>
-              <p:cTn id="10" dur="indefinite" nodeType="mainSeq"/>
+              <p:cTn id="2" dur="indefinite" nodeType="mainSeq"/>
               <p:prevCondLst>
-                <p:cond delay="0" evt="onPrev">
+                <p:cond evt="onPrev" delay="0">
                   <p:tgtEl>
                     <p:sldTgt/>
                   </p:tgtEl>
                 </p:cond>
               </p:prevCondLst>
               <p:nextCondLst>
-                <p:cond delay="0" evt="onNext">
+                <p:cond evt="onNext" delay="0">
                   <p:tgtEl>
                     <p:sldTgt/>
                   </p:tgtEl>
@@ -6810,31 +8023,31 @@
         <a:sysClr val="window" lastClr="FFFFFF"/>
       </a:lt1>
       <a:dk2>
-        <a:srgbClr val="1f497d"/>
+        <a:srgbClr val="1F497D"/>
       </a:dk2>
       <a:lt2>
-        <a:srgbClr val="eeece1"/>
+        <a:srgbClr val="EEECE1"/>
       </a:lt2>
       <a:accent1>
-        <a:srgbClr val="4f81bd"/>
+        <a:srgbClr val="4F81BD"/>
       </a:accent1>
       <a:accent2>
-        <a:srgbClr val="c0504d"/>
+        <a:srgbClr val="C0504D"/>
       </a:accent2>
       <a:accent3>
-        <a:srgbClr val="9bbb59"/>
+        <a:srgbClr val="9BBB59"/>
       </a:accent3>
       <a:accent4>
-        <a:srgbClr val="8064a2"/>
+        <a:srgbClr val="8064A2"/>
       </a:accent4>
       <a:accent5>
-        <a:srgbClr val="4bacc6"/>
+        <a:srgbClr val="4BACC6"/>
       </a:accent5>
       <a:accent6>
-        <a:srgbClr val="f79646"/>
+        <a:srgbClr val="F79646"/>
       </a:accent6>
       <a:hlink>
-        <a:srgbClr val="0000ff"/>
+        <a:srgbClr val="0000FF"/>
       </a:hlink>
       <a:folHlink>
         <a:srgbClr val="800080"/>
@@ -7019,6 +8232,8 @@
       </a:bgFillStyleLst>
     </a:fmtScheme>
   </a:themeElements>
+  <a:objectDefaults/>
+  <a:extraClrSchemeLst/>
 </a:theme>
 </file>
 
@@ -7033,31 +8248,31 @@
         <a:sysClr val="window" lastClr="FFFFFF"/>
       </a:lt1>
       <a:dk2>
-        <a:srgbClr val="1f497d"/>
+        <a:srgbClr val="1F497D"/>
       </a:dk2>
       <a:lt2>
-        <a:srgbClr val="eeece1"/>
+        <a:srgbClr val="EEECE1"/>
       </a:lt2>
       <a:accent1>
-        <a:srgbClr val="4f81bd"/>
+        <a:srgbClr val="4F81BD"/>
       </a:accent1>
       <a:accent2>
-        <a:srgbClr val="c0504d"/>
+        <a:srgbClr val="C0504D"/>
       </a:accent2>
       <a:accent3>
-        <a:srgbClr val="9bbb59"/>
+        <a:srgbClr val="9BBB59"/>
       </a:accent3>
       <a:accent4>
-        <a:srgbClr val="8064a2"/>
+        <a:srgbClr val="8064A2"/>
       </a:accent4>
       <a:accent5>
-        <a:srgbClr val="4bacc6"/>
+        <a:srgbClr val="4BACC6"/>
       </a:accent5>
       <a:accent6>
-        <a:srgbClr val="f79646"/>
+        <a:srgbClr val="F79646"/>
       </a:accent6>
       <a:hlink>
-        <a:srgbClr val="0000ff"/>
+        <a:srgbClr val="0000FF"/>
       </a:hlink>
       <a:folHlink>
         <a:srgbClr val="800080"/>
@@ -7242,6 +8457,8 @@
       </a:bgFillStyleLst>
     </a:fmtScheme>
   </a:themeElements>
+  <a:objectDefaults/>
+  <a:extraClrSchemeLst/>
 </a:theme>
 </file>
 
@@ -7256,31 +8473,31 @@
         <a:sysClr val="window" lastClr="FFFFFF"/>
       </a:lt1>
       <a:dk2>
-        <a:srgbClr val="1f497d"/>
+        <a:srgbClr val="1F497D"/>
       </a:dk2>
       <a:lt2>
-        <a:srgbClr val="eeece1"/>
+        <a:srgbClr val="EEECE1"/>
       </a:lt2>
       <a:accent1>
-        <a:srgbClr val="4f81bd"/>
+        <a:srgbClr val="4F81BD"/>
       </a:accent1>
       <a:accent2>
-        <a:srgbClr val="c0504d"/>
+        <a:srgbClr val="C0504D"/>
       </a:accent2>
       <a:accent3>
-        <a:srgbClr val="9bbb59"/>
+        <a:srgbClr val="9BBB59"/>
       </a:accent3>
       <a:accent4>
-        <a:srgbClr val="8064a2"/>
+        <a:srgbClr val="8064A2"/>
       </a:accent4>
       <a:accent5>
-        <a:srgbClr val="4bacc6"/>
+        <a:srgbClr val="4BACC6"/>
       </a:accent5>
       <a:accent6>
-        <a:srgbClr val="f79646"/>
+        <a:srgbClr val="F79646"/>
       </a:accent6>
       <a:hlink>
-        <a:srgbClr val="0000ff"/>
+        <a:srgbClr val="0000FF"/>
       </a:hlink>
       <a:folHlink>
         <a:srgbClr val="800080"/>
@@ -7465,5 +8682,7 @@
       </a:bgFillStyleLst>
     </a:fmtScheme>
   </a:themeElements>
+  <a:objectDefaults/>
+  <a:extraClrSchemeLst/>
 </a:theme>
 </file>